--- a/230726OralProjetUMLMaquette/MeinProjekt_CDC.pptx
+++ b/230726OralProjetUMLMaquette/MeinProjekt_CDC.pptx
@@ -22,9 +22,10 @@
     <p:sldId id="269" r:id="rId17"/>
     <p:sldId id="270" r:id="rId18"/>
     <p:sldId id="271" r:id="rId19"/>
+    <p:sldId id="272" r:id="rId20"/>
   </p:sldIdLst>
   <p:sldSz cx="10080625" cy="5670550"/>
-  <p:notesSz cx="7559675" cy="10691813"/>
+  <p:notesSz cx="7559675" cy="10691812"/>
 </p:presentation>
 </file>
 
@@ -79,16 +80,12 @@
         </p:nvSpPr>
         <p:spPr>
           <a:xfrm>
-            <a:off x="504000" y="226080"/>
-            <a:ext cx="9071280" cy="946080"/>
-          </a:xfrm>
-          <a:prstGeom prst="rect">
-            <a:avLst/>
-          </a:prstGeom>
-          <a:noFill/>
-          <a:ln w="0">
-            <a:noFill/>
-          </a:ln>
+            <a:off x="503640" y="225720"/>
+            <a:ext cx="9071280" cy="946440"/>
+          </a:xfrm>
+          <a:prstGeom prst="rect">
+            <a:avLst/>
+          </a:prstGeom>
         </p:spPr>
         <p:txBody>
           <a:bodyPr lIns="0" rIns="0" tIns="0" bIns="0" anchor="ctr">
@@ -109,24 +106,20 @@
             <a:spLocks noGrp="1"/>
           </p:cNvSpPr>
           <p:nvPr>
-            <p:ph/>
+            <p:ph type="body"/>
           </p:nvPr>
         </p:nvSpPr>
         <p:spPr>
           <a:xfrm>
-            <a:off x="504000" y="1326600"/>
+            <a:off x="503640" y="1326240"/>
             <a:ext cx="9071280" cy="1568160"/>
           </a:xfrm>
           <a:prstGeom prst="rect">
             <a:avLst/>
           </a:prstGeom>
-          <a:noFill/>
-          <a:ln w="0">
-            <a:noFill/>
-          </a:ln>
-        </p:spPr>
-        <p:txBody>
-          <a:bodyPr lIns="0" rIns="0" tIns="0" bIns="0" anchor="t">
+        </p:spPr>
+        <p:txBody>
+          <a:bodyPr lIns="0" rIns="0" tIns="0" bIns="0">
             <a:normAutofit/>
           </a:bodyPr>
           <a:p>
@@ -143,24 +136,20 @@
             <a:spLocks noGrp="1"/>
           </p:cNvSpPr>
           <p:nvPr>
-            <p:ph/>
+            <p:ph type="body"/>
           </p:nvPr>
         </p:nvSpPr>
         <p:spPr>
           <a:xfrm>
-            <a:off x="504000" y="3044160"/>
+            <a:off x="503640" y="3043800"/>
             <a:ext cx="9071280" cy="1568160"/>
           </a:xfrm>
           <a:prstGeom prst="rect">
             <a:avLst/>
           </a:prstGeom>
-          <a:noFill/>
-          <a:ln w="0">
-            <a:noFill/>
-          </a:ln>
-        </p:spPr>
-        <p:txBody>
-          <a:bodyPr lIns="0" rIns="0" tIns="0" bIns="0" anchor="t">
+        </p:spPr>
+        <p:txBody>
+          <a:bodyPr lIns="0" rIns="0" tIns="0" bIns="0">
             <a:normAutofit/>
           </a:bodyPr>
           <a:p>
@@ -204,16 +193,12 @@
         </p:nvSpPr>
         <p:spPr>
           <a:xfrm>
-            <a:off x="504000" y="226080"/>
-            <a:ext cx="9071280" cy="946080"/>
-          </a:xfrm>
-          <a:prstGeom prst="rect">
-            <a:avLst/>
-          </a:prstGeom>
-          <a:noFill/>
-          <a:ln w="0">
-            <a:noFill/>
-          </a:ln>
+            <a:off x="503640" y="225720"/>
+            <a:ext cx="9071280" cy="946440"/>
+          </a:xfrm>
+          <a:prstGeom prst="rect">
+            <a:avLst/>
+          </a:prstGeom>
         </p:spPr>
         <p:txBody>
           <a:bodyPr lIns="0" rIns="0" tIns="0" bIns="0" anchor="ctr">
@@ -234,24 +219,20 @@
             <a:spLocks noGrp="1"/>
           </p:cNvSpPr>
           <p:nvPr>
-            <p:ph/>
+            <p:ph type="body"/>
           </p:nvPr>
         </p:nvSpPr>
         <p:spPr>
           <a:xfrm>
-            <a:off x="504000" y="1326600"/>
+            <a:off x="503640" y="1326240"/>
             <a:ext cx="4426560" cy="1568160"/>
           </a:xfrm>
           <a:prstGeom prst="rect">
             <a:avLst/>
           </a:prstGeom>
-          <a:noFill/>
-          <a:ln w="0">
-            <a:noFill/>
-          </a:ln>
-        </p:spPr>
-        <p:txBody>
-          <a:bodyPr lIns="0" rIns="0" tIns="0" bIns="0" anchor="t">
+        </p:spPr>
+        <p:txBody>
+          <a:bodyPr lIns="0" rIns="0" tIns="0" bIns="0">
             <a:normAutofit/>
           </a:bodyPr>
           <a:p>
@@ -268,24 +249,20 @@
             <a:spLocks noGrp="1"/>
           </p:cNvSpPr>
           <p:nvPr>
-            <p:ph/>
+            <p:ph type="body"/>
           </p:nvPr>
         </p:nvSpPr>
         <p:spPr>
           <a:xfrm>
-            <a:off x="5152320" y="1326600"/>
+            <a:off x="5151960" y="1326240"/>
             <a:ext cx="4426560" cy="1568160"/>
           </a:xfrm>
           <a:prstGeom prst="rect">
             <a:avLst/>
           </a:prstGeom>
-          <a:noFill/>
-          <a:ln w="0">
-            <a:noFill/>
-          </a:ln>
-        </p:spPr>
-        <p:txBody>
-          <a:bodyPr lIns="0" rIns="0" tIns="0" bIns="0" anchor="t">
+        </p:spPr>
+        <p:txBody>
+          <a:bodyPr lIns="0" rIns="0" tIns="0" bIns="0">
             <a:normAutofit/>
           </a:bodyPr>
           <a:p>
@@ -302,24 +279,20 @@
             <a:spLocks noGrp="1"/>
           </p:cNvSpPr>
           <p:nvPr>
-            <p:ph/>
+            <p:ph type="body"/>
           </p:nvPr>
         </p:nvSpPr>
         <p:spPr>
           <a:xfrm>
-            <a:off x="504000" y="3044160"/>
+            <a:off x="503640" y="3043800"/>
             <a:ext cx="4426560" cy="1568160"/>
           </a:xfrm>
           <a:prstGeom prst="rect">
             <a:avLst/>
           </a:prstGeom>
-          <a:noFill/>
-          <a:ln w="0">
-            <a:noFill/>
-          </a:ln>
-        </p:spPr>
-        <p:txBody>
-          <a:bodyPr lIns="0" rIns="0" tIns="0" bIns="0" anchor="t">
+        </p:spPr>
+        <p:txBody>
+          <a:bodyPr lIns="0" rIns="0" tIns="0" bIns="0">
             <a:normAutofit/>
           </a:bodyPr>
           <a:p>
@@ -336,24 +309,20 @@
             <a:spLocks noGrp="1"/>
           </p:cNvSpPr>
           <p:nvPr>
-            <p:ph/>
+            <p:ph type="body"/>
           </p:nvPr>
         </p:nvSpPr>
         <p:spPr>
           <a:xfrm>
-            <a:off x="5152320" y="3044160"/>
+            <a:off x="5151960" y="3043800"/>
             <a:ext cx="4426560" cy="1568160"/>
           </a:xfrm>
           <a:prstGeom prst="rect">
             <a:avLst/>
           </a:prstGeom>
-          <a:noFill/>
-          <a:ln w="0">
-            <a:noFill/>
-          </a:ln>
-        </p:spPr>
-        <p:txBody>
-          <a:bodyPr lIns="0" rIns="0" tIns="0" bIns="0" anchor="t">
+        </p:spPr>
+        <p:txBody>
+          <a:bodyPr lIns="0" rIns="0" tIns="0" bIns="0">
             <a:normAutofit/>
           </a:bodyPr>
           <a:p>
@@ -397,16 +366,12 @@
         </p:nvSpPr>
         <p:spPr>
           <a:xfrm>
-            <a:off x="504000" y="226080"/>
-            <a:ext cx="9071280" cy="946080"/>
-          </a:xfrm>
-          <a:prstGeom prst="rect">
-            <a:avLst/>
-          </a:prstGeom>
-          <a:noFill/>
-          <a:ln w="0">
-            <a:noFill/>
-          </a:ln>
+            <a:off x="503640" y="225720"/>
+            <a:ext cx="9071280" cy="946440"/>
+          </a:xfrm>
+          <a:prstGeom prst="rect">
+            <a:avLst/>
+          </a:prstGeom>
         </p:spPr>
         <p:txBody>
           <a:bodyPr lIns="0" rIns="0" tIns="0" bIns="0" anchor="ctr">
@@ -427,24 +392,20 @@
             <a:spLocks noGrp="1"/>
           </p:cNvSpPr>
           <p:nvPr>
-            <p:ph/>
+            <p:ph type="body"/>
           </p:nvPr>
         </p:nvSpPr>
         <p:spPr>
           <a:xfrm>
-            <a:off x="504000" y="1326600"/>
+            <a:off x="503640" y="1326240"/>
             <a:ext cx="2920680" cy="1568160"/>
           </a:xfrm>
           <a:prstGeom prst="rect">
             <a:avLst/>
           </a:prstGeom>
-          <a:noFill/>
-          <a:ln w="0">
-            <a:noFill/>
-          </a:ln>
-        </p:spPr>
-        <p:txBody>
-          <a:bodyPr lIns="0" rIns="0" tIns="0" bIns="0" anchor="t">
+        </p:spPr>
+        <p:txBody>
+          <a:bodyPr lIns="0" rIns="0" tIns="0" bIns="0">
             <a:normAutofit/>
           </a:bodyPr>
           <a:p>
@@ -461,24 +422,20 @@
             <a:spLocks noGrp="1"/>
           </p:cNvSpPr>
           <p:nvPr>
-            <p:ph/>
+            <p:ph type="body"/>
           </p:nvPr>
         </p:nvSpPr>
         <p:spPr>
           <a:xfrm>
-            <a:off x="3571200" y="1326600"/>
+            <a:off x="3570840" y="1326240"/>
             <a:ext cx="2920680" cy="1568160"/>
           </a:xfrm>
           <a:prstGeom prst="rect">
             <a:avLst/>
           </a:prstGeom>
-          <a:noFill/>
-          <a:ln w="0">
-            <a:noFill/>
-          </a:ln>
-        </p:spPr>
-        <p:txBody>
-          <a:bodyPr lIns="0" rIns="0" tIns="0" bIns="0" anchor="t">
+        </p:spPr>
+        <p:txBody>
+          <a:bodyPr lIns="0" rIns="0" tIns="0" bIns="0">
             <a:normAutofit/>
           </a:bodyPr>
           <a:p>
@@ -495,24 +452,20 @@
             <a:spLocks noGrp="1"/>
           </p:cNvSpPr>
           <p:nvPr>
-            <p:ph/>
+            <p:ph type="body"/>
           </p:nvPr>
         </p:nvSpPr>
         <p:spPr>
           <a:xfrm>
-            <a:off x="6638040" y="1326600"/>
+            <a:off x="6637680" y="1326240"/>
             <a:ext cx="2920680" cy="1568160"/>
           </a:xfrm>
           <a:prstGeom prst="rect">
             <a:avLst/>
           </a:prstGeom>
-          <a:noFill/>
-          <a:ln w="0">
-            <a:noFill/>
-          </a:ln>
-        </p:spPr>
-        <p:txBody>
-          <a:bodyPr lIns="0" rIns="0" tIns="0" bIns="0" anchor="t">
+        </p:spPr>
+        <p:txBody>
+          <a:bodyPr lIns="0" rIns="0" tIns="0" bIns="0">
             <a:normAutofit/>
           </a:bodyPr>
           <a:p>
@@ -529,24 +482,20 @@
             <a:spLocks noGrp="1"/>
           </p:cNvSpPr>
           <p:nvPr>
-            <p:ph/>
+            <p:ph type="body"/>
           </p:nvPr>
         </p:nvSpPr>
         <p:spPr>
           <a:xfrm>
-            <a:off x="504000" y="3044160"/>
+            <a:off x="503640" y="3043800"/>
             <a:ext cx="2920680" cy="1568160"/>
           </a:xfrm>
           <a:prstGeom prst="rect">
             <a:avLst/>
           </a:prstGeom>
-          <a:noFill/>
-          <a:ln w="0">
-            <a:noFill/>
-          </a:ln>
-        </p:spPr>
-        <p:txBody>
-          <a:bodyPr lIns="0" rIns="0" tIns="0" bIns="0" anchor="t">
+        </p:spPr>
+        <p:txBody>
+          <a:bodyPr lIns="0" rIns="0" tIns="0" bIns="0">
             <a:normAutofit/>
           </a:bodyPr>
           <a:p>
@@ -563,24 +512,20 @@
             <a:spLocks noGrp="1"/>
           </p:cNvSpPr>
           <p:nvPr>
-            <p:ph/>
+            <p:ph type="body"/>
           </p:nvPr>
         </p:nvSpPr>
         <p:spPr>
           <a:xfrm>
-            <a:off x="3571200" y="3044160"/>
+            <a:off x="3570840" y="3043800"/>
             <a:ext cx="2920680" cy="1568160"/>
           </a:xfrm>
           <a:prstGeom prst="rect">
             <a:avLst/>
           </a:prstGeom>
-          <a:noFill/>
-          <a:ln w="0">
-            <a:noFill/>
-          </a:ln>
-        </p:spPr>
-        <p:txBody>
-          <a:bodyPr lIns="0" rIns="0" tIns="0" bIns="0" anchor="t">
+        </p:spPr>
+        <p:txBody>
+          <a:bodyPr lIns="0" rIns="0" tIns="0" bIns="0">
             <a:normAutofit/>
           </a:bodyPr>
           <a:p>
@@ -597,24 +542,20 @@
             <a:spLocks noGrp="1"/>
           </p:cNvSpPr>
           <p:nvPr>
-            <p:ph/>
+            <p:ph type="body"/>
           </p:nvPr>
         </p:nvSpPr>
         <p:spPr>
           <a:xfrm>
-            <a:off x="6638040" y="3044160"/>
+            <a:off x="6637680" y="3043800"/>
             <a:ext cx="2920680" cy="1568160"/>
           </a:xfrm>
           <a:prstGeom prst="rect">
             <a:avLst/>
           </a:prstGeom>
-          <a:noFill/>
-          <a:ln w="0">
-            <a:noFill/>
-          </a:ln>
-        </p:spPr>
-        <p:txBody>
-          <a:bodyPr lIns="0" rIns="0" tIns="0" bIns="0" anchor="t">
+        </p:spPr>
+        <p:txBody>
+          <a:bodyPr lIns="0" rIns="0" tIns="0" bIns="0">
             <a:normAutofit/>
           </a:bodyPr>
           <a:p>
@@ -680,16 +621,12 @@
         </p:nvSpPr>
         <p:spPr>
           <a:xfrm>
-            <a:off x="504000" y="226080"/>
-            <a:ext cx="9071280" cy="946080"/>
-          </a:xfrm>
-          <a:prstGeom prst="rect">
-            <a:avLst/>
-          </a:prstGeom>
-          <a:noFill/>
-          <a:ln w="0">
-            <a:noFill/>
-          </a:ln>
+            <a:off x="503640" y="225720"/>
+            <a:ext cx="9071280" cy="946440"/>
+          </a:xfrm>
+          <a:prstGeom prst="rect">
+            <a:avLst/>
+          </a:prstGeom>
         </p:spPr>
         <p:txBody>
           <a:bodyPr lIns="0" rIns="0" tIns="0" bIns="0" anchor="ctr">
@@ -715,16 +652,12 @@
         </p:nvSpPr>
         <p:spPr>
           <a:xfrm>
-            <a:off x="504000" y="1326600"/>
-            <a:ext cx="9071280" cy="3287880"/>
-          </a:xfrm>
-          <a:prstGeom prst="rect">
-            <a:avLst/>
-          </a:prstGeom>
-          <a:noFill/>
-          <a:ln w="0">
-            <a:noFill/>
-          </a:ln>
+            <a:off x="503640" y="1326240"/>
+            <a:ext cx="9071280" cy="3288240"/>
+          </a:xfrm>
+          <a:prstGeom prst="rect">
+            <a:avLst/>
+          </a:prstGeom>
         </p:spPr>
         <p:txBody>
           <a:bodyPr lIns="0" rIns="0" tIns="0" bIns="0" anchor="ctr">
@@ -772,16 +705,12 @@
         </p:nvSpPr>
         <p:spPr>
           <a:xfrm>
-            <a:off x="504000" y="226080"/>
-            <a:ext cx="9071280" cy="946080"/>
-          </a:xfrm>
-          <a:prstGeom prst="rect">
-            <a:avLst/>
-          </a:prstGeom>
-          <a:noFill/>
-          <a:ln w="0">
-            <a:noFill/>
-          </a:ln>
+            <a:off x="503640" y="225720"/>
+            <a:ext cx="9071280" cy="946440"/>
+          </a:xfrm>
+          <a:prstGeom prst="rect">
+            <a:avLst/>
+          </a:prstGeom>
         </p:spPr>
         <p:txBody>
           <a:bodyPr lIns="0" rIns="0" tIns="0" bIns="0" anchor="ctr">
@@ -802,24 +731,20 @@
             <a:spLocks noGrp="1"/>
           </p:cNvSpPr>
           <p:nvPr>
-            <p:ph/>
+            <p:ph type="body"/>
           </p:nvPr>
         </p:nvSpPr>
         <p:spPr>
           <a:xfrm>
-            <a:off x="504000" y="1326600"/>
-            <a:ext cx="9071280" cy="3287880"/>
-          </a:xfrm>
-          <a:prstGeom prst="rect">
-            <a:avLst/>
-          </a:prstGeom>
-          <a:noFill/>
-          <a:ln w="0">
-            <a:noFill/>
-          </a:ln>
-        </p:spPr>
-        <p:txBody>
-          <a:bodyPr lIns="0" rIns="0" tIns="0" bIns="0" anchor="t">
+            <a:off x="503640" y="1326240"/>
+            <a:ext cx="9071280" cy="3288240"/>
+          </a:xfrm>
+          <a:prstGeom prst="rect">
+            <a:avLst/>
+          </a:prstGeom>
+        </p:spPr>
+        <p:txBody>
+          <a:bodyPr lIns="0" rIns="0" tIns="0" bIns="0">
             <a:normAutofit/>
           </a:bodyPr>
           <a:p>
@@ -863,16 +788,12 @@
         </p:nvSpPr>
         <p:spPr>
           <a:xfrm>
-            <a:off x="504000" y="226080"/>
-            <a:ext cx="9071280" cy="946080"/>
-          </a:xfrm>
-          <a:prstGeom prst="rect">
-            <a:avLst/>
-          </a:prstGeom>
-          <a:noFill/>
-          <a:ln w="0">
-            <a:noFill/>
-          </a:ln>
+            <a:off x="503640" y="225720"/>
+            <a:ext cx="9071280" cy="946440"/>
+          </a:xfrm>
+          <a:prstGeom prst="rect">
+            <a:avLst/>
+          </a:prstGeom>
         </p:spPr>
         <p:txBody>
           <a:bodyPr lIns="0" rIns="0" tIns="0" bIns="0" anchor="ctr">
@@ -893,24 +814,20 @@
             <a:spLocks noGrp="1"/>
           </p:cNvSpPr>
           <p:nvPr>
-            <p:ph/>
+            <p:ph type="body"/>
           </p:nvPr>
         </p:nvSpPr>
         <p:spPr>
           <a:xfrm>
-            <a:off x="504000" y="1326600"/>
-            <a:ext cx="4426560" cy="3287880"/>
-          </a:xfrm>
-          <a:prstGeom prst="rect">
-            <a:avLst/>
-          </a:prstGeom>
-          <a:noFill/>
-          <a:ln w="0">
-            <a:noFill/>
-          </a:ln>
-        </p:spPr>
-        <p:txBody>
-          <a:bodyPr lIns="0" rIns="0" tIns="0" bIns="0" anchor="t">
+            <a:off x="503640" y="1326240"/>
+            <a:ext cx="4426560" cy="3288240"/>
+          </a:xfrm>
+          <a:prstGeom prst="rect">
+            <a:avLst/>
+          </a:prstGeom>
+        </p:spPr>
+        <p:txBody>
+          <a:bodyPr lIns="0" rIns="0" tIns="0" bIns="0">
             <a:normAutofit/>
           </a:bodyPr>
           <a:p>
@@ -927,24 +844,20 @@
             <a:spLocks noGrp="1"/>
           </p:cNvSpPr>
           <p:nvPr>
-            <p:ph/>
+            <p:ph type="body"/>
           </p:nvPr>
         </p:nvSpPr>
         <p:spPr>
           <a:xfrm>
-            <a:off x="5152320" y="1326600"/>
-            <a:ext cx="4426560" cy="3287880"/>
-          </a:xfrm>
-          <a:prstGeom prst="rect">
-            <a:avLst/>
-          </a:prstGeom>
-          <a:noFill/>
-          <a:ln w="0">
-            <a:noFill/>
-          </a:ln>
-        </p:spPr>
-        <p:txBody>
-          <a:bodyPr lIns="0" rIns="0" tIns="0" bIns="0" anchor="t">
+            <a:off x="5151960" y="1326240"/>
+            <a:ext cx="4426560" cy="3288240"/>
+          </a:xfrm>
+          <a:prstGeom prst="rect">
+            <a:avLst/>
+          </a:prstGeom>
+        </p:spPr>
+        <p:txBody>
+          <a:bodyPr lIns="0" rIns="0" tIns="0" bIns="0">
             <a:normAutofit/>
           </a:bodyPr>
           <a:p>
@@ -988,16 +901,12 @@
         </p:nvSpPr>
         <p:spPr>
           <a:xfrm>
-            <a:off x="504000" y="226080"/>
-            <a:ext cx="9071280" cy="946080"/>
-          </a:xfrm>
-          <a:prstGeom prst="rect">
-            <a:avLst/>
-          </a:prstGeom>
-          <a:noFill/>
-          <a:ln w="0">
-            <a:noFill/>
-          </a:ln>
+            <a:off x="503640" y="225720"/>
+            <a:ext cx="9071280" cy="946440"/>
+          </a:xfrm>
+          <a:prstGeom prst="rect">
+            <a:avLst/>
+          </a:prstGeom>
         </p:spPr>
         <p:txBody>
           <a:bodyPr lIns="0" rIns="0" tIns="0" bIns="0" anchor="ctr">
@@ -1045,16 +954,12 @@
         </p:nvSpPr>
         <p:spPr>
           <a:xfrm>
-            <a:off x="504000" y="226080"/>
-            <a:ext cx="9071280" cy="4386600"/>
-          </a:xfrm>
-          <a:prstGeom prst="rect">
-            <a:avLst/>
-          </a:prstGeom>
-          <a:noFill/>
-          <a:ln w="0">
-            <a:noFill/>
-          </a:ln>
+            <a:off x="503640" y="225720"/>
+            <a:ext cx="9071280" cy="4388400"/>
+          </a:xfrm>
+          <a:prstGeom prst="rect">
+            <a:avLst/>
+          </a:prstGeom>
         </p:spPr>
         <p:txBody>
           <a:bodyPr lIns="0" rIns="0" tIns="0" bIns="0" anchor="ctr">
@@ -1102,16 +1007,12 @@
         </p:nvSpPr>
         <p:spPr>
           <a:xfrm>
-            <a:off x="504000" y="226080"/>
-            <a:ext cx="9071280" cy="946080"/>
-          </a:xfrm>
-          <a:prstGeom prst="rect">
-            <a:avLst/>
-          </a:prstGeom>
-          <a:noFill/>
-          <a:ln w="0">
-            <a:noFill/>
-          </a:ln>
+            <a:off x="503640" y="225720"/>
+            <a:ext cx="9071280" cy="946440"/>
+          </a:xfrm>
+          <a:prstGeom prst="rect">
+            <a:avLst/>
+          </a:prstGeom>
         </p:spPr>
         <p:txBody>
           <a:bodyPr lIns="0" rIns="0" tIns="0" bIns="0" anchor="ctr">
@@ -1132,24 +1033,20 @@
             <a:spLocks noGrp="1"/>
           </p:cNvSpPr>
           <p:nvPr>
-            <p:ph/>
+            <p:ph type="body"/>
           </p:nvPr>
         </p:nvSpPr>
         <p:spPr>
           <a:xfrm>
-            <a:off x="504000" y="1326600"/>
+            <a:off x="503640" y="1326240"/>
             <a:ext cx="4426560" cy="1568160"/>
           </a:xfrm>
           <a:prstGeom prst="rect">
             <a:avLst/>
           </a:prstGeom>
-          <a:noFill/>
-          <a:ln w="0">
-            <a:noFill/>
-          </a:ln>
-        </p:spPr>
-        <p:txBody>
-          <a:bodyPr lIns="0" rIns="0" tIns="0" bIns="0" anchor="t">
+        </p:spPr>
+        <p:txBody>
+          <a:bodyPr lIns="0" rIns="0" tIns="0" bIns="0">
             <a:normAutofit/>
           </a:bodyPr>
           <a:p>
@@ -1166,24 +1063,20 @@
             <a:spLocks noGrp="1"/>
           </p:cNvSpPr>
           <p:nvPr>
-            <p:ph/>
+            <p:ph type="body"/>
           </p:nvPr>
         </p:nvSpPr>
         <p:spPr>
           <a:xfrm>
-            <a:off x="5152320" y="1326600"/>
-            <a:ext cx="4426560" cy="3287880"/>
-          </a:xfrm>
-          <a:prstGeom prst="rect">
-            <a:avLst/>
-          </a:prstGeom>
-          <a:noFill/>
-          <a:ln w="0">
-            <a:noFill/>
-          </a:ln>
-        </p:spPr>
-        <p:txBody>
-          <a:bodyPr lIns="0" rIns="0" tIns="0" bIns="0" anchor="t">
+            <a:off x="5151960" y="1326240"/>
+            <a:ext cx="4426560" cy="3288240"/>
+          </a:xfrm>
+          <a:prstGeom prst="rect">
+            <a:avLst/>
+          </a:prstGeom>
+        </p:spPr>
+        <p:txBody>
+          <a:bodyPr lIns="0" rIns="0" tIns="0" bIns="0">
             <a:normAutofit/>
           </a:bodyPr>
           <a:p>
@@ -1200,24 +1093,20 @@
             <a:spLocks noGrp="1"/>
           </p:cNvSpPr>
           <p:nvPr>
-            <p:ph/>
+            <p:ph type="body"/>
           </p:nvPr>
         </p:nvSpPr>
         <p:spPr>
           <a:xfrm>
-            <a:off x="504000" y="3044160"/>
+            <a:off x="503640" y="3043800"/>
             <a:ext cx="4426560" cy="1568160"/>
           </a:xfrm>
           <a:prstGeom prst="rect">
             <a:avLst/>
           </a:prstGeom>
-          <a:noFill/>
-          <a:ln w="0">
-            <a:noFill/>
-          </a:ln>
-        </p:spPr>
-        <p:txBody>
-          <a:bodyPr lIns="0" rIns="0" tIns="0" bIns="0" anchor="t">
+        </p:spPr>
+        <p:txBody>
+          <a:bodyPr lIns="0" rIns="0" tIns="0" bIns="0">
             <a:normAutofit/>
           </a:bodyPr>
           <a:p>
@@ -1261,16 +1150,12 @@
         </p:nvSpPr>
         <p:spPr>
           <a:xfrm>
-            <a:off x="504000" y="226080"/>
-            <a:ext cx="9071280" cy="946080"/>
-          </a:xfrm>
-          <a:prstGeom prst="rect">
-            <a:avLst/>
-          </a:prstGeom>
-          <a:noFill/>
-          <a:ln w="0">
-            <a:noFill/>
-          </a:ln>
+            <a:off x="503640" y="225720"/>
+            <a:ext cx="9071280" cy="946440"/>
+          </a:xfrm>
+          <a:prstGeom prst="rect">
+            <a:avLst/>
+          </a:prstGeom>
         </p:spPr>
         <p:txBody>
           <a:bodyPr lIns="0" rIns="0" tIns="0" bIns="0" anchor="ctr">
@@ -1296,16 +1181,12 @@
         </p:nvSpPr>
         <p:spPr>
           <a:xfrm>
-            <a:off x="504000" y="1326600"/>
-            <a:ext cx="9071280" cy="3287880"/>
-          </a:xfrm>
-          <a:prstGeom prst="rect">
-            <a:avLst/>
-          </a:prstGeom>
-          <a:noFill/>
-          <a:ln w="0">
-            <a:noFill/>
-          </a:ln>
+            <a:off x="503640" y="1326240"/>
+            <a:ext cx="9071280" cy="3288240"/>
+          </a:xfrm>
+          <a:prstGeom prst="rect">
+            <a:avLst/>
+          </a:prstGeom>
         </p:spPr>
         <p:txBody>
           <a:bodyPr lIns="0" rIns="0" tIns="0" bIns="0" anchor="ctr">
@@ -1353,16 +1234,12 @@
         </p:nvSpPr>
         <p:spPr>
           <a:xfrm>
-            <a:off x="504000" y="226080"/>
-            <a:ext cx="9071280" cy="946080"/>
-          </a:xfrm>
-          <a:prstGeom prst="rect">
-            <a:avLst/>
-          </a:prstGeom>
-          <a:noFill/>
-          <a:ln w="0">
-            <a:noFill/>
-          </a:ln>
+            <a:off x="503640" y="225720"/>
+            <a:ext cx="9071280" cy="946440"/>
+          </a:xfrm>
+          <a:prstGeom prst="rect">
+            <a:avLst/>
+          </a:prstGeom>
         </p:spPr>
         <p:txBody>
           <a:bodyPr lIns="0" rIns="0" tIns="0" bIns="0" anchor="ctr">
@@ -1383,24 +1260,20 @@
             <a:spLocks noGrp="1"/>
           </p:cNvSpPr>
           <p:nvPr>
-            <p:ph/>
+            <p:ph type="body"/>
           </p:nvPr>
         </p:nvSpPr>
         <p:spPr>
           <a:xfrm>
-            <a:off x="504000" y="1326600"/>
-            <a:ext cx="4426560" cy="3287880"/>
-          </a:xfrm>
-          <a:prstGeom prst="rect">
-            <a:avLst/>
-          </a:prstGeom>
-          <a:noFill/>
-          <a:ln w="0">
-            <a:noFill/>
-          </a:ln>
-        </p:spPr>
-        <p:txBody>
-          <a:bodyPr lIns="0" rIns="0" tIns="0" bIns="0" anchor="t">
+            <a:off x="503640" y="1326240"/>
+            <a:ext cx="4426560" cy="3288240"/>
+          </a:xfrm>
+          <a:prstGeom prst="rect">
+            <a:avLst/>
+          </a:prstGeom>
+        </p:spPr>
+        <p:txBody>
+          <a:bodyPr lIns="0" rIns="0" tIns="0" bIns="0">
             <a:normAutofit/>
           </a:bodyPr>
           <a:p>
@@ -1417,24 +1290,20 @@
             <a:spLocks noGrp="1"/>
           </p:cNvSpPr>
           <p:nvPr>
-            <p:ph/>
+            <p:ph type="body"/>
           </p:nvPr>
         </p:nvSpPr>
         <p:spPr>
           <a:xfrm>
-            <a:off x="5152320" y="1326600"/>
+            <a:off x="5151960" y="1326240"/>
             <a:ext cx="4426560" cy="1568160"/>
           </a:xfrm>
           <a:prstGeom prst="rect">
             <a:avLst/>
           </a:prstGeom>
-          <a:noFill/>
-          <a:ln w="0">
-            <a:noFill/>
-          </a:ln>
-        </p:spPr>
-        <p:txBody>
-          <a:bodyPr lIns="0" rIns="0" tIns="0" bIns="0" anchor="t">
+        </p:spPr>
+        <p:txBody>
+          <a:bodyPr lIns="0" rIns="0" tIns="0" bIns="0">
             <a:normAutofit/>
           </a:bodyPr>
           <a:p>
@@ -1451,24 +1320,20 @@
             <a:spLocks noGrp="1"/>
           </p:cNvSpPr>
           <p:nvPr>
-            <p:ph/>
+            <p:ph type="body"/>
           </p:nvPr>
         </p:nvSpPr>
         <p:spPr>
           <a:xfrm>
-            <a:off x="5152320" y="3044160"/>
+            <a:off x="5151960" y="3043800"/>
             <a:ext cx="4426560" cy="1568160"/>
           </a:xfrm>
           <a:prstGeom prst="rect">
             <a:avLst/>
           </a:prstGeom>
-          <a:noFill/>
-          <a:ln w="0">
-            <a:noFill/>
-          </a:ln>
-        </p:spPr>
-        <p:txBody>
-          <a:bodyPr lIns="0" rIns="0" tIns="0" bIns="0" anchor="t">
+        </p:spPr>
+        <p:txBody>
+          <a:bodyPr lIns="0" rIns="0" tIns="0" bIns="0">
             <a:normAutofit/>
           </a:bodyPr>
           <a:p>
@@ -1512,16 +1377,12 @@
         </p:nvSpPr>
         <p:spPr>
           <a:xfrm>
-            <a:off x="504000" y="226080"/>
-            <a:ext cx="9071280" cy="946080"/>
-          </a:xfrm>
-          <a:prstGeom prst="rect">
-            <a:avLst/>
-          </a:prstGeom>
-          <a:noFill/>
-          <a:ln w="0">
-            <a:noFill/>
-          </a:ln>
+            <a:off x="503640" y="225720"/>
+            <a:ext cx="9071280" cy="946440"/>
+          </a:xfrm>
+          <a:prstGeom prst="rect">
+            <a:avLst/>
+          </a:prstGeom>
         </p:spPr>
         <p:txBody>
           <a:bodyPr lIns="0" rIns="0" tIns="0" bIns="0" anchor="ctr">
@@ -1542,24 +1403,20 @@
             <a:spLocks noGrp="1"/>
           </p:cNvSpPr>
           <p:nvPr>
-            <p:ph/>
+            <p:ph type="body"/>
           </p:nvPr>
         </p:nvSpPr>
         <p:spPr>
           <a:xfrm>
-            <a:off x="504000" y="1326600"/>
+            <a:off x="503640" y="1326240"/>
             <a:ext cx="4426560" cy="1568160"/>
           </a:xfrm>
           <a:prstGeom prst="rect">
             <a:avLst/>
           </a:prstGeom>
-          <a:noFill/>
-          <a:ln w="0">
-            <a:noFill/>
-          </a:ln>
-        </p:spPr>
-        <p:txBody>
-          <a:bodyPr lIns="0" rIns="0" tIns="0" bIns="0" anchor="t">
+        </p:spPr>
+        <p:txBody>
+          <a:bodyPr lIns="0" rIns="0" tIns="0" bIns="0">
             <a:normAutofit/>
           </a:bodyPr>
           <a:p>
@@ -1576,24 +1433,20 @@
             <a:spLocks noGrp="1"/>
           </p:cNvSpPr>
           <p:nvPr>
-            <p:ph/>
+            <p:ph type="body"/>
           </p:nvPr>
         </p:nvSpPr>
         <p:spPr>
           <a:xfrm>
-            <a:off x="5152320" y="1326600"/>
+            <a:off x="5151960" y="1326240"/>
             <a:ext cx="4426560" cy="1568160"/>
           </a:xfrm>
           <a:prstGeom prst="rect">
             <a:avLst/>
           </a:prstGeom>
-          <a:noFill/>
-          <a:ln w="0">
-            <a:noFill/>
-          </a:ln>
-        </p:spPr>
-        <p:txBody>
-          <a:bodyPr lIns="0" rIns="0" tIns="0" bIns="0" anchor="t">
+        </p:spPr>
+        <p:txBody>
+          <a:bodyPr lIns="0" rIns="0" tIns="0" bIns="0">
             <a:normAutofit/>
           </a:bodyPr>
           <a:p>
@@ -1610,24 +1463,20 @@
             <a:spLocks noGrp="1"/>
           </p:cNvSpPr>
           <p:nvPr>
-            <p:ph/>
+            <p:ph type="body"/>
           </p:nvPr>
         </p:nvSpPr>
         <p:spPr>
           <a:xfrm>
-            <a:off x="504000" y="3044160"/>
+            <a:off x="503640" y="3043800"/>
             <a:ext cx="9071280" cy="1568160"/>
           </a:xfrm>
           <a:prstGeom prst="rect">
             <a:avLst/>
           </a:prstGeom>
-          <a:noFill/>
-          <a:ln w="0">
-            <a:noFill/>
-          </a:ln>
-        </p:spPr>
-        <p:txBody>
-          <a:bodyPr lIns="0" rIns="0" tIns="0" bIns="0" anchor="t">
+        </p:spPr>
+        <p:txBody>
+          <a:bodyPr lIns="0" rIns="0" tIns="0" bIns="0">
             <a:normAutofit/>
           </a:bodyPr>
           <a:p>
@@ -1671,16 +1520,12 @@
         </p:nvSpPr>
         <p:spPr>
           <a:xfrm>
-            <a:off x="504000" y="226080"/>
-            <a:ext cx="9071280" cy="946080"/>
-          </a:xfrm>
-          <a:prstGeom prst="rect">
-            <a:avLst/>
-          </a:prstGeom>
-          <a:noFill/>
-          <a:ln w="0">
-            <a:noFill/>
-          </a:ln>
+            <a:off x="503640" y="225720"/>
+            <a:ext cx="9071280" cy="946440"/>
+          </a:xfrm>
+          <a:prstGeom prst="rect">
+            <a:avLst/>
+          </a:prstGeom>
         </p:spPr>
         <p:txBody>
           <a:bodyPr lIns="0" rIns="0" tIns="0" bIns="0" anchor="ctr">
@@ -1701,24 +1546,20 @@
             <a:spLocks noGrp="1"/>
           </p:cNvSpPr>
           <p:nvPr>
-            <p:ph/>
+            <p:ph type="body"/>
           </p:nvPr>
         </p:nvSpPr>
         <p:spPr>
           <a:xfrm>
-            <a:off x="504000" y="1326600"/>
+            <a:off x="503640" y="1326240"/>
             <a:ext cx="9071280" cy="1568160"/>
           </a:xfrm>
           <a:prstGeom prst="rect">
             <a:avLst/>
           </a:prstGeom>
-          <a:noFill/>
-          <a:ln w="0">
-            <a:noFill/>
-          </a:ln>
-        </p:spPr>
-        <p:txBody>
-          <a:bodyPr lIns="0" rIns="0" tIns="0" bIns="0" anchor="t">
+        </p:spPr>
+        <p:txBody>
+          <a:bodyPr lIns="0" rIns="0" tIns="0" bIns="0">
             <a:normAutofit/>
           </a:bodyPr>
           <a:p>
@@ -1735,24 +1576,20 @@
             <a:spLocks noGrp="1"/>
           </p:cNvSpPr>
           <p:nvPr>
-            <p:ph/>
+            <p:ph type="body"/>
           </p:nvPr>
         </p:nvSpPr>
         <p:spPr>
           <a:xfrm>
-            <a:off x="504000" y="3044160"/>
+            <a:off x="503640" y="3043800"/>
             <a:ext cx="9071280" cy="1568160"/>
           </a:xfrm>
           <a:prstGeom prst="rect">
             <a:avLst/>
           </a:prstGeom>
-          <a:noFill/>
-          <a:ln w="0">
-            <a:noFill/>
-          </a:ln>
-        </p:spPr>
-        <p:txBody>
-          <a:bodyPr lIns="0" rIns="0" tIns="0" bIns="0" anchor="t">
+        </p:spPr>
+        <p:txBody>
+          <a:bodyPr lIns="0" rIns="0" tIns="0" bIns="0">
             <a:normAutofit/>
           </a:bodyPr>
           <a:p>
@@ -1796,16 +1633,12 @@
         </p:nvSpPr>
         <p:spPr>
           <a:xfrm>
-            <a:off x="504000" y="226080"/>
-            <a:ext cx="9071280" cy="946080"/>
-          </a:xfrm>
-          <a:prstGeom prst="rect">
-            <a:avLst/>
-          </a:prstGeom>
-          <a:noFill/>
-          <a:ln w="0">
-            <a:noFill/>
-          </a:ln>
+            <a:off x="503640" y="225720"/>
+            <a:ext cx="9071280" cy="946440"/>
+          </a:xfrm>
+          <a:prstGeom prst="rect">
+            <a:avLst/>
+          </a:prstGeom>
         </p:spPr>
         <p:txBody>
           <a:bodyPr lIns="0" rIns="0" tIns="0" bIns="0" anchor="ctr">
@@ -1826,24 +1659,20 @@
             <a:spLocks noGrp="1"/>
           </p:cNvSpPr>
           <p:nvPr>
-            <p:ph/>
+            <p:ph type="body"/>
           </p:nvPr>
         </p:nvSpPr>
         <p:spPr>
           <a:xfrm>
-            <a:off x="504000" y="1326600"/>
+            <a:off x="503640" y="1326240"/>
             <a:ext cx="4426560" cy="1568160"/>
           </a:xfrm>
           <a:prstGeom prst="rect">
             <a:avLst/>
           </a:prstGeom>
-          <a:noFill/>
-          <a:ln w="0">
-            <a:noFill/>
-          </a:ln>
-        </p:spPr>
-        <p:txBody>
-          <a:bodyPr lIns="0" rIns="0" tIns="0" bIns="0" anchor="t">
+        </p:spPr>
+        <p:txBody>
+          <a:bodyPr lIns="0" rIns="0" tIns="0" bIns="0">
             <a:normAutofit/>
           </a:bodyPr>
           <a:p>
@@ -1860,24 +1689,20 @@
             <a:spLocks noGrp="1"/>
           </p:cNvSpPr>
           <p:nvPr>
-            <p:ph/>
+            <p:ph type="body"/>
           </p:nvPr>
         </p:nvSpPr>
         <p:spPr>
           <a:xfrm>
-            <a:off x="5152320" y="1326600"/>
+            <a:off x="5151960" y="1326240"/>
             <a:ext cx="4426560" cy="1568160"/>
           </a:xfrm>
           <a:prstGeom prst="rect">
             <a:avLst/>
           </a:prstGeom>
-          <a:noFill/>
-          <a:ln w="0">
-            <a:noFill/>
-          </a:ln>
-        </p:spPr>
-        <p:txBody>
-          <a:bodyPr lIns="0" rIns="0" tIns="0" bIns="0" anchor="t">
+        </p:spPr>
+        <p:txBody>
+          <a:bodyPr lIns="0" rIns="0" tIns="0" bIns="0">
             <a:normAutofit/>
           </a:bodyPr>
           <a:p>
@@ -1894,24 +1719,20 @@
             <a:spLocks noGrp="1"/>
           </p:cNvSpPr>
           <p:nvPr>
-            <p:ph/>
+            <p:ph type="body"/>
           </p:nvPr>
         </p:nvSpPr>
         <p:spPr>
           <a:xfrm>
-            <a:off x="504000" y="3044160"/>
+            <a:off x="503640" y="3043800"/>
             <a:ext cx="4426560" cy="1568160"/>
           </a:xfrm>
           <a:prstGeom prst="rect">
             <a:avLst/>
           </a:prstGeom>
-          <a:noFill/>
-          <a:ln w="0">
-            <a:noFill/>
-          </a:ln>
-        </p:spPr>
-        <p:txBody>
-          <a:bodyPr lIns="0" rIns="0" tIns="0" bIns="0" anchor="t">
+        </p:spPr>
+        <p:txBody>
+          <a:bodyPr lIns="0" rIns="0" tIns="0" bIns="0">
             <a:normAutofit/>
           </a:bodyPr>
           <a:p>
@@ -1928,24 +1749,20 @@
             <a:spLocks noGrp="1"/>
           </p:cNvSpPr>
           <p:nvPr>
-            <p:ph/>
+            <p:ph type="body"/>
           </p:nvPr>
         </p:nvSpPr>
         <p:spPr>
           <a:xfrm>
-            <a:off x="5152320" y="3044160"/>
+            <a:off x="5151960" y="3043800"/>
             <a:ext cx="4426560" cy="1568160"/>
           </a:xfrm>
           <a:prstGeom prst="rect">
             <a:avLst/>
           </a:prstGeom>
-          <a:noFill/>
-          <a:ln w="0">
-            <a:noFill/>
-          </a:ln>
-        </p:spPr>
-        <p:txBody>
-          <a:bodyPr lIns="0" rIns="0" tIns="0" bIns="0" anchor="t">
+        </p:spPr>
+        <p:txBody>
+          <a:bodyPr lIns="0" rIns="0" tIns="0" bIns="0">
             <a:normAutofit/>
           </a:bodyPr>
           <a:p>
@@ -1989,16 +1806,12 @@
         </p:nvSpPr>
         <p:spPr>
           <a:xfrm>
-            <a:off x="504000" y="226080"/>
-            <a:ext cx="9071280" cy="946080"/>
-          </a:xfrm>
-          <a:prstGeom prst="rect">
-            <a:avLst/>
-          </a:prstGeom>
-          <a:noFill/>
-          <a:ln w="0">
-            <a:noFill/>
-          </a:ln>
+            <a:off x="503640" y="225720"/>
+            <a:ext cx="9071280" cy="946440"/>
+          </a:xfrm>
+          <a:prstGeom prst="rect">
+            <a:avLst/>
+          </a:prstGeom>
         </p:spPr>
         <p:txBody>
           <a:bodyPr lIns="0" rIns="0" tIns="0" bIns="0" anchor="ctr">
@@ -2019,24 +1832,20 @@
             <a:spLocks noGrp="1"/>
           </p:cNvSpPr>
           <p:nvPr>
-            <p:ph/>
+            <p:ph type="body"/>
           </p:nvPr>
         </p:nvSpPr>
         <p:spPr>
           <a:xfrm>
-            <a:off x="504000" y="1326600"/>
+            <a:off x="503640" y="1326240"/>
             <a:ext cx="2920680" cy="1568160"/>
           </a:xfrm>
           <a:prstGeom prst="rect">
             <a:avLst/>
           </a:prstGeom>
-          <a:noFill/>
-          <a:ln w="0">
-            <a:noFill/>
-          </a:ln>
-        </p:spPr>
-        <p:txBody>
-          <a:bodyPr lIns="0" rIns="0" tIns="0" bIns="0" anchor="t">
+        </p:spPr>
+        <p:txBody>
+          <a:bodyPr lIns="0" rIns="0" tIns="0" bIns="0">
             <a:normAutofit/>
           </a:bodyPr>
           <a:p>
@@ -2053,24 +1862,20 @@
             <a:spLocks noGrp="1"/>
           </p:cNvSpPr>
           <p:nvPr>
-            <p:ph/>
+            <p:ph type="body"/>
           </p:nvPr>
         </p:nvSpPr>
         <p:spPr>
           <a:xfrm>
-            <a:off x="3571200" y="1326600"/>
+            <a:off x="3570840" y="1326240"/>
             <a:ext cx="2920680" cy="1568160"/>
           </a:xfrm>
           <a:prstGeom prst="rect">
             <a:avLst/>
           </a:prstGeom>
-          <a:noFill/>
-          <a:ln w="0">
-            <a:noFill/>
-          </a:ln>
-        </p:spPr>
-        <p:txBody>
-          <a:bodyPr lIns="0" rIns="0" tIns="0" bIns="0" anchor="t">
+        </p:spPr>
+        <p:txBody>
+          <a:bodyPr lIns="0" rIns="0" tIns="0" bIns="0">
             <a:normAutofit/>
           </a:bodyPr>
           <a:p>
@@ -2087,24 +1892,20 @@
             <a:spLocks noGrp="1"/>
           </p:cNvSpPr>
           <p:nvPr>
-            <p:ph/>
+            <p:ph type="body"/>
           </p:nvPr>
         </p:nvSpPr>
         <p:spPr>
           <a:xfrm>
-            <a:off x="6638040" y="1326600"/>
+            <a:off x="6637680" y="1326240"/>
             <a:ext cx="2920680" cy="1568160"/>
           </a:xfrm>
           <a:prstGeom prst="rect">
             <a:avLst/>
           </a:prstGeom>
-          <a:noFill/>
-          <a:ln w="0">
-            <a:noFill/>
-          </a:ln>
-        </p:spPr>
-        <p:txBody>
-          <a:bodyPr lIns="0" rIns="0" tIns="0" bIns="0" anchor="t">
+        </p:spPr>
+        <p:txBody>
+          <a:bodyPr lIns="0" rIns="0" tIns="0" bIns="0">
             <a:normAutofit/>
           </a:bodyPr>
           <a:p>
@@ -2121,24 +1922,20 @@
             <a:spLocks noGrp="1"/>
           </p:cNvSpPr>
           <p:nvPr>
-            <p:ph/>
+            <p:ph type="body"/>
           </p:nvPr>
         </p:nvSpPr>
         <p:spPr>
           <a:xfrm>
-            <a:off x="504000" y="3044160"/>
+            <a:off x="503640" y="3043800"/>
             <a:ext cx="2920680" cy="1568160"/>
           </a:xfrm>
           <a:prstGeom prst="rect">
             <a:avLst/>
           </a:prstGeom>
-          <a:noFill/>
-          <a:ln w="0">
-            <a:noFill/>
-          </a:ln>
-        </p:spPr>
-        <p:txBody>
-          <a:bodyPr lIns="0" rIns="0" tIns="0" bIns="0" anchor="t">
+        </p:spPr>
+        <p:txBody>
+          <a:bodyPr lIns="0" rIns="0" tIns="0" bIns="0">
             <a:normAutofit/>
           </a:bodyPr>
           <a:p>
@@ -2155,24 +1952,20 @@
             <a:spLocks noGrp="1"/>
           </p:cNvSpPr>
           <p:nvPr>
-            <p:ph/>
+            <p:ph type="body"/>
           </p:nvPr>
         </p:nvSpPr>
         <p:spPr>
           <a:xfrm>
-            <a:off x="3571200" y="3044160"/>
+            <a:off x="3570840" y="3043800"/>
             <a:ext cx="2920680" cy="1568160"/>
           </a:xfrm>
           <a:prstGeom prst="rect">
             <a:avLst/>
           </a:prstGeom>
-          <a:noFill/>
-          <a:ln w="0">
-            <a:noFill/>
-          </a:ln>
-        </p:spPr>
-        <p:txBody>
-          <a:bodyPr lIns="0" rIns="0" tIns="0" bIns="0" anchor="t">
+        </p:spPr>
+        <p:txBody>
+          <a:bodyPr lIns="0" rIns="0" tIns="0" bIns="0">
             <a:normAutofit/>
           </a:bodyPr>
           <a:p>
@@ -2189,24 +1982,20 @@
             <a:spLocks noGrp="1"/>
           </p:cNvSpPr>
           <p:nvPr>
-            <p:ph/>
+            <p:ph type="body"/>
           </p:nvPr>
         </p:nvSpPr>
         <p:spPr>
           <a:xfrm>
-            <a:off x="6638040" y="3044160"/>
+            <a:off x="6637680" y="3043800"/>
             <a:ext cx="2920680" cy="1568160"/>
           </a:xfrm>
           <a:prstGeom prst="rect">
             <a:avLst/>
           </a:prstGeom>
-          <a:noFill/>
-          <a:ln w="0">
-            <a:noFill/>
-          </a:ln>
-        </p:spPr>
-        <p:txBody>
-          <a:bodyPr lIns="0" rIns="0" tIns="0" bIns="0" anchor="t">
+        </p:spPr>
+        <p:txBody>
+          <a:bodyPr lIns="0" rIns="0" tIns="0" bIns="0">
             <a:normAutofit/>
           </a:bodyPr>
           <a:p>
@@ -2250,16 +2039,12 @@
         </p:nvSpPr>
         <p:spPr>
           <a:xfrm>
-            <a:off x="504000" y="226080"/>
-            <a:ext cx="9071280" cy="946080"/>
-          </a:xfrm>
-          <a:prstGeom prst="rect">
-            <a:avLst/>
-          </a:prstGeom>
-          <a:noFill/>
-          <a:ln w="0">
-            <a:noFill/>
-          </a:ln>
+            <a:off x="503640" y="225720"/>
+            <a:ext cx="9071280" cy="946440"/>
+          </a:xfrm>
+          <a:prstGeom prst="rect">
+            <a:avLst/>
+          </a:prstGeom>
         </p:spPr>
         <p:txBody>
           <a:bodyPr lIns="0" rIns="0" tIns="0" bIns="0" anchor="ctr">
@@ -2280,24 +2065,20 @@
             <a:spLocks noGrp="1"/>
           </p:cNvSpPr>
           <p:nvPr>
-            <p:ph/>
+            <p:ph type="body"/>
           </p:nvPr>
         </p:nvSpPr>
         <p:spPr>
           <a:xfrm>
-            <a:off x="504000" y="1326600"/>
-            <a:ext cx="9071280" cy="3287880"/>
-          </a:xfrm>
-          <a:prstGeom prst="rect">
-            <a:avLst/>
-          </a:prstGeom>
-          <a:noFill/>
-          <a:ln w="0">
-            <a:noFill/>
-          </a:ln>
-        </p:spPr>
-        <p:txBody>
-          <a:bodyPr lIns="0" rIns="0" tIns="0" bIns="0" anchor="t">
+            <a:off x="503640" y="1326240"/>
+            <a:ext cx="9071280" cy="3288240"/>
+          </a:xfrm>
+          <a:prstGeom prst="rect">
+            <a:avLst/>
+          </a:prstGeom>
+        </p:spPr>
+        <p:txBody>
+          <a:bodyPr lIns="0" rIns="0" tIns="0" bIns="0">
             <a:normAutofit/>
           </a:bodyPr>
           <a:p>
@@ -2341,16 +2122,12 @@
         </p:nvSpPr>
         <p:spPr>
           <a:xfrm>
-            <a:off x="504000" y="226080"/>
-            <a:ext cx="9071280" cy="946080"/>
-          </a:xfrm>
-          <a:prstGeom prst="rect">
-            <a:avLst/>
-          </a:prstGeom>
-          <a:noFill/>
-          <a:ln w="0">
-            <a:noFill/>
-          </a:ln>
+            <a:off x="503640" y="225720"/>
+            <a:ext cx="9071280" cy="946440"/>
+          </a:xfrm>
+          <a:prstGeom prst="rect">
+            <a:avLst/>
+          </a:prstGeom>
         </p:spPr>
         <p:txBody>
           <a:bodyPr lIns="0" rIns="0" tIns="0" bIns="0" anchor="ctr">
@@ -2371,24 +2148,20 @@
             <a:spLocks noGrp="1"/>
           </p:cNvSpPr>
           <p:nvPr>
-            <p:ph/>
+            <p:ph type="body"/>
           </p:nvPr>
         </p:nvSpPr>
         <p:spPr>
           <a:xfrm>
-            <a:off x="504000" y="1326600"/>
-            <a:ext cx="4426560" cy="3287880"/>
-          </a:xfrm>
-          <a:prstGeom prst="rect">
-            <a:avLst/>
-          </a:prstGeom>
-          <a:noFill/>
-          <a:ln w="0">
-            <a:noFill/>
-          </a:ln>
-        </p:spPr>
-        <p:txBody>
-          <a:bodyPr lIns="0" rIns="0" tIns="0" bIns="0" anchor="t">
+            <a:off x="503640" y="1326240"/>
+            <a:ext cx="4426560" cy="3288240"/>
+          </a:xfrm>
+          <a:prstGeom prst="rect">
+            <a:avLst/>
+          </a:prstGeom>
+        </p:spPr>
+        <p:txBody>
+          <a:bodyPr lIns="0" rIns="0" tIns="0" bIns="0">
             <a:normAutofit/>
           </a:bodyPr>
           <a:p>
@@ -2405,24 +2178,20 @@
             <a:spLocks noGrp="1"/>
           </p:cNvSpPr>
           <p:nvPr>
-            <p:ph/>
+            <p:ph type="body"/>
           </p:nvPr>
         </p:nvSpPr>
         <p:spPr>
           <a:xfrm>
-            <a:off x="5152320" y="1326600"/>
-            <a:ext cx="4426560" cy="3287880"/>
-          </a:xfrm>
-          <a:prstGeom prst="rect">
-            <a:avLst/>
-          </a:prstGeom>
-          <a:noFill/>
-          <a:ln w="0">
-            <a:noFill/>
-          </a:ln>
-        </p:spPr>
-        <p:txBody>
-          <a:bodyPr lIns="0" rIns="0" tIns="0" bIns="0" anchor="t">
+            <a:off x="5151960" y="1326240"/>
+            <a:ext cx="4426560" cy="3288240"/>
+          </a:xfrm>
+          <a:prstGeom prst="rect">
+            <a:avLst/>
+          </a:prstGeom>
+        </p:spPr>
+        <p:txBody>
+          <a:bodyPr lIns="0" rIns="0" tIns="0" bIns="0">
             <a:normAutofit/>
           </a:bodyPr>
           <a:p>
@@ -2466,16 +2235,12 @@
         </p:nvSpPr>
         <p:spPr>
           <a:xfrm>
-            <a:off x="504000" y="226080"/>
-            <a:ext cx="9071280" cy="946080"/>
-          </a:xfrm>
-          <a:prstGeom prst="rect">
-            <a:avLst/>
-          </a:prstGeom>
-          <a:noFill/>
-          <a:ln w="0">
-            <a:noFill/>
-          </a:ln>
+            <a:off x="503640" y="225720"/>
+            <a:ext cx="9071280" cy="946440"/>
+          </a:xfrm>
+          <a:prstGeom prst="rect">
+            <a:avLst/>
+          </a:prstGeom>
         </p:spPr>
         <p:txBody>
           <a:bodyPr lIns="0" rIns="0" tIns="0" bIns="0" anchor="ctr">
@@ -2523,16 +2288,12 @@
         </p:nvSpPr>
         <p:spPr>
           <a:xfrm>
-            <a:off x="504000" y="226080"/>
-            <a:ext cx="9071280" cy="4386600"/>
-          </a:xfrm>
-          <a:prstGeom prst="rect">
-            <a:avLst/>
-          </a:prstGeom>
-          <a:noFill/>
-          <a:ln w="0">
-            <a:noFill/>
-          </a:ln>
+            <a:off x="503640" y="225720"/>
+            <a:ext cx="9071280" cy="4388400"/>
+          </a:xfrm>
+          <a:prstGeom prst="rect">
+            <a:avLst/>
+          </a:prstGeom>
         </p:spPr>
         <p:txBody>
           <a:bodyPr lIns="0" rIns="0" tIns="0" bIns="0" anchor="ctr">
@@ -2580,16 +2341,12 @@
         </p:nvSpPr>
         <p:spPr>
           <a:xfrm>
-            <a:off x="504000" y="226080"/>
-            <a:ext cx="9071280" cy="946080"/>
-          </a:xfrm>
-          <a:prstGeom prst="rect">
-            <a:avLst/>
-          </a:prstGeom>
-          <a:noFill/>
-          <a:ln w="0">
-            <a:noFill/>
-          </a:ln>
+            <a:off x="503640" y="225720"/>
+            <a:ext cx="9071280" cy="946440"/>
+          </a:xfrm>
+          <a:prstGeom prst="rect">
+            <a:avLst/>
+          </a:prstGeom>
         </p:spPr>
         <p:txBody>
           <a:bodyPr lIns="0" rIns="0" tIns="0" bIns="0" anchor="ctr">
@@ -2610,24 +2367,20 @@
             <a:spLocks noGrp="1"/>
           </p:cNvSpPr>
           <p:nvPr>
-            <p:ph/>
+            <p:ph type="body"/>
           </p:nvPr>
         </p:nvSpPr>
         <p:spPr>
           <a:xfrm>
-            <a:off x="504000" y="1326600"/>
+            <a:off x="503640" y="1326240"/>
             <a:ext cx="4426560" cy="1568160"/>
           </a:xfrm>
           <a:prstGeom prst="rect">
             <a:avLst/>
           </a:prstGeom>
-          <a:noFill/>
-          <a:ln w="0">
-            <a:noFill/>
-          </a:ln>
-        </p:spPr>
-        <p:txBody>
-          <a:bodyPr lIns="0" rIns="0" tIns="0" bIns="0" anchor="t">
+        </p:spPr>
+        <p:txBody>
+          <a:bodyPr lIns="0" rIns="0" tIns="0" bIns="0">
             <a:normAutofit/>
           </a:bodyPr>
           <a:p>
@@ -2644,24 +2397,20 @@
             <a:spLocks noGrp="1"/>
           </p:cNvSpPr>
           <p:nvPr>
-            <p:ph/>
+            <p:ph type="body"/>
           </p:nvPr>
         </p:nvSpPr>
         <p:spPr>
           <a:xfrm>
-            <a:off x="5152320" y="1326600"/>
-            <a:ext cx="4426560" cy="3287880"/>
-          </a:xfrm>
-          <a:prstGeom prst="rect">
-            <a:avLst/>
-          </a:prstGeom>
-          <a:noFill/>
-          <a:ln w="0">
-            <a:noFill/>
-          </a:ln>
-        </p:spPr>
-        <p:txBody>
-          <a:bodyPr lIns="0" rIns="0" tIns="0" bIns="0" anchor="t">
+            <a:off x="5151960" y="1326240"/>
+            <a:ext cx="4426560" cy="3288240"/>
+          </a:xfrm>
+          <a:prstGeom prst="rect">
+            <a:avLst/>
+          </a:prstGeom>
+        </p:spPr>
+        <p:txBody>
+          <a:bodyPr lIns="0" rIns="0" tIns="0" bIns="0">
             <a:normAutofit/>
           </a:bodyPr>
           <a:p>
@@ -2678,24 +2427,20 @@
             <a:spLocks noGrp="1"/>
           </p:cNvSpPr>
           <p:nvPr>
-            <p:ph/>
+            <p:ph type="body"/>
           </p:nvPr>
         </p:nvSpPr>
         <p:spPr>
           <a:xfrm>
-            <a:off x="504000" y="3044160"/>
+            <a:off x="503640" y="3043800"/>
             <a:ext cx="4426560" cy="1568160"/>
           </a:xfrm>
           <a:prstGeom prst="rect">
             <a:avLst/>
           </a:prstGeom>
-          <a:noFill/>
-          <a:ln w="0">
-            <a:noFill/>
-          </a:ln>
-        </p:spPr>
-        <p:txBody>
-          <a:bodyPr lIns="0" rIns="0" tIns="0" bIns="0" anchor="t">
+        </p:spPr>
+        <p:txBody>
+          <a:bodyPr lIns="0" rIns="0" tIns="0" bIns="0">
             <a:normAutofit/>
           </a:bodyPr>
           <a:p>
@@ -2739,16 +2484,12 @@
         </p:nvSpPr>
         <p:spPr>
           <a:xfrm>
-            <a:off x="504000" y="226080"/>
-            <a:ext cx="9071280" cy="946080"/>
-          </a:xfrm>
-          <a:prstGeom prst="rect">
-            <a:avLst/>
-          </a:prstGeom>
-          <a:noFill/>
-          <a:ln w="0">
-            <a:noFill/>
-          </a:ln>
+            <a:off x="503640" y="225720"/>
+            <a:ext cx="9071280" cy="946440"/>
+          </a:xfrm>
+          <a:prstGeom prst="rect">
+            <a:avLst/>
+          </a:prstGeom>
         </p:spPr>
         <p:txBody>
           <a:bodyPr lIns="0" rIns="0" tIns="0" bIns="0" anchor="ctr">
@@ -2769,24 +2510,20 @@
             <a:spLocks noGrp="1"/>
           </p:cNvSpPr>
           <p:nvPr>
-            <p:ph/>
+            <p:ph type="body"/>
           </p:nvPr>
         </p:nvSpPr>
         <p:spPr>
           <a:xfrm>
-            <a:off x="504000" y="1326600"/>
-            <a:ext cx="4426560" cy="3287880"/>
-          </a:xfrm>
-          <a:prstGeom prst="rect">
-            <a:avLst/>
-          </a:prstGeom>
-          <a:noFill/>
-          <a:ln w="0">
-            <a:noFill/>
-          </a:ln>
-        </p:spPr>
-        <p:txBody>
-          <a:bodyPr lIns="0" rIns="0" tIns="0" bIns="0" anchor="t">
+            <a:off x="503640" y="1326240"/>
+            <a:ext cx="4426560" cy="3288240"/>
+          </a:xfrm>
+          <a:prstGeom prst="rect">
+            <a:avLst/>
+          </a:prstGeom>
+        </p:spPr>
+        <p:txBody>
+          <a:bodyPr lIns="0" rIns="0" tIns="0" bIns="0">
             <a:normAutofit/>
           </a:bodyPr>
           <a:p>
@@ -2803,24 +2540,20 @@
             <a:spLocks noGrp="1"/>
           </p:cNvSpPr>
           <p:nvPr>
-            <p:ph/>
+            <p:ph type="body"/>
           </p:nvPr>
         </p:nvSpPr>
         <p:spPr>
           <a:xfrm>
-            <a:off x="5152320" y="1326600"/>
+            <a:off x="5151960" y="1326240"/>
             <a:ext cx="4426560" cy="1568160"/>
           </a:xfrm>
           <a:prstGeom prst="rect">
             <a:avLst/>
           </a:prstGeom>
-          <a:noFill/>
-          <a:ln w="0">
-            <a:noFill/>
-          </a:ln>
-        </p:spPr>
-        <p:txBody>
-          <a:bodyPr lIns="0" rIns="0" tIns="0" bIns="0" anchor="t">
+        </p:spPr>
+        <p:txBody>
+          <a:bodyPr lIns="0" rIns="0" tIns="0" bIns="0">
             <a:normAutofit/>
           </a:bodyPr>
           <a:p>
@@ -2837,24 +2570,20 @@
             <a:spLocks noGrp="1"/>
           </p:cNvSpPr>
           <p:nvPr>
-            <p:ph/>
+            <p:ph type="body"/>
           </p:nvPr>
         </p:nvSpPr>
         <p:spPr>
           <a:xfrm>
-            <a:off x="5152320" y="3044160"/>
+            <a:off x="5151960" y="3043800"/>
             <a:ext cx="4426560" cy="1568160"/>
           </a:xfrm>
           <a:prstGeom prst="rect">
             <a:avLst/>
           </a:prstGeom>
-          <a:noFill/>
-          <a:ln w="0">
-            <a:noFill/>
-          </a:ln>
-        </p:spPr>
-        <p:txBody>
-          <a:bodyPr lIns="0" rIns="0" tIns="0" bIns="0" anchor="t">
+        </p:spPr>
+        <p:txBody>
+          <a:bodyPr lIns="0" rIns="0" tIns="0" bIns="0">
             <a:normAutofit/>
           </a:bodyPr>
           <a:p>
@@ -2898,16 +2627,12 @@
         </p:nvSpPr>
         <p:spPr>
           <a:xfrm>
-            <a:off x="504000" y="226080"/>
-            <a:ext cx="9071280" cy="946080"/>
-          </a:xfrm>
-          <a:prstGeom prst="rect">
-            <a:avLst/>
-          </a:prstGeom>
-          <a:noFill/>
-          <a:ln w="0">
-            <a:noFill/>
-          </a:ln>
+            <a:off x="503640" y="225720"/>
+            <a:ext cx="9071280" cy="946440"/>
+          </a:xfrm>
+          <a:prstGeom prst="rect">
+            <a:avLst/>
+          </a:prstGeom>
         </p:spPr>
         <p:txBody>
           <a:bodyPr lIns="0" rIns="0" tIns="0" bIns="0" anchor="ctr">
@@ -2928,24 +2653,20 @@
             <a:spLocks noGrp="1"/>
           </p:cNvSpPr>
           <p:nvPr>
-            <p:ph/>
+            <p:ph type="body"/>
           </p:nvPr>
         </p:nvSpPr>
         <p:spPr>
           <a:xfrm>
-            <a:off x="504000" y="1326600"/>
+            <a:off x="503640" y="1326240"/>
             <a:ext cx="4426560" cy="1568160"/>
           </a:xfrm>
           <a:prstGeom prst="rect">
             <a:avLst/>
           </a:prstGeom>
-          <a:noFill/>
-          <a:ln w="0">
-            <a:noFill/>
-          </a:ln>
-        </p:spPr>
-        <p:txBody>
-          <a:bodyPr lIns="0" rIns="0" tIns="0" bIns="0" anchor="t">
+        </p:spPr>
+        <p:txBody>
+          <a:bodyPr lIns="0" rIns="0" tIns="0" bIns="0">
             <a:normAutofit/>
           </a:bodyPr>
           <a:p>
@@ -2962,24 +2683,20 @@
             <a:spLocks noGrp="1"/>
           </p:cNvSpPr>
           <p:nvPr>
-            <p:ph/>
+            <p:ph type="body"/>
           </p:nvPr>
         </p:nvSpPr>
         <p:spPr>
           <a:xfrm>
-            <a:off x="5152320" y="1326600"/>
+            <a:off x="5151960" y="1326240"/>
             <a:ext cx="4426560" cy="1568160"/>
           </a:xfrm>
           <a:prstGeom prst="rect">
             <a:avLst/>
           </a:prstGeom>
-          <a:noFill/>
-          <a:ln w="0">
-            <a:noFill/>
-          </a:ln>
-        </p:spPr>
-        <p:txBody>
-          <a:bodyPr lIns="0" rIns="0" tIns="0" bIns="0" anchor="t">
+        </p:spPr>
+        <p:txBody>
+          <a:bodyPr lIns="0" rIns="0" tIns="0" bIns="0">
             <a:normAutofit/>
           </a:bodyPr>
           <a:p>
@@ -2996,24 +2713,20 @@
             <a:spLocks noGrp="1"/>
           </p:cNvSpPr>
           <p:nvPr>
-            <p:ph/>
+            <p:ph type="body"/>
           </p:nvPr>
         </p:nvSpPr>
         <p:spPr>
           <a:xfrm>
-            <a:off x="504000" y="3044160"/>
+            <a:off x="503640" y="3043800"/>
             <a:ext cx="9071280" cy="1568160"/>
           </a:xfrm>
           <a:prstGeom prst="rect">
             <a:avLst/>
           </a:prstGeom>
-          <a:noFill/>
-          <a:ln w="0">
-            <a:noFill/>
-          </a:ln>
-        </p:spPr>
-        <p:txBody>
-          <a:bodyPr lIns="0" rIns="0" tIns="0" bIns="0" anchor="t">
+        </p:spPr>
+        <p:txBody>
+          <a:bodyPr lIns="0" rIns="0" tIns="0" bIns="0">
             <a:normAutofit/>
           </a:bodyPr>
           <a:p>
@@ -3057,29 +2770,26 @@
         </p:nvSpPr>
         <p:spPr>
           <a:xfrm>
-            <a:off x="504000" y="226080"/>
-            <a:ext cx="9071280" cy="946080"/>
-          </a:xfrm>
-          <a:prstGeom prst="rect">
-            <a:avLst/>
-          </a:prstGeom>
-          <a:noFill/>
-          <a:ln w="0">
-            <a:noFill/>
-          </a:ln>
+            <a:off x="503640" y="225720"/>
+            <a:ext cx="9071280" cy="946440"/>
+          </a:xfrm>
+          <a:prstGeom prst="rect">
+            <a:avLst/>
+          </a:prstGeom>
         </p:spPr>
         <p:txBody>
           <a:bodyPr lIns="0" rIns="0" tIns="0" bIns="0" anchor="ctr">
             <a:noAutofit/>
           </a:bodyPr>
           <a:p>
-            <a:r>
-              <a:rPr b="0" lang="fr-FR" sz="1800" spc="-1" strike="noStrike">
+            <a:pPr algn="ctr"/>
+            <a:r>
+              <a:rPr b="0" lang="fr-FR" sz="4400" spc="-1" strike="noStrike">
                 <a:latin typeface="Arial"/>
               </a:rPr>
               <a:t>Cliquez pour éditer le format du texte-titre</a:t>
             </a:r>
-            <a:endParaRPr b="0" lang="fr-FR" sz="1800" spc="-1" strike="noStrike">
+            <a:endParaRPr b="0" lang="fr-FR" sz="4400" spc="-1" strike="noStrike">
               <a:latin typeface="Arial"/>
             </a:endParaRPr>
           </a:p>
@@ -3097,25 +2807,21 @@
         </p:nvSpPr>
         <p:spPr>
           <a:xfrm>
-            <a:off x="504000" y="1326600"/>
-            <a:ext cx="9071280" cy="3287880"/>
-          </a:xfrm>
-          <a:prstGeom prst="rect">
-            <a:avLst/>
-          </a:prstGeom>
-          <a:noFill/>
-          <a:ln w="0">
-            <a:noFill/>
-          </a:ln>
-        </p:spPr>
-        <p:txBody>
-          <a:bodyPr lIns="0" rIns="0" tIns="0" bIns="0" anchor="t">
+            <a:off x="503640" y="1326240"/>
+            <a:ext cx="9071280" cy="3288240"/>
+          </a:xfrm>
+          <a:prstGeom prst="rect">
+            <a:avLst/>
+          </a:prstGeom>
+        </p:spPr>
+        <p:txBody>
+          <a:bodyPr lIns="0" rIns="0" tIns="0" bIns="0">
             <a:normAutofit/>
           </a:bodyPr>
           <a:p>
             <a:pPr marL="432000" indent="-324000">
               <a:spcBef>
-                <a:spcPts val="1417"/>
+                <a:spcPts val="1414"/>
               </a:spcBef>
               <a:buClr>
                 <a:srgbClr val="000000"/>
@@ -3125,19 +2831,19 @@
               <a:buChar char=""/>
             </a:pPr>
             <a:r>
-              <a:rPr b="0" lang="fr-FR" sz="1800" spc="-1" strike="noStrike">
+              <a:rPr b="0" lang="fr-FR" sz="3200" spc="-1" strike="noStrike">
                 <a:latin typeface="Arial"/>
               </a:rPr>
               <a:t>Cliquez pour éditer le format du plan de texte</a:t>
             </a:r>
-            <a:endParaRPr b="0" lang="fr-FR" sz="1800" spc="-1" strike="noStrike">
+            <a:endParaRPr b="0" lang="fr-FR" sz="3200" spc="-1" strike="noStrike">
               <a:latin typeface="Arial"/>
             </a:endParaRPr>
           </a:p>
           <a:p>
             <a:pPr lvl="1" marL="864000" indent="-324000">
               <a:spcBef>
-                <a:spcPts val="1134"/>
+                <a:spcPts val="1131"/>
               </a:spcBef>
               <a:buClr>
                 <a:srgbClr val="000000"/>
@@ -3147,19 +2853,19 @@
               <a:buChar char=""/>
             </a:pPr>
             <a:r>
-              <a:rPr b="0" lang="fr-FR" sz="1800" spc="-1" strike="noStrike">
+              <a:rPr b="0" lang="fr-FR" sz="2800" spc="-1" strike="noStrike">
                 <a:latin typeface="Arial"/>
               </a:rPr>
               <a:t>Second niveau de plan</a:t>
             </a:r>
-            <a:endParaRPr b="0" lang="fr-FR" sz="1800" spc="-1" strike="noStrike">
+            <a:endParaRPr b="0" lang="fr-FR" sz="2800" spc="-1" strike="noStrike">
               <a:latin typeface="Arial"/>
             </a:endParaRPr>
           </a:p>
           <a:p>
             <a:pPr lvl="2" marL="1296000" indent="-288000">
               <a:spcBef>
-                <a:spcPts val="850"/>
+                <a:spcPts val="848"/>
               </a:spcBef>
               <a:buClr>
                 <a:srgbClr val="000000"/>
@@ -3169,19 +2875,19 @@
               <a:buChar char=""/>
             </a:pPr>
             <a:r>
-              <a:rPr b="0" lang="fr-FR" sz="1800" spc="-1" strike="noStrike">
+              <a:rPr b="0" lang="fr-FR" sz="2400" spc="-1" strike="noStrike">
                 <a:latin typeface="Arial"/>
               </a:rPr>
               <a:t>Troisième niveau de plan</a:t>
             </a:r>
-            <a:endParaRPr b="0" lang="fr-FR" sz="1800" spc="-1" strike="noStrike">
+            <a:endParaRPr b="0" lang="fr-FR" sz="2400" spc="-1" strike="noStrike">
               <a:latin typeface="Arial"/>
             </a:endParaRPr>
           </a:p>
           <a:p>
             <a:pPr lvl="3" marL="1728000" indent="-216000">
               <a:spcBef>
-                <a:spcPts val="567"/>
+                <a:spcPts val="564"/>
               </a:spcBef>
               <a:buClr>
                 <a:srgbClr val="000000"/>
@@ -3191,19 +2897,19 @@
               <a:buChar char=""/>
             </a:pPr>
             <a:r>
-              <a:rPr b="0" lang="fr-FR" sz="1800" spc="-1" strike="noStrike">
+              <a:rPr b="0" lang="fr-FR" sz="2000" spc="-1" strike="noStrike">
                 <a:latin typeface="Arial"/>
               </a:rPr>
               <a:t>Quatrième niveau de plan</a:t>
             </a:r>
-            <a:endParaRPr b="0" lang="fr-FR" sz="1800" spc="-1" strike="noStrike">
+            <a:endParaRPr b="0" lang="fr-FR" sz="2000" spc="-1" strike="noStrike">
               <a:latin typeface="Arial"/>
             </a:endParaRPr>
           </a:p>
           <a:p>
             <a:pPr lvl="4" marL="2160000" indent="-216000">
               <a:spcBef>
-                <a:spcPts val="283"/>
+                <a:spcPts val="281"/>
               </a:spcBef>
               <a:buClr>
                 <a:srgbClr val="000000"/>
@@ -3213,19 +2919,19 @@
               <a:buChar char=""/>
             </a:pPr>
             <a:r>
-              <a:rPr b="0" lang="fr-FR" sz="1800" spc="-1" strike="noStrike">
+              <a:rPr b="0" lang="fr-FR" sz="2000" spc="-1" strike="noStrike">
                 <a:latin typeface="Arial"/>
               </a:rPr>
               <a:t>Cinquième niveau de plan</a:t>
             </a:r>
-            <a:endParaRPr b="0" lang="fr-FR" sz="1800" spc="-1" strike="noStrike">
+            <a:endParaRPr b="0" lang="fr-FR" sz="2000" spc="-1" strike="noStrike">
               <a:latin typeface="Arial"/>
             </a:endParaRPr>
           </a:p>
           <a:p>
             <a:pPr lvl="5" marL="2592000" indent="-216000">
               <a:spcBef>
-                <a:spcPts val="283"/>
+                <a:spcPts val="281"/>
               </a:spcBef>
               <a:buClr>
                 <a:srgbClr val="000000"/>
@@ -3235,19 +2941,19 @@
               <a:buChar char=""/>
             </a:pPr>
             <a:r>
-              <a:rPr b="0" lang="fr-FR" sz="1800" spc="-1" strike="noStrike">
+              <a:rPr b="0" lang="fr-FR" sz="2000" spc="-1" strike="noStrike">
                 <a:latin typeface="Arial"/>
               </a:rPr>
               <a:t>Sixième niveau de plan</a:t>
             </a:r>
-            <a:endParaRPr b="0" lang="fr-FR" sz="1800" spc="-1" strike="noStrike">
+            <a:endParaRPr b="0" lang="fr-FR" sz="2000" spc="-1" strike="noStrike">
               <a:latin typeface="Arial"/>
             </a:endParaRPr>
           </a:p>
           <a:p>
             <a:pPr lvl="6" marL="3024000" indent="-216000">
               <a:spcBef>
-                <a:spcPts val="283"/>
+                <a:spcPts val="281"/>
               </a:spcBef>
               <a:buClr>
                 <a:srgbClr val="000000"/>
@@ -3257,12 +2963,12 @@
               <a:buChar char=""/>
             </a:pPr>
             <a:r>
-              <a:rPr b="0" lang="fr-FR" sz="1800" spc="-1" strike="noStrike">
+              <a:rPr b="0" lang="fr-FR" sz="2000" spc="-1" strike="noStrike">
                 <a:latin typeface="Arial"/>
               </a:rPr>
               <a:t>Septième niveau de plan</a:t>
             </a:r>
-            <a:endParaRPr b="0" lang="fr-FR" sz="1800" spc="-1" strike="noStrike">
+            <a:endParaRPr b="0" lang="fr-FR" sz="2000" spc="-1" strike="noStrike">
               <a:latin typeface="Arial"/>
             </a:endParaRPr>
           </a:p>
@@ -3317,16 +3023,12 @@
         </p:nvSpPr>
         <p:spPr>
           <a:xfrm>
-            <a:off x="504000" y="226080"/>
-            <a:ext cx="9071280" cy="946080"/>
-          </a:xfrm>
-          <a:prstGeom prst="rect">
-            <a:avLst/>
-          </a:prstGeom>
-          <a:noFill/>
-          <a:ln w="0">
-            <a:noFill/>
-          </a:ln>
+            <a:off x="503640" y="225720"/>
+            <a:ext cx="9070200" cy="945720"/>
+          </a:xfrm>
+          <a:prstGeom prst="rect">
+            <a:avLst/>
+          </a:prstGeom>
         </p:spPr>
         <p:txBody>
           <a:bodyPr lIns="0" rIns="0" tIns="0" bIns="0" anchor="ctr">
@@ -3357,25 +3059,21 @@
         </p:nvSpPr>
         <p:spPr>
           <a:xfrm>
-            <a:off x="504000" y="1326600"/>
-            <a:ext cx="9072000" cy="3288600"/>
-          </a:xfrm>
-          <a:prstGeom prst="rect">
-            <a:avLst/>
-          </a:prstGeom>
-          <a:noFill/>
-          <a:ln w="0">
-            <a:noFill/>
-          </a:ln>
-        </p:spPr>
-        <p:txBody>
-          <a:bodyPr lIns="0" rIns="0" tIns="0" bIns="0" anchor="t">
+            <a:off x="503640" y="1326240"/>
+            <a:ext cx="9070200" cy="3287160"/>
+          </a:xfrm>
+          <a:prstGeom prst="rect">
+            <a:avLst/>
+          </a:prstGeom>
+        </p:spPr>
+        <p:txBody>
+          <a:bodyPr lIns="0" rIns="0" tIns="0" bIns="0">
             <a:normAutofit/>
           </a:bodyPr>
           <a:p>
             <a:pPr marL="432000" indent="-324000">
               <a:spcBef>
-                <a:spcPts val="1417"/>
+                <a:spcPts val="1414"/>
               </a:spcBef>
               <a:buClr>
                 <a:srgbClr val="000000"/>
@@ -3385,19 +3083,19 @@
               <a:buChar char=""/>
             </a:pPr>
             <a:r>
-              <a:rPr b="0" lang="fr-FR" sz="3200" spc="-1" strike="noStrike">
+              <a:rPr b="0" lang="fr-FR" sz="1800" spc="-1" strike="noStrike">
                 <a:latin typeface="Arial"/>
               </a:rPr>
               <a:t>Cliquez pour éditer le format du plan de texte</a:t>
             </a:r>
-            <a:endParaRPr b="0" lang="fr-FR" sz="3200" spc="-1" strike="noStrike">
+            <a:endParaRPr b="0" lang="fr-FR" sz="1800" spc="-1" strike="noStrike">
               <a:latin typeface="Arial"/>
             </a:endParaRPr>
           </a:p>
           <a:p>
             <a:pPr lvl="1" marL="864000" indent="-324000">
               <a:spcBef>
-                <a:spcPts val="1134"/>
+                <a:spcPts val="1131"/>
               </a:spcBef>
               <a:buClr>
                 <a:srgbClr val="000000"/>
@@ -3407,19 +3105,19 @@
               <a:buChar char=""/>
             </a:pPr>
             <a:r>
-              <a:rPr b="0" lang="fr-FR" sz="2800" spc="-1" strike="noStrike">
+              <a:rPr b="0" lang="fr-FR" sz="1800" spc="-1" strike="noStrike">
                 <a:latin typeface="Arial"/>
               </a:rPr>
               <a:t>Second niveau de plan</a:t>
             </a:r>
-            <a:endParaRPr b="0" lang="fr-FR" sz="2800" spc="-1" strike="noStrike">
+            <a:endParaRPr b="0" lang="fr-FR" sz="1800" spc="-1" strike="noStrike">
               <a:latin typeface="Arial"/>
             </a:endParaRPr>
           </a:p>
           <a:p>
             <a:pPr lvl="2" marL="1296000" indent="-288000">
               <a:spcBef>
-                <a:spcPts val="850"/>
+                <a:spcPts val="848"/>
               </a:spcBef>
               <a:buClr>
                 <a:srgbClr val="000000"/>
@@ -3429,19 +3127,19 @@
               <a:buChar char=""/>
             </a:pPr>
             <a:r>
-              <a:rPr b="0" lang="fr-FR" sz="2400" spc="-1" strike="noStrike">
+              <a:rPr b="0" lang="fr-FR" sz="1800" spc="-1" strike="noStrike">
                 <a:latin typeface="Arial"/>
               </a:rPr>
               <a:t>Troisième niveau de plan</a:t>
             </a:r>
-            <a:endParaRPr b="0" lang="fr-FR" sz="2400" spc="-1" strike="noStrike">
+            <a:endParaRPr b="0" lang="fr-FR" sz="1800" spc="-1" strike="noStrike">
               <a:latin typeface="Arial"/>
             </a:endParaRPr>
           </a:p>
           <a:p>
             <a:pPr lvl="3" marL="1728000" indent="-216000">
               <a:spcBef>
-                <a:spcPts val="567"/>
+                <a:spcPts val="564"/>
               </a:spcBef>
               <a:buClr>
                 <a:srgbClr val="000000"/>
@@ -3451,19 +3149,19 @@
               <a:buChar char=""/>
             </a:pPr>
             <a:r>
-              <a:rPr b="0" lang="fr-FR" sz="2000" spc="-1" strike="noStrike">
+              <a:rPr b="0" lang="fr-FR" sz="1800" spc="-1" strike="noStrike">
                 <a:latin typeface="Arial"/>
               </a:rPr>
               <a:t>Quatrième niveau de plan</a:t>
             </a:r>
-            <a:endParaRPr b="0" lang="fr-FR" sz="2000" spc="-1" strike="noStrike">
+            <a:endParaRPr b="0" lang="fr-FR" sz="1800" spc="-1" strike="noStrike">
               <a:latin typeface="Arial"/>
             </a:endParaRPr>
           </a:p>
           <a:p>
             <a:pPr lvl="4" marL="2160000" indent="-216000">
               <a:spcBef>
-                <a:spcPts val="283"/>
+                <a:spcPts val="281"/>
               </a:spcBef>
               <a:buClr>
                 <a:srgbClr val="000000"/>
@@ -3473,19 +3171,19 @@
               <a:buChar char=""/>
             </a:pPr>
             <a:r>
-              <a:rPr b="0" lang="fr-FR" sz="2000" spc="-1" strike="noStrike">
+              <a:rPr b="0" lang="fr-FR" sz="1800" spc="-1" strike="noStrike">
                 <a:latin typeface="Arial"/>
               </a:rPr>
               <a:t>Cinquième niveau de plan</a:t>
             </a:r>
-            <a:endParaRPr b="0" lang="fr-FR" sz="2000" spc="-1" strike="noStrike">
+            <a:endParaRPr b="0" lang="fr-FR" sz="1800" spc="-1" strike="noStrike">
               <a:latin typeface="Arial"/>
             </a:endParaRPr>
           </a:p>
           <a:p>
             <a:pPr lvl="5" marL="2592000" indent="-216000">
               <a:spcBef>
-                <a:spcPts val="283"/>
+                <a:spcPts val="281"/>
               </a:spcBef>
               <a:buClr>
                 <a:srgbClr val="000000"/>
@@ -3495,19 +3193,19 @@
               <a:buChar char=""/>
             </a:pPr>
             <a:r>
-              <a:rPr b="0" lang="fr-FR" sz="2000" spc="-1" strike="noStrike">
+              <a:rPr b="0" lang="fr-FR" sz="1800" spc="-1" strike="noStrike">
                 <a:latin typeface="Arial"/>
               </a:rPr>
               <a:t>Sixième niveau de plan</a:t>
             </a:r>
-            <a:endParaRPr b="0" lang="fr-FR" sz="2000" spc="-1" strike="noStrike">
+            <a:endParaRPr b="0" lang="fr-FR" sz="1800" spc="-1" strike="noStrike">
               <a:latin typeface="Arial"/>
             </a:endParaRPr>
           </a:p>
           <a:p>
             <a:pPr lvl="6" marL="3024000" indent="-216000">
               <a:spcBef>
-                <a:spcPts val="283"/>
+                <a:spcPts val="281"/>
               </a:spcBef>
               <a:buClr>
                 <a:srgbClr val="000000"/>
@@ -3517,12 +3215,12 @@
               <a:buChar char=""/>
             </a:pPr>
             <a:r>
-              <a:rPr b="0" lang="fr-FR" sz="2000" spc="-1" strike="noStrike">
+              <a:rPr b="0" lang="fr-FR" sz="1800" spc="-1" strike="noStrike">
                 <a:latin typeface="Arial"/>
               </a:rPr>
               <a:t>Septième niveau de plan</a:t>
             </a:r>
-            <a:endParaRPr b="0" lang="fr-FR" sz="2000" spc="-1" strike="noStrike">
+            <a:endParaRPr b="0" lang="fr-FR" sz="1800" spc="-1" strike="noStrike">
               <a:latin typeface="Arial"/>
             </a:endParaRPr>
           </a:p>
@@ -3577,8 +3275,8 @@
         </p:blipFill>
         <p:spPr>
           <a:xfrm>
-            <a:off x="2160000" y="582840"/>
-            <a:ext cx="6119640" cy="4782240"/>
+            <a:off x="2159640" y="582480"/>
+            <a:ext cx="6118920" cy="4781160"/>
           </a:xfrm>
           <a:prstGeom prst="rect">
             <a:avLst/>
@@ -3596,8 +3294,8 @@
         </p:nvSpPr>
         <p:spPr>
           <a:xfrm>
-            <a:off x="0" y="-42480"/>
-            <a:ext cx="10079640" cy="624960"/>
+            <a:off x="0" y="-42120"/>
+            <a:ext cx="10078560" cy="624600"/>
           </a:xfrm>
           <a:prstGeom prst="rect">
             <a:avLst/>
@@ -3634,8 +3332,8 @@
         </p:nvSpPr>
         <p:spPr>
           <a:xfrm>
-            <a:off x="0" y="5130360"/>
-            <a:ext cx="10079640" cy="539280"/>
+            <a:off x="0" y="5129640"/>
+            <a:ext cx="10078560" cy="538920"/>
           </a:xfrm>
           <a:prstGeom prst="rect">
             <a:avLst/>
@@ -3672,8 +3370,8 @@
         </p:nvSpPr>
         <p:spPr>
           <a:xfrm>
-            <a:off x="720000" y="1620000"/>
-            <a:ext cx="359640" cy="2339640"/>
+            <a:off x="719640" y="1619640"/>
+            <a:ext cx="359280" cy="2338920"/>
           </a:xfrm>
           <a:prstGeom prst="rect">
             <a:avLst/>
@@ -3710,8 +3408,8 @@
         </p:nvSpPr>
         <p:spPr>
           <a:xfrm>
-            <a:off x="9180000" y="1584000"/>
-            <a:ext cx="359640" cy="2339640"/>
+            <a:off x="9179280" y="1583640"/>
+            <a:ext cx="359280" cy="2338920"/>
           </a:xfrm>
           <a:prstGeom prst="rect">
             <a:avLst/>
@@ -3779,7 +3477,7 @@
         <p:spPr>
           <a:xfrm>
             <a:off x="0" y="360"/>
-            <a:ext cx="10079640" cy="1249920"/>
+            <a:ext cx="10078560" cy="1249560"/>
           </a:xfrm>
           <a:prstGeom prst="rect">
             <a:avLst/>
@@ -3823,10 +3521,31 @@
                   <a:srgbClr val="ffffff"/>
                 </a:solidFill>
                 <a:latin typeface="Arial"/>
-              </a:rPr>
-              <a:t>User Case</a:t>
+                <a:ea typeface="DejaVu Sans"/>
+              </a:rPr>
+              <a:t>Design</a:t>
             </a:r>
             <a:endParaRPr b="0" lang="fr-FR" sz="3200" spc="-1" strike="noStrike">
+              <a:latin typeface="Arial"/>
+            </a:endParaRPr>
+          </a:p>
+          <a:p>
+            <a:pPr algn="ctr">
+              <a:lnSpc>
+                <a:spcPct val="100000"/>
+              </a:lnSpc>
+            </a:pPr>
+            <a:r>
+              <a:rPr b="0" lang="fr-FR" sz="2800" spc="-1" strike="noStrike">
+                <a:solidFill>
+                  <a:srgbClr val="ffffff"/>
+                </a:solidFill>
+                <a:latin typeface="Arial"/>
+                <a:ea typeface="DejaVu Sans"/>
+              </a:rPr>
+              <a:t>- User Case -</a:t>
+            </a:r>
+            <a:endParaRPr b="0" lang="fr-FR" sz="2800" spc="-1" strike="noStrike">
               <a:latin typeface="Arial"/>
             </a:endParaRPr>
           </a:p>
@@ -3840,8 +3559,8 @@
         </p:nvSpPr>
         <p:spPr>
           <a:xfrm>
-            <a:off x="0" y="1250640"/>
-            <a:ext cx="10079640" cy="4419360"/>
+            <a:off x="0" y="1250280"/>
+            <a:ext cx="10078560" cy="4418280"/>
           </a:xfrm>
           <a:prstGeom prst="rect">
             <a:avLst/>
@@ -3868,7 +3587,7 @@
           <a:fontRef idx="minor"/>
         </p:style>
         <p:txBody>
-          <a:bodyPr lIns="90000" rIns="90000" tIns="45000" bIns="45000" anchor="t">
+          <a:bodyPr lIns="90000" rIns="90000" tIns="45000" bIns="45000">
             <a:noAutofit/>
           </a:bodyPr>
           <a:p>
@@ -3893,6 +3612,7 @@
                   <a:srgbClr val="ffffff"/>
                 </a:solidFill>
                 <a:latin typeface="Arial"/>
+                <a:ea typeface="DejaVu Sans"/>
               </a:rPr>
               <a:t>	</a:t>
             </a:r>
@@ -3902,6 +3622,7 @@
                   <a:srgbClr val="ffffff"/>
                 </a:solidFill>
                 <a:latin typeface="Arial"/>
+                <a:ea typeface="DejaVu Sans"/>
               </a:rPr>
               <a:t>	</a:t>
             </a:r>
@@ -3921,6 +3642,7 @@
                   <a:srgbClr val="ffffff"/>
                 </a:solidFill>
                 <a:latin typeface="Arial"/>
+                <a:ea typeface="DejaVu Sans"/>
               </a:rPr>
               <a:t>	</a:t>
             </a:r>
@@ -3930,6 +3652,7 @@
                   <a:srgbClr val="ffffff"/>
                 </a:solidFill>
                 <a:latin typeface="Arial"/>
+                <a:ea typeface="DejaVu Sans"/>
               </a:rPr>
               <a:t>	</a:t>
             </a:r>
@@ -3939,6 +3662,7 @@
                   <a:srgbClr val="ffffff"/>
                 </a:solidFill>
                 <a:latin typeface="Arial"/>
+                <a:ea typeface="DejaVu Sans"/>
               </a:rPr>
               <a:t> </a:t>
             </a:r>
@@ -3956,8 +3680,8 @@
         </p:nvSpPr>
         <p:spPr>
           <a:xfrm>
-            <a:off x="9332640" y="4972680"/>
-            <a:ext cx="567000" cy="426960"/>
+            <a:off x="9331920" y="4971960"/>
+            <a:ext cx="566640" cy="426600"/>
           </a:xfrm>
           <a:prstGeom prst="rect">
             <a:avLst/>
@@ -3974,7 +3698,7 @@
           <a:fontRef idx="minor"/>
         </p:style>
         <p:txBody>
-          <a:bodyPr lIns="90000" rIns="90000" tIns="45000" bIns="45000" anchor="t">
+          <a:bodyPr lIns="90000" rIns="90000" tIns="45000" bIns="45000">
             <a:noAutofit/>
           </a:bodyPr>
           <a:p>
@@ -3983,12 +3707,13 @@
                 <a:spcPct val="100000"/>
               </a:lnSpc>
             </a:pPr>
-            <a:fld id="{50AE0D01-D187-479E-865E-BC2A7161F311}" type="slidenum">
+            <a:fld id="{CB829ED1-6BEF-44ED-9A68-FBAB314302F5}" type="slidenum">
               <a:rPr b="1" lang="fr-FR" sz="2400" spc="-1" strike="noStrike">
                 <a:solidFill>
                   <a:srgbClr val="ffffff"/>
                 </a:solidFill>
                 <a:latin typeface="Times New Roman"/>
+                <a:ea typeface="DejaVu Sans"/>
               </a:rPr>
               <a:t>&lt;numéro&gt;</a:t>
             </a:fld>
@@ -4010,8 +3735,8 @@
         </p:blipFill>
         <p:spPr>
           <a:xfrm>
-            <a:off x="1620000" y="1383120"/>
-            <a:ext cx="6839640" cy="3815640"/>
+            <a:off x="1800000" y="1344600"/>
+            <a:ext cx="6707880" cy="3875400"/>
           </a:xfrm>
           <a:prstGeom prst="rect">
             <a:avLst/>
@@ -4028,8 +3753,8 @@
           <p:nvPr/>
         </p:nvGraphicFramePr>
         <p:xfrm>
-          <a:off x="900720" y="4502160"/>
-          <a:ext cx="6118920" cy="1077480"/>
+          <a:off x="1260000" y="4533840"/>
+          <a:ext cx="5940000" cy="1046160"/>
         </p:xfrm>
         <a:graphic>
           <a:graphicData uri="http://schemas.openxmlformats.org/presentationml/2006/ole">
@@ -4047,8 +3772,8 @@
                 </p:blipFill>
                 <p:spPr>
                   <a:xfrm>
-                    <a:off x="900720" y="4502160"/>
-                    <a:ext cx="6118920" cy="1077480"/>
+                    <a:off x="1260000" y="4533840"/>
+                    <a:ext cx="5940000" cy="1046160"/>
                   </a:xfrm>
                   <a:prstGeom prst="rect">
                     <a:avLst/>
@@ -4080,10 +3805,17 @@
   <p:cSld>
     <p:bg>
       <p:bgPr>
-        <a:blipFill rotWithShape="0">
-          <a:blip r:embed="rId1"/>
-          <a:stretch/>
-        </a:blipFill>
+        <a:gradFill rotWithShape="0">
+          <a:gsLst>
+            <a:gs pos="0">
+              <a:srgbClr val="50938a"/>
+            </a:gs>
+            <a:gs pos="100000">
+              <a:srgbClr val="5983b0"/>
+            </a:gs>
+          </a:gsLst>
+          <a:lin ang="3600000"/>
+        </a:gradFill>
       </p:bgPr>
     </p:bg>
     <p:spTree>
@@ -4100,39 +3832,16 @@
           <a:chExt cx="0" cy="0"/>
         </a:xfrm>
       </p:grpSpPr>
-      <p:pic>
-        <p:nvPicPr>
-          <p:cNvPr id="123" name="" descr=""/>
-          <p:cNvPicPr/>
-          <p:nvPr/>
-        </p:nvPicPr>
-        <p:blipFill>
-          <a:blip r:embed="rId2"/>
-          <a:stretch/>
-        </p:blipFill>
-        <p:spPr>
-          <a:xfrm>
-            <a:off x="2020680" y="1250640"/>
-            <a:ext cx="6078960" cy="4419000"/>
-          </a:xfrm>
-          <a:prstGeom prst="rect">
-            <a:avLst/>
-          </a:prstGeom>
-          <a:ln w="0">
-            <a:noFill/>
-          </a:ln>
-        </p:spPr>
-      </p:pic>
-      <p:sp>
-        <p:nvSpPr>
-          <p:cNvPr id="124" name=""/>
+      <p:sp>
+        <p:nvSpPr>
+          <p:cNvPr id="123" name=""/>
           <p:cNvSpPr/>
           <p:nvPr/>
         </p:nvSpPr>
         <p:spPr>
           <a:xfrm>
             <a:off x="0" y="360"/>
-            <a:ext cx="10079640" cy="1249920"/>
+            <a:ext cx="10078560" cy="1249560"/>
           </a:xfrm>
           <a:prstGeom prst="rect">
             <a:avLst/>
@@ -4176,25 +3885,46 @@
                   <a:srgbClr val="ffffff"/>
                 </a:solidFill>
                 <a:latin typeface="Arial"/>
-              </a:rPr>
-              <a:t>Diagramme D’activité</a:t>
+                <a:ea typeface="DejaVu Sans"/>
+              </a:rPr>
+              <a:t>Design</a:t>
             </a:r>
             <a:endParaRPr b="0" lang="fr-FR" sz="3200" spc="-1" strike="noStrike">
               <a:latin typeface="Arial"/>
             </a:endParaRPr>
           </a:p>
-        </p:txBody>
-      </p:sp>
-      <p:sp>
-        <p:nvSpPr>
-          <p:cNvPr id="125" name=""/>
+          <a:p>
+            <a:pPr algn="ctr">
+              <a:lnSpc>
+                <a:spcPct val="100000"/>
+              </a:lnSpc>
+            </a:pPr>
+            <a:r>
+              <a:rPr b="0" lang="fr-FR" sz="2800" spc="-1" strike="noStrike">
+                <a:solidFill>
+                  <a:srgbClr val="ffffff"/>
+                </a:solidFill>
+                <a:latin typeface="Arial"/>
+                <a:ea typeface="DejaVu Sans"/>
+              </a:rPr>
+              <a:t>- Diagramme d’activité -</a:t>
+            </a:r>
+            <a:endParaRPr b="0" lang="fr-FR" sz="2800" spc="-1" strike="noStrike">
+              <a:latin typeface="Arial"/>
+            </a:endParaRPr>
+          </a:p>
+        </p:txBody>
+      </p:sp>
+      <p:sp>
+        <p:nvSpPr>
+          <p:cNvPr id="124" name=""/>
           <p:cNvSpPr/>
           <p:nvPr/>
         </p:nvSpPr>
         <p:spPr>
           <a:xfrm>
-            <a:off x="9346320" y="4972680"/>
-            <a:ext cx="553320" cy="426960"/>
+            <a:off x="9345600" y="4971960"/>
+            <a:ext cx="552960" cy="426600"/>
           </a:xfrm>
           <a:prstGeom prst="rect">
             <a:avLst/>
@@ -4211,7 +3941,7 @@
           <a:fontRef idx="minor"/>
         </p:style>
         <p:txBody>
-          <a:bodyPr lIns="90000" rIns="90000" tIns="45000" bIns="45000" anchor="t">
+          <a:bodyPr lIns="90000" rIns="90000" tIns="45000" bIns="45000">
             <a:noAutofit/>
           </a:bodyPr>
           <a:p>
@@ -4220,12 +3950,13 @@
                 <a:spcPct val="100000"/>
               </a:lnSpc>
             </a:pPr>
-            <a:fld id="{18AA646E-3475-4261-8355-45A17240A4C5}" type="slidenum">
+            <a:fld id="{1A9E460E-0CC2-4122-84BE-79BDB463D3EF}" type="slidenum">
               <a:rPr b="1" lang="fr-FR" sz="2400" spc="-1" strike="noStrike">
                 <a:solidFill>
                   <a:srgbClr val="ffffff"/>
                 </a:solidFill>
                 <a:latin typeface="Times New Roman"/>
+                <a:ea typeface="DejaVu Sans"/>
               </a:rPr>
               <a:t>&lt;numéro&gt;</a:t>
             </a:fld>
@@ -4235,6 +3966,29 @@
           </a:p>
         </p:txBody>
       </p:sp>
+      <p:pic>
+        <p:nvPicPr>
+          <p:cNvPr id="125" name="" descr=""/>
+          <p:cNvPicPr/>
+          <p:nvPr/>
+        </p:nvPicPr>
+        <p:blipFill>
+          <a:blip r:embed="rId1"/>
+          <a:stretch/>
+        </p:blipFill>
+        <p:spPr>
+          <a:xfrm>
+            <a:off x="2340000" y="1397520"/>
+            <a:ext cx="5582880" cy="4182480"/>
+          </a:xfrm>
+          <a:prstGeom prst="rect">
+            <a:avLst/>
+          </a:prstGeom>
+          <a:ln w="0">
+            <a:noFill/>
+          </a:ln>
+        </p:spPr>
+      </p:pic>
     </p:spTree>
   </p:cSld>
   <mc:AlternateContent>
@@ -4253,10 +4007,17 @@
   <p:cSld>
     <p:bg>
       <p:bgPr>
-        <a:blipFill rotWithShape="0">
-          <a:blip r:embed="rId1"/>
-          <a:stretch/>
-        </a:blipFill>
+        <a:gradFill rotWithShape="0">
+          <a:gsLst>
+            <a:gs pos="0">
+              <a:srgbClr val="50938a"/>
+            </a:gs>
+            <a:gs pos="100000">
+              <a:srgbClr val="5983b0"/>
+            </a:gs>
+          </a:gsLst>
+          <a:lin ang="3600000"/>
+        </a:gradFill>
       </p:bgPr>
     </p:bg>
     <p:spTree>
@@ -4282,7 +4043,7 @@
         <p:spPr>
           <a:xfrm>
             <a:off x="0" y="360"/>
-            <a:ext cx="10079640" cy="1249920"/>
+            <a:ext cx="10078560" cy="1249560"/>
           </a:xfrm>
           <a:prstGeom prst="rect">
             <a:avLst/>
@@ -4326,48 +4087,46 @@
                   <a:srgbClr val="ffffff"/>
                 </a:solidFill>
                 <a:latin typeface="Arial"/>
-              </a:rPr>
-              <a:t>Diagramme de Séquence</a:t>
+                <a:ea typeface="DejaVu Sans"/>
+              </a:rPr>
+              <a:t>Design</a:t>
             </a:r>
             <a:endParaRPr b="0" lang="fr-FR" sz="3200" spc="-1" strike="noStrike">
               <a:latin typeface="Arial"/>
             </a:endParaRPr>
           </a:p>
-        </p:txBody>
-      </p:sp>
-      <p:pic>
-        <p:nvPicPr>
-          <p:cNvPr id="127" name="" descr=""/>
-          <p:cNvPicPr/>
-          <p:nvPr/>
-        </p:nvPicPr>
-        <p:blipFill>
-          <a:blip r:embed="rId2"/>
-          <a:stretch/>
-        </p:blipFill>
-        <p:spPr>
-          <a:xfrm>
-            <a:off x="1944000" y="1250640"/>
-            <a:ext cx="6335640" cy="4419000"/>
-          </a:xfrm>
-          <a:prstGeom prst="rect">
-            <a:avLst/>
-          </a:prstGeom>
-          <a:ln w="0">
-            <a:noFill/>
-          </a:ln>
-        </p:spPr>
-      </p:pic>
-      <p:sp>
-        <p:nvSpPr>
-          <p:cNvPr id="128" name=""/>
+          <a:p>
+            <a:pPr algn="ctr">
+              <a:lnSpc>
+                <a:spcPct val="100000"/>
+              </a:lnSpc>
+            </a:pPr>
+            <a:r>
+              <a:rPr b="0" lang="fr-FR" sz="2800" spc="-1" strike="noStrike">
+                <a:solidFill>
+                  <a:srgbClr val="ffffff"/>
+                </a:solidFill>
+                <a:latin typeface="Arial"/>
+                <a:ea typeface="DejaVu Sans"/>
+              </a:rPr>
+              <a:t>- Diagramme de Séquence -</a:t>
+            </a:r>
+            <a:endParaRPr b="0" lang="fr-FR" sz="2800" spc="-1" strike="noStrike">
+              <a:latin typeface="Arial"/>
+            </a:endParaRPr>
+          </a:p>
+        </p:txBody>
+      </p:sp>
+      <p:sp>
+        <p:nvSpPr>
+          <p:cNvPr id="127" name=""/>
           <p:cNvSpPr/>
           <p:nvPr/>
         </p:nvSpPr>
         <p:spPr>
           <a:xfrm>
-            <a:off x="9297360" y="4972680"/>
-            <a:ext cx="485280" cy="426960"/>
+            <a:off x="9296640" y="4971960"/>
+            <a:ext cx="484920" cy="426600"/>
           </a:xfrm>
           <a:prstGeom prst="rect">
             <a:avLst/>
@@ -4384,7 +4143,7 @@
           <a:fontRef idx="minor"/>
         </p:style>
         <p:txBody>
-          <a:bodyPr lIns="90000" rIns="90000" tIns="45000" bIns="45000" anchor="t">
+          <a:bodyPr lIns="90000" rIns="90000" tIns="45000" bIns="45000">
             <a:noAutofit/>
           </a:bodyPr>
           <a:p>
@@ -4393,12 +4152,13 @@
                 <a:spcPct val="100000"/>
               </a:lnSpc>
             </a:pPr>
-            <a:fld id="{A57473EE-A6BF-45D9-BA92-F70362424A81}" type="slidenum">
+            <a:fld id="{73AD1BC3-EBE9-4243-B129-E944FBB32721}" type="slidenum">
               <a:rPr b="1" lang="fr-FR" sz="2400" spc="-1" strike="noStrike">
                 <a:solidFill>
                   <a:srgbClr val="ffffff"/>
                 </a:solidFill>
                 <a:latin typeface="Times New Roman"/>
+                <a:ea typeface="DejaVu Sans"/>
               </a:rPr>
               <a:t>&lt;numéro&gt;</a:t>
             </a:fld>
@@ -4408,6 +4168,29 @@
           </a:p>
         </p:txBody>
       </p:sp>
+      <p:pic>
+        <p:nvPicPr>
+          <p:cNvPr id="128" name="" descr=""/>
+          <p:cNvPicPr/>
+          <p:nvPr/>
+        </p:nvPicPr>
+        <p:blipFill>
+          <a:blip r:embed="rId1"/>
+          <a:stretch/>
+        </p:blipFill>
+        <p:spPr>
+          <a:xfrm>
+            <a:off x="2340000" y="1308960"/>
+            <a:ext cx="5865840" cy="4091040"/>
+          </a:xfrm>
+          <a:prstGeom prst="rect">
+            <a:avLst/>
+          </a:prstGeom>
+          <a:ln w="0">
+            <a:noFill/>
+          </a:ln>
+        </p:spPr>
+      </p:pic>
     </p:spTree>
   </p:cSld>
   <mc:AlternateContent>
@@ -4447,7 +4230,7 @@
         <p:spPr>
           <a:xfrm>
             <a:off x="0" y="360"/>
-            <a:ext cx="10079640" cy="1249920"/>
+            <a:ext cx="10078560" cy="1249560"/>
           </a:xfrm>
           <a:prstGeom prst="rect">
             <a:avLst/>
@@ -4491,10 +4274,31 @@
                   <a:srgbClr val="ffffff"/>
                 </a:solidFill>
                 <a:latin typeface="Arial"/>
-              </a:rPr>
-              <a:t>Zoning</a:t>
+                <a:ea typeface="DejaVu Sans"/>
+              </a:rPr>
+              <a:t>Maquettes</a:t>
             </a:r>
             <a:endParaRPr b="0" lang="fr-FR" sz="3200" spc="-1" strike="noStrike">
+              <a:latin typeface="Arial"/>
+            </a:endParaRPr>
+          </a:p>
+          <a:p>
+            <a:pPr algn="ctr">
+              <a:lnSpc>
+                <a:spcPct val="100000"/>
+              </a:lnSpc>
+            </a:pPr>
+            <a:r>
+              <a:rPr b="0" lang="fr-FR" sz="2800" spc="-1" strike="noStrike">
+                <a:solidFill>
+                  <a:srgbClr val="ffffff"/>
+                </a:solidFill>
+                <a:latin typeface="Arial"/>
+                <a:ea typeface="DejaVu Sans"/>
+              </a:rPr>
+              <a:t>- Zoning -</a:t>
+            </a:r>
+            <a:endParaRPr b="0" lang="fr-FR" sz="2800" spc="-1" strike="noStrike">
               <a:latin typeface="Arial"/>
             </a:endParaRPr>
           </a:p>
@@ -4508,8 +4312,8 @@
         </p:nvSpPr>
         <p:spPr>
           <a:xfrm>
-            <a:off x="0" y="1250640"/>
-            <a:ext cx="10079640" cy="4419360"/>
+            <a:off x="0" y="1250280"/>
+            <a:ext cx="10078560" cy="4418280"/>
           </a:xfrm>
           <a:prstGeom prst="rect">
             <a:avLst/>
@@ -4536,7 +4340,7 @@
           <a:fontRef idx="minor"/>
         </p:style>
         <p:txBody>
-          <a:bodyPr lIns="90000" rIns="90000" tIns="45000" bIns="45000" anchor="t">
+          <a:bodyPr lIns="90000" rIns="90000" tIns="45000" bIns="45000">
             <a:noAutofit/>
           </a:bodyPr>
           <a:p>
@@ -4561,6 +4365,7 @@
                   <a:srgbClr val="ffffff"/>
                 </a:solidFill>
                 <a:latin typeface="Arial"/>
+                <a:ea typeface="DejaVu Sans"/>
               </a:rPr>
               <a:t>	</a:t>
             </a:r>
@@ -4570,6 +4375,7 @@
                   <a:srgbClr val="ffffff"/>
                 </a:solidFill>
                 <a:latin typeface="Arial"/>
+                <a:ea typeface="DejaVu Sans"/>
               </a:rPr>
               <a:t>	</a:t>
             </a:r>
@@ -4589,6 +4395,7 @@
                   <a:srgbClr val="ffffff"/>
                 </a:solidFill>
                 <a:latin typeface="Arial"/>
+                <a:ea typeface="DejaVu Sans"/>
               </a:rPr>
               <a:t>	</a:t>
             </a:r>
@@ -4598,6 +4405,7 @@
                   <a:srgbClr val="ffffff"/>
                 </a:solidFill>
                 <a:latin typeface="Arial"/>
+                <a:ea typeface="DejaVu Sans"/>
               </a:rPr>
               <a:t>	</a:t>
             </a:r>
@@ -4607,6 +4415,7 @@
                   <a:srgbClr val="ffffff"/>
                 </a:solidFill>
                 <a:latin typeface="Arial"/>
+                <a:ea typeface="DejaVu Sans"/>
               </a:rPr>
               <a:t> </a:t>
             </a:r>
@@ -4624,8 +4433,8 @@
         </p:nvSpPr>
         <p:spPr>
           <a:xfrm>
-            <a:off x="9332640" y="4972680"/>
-            <a:ext cx="567000" cy="426960"/>
+            <a:off x="9331920" y="4971960"/>
+            <a:ext cx="566640" cy="426600"/>
           </a:xfrm>
           <a:prstGeom prst="rect">
             <a:avLst/>
@@ -4642,7 +4451,7 @@
           <a:fontRef idx="minor"/>
         </p:style>
         <p:txBody>
-          <a:bodyPr lIns="90000" rIns="90000" tIns="45000" bIns="45000" anchor="t">
+          <a:bodyPr lIns="90000" rIns="90000" tIns="45000" bIns="45000">
             <a:noAutofit/>
           </a:bodyPr>
           <a:p>
@@ -4651,12 +4460,13 @@
                 <a:spcPct val="100000"/>
               </a:lnSpc>
             </a:pPr>
-            <a:fld id="{B44B02DC-3393-461E-9696-2E8104680AFE}" type="slidenum">
+            <a:fld id="{C52FE0D4-D12D-4B20-9A98-4FF245B1109A}" type="slidenum">
               <a:rPr b="1" lang="fr-FR" sz="1800" spc="-1" strike="noStrike">
                 <a:solidFill>
                   <a:srgbClr val="ffffff"/>
                 </a:solidFill>
                 <a:latin typeface="Times New Roman"/>
+                <a:ea typeface="DejaVu Sans"/>
               </a:rPr>
               <a:t>&lt;numéro&gt;</a:t>
             </a:fld>
@@ -4673,8 +4483,8 @@
           <p:nvPr/>
         </p:nvGraphicFramePr>
         <p:xfrm>
-          <a:off x="1980720" y="4502160"/>
-          <a:ext cx="6118920" cy="1077480"/>
+          <a:off x="1980360" y="4501440"/>
+          <a:ext cx="6118200" cy="1077120"/>
         </p:xfrm>
         <a:graphic>
           <a:graphicData uri="http://schemas.openxmlformats.org/presentationml/2006/ole">
@@ -4692,8 +4502,8 @@
                 </p:blipFill>
                 <p:spPr>
                   <a:xfrm>
-                    <a:off x="1980720" y="4502160"/>
-                    <a:ext cx="6118920" cy="1077480"/>
+                    <a:off x="1980360" y="4501440"/>
+                    <a:ext cx="6118200" cy="1077120"/>
                   </a:xfrm>
                   <a:prstGeom prst="rect">
                     <a:avLst/>
@@ -4719,8 +4529,8 @@
         </p:blipFill>
         <p:spPr>
           <a:xfrm>
-            <a:off x="2700000" y="1440000"/>
-            <a:ext cx="4452840" cy="3464640"/>
+            <a:off x="2699640" y="1439640"/>
+            <a:ext cx="4452120" cy="3463920"/>
           </a:xfrm>
           <a:prstGeom prst="rect">
             <a:avLst/>
@@ -4769,7 +4579,7 @@
         <p:spPr>
           <a:xfrm>
             <a:off x="0" y="360"/>
-            <a:ext cx="10079640" cy="1249920"/>
+            <a:ext cx="10078560" cy="1249560"/>
           </a:xfrm>
           <a:prstGeom prst="rect">
             <a:avLst/>
@@ -4813,10 +4623,31 @@
                   <a:srgbClr val="ffffff"/>
                 </a:solidFill>
                 <a:latin typeface="Arial"/>
-              </a:rPr>
-              <a:t>Mock-up</a:t>
+                <a:ea typeface="DejaVu Sans"/>
+              </a:rPr>
+              <a:t>Maquettes</a:t>
             </a:r>
             <a:endParaRPr b="0" lang="fr-FR" sz="3200" spc="-1" strike="noStrike">
+              <a:latin typeface="Arial"/>
+            </a:endParaRPr>
+          </a:p>
+          <a:p>
+            <a:pPr algn="ctr">
+              <a:lnSpc>
+                <a:spcPct val="100000"/>
+              </a:lnSpc>
+            </a:pPr>
+            <a:r>
+              <a:rPr b="0" lang="fr-FR" sz="2800" spc="-1" strike="noStrike">
+                <a:solidFill>
+                  <a:srgbClr val="ffffff"/>
+                </a:solidFill>
+                <a:latin typeface="Arial"/>
+                <a:ea typeface="DejaVu Sans"/>
+              </a:rPr>
+              <a:t>- Mock-Up -</a:t>
+            </a:r>
+            <a:endParaRPr b="0" lang="fr-FR" sz="2800" spc="-1" strike="noStrike">
               <a:latin typeface="Arial"/>
             </a:endParaRPr>
           </a:p>
@@ -4830,8 +4661,8 @@
         </p:nvSpPr>
         <p:spPr>
           <a:xfrm>
-            <a:off x="0" y="1250640"/>
-            <a:ext cx="10079640" cy="4419360"/>
+            <a:off x="0" y="1250280"/>
+            <a:ext cx="10078560" cy="4418280"/>
           </a:xfrm>
           <a:prstGeom prst="rect">
             <a:avLst/>
@@ -4858,7 +4689,7 @@
           <a:fontRef idx="minor"/>
         </p:style>
         <p:txBody>
-          <a:bodyPr lIns="90000" rIns="90000" tIns="45000" bIns="45000" anchor="t">
+          <a:bodyPr lIns="90000" rIns="90000" tIns="45000" bIns="45000">
             <a:noAutofit/>
           </a:bodyPr>
           <a:p>
@@ -4883,6 +4714,7 @@
                   <a:srgbClr val="ffffff"/>
                 </a:solidFill>
                 <a:latin typeface="Arial"/>
+                <a:ea typeface="DejaVu Sans"/>
               </a:rPr>
               <a:t>	</a:t>
             </a:r>
@@ -4892,6 +4724,7 @@
                   <a:srgbClr val="ffffff"/>
                 </a:solidFill>
                 <a:latin typeface="Arial"/>
+                <a:ea typeface="DejaVu Sans"/>
               </a:rPr>
               <a:t>	</a:t>
             </a:r>
@@ -4911,6 +4744,7 @@
                   <a:srgbClr val="ffffff"/>
                 </a:solidFill>
                 <a:latin typeface="Arial"/>
+                <a:ea typeface="DejaVu Sans"/>
               </a:rPr>
               <a:t>	</a:t>
             </a:r>
@@ -4920,6 +4754,7 @@
                   <a:srgbClr val="ffffff"/>
                 </a:solidFill>
                 <a:latin typeface="Arial"/>
+                <a:ea typeface="DejaVu Sans"/>
               </a:rPr>
               <a:t>	</a:t>
             </a:r>
@@ -4929,6 +4764,7 @@
                   <a:srgbClr val="ffffff"/>
                 </a:solidFill>
                 <a:latin typeface="Arial"/>
+                <a:ea typeface="DejaVu Sans"/>
               </a:rPr>
               <a:t> </a:t>
             </a:r>
@@ -4946,8 +4782,8 @@
         </p:nvSpPr>
         <p:spPr>
           <a:xfrm>
-            <a:off x="9332640" y="4972680"/>
-            <a:ext cx="567000" cy="426960"/>
+            <a:off x="9331920" y="4971960"/>
+            <a:ext cx="566640" cy="426600"/>
           </a:xfrm>
           <a:prstGeom prst="rect">
             <a:avLst/>
@@ -4964,7 +4800,7 @@
           <a:fontRef idx="minor"/>
         </p:style>
         <p:txBody>
-          <a:bodyPr lIns="90000" rIns="90000" tIns="45000" bIns="45000" anchor="t">
+          <a:bodyPr lIns="90000" rIns="90000" tIns="45000" bIns="45000">
             <a:noAutofit/>
           </a:bodyPr>
           <a:p>
@@ -4973,12 +4809,13 @@
                 <a:spcPct val="100000"/>
               </a:lnSpc>
             </a:pPr>
-            <a:fld id="{1AB2EDE4-519F-4A9F-B30A-99E3FED1AFD1}" type="slidenum">
+            <a:fld id="{8C2367B2-34ED-47C2-A63D-22CE013B8904}" type="slidenum">
               <a:rPr b="1" lang="fr-FR" sz="1800" spc="-1" strike="noStrike">
                 <a:solidFill>
                   <a:srgbClr val="ffffff"/>
                 </a:solidFill>
                 <a:latin typeface="Times New Roman"/>
+                <a:ea typeface="DejaVu Sans"/>
               </a:rPr>
               <a:t>&lt;numéro&gt;</a:t>
             </a:fld>
@@ -5000,8 +4837,8 @@
         </p:blipFill>
         <p:spPr>
           <a:xfrm>
-            <a:off x="2028600" y="1440000"/>
-            <a:ext cx="6431040" cy="4139640"/>
+            <a:off x="2028240" y="1439640"/>
+            <a:ext cx="6430320" cy="4138920"/>
           </a:xfrm>
           <a:prstGeom prst="rect">
             <a:avLst/>
@@ -5050,7 +4887,7 @@
         <p:spPr>
           <a:xfrm>
             <a:off x="0" y="360"/>
-            <a:ext cx="10079640" cy="1249920"/>
+            <a:ext cx="10078560" cy="1249560"/>
           </a:xfrm>
           <a:prstGeom prst="rect">
             <a:avLst/>
@@ -5094,10 +4931,31 @@
                   <a:srgbClr val="ffffff"/>
                 </a:solidFill>
                 <a:latin typeface="Arial"/>
-              </a:rPr>
-              <a:t>Prototype</a:t>
+                <a:ea typeface="DejaVu Sans"/>
+              </a:rPr>
+              <a:t>Maquettes</a:t>
             </a:r>
             <a:endParaRPr b="0" lang="fr-FR" sz="3200" spc="-1" strike="noStrike">
+              <a:latin typeface="Arial"/>
+            </a:endParaRPr>
+          </a:p>
+          <a:p>
+            <a:pPr algn="ctr">
+              <a:lnSpc>
+                <a:spcPct val="100000"/>
+              </a:lnSpc>
+            </a:pPr>
+            <a:r>
+              <a:rPr b="0" lang="fr-FR" sz="2800" spc="-1" strike="noStrike">
+                <a:solidFill>
+                  <a:srgbClr val="ffffff"/>
+                </a:solidFill>
+                <a:latin typeface="Arial"/>
+                <a:ea typeface="DejaVu Sans"/>
+              </a:rPr>
+              <a:t>- Prototype -</a:t>
+            </a:r>
+            <a:endParaRPr b="0" lang="fr-FR" sz="2800" spc="-1" strike="noStrike">
               <a:latin typeface="Arial"/>
             </a:endParaRPr>
           </a:p>
@@ -5111,8 +4969,8 @@
         </p:nvSpPr>
         <p:spPr>
           <a:xfrm>
-            <a:off x="0" y="1250640"/>
-            <a:ext cx="10079640" cy="4419360"/>
+            <a:off x="0" y="1250280"/>
+            <a:ext cx="10078560" cy="4418280"/>
           </a:xfrm>
           <a:prstGeom prst="rect">
             <a:avLst/>
@@ -5139,7 +4997,7 @@
           <a:fontRef idx="minor"/>
         </p:style>
         <p:txBody>
-          <a:bodyPr lIns="90000" rIns="90000" tIns="45000" bIns="45000" anchor="t">
+          <a:bodyPr lIns="90000" rIns="90000" tIns="45000" bIns="45000">
             <a:noAutofit/>
           </a:bodyPr>
           <a:p>
@@ -5164,6 +5022,7 @@
                   <a:srgbClr val="ffffff"/>
                 </a:solidFill>
                 <a:latin typeface="Arial"/>
+                <a:ea typeface="DejaVu Sans"/>
               </a:rPr>
               <a:t>	</a:t>
             </a:r>
@@ -5173,6 +5032,7 @@
                   <a:srgbClr val="ffffff"/>
                 </a:solidFill>
                 <a:latin typeface="Arial"/>
+                <a:ea typeface="DejaVu Sans"/>
               </a:rPr>
               <a:t>	</a:t>
             </a:r>
@@ -5192,6 +5052,7 @@
                   <a:srgbClr val="ffffff"/>
                 </a:solidFill>
                 <a:latin typeface="Arial"/>
+                <a:ea typeface="DejaVu Sans"/>
               </a:rPr>
               <a:t>	</a:t>
             </a:r>
@@ -5201,6 +5062,7 @@
                   <a:srgbClr val="ffffff"/>
                 </a:solidFill>
                 <a:latin typeface="Arial"/>
+                <a:ea typeface="DejaVu Sans"/>
               </a:rPr>
               <a:t>	</a:t>
             </a:r>
@@ -5210,6 +5072,7 @@
                   <a:srgbClr val="ffffff"/>
                 </a:solidFill>
                 <a:latin typeface="Arial"/>
+                <a:ea typeface="DejaVu Sans"/>
               </a:rPr>
               <a:t> </a:t>
             </a:r>
@@ -5227,8 +5090,8 @@
         </p:nvSpPr>
         <p:spPr>
           <a:xfrm>
-            <a:off x="9332640" y="4972680"/>
-            <a:ext cx="567000" cy="426960"/>
+            <a:off x="9331920" y="4971960"/>
+            <a:ext cx="566640" cy="426600"/>
           </a:xfrm>
           <a:prstGeom prst="rect">
             <a:avLst/>
@@ -5245,7 +5108,7 @@
           <a:fontRef idx="minor"/>
         </p:style>
         <p:txBody>
-          <a:bodyPr lIns="90000" rIns="90000" tIns="45000" bIns="45000" anchor="t">
+          <a:bodyPr lIns="90000" rIns="90000" tIns="45000" bIns="45000">
             <a:noAutofit/>
           </a:bodyPr>
           <a:p>
@@ -5254,12 +5117,13 @@
                 <a:spcPct val="100000"/>
               </a:lnSpc>
             </a:pPr>
-            <a:fld id="{00DCCCC8-D0D1-4A8E-B1FE-925C8EC877B4}" type="slidenum">
+            <a:fld id="{F5909E62-C13B-4482-BCCC-48D888F3A11F}" type="slidenum">
               <a:rPr b="1" lang="fr-FR" sz="1800" spc="-1" strike="noStrike">
                 <a:solidFill>
                   <a:srgbClr val="ffffff"/>
                 </a:solidFill>
                 <a:latin typeface="Times New Roman"/>
+                <a:ea typeface="DejaVu Sans"/>
               </a:rPr>
               <a:t>&lt;numéro&gt;</a:t>
             </a:fld>
@@ -5281,8 +5145,8 @@
         </p:blipFill>
         <p:spPr>
           <a:xfrm>
-            <a:off x="2340000" y="1410120"/>
-            <a:ext cx="5579640" cy="4169520"/>
+            <a:off x="2339640" y="1409760"/>
+            <a:ext cx="5578920" cy="4168800"/>
           </a:xfrm>
           <a:prstGeom prst="rect">
             <a:avLst/>
@@ -5331,7 +5195,7 @@
         <p:spPr>
           <a:xfrm>
             <a:off x="0" y="360"/>
-            <a:ext cx="10079640" cy="1249920"/>
+            <a:ext cx="10078560" cy="1249560"/>
           </a:xfrm>
           <a:prstGeom prst="rect">
             <a:avLst/>
@@ -5375,10 +5239,31 @@
                   <a:srgbClr val="ffffff"/>
                 </a:solidFill>
                 <a:latin typeface="Arial"/>
-              </a:rPr>
-              <a:t>Prototype - Mobile</a:t>
+                <a:ea typeface="DejaVu Sans"/>
+              </a:rPr>
+              <a:t>Maquettes</a:t>
             </a:r>
             <a:endParaRPr b="0" lang="fr-FR" sz="3200" spc="-1" strike="noStrike">
+              <a:latin typeface="Arial"/>
+            </a:endParaRPr>
+          </a:p>
+          <a:p>
+            <a:pPr algn="ctr">
+              <a:lnSpc>
+                <a:spcPct val="100000"/>
+              </a:lnSpc>
+            </a:pPr>
+            <a:r>
+              <a:rPr b="0" lang="fr-FR" sz="2800" spc="-1" strike="noStrike">
+                <a:solidFill>
+                  <a:srgbClr val="ffffff"/>
+                </a:solidFill>
+                <a:latin typeface="Arial"/>
+                <a:ea typeface="DejaVu Sans"/>
+              </a:rPr>
+              <a:t>- Prototype – Mobile -</a:t>
+            </a:r>
+            <a:endParaRPr b="0" lang="fr-FR" sz="2800" spc="-1" strike="noStrike">
               <a:latin typeface="Arial"/>
             </a:endParaRPr>
           </a:p>
@@ -5392,8 +5277,8 @@
         </p:nvSpPr>
         <p:spPr>
           <a:xfrm>
-            <a:off x="0" y="1250640"/>
-            <a:ext cx="10079640" cy="4419360"/>
+            <a:off x="0" y="1250280"/>
+            <a:ext cx="10078560" cy="4418280"/>
           </a:xfrm>
           <a:prstGeom prst="rect">
             <a:avLst/>
@@ -5420,7 +5305,7 @@
           <a:fontRef idx="minor"/>
         </p:style>
         <p:txBody>
-          <a:bodyPr lIns="90000" rIns="90000" tIns="45000" bIns="45000" anchor="t">
+          <a:bodyPr lIns="90000" rIns="90000" tIns="45000" bIns="45000">
             <a:noAutofit/>
           </a:bodyPr>
           <a:p>
@@ -5445,6 +5330,7 @@
                   <a:srgbClr val="ffffff"/>
                 </a:solidFill>
                 <a:latin typeface="Arial"/>
+                <a:ea typeface="DejaVu Sans"/>
               </a:rPr>
               <a:t>	</a:t>
             </a:r>
@@ -5454,6 +5340,7 @@
                   <a:srgbClr val="ffffff"/>
                 </a:solidFill>
                 <a:latin typeface="Arial"/>
+                <a:ea typeface="DejaVu Sans"/>
               </a:rPr>
               <a:t>	</a:t>
             </a:r>
@@ -5473,6 +5360,7 @@
                   <a:srgbClr val="ffffff"/>
                 </a:solidFill>
                 <a:latin typeface="Arial"/>
+                <a:ea typeface="DejaVu Sans"/>
               </a:rPr>
               <a:t>	</a:t>
             </a:r>
@@ -5482,6 +5370,7 @@
                   <a:srgbClr val="ffffff"/>
                 </a:solidFill>
                 <a:latin typeface="Arial"/>
+                <a:ea typeface="DejaVu Sans"/>
               </a:rPr>
               <a:t>	</a:t>
             </a:r>
@@ -5491,6 +5380,7 @@
                   <a:srgbClr val="ffffff"/>
                 </a:solidFill>
                 <a:latin typeface="Arial"/>
+                <a:ea typeface="DejaVu Sans"/>
               </a:rPr>
               <a:t> </a:t>
             </a:r>
@@ -5508,8 +5398,8 @@
         </p:nvSpPr>
         <p:spPr>
           <a:xfrm>
-            <a:off x="9332640" y="4972680"/>
-            <a:ext cx="567000" cy="426960"/>
+            <a:off x="9331920" y="4971960"/>
+            <a:ext cx="566640" cy="426600"/>
           </a:xfrm>
           <a:prstGeom prst="rect">
             <a:avLst/>
@@ -5526,7 +5416,7 @@
           <a:fontRef idx="minor"/>
         </p:style>
         <p:txBody>
-          <a:bodyPr lIns="90000" rIns="90000" tIns="45000" bIns="45000" anchor="t">
+          <a:bodyPr lIns="90000" rIns="90000" tIns="45000" bIns="45000">
             <a:noAutofit/>
           </a:bodyPr>
           <a:p>
@@ -5535,12 +5425,13 @@
                 <a:spcPct val="100000"/>
               </a:lnSpc>
             </a:pPr>
-            <a:fld id="{D809D5C4-E2FB-4FCB-A4B9-9887B0926E01}" type="slidenum">
+            <a:fld id="{25F3E9B7-B46B-4E92-B6A9-1105DE663EC6}" type="slidenum">
               <a:rPr b="1" lang="fr-FR" sz="1800" spc="-1" strike="noStrike">
                 <a:solidFill>
                   <a:srgbClr val="ffffff"/>
                 </a:solidFill>
                 <a:latin typeface="Times New Roman"/>
+                <a:ea typeface="DejaVu Sans"/>
               </a:rPr>
               <a:t>&lt;numéro&gt;</a:t>
             </a:fld>
@@ -5562,8 +5453,8 @@
         </p:blipFill>
         <p:spPr>
           <a:xfrm>
-            <a:off x="4140000" y="1365840"/>
-            <a:ext cx="2032200" cy="4213800"/>
+            <a:off x="4139640" y="1365480"/>
+            <a:ext cx="2031840" cy="4213080"/>
           </a:xfrm>
           <a:prstGeom prst="rect">
             <a:avLst/>
@@ -5580,8 +5471,8 @@
           <p:nvPr/>
         </p:nvGraphicFramePr>
         <p:xfrm>
-          <a:off x="-180000" y="4680000"/>
-          <a:ext cx="3780000" cy="720000"/>
+          <a:off x="-180000" y="4764960"/>
+          <a:ext cx="4138200" cy="635040"/>
         </p:xfrm>
         <a:graphic>
           <a:graphicData uri="http://schemas.openxmlformats.org/presentationml/2006/ole">
@@ -5599,8 +5490,8 @@
                 </p:blipFill>
                 <p:spPr>
                   <a:xfrm>
-                    <a:off x="-180000" y="4680000"/>
-                    <a:ext cx="3780000" cy="720000"/>
+                    <a:off x="-180000" y="4764960"/>
+                    <a:ext cx="4138200" cy="635040"/>
                   </a:xfrm>
                   <a:prstGeom prst="rect">
                     <a:avLst/>
@@ -5614,6 +5505,114 @@
           </a:graphicData>
         </a:graphic>
       </p:graphicFrame>
+    </p:spTree>
+  </p:cSld>
+  <mc:AlternateContent>
+    <mc:Choice Requires="p14">
+      <p:transition spd="slow" p14:dur="2000"/>
+    </mc:Choice>
+    <mc:Fallback>
+      <p:transition spd="slow"/>
+    </mc:Fallback>
+  </mc:AlternateContent>
+</p:sld>
+</file>
+
+<file path=ppt/slides/slide17.xml><?xml version="1.0" encoding="utf-8"?>
+<p:sld xmlns:a="http://schemas.openxmlformats.org/drawingml/2006/main" xmlns:p="http://schemas.openxmlformats.org/presentationml/2006/main" xmlns:r="http://schemas.openxmlformats.org/officeDocument/2006/relationships" xmlns:p14="http://schemas.microsoft.com/office/powerpoint/2010/main" xmlns:p15="http://schemas.microsoft.com/office/powerpoint/2012/main" xmlns:mc="http://schemas.openxmlformats.org/markup-compatibility/2006">
+  <p:cSld>
+    <p:bg>
+      <p:bgPr>
+        <a:gradFill rotWithShape="0">
+          <a:gsLst>
+            <a:gs pos="0">
+              <a:srgbClr val="50938a"/>
+            </a:gs>
+            <a:gs pos="100000">
+              <a:srgbClr val="5983b0"/>
+            </a:gs>
+          </a:gsLst>
+          <a:lin ang="3600000"/>
+        </a:gradFill>
+      </p:bgPr>
+    </p:bg>
+    <p:spTree>
+      <p:nvGrpSpPr>
+        <p:cNvPr id="1" name=""/>
+        <p:cNvGrpSpPr/>
+        <p:nvPr/>
+      </p:nvGrpSpPr>
+      <p:grpSpPr>
+        <a:xfrm>
+          <a:off x="0" y="0"/>
+          <a:ext cx="0" cy="0"/>
+          <a:chOff x="0" y="0"/>
+          <a:chExt cx="0" cy="0"/>
+        </a:xfrm>
+      </p:grpSpPr>
+      <p:sp>
+        <p:nvSpPr>
+          <p:cNvPr id="149" name=""/>
+          <p:cNvSpPr/>
+          <p:nvPr/>
+        </p:nvSpPr>
+        <p:spPr>
+          <a:xfrm>
+            <a:off x="0" y="2340000"/>
+            <a:ext cx="10078560" cy="1249560"/>
+          </a:xfrm>
+          <a:prstGeom prst="rect">
+            <a:avLst/>
+          </a:prstGeom>
+          <a:gradFill rotWithShape="0">
+            <a:gsLst>
+              <a:gs pos="0">
+                <a:srgbClr val="8d281e"/>
+              </a:gs>
+              <a:gs pos="100000">
+                <a:srgbClr val="000000"/>
+              </a:gs>
+            </a:gsLst>
+            <a:path path="rect">
+              <a:fillToRect l="50000" t="50000" r="50000" b="50000"/>
+            </a:path>
+          </a:gradFill>
+          <a:ln w="0">
+            <a:noFill/>
+          </a:ln>
+        </p:spPr>
+        <p:style>
+          <a:lnRef idx="0"/>
+          <a:fillRef idx="0"/>
+          <a:effectRef idx="0"/>
+          <a:fontRef idx="minor"/>
+        </p:style>
+        <p:txBody>
+          <a:bodyPr lIns="0" rIns="0" tIns="0" bIns="0" anchor="ctr">
+            <a:noAutofit/>
+          </a:bodyPr>
+          <a:p>
+            <a:pPr algn="ctr">
+              <a:lnSpc>
+                <a:spcPct val="100000"/>
+              </a:lnSpc>
+            </a:pPr>
+            <a:r>
+              <a:rPr b="0" lang="fr-FR" sz="3200" spc="-1" strike="noStrike">
+                <a:solidFill>
+                  <a:srgbClr val="ffffff"/>
+                </a:solidFill>
+                <a:latin typeface="Arial"/>
+                <a:ea typeface="DejaVu Sans"/>
+              </a:rPr>
+              <a:t>Fin.</a:t>
+            </a:r>
+            <a:endParaRPr b="0" lang="fr-FR" sz="3200" spc="-1" strike="noStrike">
+              <a:latin typeface="Arial"/>
+            </a:endParaRPr>
+          </a:p>
+        </p:txBody>
+      </p:sp>
     </p:spTree>
   </p:cSld>
   <mc:AlternateContent>
@@ -5655,17 +5654,13 @@
       <p:sp>
         <p:nvSpPr>
           <p:cNvPr id="81" name="PlaceHolder 1"/>
-          <p:cNvSpPr>
-            <a:spLocks noGrp="1"/>
-          </p:cNvSpPr>
-          <p:nvPr>
-            <p:ph type="title"/>
-          </p:nvPr>
+          <p:cNvSpPr txBox="1"/>
+          <p:nvPr/>
         </p:nvSpPr>
         <p:spPr>
           <a:xfrm>
             <a:off x="0" y="0"/>
-            <a:ext cx="10079640" cy="1249920"/>
+            <a:ext cx="10078560" cy="1249560"/>
           </a:xfrm>
           <a:prstGeom prst="rect">
             <a:avLst/>
@@ -5708,15 +5703,24 @@
             </a:r>
             <a:br/>
             <a:r>
-              <a:rPr b="0" lang="fr-FR" sz="3200" spc="-1" strike="noStrike">
-                <a:solidFill>
-                  <a:srgbClr val="ffffff"/>
-                </a:solidFill>
-                <a:latin typeface="Arial"/>
-              </a:rPr>
-              <a:t>HerOut</a:t>
-            </a:r>
-            <a:endParaRPr b="0" lang="fr-FR" sz="3200" spc="-1" strike="noStrike">
+              <a:rPr b="0" lang="fr-FR" sz="2800" spc="-1" strike="noStrike">
+                <a:solidFill>
+                  <a:srgbClr val="ffffff"/>
+                </a:solidFill>
+                <a:latin typeface="Arial"/>
+              </a:rPr>
+              <a:t>- </a:t>
+            </a:r>
+            <a:r>
+              <a:rPr b="0" lang="fr-FR" sz="2800" spc="-1" strike="noStrike">
+                <a:solidFill>
+                  <a:srgbClr val="ffffff"/>
+                </a:solidFill>
+                <a:latin typeface="Arial"/>
+              </a:rPr>
+              <a:t>HerOut -</a:t>
+            </a:r>
+            <a:endParaRPr b="0" lang="fr-FR" sz="2800" spc="-1" strike="noStrike">
               <a:latin typeface="Arial"/>
             </a:endParaRPr>
           </a:p>
@@ -5730,8 +5734,8 @@
         </p:nvSpPr>
         <p:spPr>
           <a:xfrm>
-            <a:off x="0" y="1250280"/>
-            <a:ext cx="5399640" cy="4419360"/>
+            <a:off x="0" y="1249920"/>
+            <a:ext cx="5398920" cy="4418280"/>
           </a:xfrm>
           <a:prstGeom prst="rect">
             <a:avLst/>
@@ -5758,7 +5762,7 @@
           <a:fontRef idx="minor"/>
         </p:style>
         <p:txBody>
-          <a:bodyPr lIns="90000" rIns="90000" tIns="45000" bIns="45000" anchor="t">
+          <a:bodyPr lIns="90000" rIns="90000" tIns="45000" bIns="45000">
             <a:noAutofit/>
           </a:bodyPr>
           <a:p>
@@ -5773,6 +5777,7 @@
                   <a:srgbClr val="ffffff"/>
                 </a:solidFill>
                 <a:latin typeface="Arial"/>
+                <a:ea typeface="DejaVu Sans"/>
               </a:rPr>
               <a:t>	</a:t>
             </a:r>
@@ -5792,6 +5797,7 @@
                   <a:srgbClr val="ffffff"/>
                 </a:solidFill>
                 <a:latin typeface="Arial"/>
+                <a:ea typeface="DejaVu Sans"/>
               </a:rPr>
               <a:t>	</a:t>
             </a:r>
@@ -5811,6 +5817,7 @@
                   <a:srgbClr val="ffffff"/>
                 </a:solidFill>
                 <a:latin typeface="Arial"/>
+                <a:ea typeface="DejaVu Sans"/>
               </a:rPr>
               <a:t>	</a:t>
             </a:r>
@@ -5820,6 +5827,7 @@
                   <a:srgbClr val="ffffff"/>
                 </a:solidFill>
                 <a:latin typeface="Arial"/>
+                <a:ea typeface="DejaVu Sans"/>
               </a:rPr>
               <a:t>03 – Présentation du site web</a:t>
             </a:r>
@@ -5849,6 +5857,7 @@
                   <a:srgbClr val="ffffff"/>
                 </a:solidFill>
                 <a:latin typeface="Arial"/>
+                <a:ea typeface="DejaVu Sans"/>
               </a:rPr>
               <a:t>	</a:t>
             </a:r>
@@ -5858,6 +5867,7 @@
                   <a:srgbClr val="ffffff"/>
                 </a:solidFill>
                 <a:latin typeface="Arial"/>
+                <a:ea typeface="DejaVu Sans"/>
               </a:rPr>
               <a:t>04 – Contexte</a:t>
             </a:r>
@@ -5887,6 +5897,7 @@
                   <a:srgbClr val="ffffff"/>
                 </a:solidFill>
                 <a:latin typeface="Arial"/>
+                <a:ea typeface="DejaVu Sans"/>
               </a:rPr>
               <a:t>	</a:t>
             </a:r>
@@ -5896,6 +5907,7 @@
                   <a:srgbClr val="ffffff"/>
                 </a:solidFill>
                 <a:latin typeface="Arial"/>
+                <a:ea typeface="DejaVu Sans"/>
               </a:rPr>
               <a:t>07 – SWOT</a:t>
             </a:r>
@@ -5925,6 +5937,7 @@
                   <a:srgbClr val="ffffff"/>
                 </a:solidFill>
                 <a:latin typeface="Arial"/>
+                <a:ea typeface="DejaVu Sans"/>
               </a:rPr>
               <a:t>	</a:t>
             </a:r>
@@ -5934,6 +5947,7 @@
                   <a:srgbClr val="ffffff"/>
                 </a:solidFill>
                 <a:latin typeface="Arial"/>
+                <a:ea typeface="DejaVu Sans"/>
               </a:rPr>
               <a:t>08 – Design graphique et fonctionnel</a:t>
             </a:r>
@@ -5963,6 +5977,7 @@
                   <a:srgbClr val="ffffff"/>
                 </a:solidFill>
                 <a:latin typeface="Arial"/>
+                <a:ea typeface="DejaVu Sans"/>
               </a:rPr>
               <a:t>	</a:t>
             </a:r>
@@ -5972,6 +5987,7 @@
                   <a:srgbClr val="ffffff"/>
                 </a:solidFill>
                 <a:latin typeface="Arial"/>
+                <a:ea typeface="DejaVu Sans"/>
               </a:rPr>
               <a:t>12 – Maquettes</a:t>
             </a:r>
@@ -5991,6 +6007,7 @@
                   <a:srgbClr val="ffffff"/>
                 </a:solidFill>
                 <a:latin typeface="Arial"/>
+                <a:ea typeface="DejaVu Sans"/>
               </a:rPr>
               <a:t>	</a:t>
             </a:r>
@@ -6020,6 +6037,7 @@
                   <a:srgbClr val="ffffff"/>
                 </a:solidFill>
                 <a:latin typeface="Arial"/>
+                <a:ea typeface="DejaVu Sans"/>
               </a:rPr>
               <a:t>	</a:t>
             </a:r>
@@ -6041,8 +6059,8 @@
         </p:blipFill>
         <p:spPr>
           <a:xfrm>
-            <a:off x="5400000" y="1260000"/>
-            <a:ext cx="4679640" cy="4409640"/>
+            <a:off x="5399280" y="1259640"/>
+            <a:ext cx="4678920" cy="4408560"/>
           </a:xfrm>
           <a:prstGeom prst="rect">
             <a:avLst/>
@@ -6060,8 +6078,8 @@
         </p:nvSpPr>
         <p:spPr>
           <a:xfrm>
-            <a:off x="9224640" y="4972680"/>
-            <a:ext cx="495000" cy="426960"/>
+            <a:off x="9223920" y="4971960"/>
+            <a:ext cx="494640" cy="426600"/>
           </a:xfrm>
           <a:prstGeom prst="rect">
             <a:avLst/>
@@ -6078,7 +6096,7 @@
           <a:fontRef idx="minor"/>
         </p:style>
         <p:txBody>
-          <a:bodyPr lIns="90000" rIns="90000" tIns="45000" bIns="45000" anchor="t">
+          <a:bodyPr lIns="90000" rIns="90000" tIns="45000" bIns="45000">
             <a:noAutofit/>
           </a:bodyPr>
           <a:p>
@@ -6087,12 +6105,13 @@
                 <a:spcPct val="100000"/>
               </a:lnSpc>
             </a:pPr>
-            <a:fld id="{32FF1F9F-4049-45C6-B0ED-C1E2646C760D}" type="slidenum">
+            <a:fld id="{72C51BA3-EA66-4038-82C7-017864AE3688}" type="slidenum">
               <a:rPr b="1" lang="fr-FR" sz="2400" spc="-1" strike="noStrike">
                 <a:solidFill>
                   <a:srgbClr val="ffffff"/>
                 </a:solidFill>
                 <a:latin typeface="Times New Roman"/>
+                <a:ea typeface="DejaVu Sans"/>
               </a:rPr>
               <a:t>&lt;numéro&gt;</a:t>
             </a:fld>
@@ -6141,7 +6160,7 @@
         <p:spPr>
           <a:xfrm>
             <a:off x="0" y="360"/>
-            <a:ext cx="10079640" cy="1249920"/>
+            <a:ext cx="10078560" cy="1249560"/>
           </a:xfrm>
           <a:prstGeom prst="rect">
             <a:avLst/>
@@ -6185,6 +6204,7 @@
                   <a:srgbClr val="ffffff"/>
                 </a:solidFill>
                 <a:latin typeface="Arial"/>
+                <a:ea typeface="DejaVu Sans"/>
               </a:rPr>
               <a:t>Présentation du site web </a:t>
             </a:r>
@@ -6195,6 +6215,7 @@
                   <a:srgbClr val="ffffff"/>
                 </a:solidFill>
                 <a:latin typeface="Arial"/>
+                <a:ea typeface="DejaVu Sans"/>
               </a:rPr>
               <a:t>HerOut</a:t>
             </a:r>
@@ -6212,8 +6233,8 @@
         </p:nvSpPr>
         <p:spPr>
           <a:xfrm>
-            <a:off x="0" y="1250640"/>
-            <a:ext cx="10079640" cy="4419360"/>
+            <a:off x="0" y="1250280"/>
+            <a:ext cx="10078560" cy="4418280"/>
           </a:xfrm>
           <a:prstGeom prst="rect">
             <a:avLst/>
@@ -6240,7 +6261,7 @@
           <a:fontRef idx="minor"/>
         </p:style>
         <p:txBody>
-          <a:bodyPr lIns="90000" rIns="90000" tIns="45000" bIns="45000" anchor="t">
+          <a:bodyPr lIns="90000" rIns="90000" tIns="45000" bIns="45000">
             <a:noAutofit/>
           </a:bodyPr>
           <a:p>
@@ -6265,6 +6286,7 @@
                   <a:srgbClr val="ffffff"/>
                 </a:solidFill>
                 <a:latin typeface="Arial"/>
+                <a:ea typeface="DejaVu Sans"/>
               </a:rPr>
               <a:t>	</a:t>
             </a:r>
@@ -6274,6 +6296,7 @@
                   <a:srgbClr val="ffffff"/>
                 </a:solidFill>
                 <a:latin typeface="Arial"/>
+                <a:ea typeface="DejaVu Sans"/>
               </a:rPr>
               <a:t>	</a:t>
             </a:r>
@@ -6293,6 +6316,7 @@
                   <a:srgbClr val="ffffff"/>
                 </a:solidFill>
                 <a:latin typeface="Arial"/>
+                <a:ea typeface="DejaVu Sans"/>
               </a:rPr>
               <a:t>	</a:t>
             </a:r>
@@ -6302,6 +6326,7 @@
                   <a:srgbClr val="ffffff"/>
                 </a:solidFill>
                 <a:latin typeface="Arial"/>
+                <a:ea typeface="DejaVu Sans"/>
               </a:rPr>
               <a:t>	</a:t>
             </a:r>
@@ -6311,6 +6336,7 @@
                   <a:srgbClr val="ffffff"/>
                 </a:solidFill>
                 <a:latin typeface="Arial"/>
+                <a:ea typeface="DejaVu Sans"/>
               </a:rPr>
               <a:t>	</a:t>
             </a:r>
@@ -6320,6 +6346,7 @@
                   <a:srgbClr val="ffffff"/>
                 </a:solidFill>
                 <a:latin typeface="Arial"/>
+                <a:ea typeface="DejaVu Sans"/>
               </a:rPr>
               <a:t>Qui sommes-nous ? </a:t>
             </a:r>
@@ -6339,6 +6366,7 @@
                   <a:srgbClr val="ffffff"/>
                 </a:solidFill>
                 <a:latin typeface="Arial"/>
+                <a:ea typeface="DejaVu Sans"/>
               </a:rPr>
               <a:t>	</a:t>
             </a:r>
@@ -6348,6 +6376,7 @@
                   <a:srgbClr val="ffffff"/>
                 </a:solidFill>
                 <a:latin typeface="Arial"/>
+                <a:ea typeface="DejaVu Sans"/>
               </a:rPr>
               <a:t>	</a:t>
             </a:r>
@@ -6357,6 +6386,7 @@
                   <a:srgbClr val="ffffff"/>
                 </a:solidFill>
                 <a:latin typeface="Arial"/>
+                <a:ea typeface="DejaVu Sans"/>
               </a:rPr>
               <a:t>	</a:t>
             </a:r>
@@ -6366,6 +6396,7 @@
                   <a:srgbClr val="ffffff"/>
                 </a:solidFill>
                 <a:latin typeface="Arial"/>
+                <a:ea typeface="DejaVu Sans"/>
               </a:rPr>
               <a:t>Un fournisseur de cartes et de trajets de randonnée. </a:t>
             </a:r>
@@ -6395,6 +6426,7 @@
                   <a:srgbClr val="ffffff"/>
                 </a:solidFill>
                 <a:latin typeface="Arial"/>
+                <a:ea typeface="DejaVu Sans"/>
               </a:rPr>
               <a:t>	</a:t>
             </a:r>
@@ -6404,6 +6436,7 @@
                   <a:srgbClr val="ffffff"/>
                 </a:solidFill>
                 <a:latin typeface="Arial"/>
+                <a:ea typeface="DejaVu Sans"/>
               </a:rPr>
               <a:t>	</a:t>
             </a:r>
@@ -6413,6 +6446,7 @@
                   <a:srgbClr val="ffffff"/>
                 </a:solidFill>
                 <a:latin typeface="Arial"/>
+                <a:ea typeface="DejaVu Sans"/>
               </a:rPr>
               <a:t>	</a:t>
             </a:r>
@@ -6422,6 +6456,7 @@
                   <a:srgbClr val="ffffff"/>
                 </a:solidFill>
                 <a:latin typeface="Arial"/>
+                <a:ea typeface="DejaVu Sans"/>
               </a:rPr>
               <a:t>Un site inspiré des sites de randonnée les plus connus : </a:t>
             </a:r>
@@ -6441,6 +6476,7 @@
                   <a:srgbClr val="ffffff"/>
                 </a:solidFill>
                 <a:latin typeface="Arial"/>
+                <a:ea typeface="DejaVu Sans"/>
               </a:rPr>
               <a:t>	</a:t>
             </a:r>
@@ -6450,6 +6486,7 @@
                   <a:srgbClr val="ffffff"/>
                 </a:solidFill>
                 <a:latin typeface="Arial"/>
+                <a:ea typeface="DejaVu Sans"/>
               </a:rPr>
               <a:t>	</a:t>
             </a:r>
@@ -6459,6 +6496,7 @@
                   <a:srgbClr val="ffffff"/>
                 </a:solidFill>
                 <a:latin typeface="Arial"/>
+                <a:ea typeface="DejaVu Sans"/>
               </a:rPr>
               <a:t>	</a:t>
             </a:r>
@@ -6468,6 +6506,7 @@
                   <a:srgbClr val="ffffff"/>
                 </a:solidFill>
                 <a:latin typeface="Arial"/>
+                <a:ea typeface="DejaVu Sans"/>
               </a:rPr>
               <a:t>	</a:t>
             </a:r>
@@ -6477,6 +6516,7 @@
                   <a:srgbClr val="ffffff"/>
                 </a:solidFill>
                 <a:latin typeface="Arial"/>
+                <a:ea typeface="DejaVu Sans"/>
               </a:rPr>
               <a:t>Visorando, Alltrails, Wikiloc. </a:t>
             </a:r>
@@ -6506,6 +6546,7 @@
                   <a:srgbClr val="ffffff"/>
                 </a:solidFill>
                 <a:latin typeface="Arial"/>
+                <a:ea typeface="DejaVu Sans"/>
               </a:rPr>
               <a:t>	</a:t>
             </a:r>
@@ -6515,6 +6556,7 @@
                   <a:srgbClr val="ffffff"/>
                 </a:solidFill>
                 <a:latin typeface="Arial"/>
+                <a:ea typeface="DejaVu Sans"/>
               </a:rPr>
               <a:t>	</a:t>
             </a:r>
@@ -6524,6 +6566,7 @@
                   <a:srgbClr val="ffffff"/>
                 </a:solidFill>
                 <a:latin typeface="Arial"/>
+                <a:ea typeface="DejaVu Sans"/>
               </a:rPr>
               <a:t>	</a:t>
             </a:r>
@@ -6533,6 +6576,7 @@
                   <a:srgbClr val="ffffff"/>
                 </a:solidFill>
                 <a:latin typeface="Arial"/>
+                <a:ea typeface="DejaVu Sans"/>
               </a:rPr>
               <a:t>Pour qui ? </a:t>
             </a:r>
@@ -6552,6 +6596,7 @@
                   <a:srgbClr val="ffffff"/>
                 </a:solidFill>
                 <a:latin typeface="Arial"/>
+                <a:ea typeface="DejaVu Sans"/>
               </a:rPr>
               <a:t>	</a:t>
             </a:r>
@@ -6561,6 +6606,7 @@
                   <a:srgbClr val="ffffff"/>
                 </a:solidFill>
                 <a:latin typeface="Arial"/>
+                <a:ea typeface="DejaVu Sans"/>
               </a:rPr>
               <a:t>	</a:t>
             </a:r>
@@ -6570,6 +6616,7 @@
                   <a:srgbClr val="ffffff"/>
                 </a:solidFill>
                 <a:latin typeface="Arial"/>
+                <a:ea typeface="DejaVu Sans"/>
               </a:rPr>
               <a:t>	</a:t>
             </a:r>
@@ -6579,6 +6626,7 @@
                   <a:srgbClr val="ffffff"/>
                 </a:solidFill>
                 <a:latin typeface="Arial"/>
+                <a:ea typeface="DejaVu Sans"/>
               </a:rPr>
               <a:t>Résidents désirant découvrir la région, touristes.</a:t>
             </a:r>
@@ -6608,6 +6656,7 @@
                   <a:srgbClr val="ffffff"/>
                 </a:solidFill>
                 <a:latin typeface="Arial"/>
+                <a:ea typeface="DejaVu Sans"/>
               </a:rPr>
               <a:t>	</a:t>
             </a:r>
@@ -6617,6 +6666,7 @@
                   <a:srgbClr val="ffffff"/>
                 </a:solidFill>
                 <a:latin typeface="Arial"/>
+                <a:ea typeface="DejaVu Sans"/>
               </a:rPr>
               <a:t>	</a:t>
             </a:r>
@@ -6626,6 +6676,7 @@
                   <a:srgbClr val="ffffff"/>
                 </a:solidFill>
                 <a:latin typeface="Arial"/>
+                <a:ea typeface="DejaVu Sans"/>
               </a:rPr>
               <a:t>	</a:t>
             </a:r>
@@ -6635,6 +6686,7 @@
                   <a:srgbClr val="ffffff"/>
                 </a:solidFill>
                 <a:latin typeface="Arial"/>
+                <a:ea typeface="DejaVu Sans"/>
               </a:rPr>
               <a:t>Avec qui ? </a:t>
             </a:r>
@@ -6654,6 +6706,7 @@
                   <a:srgbClr val="ffffff"/>
                 </a:solidFill>
                 <a:latin typeface="Arial"/>
+                <a:ea typeface="DejaVu Sans"/>
               </a:rPr>
               <a:t>	</a:t>
             </a:r>
@@ -6663,6 +6716,7 @@
                   <a:srgbClr val="ffffff"/>
                 </a:solidFill>
                 <a:latin typeface="Arial"/>
+                <a:ea typeface="DejaVu Sans"/>
               </a:rPr>
               <a:t>	</a:t>
             </a:r>
@@ -6672,6 +6726,7 @@
                   <a:srgbClr val="ffffff"/>
                 </a:solidFill>
                 <a:latin typeface="Arial"/>
+                <a:ea typeface="DejaVu Sans"/>
               </a:rPr>
               <a:t>	</a:t>
             </a:r>
@@ -6681,6 +6736,7 @@
                   <a:srgbClr val="ffffff"/>
                 </a:solidFill>
                 <a:latin typeface="Arial"/>
+                <a:ea typeface="DejaVu Sans"/>
               </a:rPr>
               <a:t>Offices de tourisme, collectivités territoriales de l’Hérault. </a:t>
             </a:r>
@@ -6698,8 +6754,8 @@
         </p:nvSpPr>
         <p:spPr>
           <a:xfrm>
-            <a:off x="9332640" y="4973040"/>
-            <a:ext cx="567000" cy="426960"/>
+            <a:off x="9331920" y="4972320"/>
+            <a:ext cx="566640" cy="426600"/>
           </a:xfrm>
           <a:prstGeom prst="rect">
             <a:avLst/>
@@ -6716,7 +6772,7 @@
           <a:fontRef idx="minor"/>
         </p:style>
         <p:txBody>
-          <a:bodyPr lIns="90000" rIns="90000" tIns="45000" bIns="45000" anchor="t">
+          <a:bodyPr lIns="90000" rIns="90000" tIns="45000" bIns="45000">
             <a:noAutofit/>
           </a:bodyPr>
           <a:p>
@@ -6725,12 +6781,13 @@
                 <a:spcPct val="100000"/>
               </a:lnSpc>
             </a:pPr>
-            <a:fld id="{F3319DD3-6C03-4154-97D6-DF44986FD9A3}" type="slidenum">
+            <a:fld id="{CDA0D46D-7E93-4378-B385-664849E130EB}" type="slidenum">
               <a:rPr b="1" lang="fr-FR" sz="2400" spc="-1" strike="noStrike">
                 <a:solidFill>
                   <a:srgbClr val="ffffff"/>
                 </a:solidFill>
                 <a:latin typeface="Times New Roman"/>
+                <a:ea typeface="DejaVu Sans"/>
               </a:rPr>
               <a:t>&lt;numéro&gt;</a:t>
             </a:fld>
@@ -6779,7 +6836,7 @@
         <p:spPr>
           <a:xfrm>
             <a:off x="0" y="360"/>
-            <a:ext cx="10079640" cy="1249920"/>
+            <a:ext cx="10078560" cy="1249560"/>
           </a:xfrm>
           <a:prstGeom prst="rect">
             <a:avLst/>
@@ -6823,10 +6880,31 @@
                   <a:srgbClr val="ffffff"/>
                 </a:solidFill>
                 <a:latin typeface="Arial"/>
-              </a:rPr>
-              <a:t>Personae</a:t>
+                <a:ea typeface="DejaVu Sans"/>
+              </a:rPr>
+              <a:t>Contexte</a:t>
             </a:r>
             <a:endParaRPr b="0" lang="fr-FR" sz="3200" spc="-1" strike="noStrike">
+              <a:latin typeface="Arial"/>
+            </a:endParaRPr>
+          </a:p>
+          <a:p>
+            <a:pPr algn="ctr">
+              <a:lnSpc>
+                <a:spcPct val="100000"/>
+              </a:lnSpc>
+            </a:pPr>
+            <a:r>
+              <a:rPr b="0" lang="fr-FR" sz="2800" spc="-1" strike="noStrike">
+                <a:solidFill>
+                  <a:srgbClr val="ffffff"/>
+                </a:solidFill>
+                <a:latin typeface="Arial"/>
+                <a:ea typeface="DejaVu Sans"/>
+              </a:rPr>
+              <a:t>- Personae -</a:t>
+            </a:r>
+            <a:endParaRPr b="0" lang="fr-FR" sz="2800" spc="-1" strike="noStrike">
               <a:latin typeface="Arial"/>
             </a:endParaRPr>
           </a:p>
@@ -6840,8 +6918,8 @@
         </p:nvSpPr>
         <p:spPr>
           <a:xfrm>
-            <a:off x="0" y="1250640"/>
-            <a:ext cx="10079640" cy="4419360"/>
+            <a:off x="0" y="1250280"/>
+            <a:ext cx="10078560" cy="4418280"/>
           </a:xfrm>
           <a:prstGeom prst="rect">
             <a:avLst/>
@@ -6868,7 +6946,7 @@
           <a:fontRef idx="minor"/>
         </p:style>
         <p:txBody>
-          <a:bodyPr lIns="90000" rIns="90000" tIns="45000" bIns="45000" anchor="t">
+          <a:bodyPr lIns="90000" rIns="90000" tIns="45000" bIns="45000">
             <a:noAutofit/>
           </a:bodyPr>
           <a:p>
@@ -6893,6 +6971,7 @@
                   <a:srgbClr val="ffffff"/>
                 </a:solidFill>
                 <a:latin typeface="Arial"/>
+                <a:ea typeface="DejaVu Sans"/>
               </a:rPr>
               <a:t>	</a:t>
             </a:r>
@@ -6902,6 +6981,7 @@
                   <a:srgbClr val="ffffff"/>
                 </a:solidFill>
                 <a:latin typeface="Arial"/>
+                <a:ea typeface="DejaVu Sans"/>
               </a:rPr>
               <a:t>	</a:t>
             </a:r>
@@ -6921,6 +7001,7 @@
                   <a:srgbClr val="ffffff"/>
                 </a:solidFill>
                 <a:latin typeface="Arial"/>
+                <a:ea typeface="DejaVu Sans"/>
               </a:rPr>
               <a:t>	</a:t>
             </a:r>
@@ -6930,6 +7011,7 @@
                   <a:srgbClr val="ffffff"/>
                 </a:solidFill>
                 <a:latin typeface="Arial"/>
+                <a:ea typeface="DejaVu Sans"/>
               </a:rPr>
               <a:t>	</a:t>
             </a:r>
@@ -6939,10 +7021,62 @@
                   <a:srgbClr val="ffffff"/>
                 </a:solidFill>
                 <a:latin typeface="Arial"/>
+                <a:ea typeface="DejaVu Sans"/>
               </a:rPr>
               <a:t> </a:t>
             </a:r>
             <a:endParaRPr b="0" lang="fr-FR" sz="1800" spc="-1" strike="noStrike">
+              <a:latin typeface="Arial"/>
+            </a:endParaRPr>
+          </a:p>
+        </p:txBody>
+      </p:sp>
+      <p:sp>
+        <p:nvSpPr>
+          <p:cNvPr id="90" name=""/>
+          <p:cNvSpPr/>
+          <p:nvPr/>
+        </p:nvSpPr>
+        <p:spPr>
+          <a:xfrm>
+            <a:off x="9331920" y="4972320"/>
+            <a:ext cx="566640" cy="426600"/>
+          </a:xfrm>
+          <a:prstGeom prst="rect">
+            <a:avLst/>
+          </a:prstGeom>
+          <a:noFill/>
+          <a:ln w="0">
+            <a:noFill/>
+          </a:ln>
+        </p:spPr>
+        <p:style>
+          <a:lnRef idx="0"/>
+          <a:fillRef idx="0"/>
+          <a:effectRef idx="0"/>
+          <a:fontRef idx="minor"/>
+        </p:style>
+        <p:txBody>
+          <a:bodyPr lIns="90000" rIns="90000" tIns="45000" bIns="45000">
+            <a:noAutofit/>
+          </a:bodyPr>
+          <a:p>
+            <a:pPr>
+              <a:lnSpc>
+                <a:spcPct val="100000"/>
+              </a:lnSpc>
+            </a:pPr>
+            <a:fld id="{EF71BA59-3C87-437A-951D-11171A964AA8}" type="slidenum">
+              <a:rPr b="1" lang="fr-FR" sz="2400" spc="-1" strike="noStrike">
+                <a:solidFill>
+                  <a:srgbClr val="ffffff"/>
+                </a:solidFill>
+                <a:latin typeface="Times New Roman"/>
+                <a:ea typeface="DejaVu Sans"/>
+              </a:rPr>
+              <a:t>&lt;numéro&gt;</a:t>
+            </a:fld>
+            <a:endParaRPr b="0" lang="fr-FR" sz="2400" spc="-1" strike="noStrike">
               <a:latin typeface="Arial"/>
             </a:endParaRPr>
           </a:p>
@@ -6950,7 +7084,7 @@
       </p:sp>
       <p:pic>
         <p:nvPicPr>
-          <p:cNvPr id="90" name="" descr=""/>
+          <p:cNvPr id="91" name="" descr=""/>
           <p:cNvPicPr/>
           <p:nvPr/>
         </p:nvPicPr>
@@ -6960,8 +7094,8 @@
         </p:blipFill>
         <p:spPr>
           <a:xfrm>
-            <a:off x="2160000" y="1440000"/>
-            <a:ext cx="5579640" cy="4121280"/>
+            <a:off x="2520000" y="1440000"/>
+            <a:ext cx="5585760" cy="4125960"/>
           </a:xfrm>
           <a:prstGeom prst="rect">
             <a:avLst/>
@@ -6971,56 +7105,6 @@
           </a:ln>
         </p:spPr>
       </p:pic>
-      <p:sp>
-        <p:nvSpPr>
-          <p:cNvPr id="91" name=""/>
-          <p:cNvSpPr/>
-          <p:nvPr/>
-        </p:nvSpPr>
-        <p:spPr>
-          <a:xfrm>
-            <a:off x="9332640" y="4973040"/>
-            <a:ext cx="567000" cy="426960"/>
-          </a:xfrm>
-          <a:prstGeom prst="rect">
-            <a:avLst/>
-          </a:prstGeom>
-          <a:noFill/>
-          <a:ln w="0">
-            <a:noFill/>
-          </a:ln>
-        </p:spPr>
-        <p:style>
-          <a:lnRef idx="0"/>
-          <a:fillRef idx="0"/>
-          <a:effectRef idx="0"/>
-          <a:fontRef idx="minor"/>
-        </p:style>
-        <p:txBody>
-          <a:bodyPr lIns="90000" rIns="90000" tIns="45000" bIns="45000" anchor="t">
-            <a:noAutofit/>
-          </a:bodyPr>
-          <a:p>
-            <a:pPr>
-              <a:lnSpc>
-                <a:spcPct val="100000"/>
-              </a:lnSpc>
-            </a:pPr>
-            <a:fld id="{B528F3D0-E994-4D30-AB65-A208D6D7DE8C}" type="slidenum">
-              <a:rPr b="1" lang="fr-FR" sz="2400" spc="-1" strike="noStrike">
-                <a:solidFill>
-                  <a:srgbClr val="ffffff"/>
-                </a:solidFill>
-                <a:latin typeface="Times New Roman"/>
-              </a:rPr>
-              <a:t>&lt;numéro&gt;</a:t>
-            </a:fld>
-            <a:endParaRPr b="0" lang="fr-FR" sz="2400" spc="-1" strike="noStrike">
-              <a:latin typeface="Arial"/>
-            </a:endParaRPr>
-          </a:p>
-        </p:txBody>
-      </p:sp>
     </p:spTree>
   </p:cSld>
   <mc:AlternateContent>
@@ -7060,7 +7144,7 @@
         <p:spPr>
           <a:xfrm>
             <a:off x="0" y="360"/>
-            <a:ext cx="10079640" cy="1249920"/>
+            <a:ext cx="10078560" cy="1249560"/>
           </a:xfrm>
           <a:prstGeom prst="rect">
             <a:avLst/>
@@ -7104,10 +7188,31 @@
                   <a:srgbClr val="ffffff"/>
                 </a:solidFill>
                 <a:latin typeface="Arial"/>
-              </a:rPr>
-              <a:t>Personae</a:t>
+                <a:ea typeface="DejaVu Sans"/>
+              </a:rPr>
+              <a:t>Contexte</a:t>
             </a:r>
             <a:endParaRPr b="0" lang="fr-FR" sz="3200" spc="-1" strike="noStrike">
+              <a:latin typeface="Arial"/>
+            </a:endParaRPr>
+          </a:p>
+          <a:p>
+            <a:pPr algn="ctr">
+              <a:lnSpc>
+                <a:spcPct val="100000"/>
+              </a:lnSpc>
+            </a:pPr>
+            <a:r>
+              <a:rPr b="0" lang="fr-FR" sz="2800" spc="-1" strike="noStrike">
+                <a:solidFill>
+                  <a:srgbClr val="ffffff"/>
+                </a:solidFill>
+                <a:latin typeface="Arial"/>
+                <a:ea typeface="DejaVu Sans"/>
+              </a:rPr>
+              <a:t>- Personae -</a:t>
+            </a:r>
+            <a:endParaRPr b="0" lang="fr-FR" sz="2800" spc="-1" strike="noStrike">
               <a:latin typeface="Arial"/>
             </a:endParaRPr>
           </a:p>
@@ -7121,8 +7226,8 @@
         </p:nvSpPr>
         <p:spPr>
           <a:xfrm>
-            <a:off x="0" y="1250640"/>
-            <a:ext cx="10079640" cy="4419360"/>
+            <a:off x="0" y="1250280"/>
+            <a:ext cx="10078560" cy="4418280"/>
           </a:xfrm>
           <a:prstGeom prst="rect">
             <a:avLst/>
@@ -7149,7 +7254,7 @@
           <a:fontRef idx="minor"/>
         </p:style>
         <p:txBody>
-          <a:bodyPr lIns="90000" rIns="90000" tIns="45000" bIns="45000" anchor="t">
+          <a:bodyPr lIns="90000" rIns="90000" tIns="45000" bIns="45000">
             <a:noAutofit/>
           </a:bodyPr>
           <a:p>
@@ -7174,6 +7279,7 @@
                   <a:srgbClr val="ffffff"/>
                 </a:solidFill>
                 <a:latin typeface="Arial"/>
+                <a:ea typeface="DejaVu Sans"/>
               </a:rPr>
               <a:t>	</a:t>
             </a:r>
@@ -7183,6 +7289,7 @@
                   <a:srgbClr val="ffffff"/>
                 </a:solidFill>
                 <a:latin typeface="Arial"/>
+                <a:ea typeface="DejaVu Sans"/>
               </a:rPr>
               <a:t>	</a:t>
             </a:r>
@@ -7202,6 +7309,7 @@
                   <a:srgbClr val="ffffff"/>
                 </a:solidFill>
                 <a:latin typeface="Arial"/>
+                <a:ea typeface="DejaVu Sans"/>
               </a:rPr>
               <a:t>	</a:t>
             </a:r>
@@ -7211,6 +7319,7 @@
                   <a:srgbClr val="ffffff"/>
                 </a:solidFill>
                 <a:latin typeface="Arial"/>
+                <a:ea typeface="DejaVu Sans"/>
               </a:rPr>
               <a:t>	</a:t>
             </a:r>
@@ -7220,10 +7329,62 @@
                   <a:srgbClr val="ffffff"/>
                 </a:solidFill>
                 <a:latin typeface="Arial"/>
+                <a:ea typeface="DejaVu Sans"/>
               </a:rPr>
               <a:t> </a:t>
             </a:r>
             <a:endParaRPr b="0" lang="fr-FR" sz="1800" spc="-1" strike="noStrike">
+              <a:latin typeface="Arial"/>
+            </a:endParaRPr>
+          </a:p>
+        </p:txBody>
+      </p:sp>
+      <p:sp>
+        <p:nvSpPr>
+          <p:cNvPr id="94" name=""/>
+          <p:cNvSpPr/>
+          <p:nvPr/>
+        </p:nvSpPr>
+        <p:spPr>
+          <a:xfrm>
+            <a:off x="9331920" y="4972320"/>
+            <a:ext cx="566640" cy="426600"/>
+          </a:xfrm>
+          <a:prstGeom prst="rect">
+            <a:avLst/>
+          </a:prstGeom>
+          <a:noFill/>
+          <a:ln w="0">
+            <a:noFill/>
+          </a:ln>
+        </p:spPr>
+        <p:style>
+          <a:lnRef idx="0"/>
+          <a:fillRef idx="0"/>
+          <a:effectRef idx="0"/>
+          <a:fontRef idx="minor"/>
+        </p:style>
+        <p:txBody>
+          <a:bodyPr lIns="90000" rIns="90000" tIns="45000" bIns="45000">
+            <a:noAutofit/>
+          </a:bodyPr>
+          <a:p>
+            <a:pPr>
+              <a:lnSpc>
+                <a:spcPct val="100000"/>
+              </a:lnSpc>
+            </a:pPr>
+            <a:fld id="{97B84300-A07E-4A20-9FB6-DD5471CB3E2C}" type="slidenum">
+              <a:rPr b="1" lang="fr-FR" sz="2400" spc="-1" strike="noStrike">
+                <a:solidFill>
+                  <a:srgbClr val="ffffff"/>
+                </a:solidFill>
+                <a:latin typeface="Times New Roman"/>
+                <a:ea typeface="DejaVu Sans"/>
+              </a:rPr>
+              <a:t>&lt;numéro&gt;</a:t>
+            </a:fld>
+            <a:endParaRPr b="0" lang="fr-FR" sz="2400" spc="-1" strike="noStrike">
               <a:latin typeface="Arial"/>
             </a:endParaRPr>
           </a:p>
@@ -7231,7 +7392,7 @@
       </p:sp>
       <p:pic>
         <p:nvPicPr>
-          <p:cNvPr id="94" name="" descr=""/>
+          <p:cNvPr id="95" name="" descr=""/>
           <p:cNvPicPr/>
           <p:nvPr/>
         </p:nvPicPr>
@@ -7241,8 +7402,8 @@
         </p:blipFill>
         <p:spPr>
           <a:xfrm>
-            <a:off x="2160000" y="1385640"/>
-            <a:ext cx="5579640" cy="4188960"/>
+            <a:off x="2520000" y="1440000"/>
+            <a:ext cx="5400000" cy="4053960"/>
           </a:xfrm>
           <a:prstGeom prst="rect">
             <a:avLst/>
@@ -7252,56 +7413,6 @@
           </a:ln>
         </p:spPr>
       </p:pic>
-      <p:sp>
-        <p:nvSpPr>
-          <p:cNvPr id="95" name=""/>
-          <p:cNvSpPr/>
-          <p:nvPr/>
-        </p:nvSpPr>
-        <p:spPr>
-          <a:xfrm>
-            <a:off x="9332640" y="4973040"/>
-            <a:ext cx="567000" cy="426960"/>
-          </a:xfrm>
-          <a:prstGeom prst="rect">
-            <a:avLst/>
-          </a:prstGeom>
-          <a:noFill/>
-          <a:ln w="0">
-            <a:noFill/>
-          </a:ln>
-        </p:spPr>
-        <p:style>
-          <a:lnRef idx="0"/>
-          <a:fillRef idx="0"/>
-          <a:effectRef idx="0"/>
-          <a:fontRef idx="minor"/>
-        </p:style>
-        <p:txBody>
-          <a:bodyPr lIns="90000" rIns="90000" tIns="45000" bIns="45000" anchor="t">
-            <a:noAutofit/>
-          </a:bodyPr>
-          <a:p>
-            <a:pPr>
-              <a:lnSpc>
-                <a:spcPct val="100000"/>
-              </a:lnSpc>
-            </a:pPr>
-            <a:fld id="{BD48FBD4-1BDD-4C37-9C87-DE2C02C5DBD7}" type="slidenum">
-              <a:rPr b="1" lang="fr-FR" sz="2400" spc="-1" strike="noStrike">
-                <a:solidFill>
-                  <a:srgbClr val="ffffff"/>
-                </a:solidFill>
-                <a:latin typeface="Times New Roman"/>
-              </a:rPr>
-              <a:t>&lt;numéro&gt;</a:t>
-            </a:fld>
-            <a:endParaRPr b="0" lang="fr-FR" sz="2400" spc="-1" strike="noStrike">
-              <a:latin typeface="Arial"/>
-            </a:endParaRPr>
-          </a:p>
-        </p:txBody>
-      </p:sp>
     </p:spTree>
   </p:cSld>
   <mc:AlternateContent>
@@ -7341,7 +7452,7 @@
         <p:spPr>
           <a:xfrm>
             <a:off x="0" y="360"/>
-            <a:ext cx="10079640" cy="1249920"/>
+            <a:ext cx="10078560" cy="1249560"/>
           </a:xfrm>
           <a:prstGeom prst="rect">
             <a:avLst/>
@@ -7385,10 +7496,31 @@
                   <a:srgbClr val="ffffff"/>
                 </a:solidFill>
                 <a:latin typeface="Arial"/>
-              </a:rPr>
-              <a:t>Personae</a:t>
+                <a:ea typeface="DejaVu Sans"/>
+              </a:rPr>
+              <a:t>Contexte</a:t>
             </a:r>
             <a:endParaRPr b="0" lang="fr-FR" sz="3200" spc="-1" strike="noStrike">
+              <a:latin typeface="Arial"/>
+            </a:endParaRPr>
+          </a:p>
+          <a:p>
+            <a:pPr algn="ctr">
+              <a:lnSpc>
+                <a:spcPct val="100000"/>
+              </a:lnSpc>
+            </a:pPr>
+            <a:r>
+              <a:rPr b="0" lang="fr-FR" sz="2800" spc="-1" strike="noStrike">
+                <a:solidFill>
+                  <a:srgbClr val="ffffff"/>
+                </a:solidFill>
+                <a:latin typeface="Arial"/>
+                <a:ea typeface="DejaVu Sans"/>
+              </a:rPr>
+              <a:t>- Personae -</a:t>
+            </a:r>
+            <a:endParaRPr b="0" lang="fr-FR" sz="2800" spc="-1" strike="noStrike">
               <a:latin typeface="Arial"/>
             </a:endParaRPr>
           </a:p>
@@ -7402,8 +7534,8 @@
         </p:nvSpPr>
         <p:spPr>
           <a:xfrm>
-            <a:off x="0" y="1250640"/>
-            <a:ext cx="10079640" cy="4419360"/>
+            <a:off x="0" y="1250280"/>
+            <a:ext cx="10078560" cy="4418280"/>
           </a:xfrm>
           <a:prstGeom prst="rect">
             <a:avLst/>
@@ -7430,7 +7562,7 @@
           <a:fontRef idx="minor"/>
         </p:style>
         <p:txBody>
-          <a:bodyPr lIns="90000" rIns="90000" tIns="45000" bIns="45000" anchor="t">
+          <a:bodyPr lIns="90000" rIns="90000" tIns="45000" bIns="45000">
             <a:noAutofit/>
           </a:bodyPr>
           <a:p>
@@ -7455,6 +7587,7 @@
                   <a:srgbClr val="ffffff"/>
                 </a:solidFill>
                 <a:latin typeface="Arial"/>
+                <a:ea typeface="DejaVu Sans"/>
               </a:rPr>
               <a:t>	</a:t>
             </a:r>
@@ -7464,6 +7597,7 @@
                   <a:srgbClr val="ffffff"/>
                 </a:solidFill>
                 <a:latin typeface="Arial"/>
+                <a:ea typeface="DejaVu Sans"/>
               </a:rPr>
               <a:t>	</a:t>
             </a:r>
@@ -7483,6 +7617,7 @@
                   <a:srgbClr val="ffffff"/>
                 </a:solidFill>
                 <a:latin typeface="Arial"/>
+                <a:ea typeface="DejaVu Sans"/>
               </a:rPr>
               <a:t>	</a:t>
             </a:r>
@@ -7492,6 +7627,7 @@
                   <a:srgbClr val="ffffff"/>
                 </a:solidFill>
                 <a:latin typeface="Arial"/>
+                <a:ea typeface="DejaVu Sans"/>
               </a:rPr>
               <a:t>	</a:t>
             </a:r>
@@ -7501,6 +7637,7 @@
                   <a:srgbClr val="ffffff"/>
                 </a:solidFill>
                 <a:latin typeface="Arial"/>
+                <a:ea typeface="DejaVu Sans"/>
               </a:rPr>
               <a:t> </a:t>
             </a:r>
@@ -7522,8 +7659,8 @@
         </p:blipFill>
         <p:spPr>
           <a:xfrm>
-            <a:off x="2160000" y="1385640"/>
-            <a:ext cx="5579640" cy="4188960"/>
+            <a:off x="2159640" y="1385280"/>
+            <a:ext cx="5578920" cy="4188240"/>
           </a:xfrm>
           <a:prstGeom prst="rect">
             <a:avLst/>
@@ -7545,8 +7682,8 @@
         </p:blipFill>
         <p:spPr>
           <a:xfrm>
-            <a:off x="2160000" y="1381680"/>
-            <a:ext cx="5579640" cy="4192920"/>
+            <a:off x="2159640" y="1381320"/>
+            <a:ext cx="5578920" cy="4192200"/>
           </a:xfrm>
           <a:prstGeom prst="rect">
             <a:avLst/>
@@ -7564,8 +7701,8 @@
         </p:nvSpPr>
         <p:spPr>
           <a:xfrm>
-            <a:off x="9332640" y="4973040"/>
-            <a:ext cx="567000" cy="426960"/>
+            <a:off x="9331920" y="4972320"/>
+            <a:ext cx="566640" cy="426600"/>
           </a:xfrm>
           <a:prstGeom prst="rect">
             <a:avLst/>
@@ -7582,7 +7719,7 @@
           <a:fontRef idx="minor"/>
         </p:style>
         <p:txBody>
-          <a:bodyPr lIns="90000" rIns="90000" tIns="45000" bIns="45000" anchor="t">
+          <a:bodyPr lIns="90000" rIns="90000" tIns="45000" bIns="45000">
             <a:noAutofit/>
           </a:bodyPr>
           <a:p>
@@ -7591,12 +7728,13 @@
                 <a:spcPct val="100000"/>
               </a:lnSpc>
             </a:pPr>
-            <a:fld id="{B451C39D-DFD4-4EEE-AD6C-F4F975B73C31}" type="slidenum">
+            <a:fld id="{B15E2098-236D-4DF1-8974-F73DC0189748}" type="slidenum">
               <a:rPr b="1" lang="fr-FR" sz="2400" spc="-1" strike="noStrike">
                 <a:solidFill>
                   <a:srgbClr val="ffffff"/>
                 </a:solidFill>
                 <a:latin typeface="Times New Roman"/>
+                <a:ea typeface="DejaVu Sans"/>
               </a:rPr>
               <a:t>&lt;numéro&gt;</a:t>
             </a:fld>
@@ -7645,7 +7783,7 @@
         <p:spPr>
           <a:xfrm>
             <a:off x="0" y="360"/>
-            <a:ext cx="10079640" cy="1249920"/>
+            <a:ext cx="10078560" cy="1249560"/>
           </a:xfrm>
           <a:prstGeom prst="rect">
             <a:avLst/>
@@ -7689,6 +7827,7 @@
                   <a:srgbClr val="ffffff"/>
                 </a:solidFill>
                 <a:latin typeface="Arial"/>
+                <a:ea typeface="DejaVu Sans"/>
               </a:rPr>
               <a:t>SWOT</a:t>
             </a:r>
@@ -7706,8 +7845,8 @@
         </p:nvSpPr>
         <p:spPr>
           <a:xfrm>
-            <a:off x="0" y="1250640"/>
-            <a:ext cx="10079640" cy="4419360"/>
+            <a:off x="0" y="1250280"/>
+            <a:ext cx="10078560" cy="4418280"/>
           </a:xfrm>
           <a:prstGeom prst="rect">
             <a:avLst/>
@@ -7734,7 +7873,7 @@
           <a:fontRef idx="minor"/>
         </p:style>
         <p:txBody>
-          <a:bodyPr lIns="90000" rIns="90000" tIns="45000" bIns="45000" anchor="t">
+          <a:bodyPr lIns="90000" rIns="90000" tIns="45000" bIns="45000">
             <a:noAutofit/>
           </a:bodyPr>
           <a:p>
@@ -7759,6 +7898,7 @@
                   <a:srgbClr val="ffffff"/>
                 </a:solidFill>
                 <a:latin typeface="Arial"/>
+                <a:ea typeface="DejaVu Sans"/>
               </a:rPr>
               <a:t>	</a:t>
             </a:r>
@@ -7768,6 +7908,7 @@
                   <a:srgbClr val="ffffff"/>
                 </a:solidFill>
                 <a:latin typeface="Arial"/>
+                <a:ea typeface="DejaVu Sans"/>
               </a:rPr>
               <a:t>	</a:t>
             </a:r>
@@ -7787,6 +7928,7 @@
                   <a:srgbClr val="ffffff"/>
                 </a:solidFill>
                 <a:latin typeface="Arial"/>
+                <a:ea typeface="DejaVu Sans"/>
               </a:rPr>
               <a:t>	</a:t>
             </a:r>
@@ -7796,6 +7938,7 @@
                   <a:srgbClr val="ffffff"/>
                 </a:solidFill>
                 <a:latin typeface="Arial"/>
+                <a:ea typeface="DejaVu Sans"/>
               </a:rPr>
               <a:t>	</a:t>
             </a:r>
@@ -7805,6 +7948,7 @@
                   <a:srgbClr val="ffffff"/>
                 </a:solidFill>
                 <a:latin typeface="Arial"/>
+                <a:ea typeface="DejaVu Sans"/>
               </a:rPr>
               <a:t> </a:t>
             </a:r>
@@ -7826,8 +7970,8 @@
         </p:blipFill>
         <p:spPr>
           <a:xfrm>
-            <a:off x="2163600" y="1365120"/>
-            <a:ext cx="5756040" cy="4214520"/>
+            <a:off x="2163240" y="1364760"/>
+            <a:ext cx="5755320" cy="4213800"/>
           </a:xfrm>
           <a:prstGeom prst="rect">
             <a:avLst/>
@@ -7845,8 +7989,8 @@
         </p:nvSpPr>
         <p:spPr>
           <a:xfrm>
-            <a:off x="9332640" y="4973040"/>
-            <a:ext cx="567000" cy="426960"/>
+            <a:off x="9331920" y="4972320"/>
+            <a:ext cx="566640" cy="426600"/>
           </a:xfrm>
           <a:prstGeom prst="rect">
             <a:avLst/>
@@ -7863,7 +8007,7 @@
           <a:fontRef idx="minor"/>
         </p:style>
         <p:txBody>
-          <a:bodyPr lIns="90000" rIns="90000" tIns="45000" bIns="45000" anchor="t">
+          <a:bodyPr lIns="90000" rIns="90000" tIns="45000" bIns="45000">
             <a:noAutofit/>
           </a:bodyPr>
           <a:p>
@@ -7872,12 +8016,13 @@
                 <a:spcPct val="100000"/>
               </a:lnSpc>
             </a:pPr>
-            <a:fld id="{C076308D-8BF4-4561-9A94-28598DC38169}" type="slidenum">
+            <a:fld id="{9F9A92B6-9579-4823-8F58-038892B98BF0}" type="slidenum">
               <a:rPr b="1" lang="fr-FR" sz="2400" spc="-1" strike="noStrike">
                 <a:solidFill>
                   <a:srgbClr val="ffffff"/>
                 </a:solidFill>
                 <a:latin typeface="Times New Roman"/>
+                <a:ea typeface="DejaVu Sans"/>
               </a:rPr>
               <a:t>&lt;numéro&gt;</a:t>
             </a:fld>
@@ -7926,7 +8071,7 @@
         <p:spPr>
           <a:xfrm>
             <a:off x="0" y="360"/>
-            <a:ext cx="10079640" cy="1249920"/>
+            <a:ext cx="10078560" cy="1249560"/>
           </a:xfrm>
           <a:prstGeom prst="rect">
             <a:avLst/>
@@ -7970,10 +8115,31 @@
                   <a:srgbClr val="ffffff"/>
                 </a:solidFill>
                 <a:latin typeface="Arial"/>
-              </a:rPr>
-              <a:t>Style Tile</a:t>
+                <a:ea typeface="DejaVu Sans"/>
+              </a:rPr>
+              <a:t>Design</a:t>
             </a:r>
             <a:endParaRPr b="0" lang="fr-FR" sz="3200" spc="-1" strike="noStrike">
+              <a:latin typeface="Arial"/>
+            </a:endParaRPr>
+          </a:p>
+          <a:p>
+            <a:pPr algn="ctr">
+              <a:lnSpc>
+                <a:spcPct val="100000"/>
+              </a:lnSpc>
+            </a:pPr>
+            <a:r>
+              <a:rPr b="0" lang="fr-FR" sz="2800" spc="-1" strike="noStrike">
+                <a:solidFill>
+                  <a:srgbClr val="ffffff"/>
+                </a:solidFill>
+                <a:latin typeface="Arial"/>
+                <a:ea typeface="DejaVu Sans"/>
+              </a:rPr>
+              <a:t>- Style Tile -</a:t>
+            </a:r>
+            <a:endParaRPr b="0" lang="fr-FR" sz="2800" spc="-1" strike="noStrike">
               <a:latin typeface="Arial"/>
             </a:endParaRPr>
           </a:p>
@@ -7987,8 +8153,8 @@
         </p:nvSpPr>
         <p:spPr>
           <a:xfrm>
-            <a:off x="0" y="1250640"/>
-            <a:ext cx="10079640" cy="4419360"/>
+            <a:off x="0" y="1250280"/>
+            <a:ext cx="10078560" cy="4418280"/>
           </a:xfrm>
           <a:prstGeom prst="rect">
             <a:avLst/>
@@ -8015,7 +8181,7 @@
           <a:fontRef idx="minor"/>
         </p:style>
         <p:txBody>
-          <a:bodyPr lIns="90000" rIns="90000" tIns="45000" bIns="45000" anchor="t">
+          <a:bodyPr lIns="90000" rIns="90000" tIns="45000" bIns="45000">
             <a:noAutofit/>
           </a:bodyPr>
           <a:p>
@@ -8040,6 +8206,7 @@
                   <a:srgbClr val="ffffff"/>
                 </a:solidFill>
                 <a:latin typeface="Arial"/>
+                <a:ea typeface="DejaVu Sans"/>
               </a:rPr>
               <a:t>	</a:t>
             </a:r>
@@ -8049,6 +8216,7 @@
                   <a:srgbClr val="ffffff"/>
                 </a:solidFill>
                 <a:latin typeface="Arial"/>
+                <a:ea typeface="DejaVu Sans"/>
               </a:rPr>
               <a:t>	</a:t>
             </a:r>
@@ -8068,6 +8236,7 @@
                   <a:srgbClr val="ffffff"/>
                 </a:solidFill>
                 <a:latin typeface="Arial"/>
+                <a:ea typeface="DejaVu Sans"/>
               </a:rPr>
               <a:t>	</a:t>
             </a:r>
@@ -8077,6 +8246,7 @@
                   <a:srgbClr val="ffffff"/>
                 </a:solidFill>
                 <a:latin typeface="Arial"/>
+                <a:ea typeface="DejaVu Sans"/>
               </a:rPr>
               <a:t>	</a:t>
             </a:r>
@@ -8086,6 +8256,7 @@
                   <a:srgbClr val="ffffff"/>
                 </a:solidFill>
                 <a:latin typeface="Arial"/>
+                <a:ea typeface="DejaVu Sans"/>
               </a:rPr>
               <a:t> </a:t>
             </a:r>
@@ -8107,8 +8278,8 @@
         </p:blipFill>
         <p:spPr>
           <a:xfrm>
-            <a:off x="1620000" y="1275480"/>
-            <a:ext cx="7013520" cy="3944160"/>
+            <a:off x="1619640" y="1275120"/>
+            <a:ext cx="7012800" cy="3943440"/>
           </a:xfrm>
           <a:prstGeom prst="rect">
             <a:avLst/>
@@ -8126,8 +8297,8 @@
         </p:nvSpPr>
         <p:spPr>
           <a:xfrm>
-            <a:off x="9332640" y="4972680"/>
-            <a:ext cx="567000" cy="426960"/>
+            <a:off x="9331920" y="4971960"/>
+            <a:ext cx="566640" cy="426600"/>
           </a:xfrm>
           <a:prstGeom prst="rect">
             <a:avLst/>
@@ -8144,7 +8315,7 @@
           <a:fontRef idx="minor"/>
         </p:style>
         <p:txBody>
-          <a:bodyPr lIns="90000" rIns="90000" tIns="45000" bIns="45000" anchor="t">
+          <a:bodyPr lIns="90000" rIns="90000" tIns="45000" bIns="45000">
             <a:noAutofit/>
           </a:bodyPr>
           <a:p>
@@ -8153,12 +8324,13 @@
                 <a:spcPct val="100000"/>
               </a:lnSpc>
             </a:pPr>
-            <a:fld id="{289C585B-E9C3-4340-A42B-9E94E58FDBFE}" type="slidenum">
+            <a:fld id="{26E23521-EDE8-4BD3-B43C-E8B6BDE04E87}" type="slidenum">
               <a:rPr b="1" lang="fr-FR" sz="2400" spc="-1" strike="noStrike">
                 <a:solidFill>
                   <a:srgbClr val="ffffff"/>
                 </a:solidFill>
                 <a:latin typeface="Times New Roman"/>
+                <a:ea typeface="DejaVu Sans"/>
               </a:rPr>
               <a:t>&lt;numéro&gt;</a:t>
             </a:fld>
@@ -8175,8 +8347,8 @@
           <p:nvPr/>
         </p:nvGraphicFramePr>
         <p:xfrm>
-          <a:off x="1080720" y="4502160"/>
-          <a:ext cx="6118920" cy="1077480"/>
+          <a:off x="1080360" y="4501440"/>
+          <a:ext cx="6118200" cy="1077120"/>
         </p:xfrm>
         <a:graphic>
           <a:graphicData uri="http://schemas.openxmlformats.org/presentationml/2006/ole">
@@ -8194,8 +8366,8 @@
                 </p:blipFill>
                 <p:spPr>
                   <a:xfrm>
-                    <a:off x="1080720" y="4502160"/>
-                    <a:ext cx="6118920" cy="1077480"/>
+                    <a:off x="1080360" y="4501440"/>
+                    <a:ext cx="6118200" cy="1077120"/>
                   </a:xfrm>
                   <a:prstGeom prst="rect">
                     <a:avLst/>
@@ -8248,7 +8420,7 @@
         <p:spPr>
           <a:xfrm>
             <a:off x="0" y="360"/>
-            <a:ext cx="10079640" cy="1249920"/>
+            <a:ext cx="10078560" cy="1249560"/>
           </a:xfrm>
           <a:prstGeom prst="rect">
             <a:avLst/>
@@ -8292,10 +8464,31 @@
                   <a:srgbClr val="ffffff"/>
                 </a:solidFill>
                 <a:latin typeface="Arial"/>
-              </a:rPr>
-              <a:t>Arborescence</a:t>
+                <a:ea typeface="DejaVu Sans"/>
+              </a:rPr>
+              <a:t>Design</a:t>
             </a:r>
             <a:endParaRPr b="0" lang="fr-FR" sz="3200" spc="-1" strike="noStrike">
+              <a:latin typeface="Arial"/>
+            </a:endParaRPr>
+          </a:p>
+          <a:p>
+            <a:pPr algn="ctr">
+              <a:lnSpc>
+                <a:spcPct val="100000"/>
+              </a:lnSpc>
+            </a:pPr>
+            <a:r>
+              <a:rPr b="0" lang="fr-FR" sz="2800" spc="-1" strike="noStrike">
+                <a:solidFill>
+                  <a:srgbClr val="ffffff"/>
+                </a:solidFill>
+                <a:latin typeface="Arial"/>
+                <a:ea typeface="DejaVu Sans"/>
+              </a:rPr>
+              <a:t>- Arborescence -</a:t>
+            </a:r>
+            <a:endParaRPr b="0" lang="fr-FR" sz="2800" spc="-1" strike="noStrike">
               <a:latin typeface="Arial"/>
             </a:endParaRPr>
           </a:p>
@@ -8309,8 +8502,8 @@
         </p:nvSpPr>
         <p:spPr>
           <a:xfrm>
-            <a:off x="0" y="1250640"/>
-            <a:ext cx="10079640" cy="4419360"/>
+            <a:off x="0" y="1250280"/>
+            <a:ext cx="10078560" cy="4418280"/>
           </a:xfrm>
           <a:prstGeom prst="rect">
             <a:avLst/>
@@ -8337,7 +8530,7 @@
           <a:fontRef idx="minor"/>
         </p:style>
         <p:txBody>
-          <a:bodyPr lIns="90000" rIns="90000" tIns="45000" bIns="45000" anchor="t">
+          <a:bodyPr lIns="90000" rIns="90000" tIns="45000" bIns="45000">
             <a:noAutofit/>
           </a:bodyPr>
           <a:p>
@@ -8362,6 +8555,7 @@
                   <a:srgbClr val="ffffff"/>
                 </a:solidFill>
                 <a:latin typeface="Arial"/>
+                <a:ea typeface="DejaVu Sans"/>
               </a:rPr>
               <a:t>	</a:t>
             </a:r>
@@ -8371,6 +8565,7 @@
                   <a:srgbClr val="ffffff"/>
                 </a:solidFill>
                 <a:latin typeface="Arial"/>
+                <a:ea typeface="DejaVu Sans"/>
               </a:rPr>
               <a:t>	</a:t>
             </a:r>
@@ -8390,6 +8585,7 @@
                   <a:srgbClr val="ffffff"/>
                 </a:solidFill>
                 <a:latin typeface="Arial"/>
+                <a:ea typeface="DejaVu Sans"/>
               </a:rPr>
               <a:t>	</a:t>
             </a:r>
@@ -8399,6 +8595,7 @@
                   <a:srgbClr val="ffffff"/>
                 </a:solidFill>
                 <a:latin typeface="Arial"/>
+                <a:ea typeface="DejaVu Sans"/>
               </a:rPr>
               <a:t>	</a:t>
             </a:r>
@@ -8408,6 +8605,7 @@
                   <a:srgbClr val="ffffff"/>
                 </a:solidFill>
                 <a:latin typeface="Arial"/>
+                <a:ea typeface="DejaVu Sans"/>
               </a:rPr>
               <a:t> </a:t>
             </a:r>
@@ -8425,8 +8623,8 @@
         </p:nvSpPr>
         <p:spPr>
           <a:xfrm>
-            <a:off x="9332640" y="4972680"/>
-            <a:ext cx="567000" cy="426960"/>
+            <a:off x="9331920" y="4971960"/>
+            <a:ext cx="566640" cy="426600"/>
           </a:xfrm>
           <a:prstGeom prst="rect">
             <a:avLst/>
@@ -8443,7 +8641,7 @@
           <a:fontRef idx="minor"/>
         </p:style>
         <p:txBody>
-          <a:bodyPr lIns="90000" rIns="90000" tIns="45000" bIns="45000" anchor="t">
+          <a:bodyPr lIns="90000" rIns="90000" tIns="45000" bIns="45000">
             <a:noAutofit/>
           </a:bodyPr>
           <a:p>
@@ -8452,12 +8650,13 @@
                 <a:spcPct val="100000"/>
               </a:lnSpc>
             </a:pPr>
-            <a:fld id="{54A791D0-89DE-4708-AFE6-692BD4C25CFF}" type="slidenum">
+            <a:fld id="{1E232875-5093-46D8-895E-9B938429402A}" type="slidenum">
               <a:rPr b="1" lang="fr-FR" sz="2400" spc="-1" strike="noStrike">
                 <a:solidFill>
                   <a:srgbClr val="ffffff"/>
                 </a:solidFill>
                 <a:latin typeface="Times New Roman"/>
+                <a:ea typeface="DejaVu Sans"/>
               </a:rPr>
               <a:t>&lt;numéro&gt;</a:t>
             </a:fld>
@@ -8479,8 +8678,8 @@
         </p:blipFill>
         <p:spPr>
           <a:xfrm>
-            <a:off x="429480" y="1412280"/>
-            <a:ext cx="9290160" cy="3447360"/>
+            <a:off x="720000" y="1474200"/>
+            <a:ext cx="8638560" cy="3205800"/>
           </a:xfrm>
           <a:prstGeom prst="rect">
             <a:avLst/>
@@ -8497,8 +8696,8 @@
           <p:nvPr/>
         </p:nvGraphicFramePr>
         <p:xfrm>
-          <a:off x="-180000" y="4500000"/>
-          <a:ext cx="6118920" cy="1077480"/>
+          <a:off x="180000" y="4500000"/>
+          <a:ext cx="5580000" cy="720000"/>
         </p:xfrm>
         <a:graphic>
           <a:graphicData uri="http://schemas.openxmlformats.org/presentationml/2006/ole">
@@ -8516,8 +8715,8 @@
                 </p:blipFill>
                 <p:spPr>
                   <a:xfrm>
-                    <a:off x="-180000" y="4500000"/>
-                    <a:ext cx="6118920" cy="1077480"/>
+                    <a:off x="180000" y="4500000"/>
+                    <a:ext cx="5580000" cy="720000"/>
                   </a:xfrm>
                   <a:prstGeom prst="rect">
                     <a:avLst/>

--- a/230726OralProjetUMLMaquette/MeinProjekt_CDC.pptx
+++ b/230726OralProjetUMLMaquette/MeinProjekt_CDC.pptx
@@ -4,25 +4,27 @@
   <p:sldMasterIdLst>
     <p:sldMasterId id="2147483648" r:id="rId2"/>
     <p:sldMasterId id="2147483661" r:id="rId3"/>
+    <p:sldMasterId id="2147483674" r:id="rId4"/>
   </p:sldMasterIdLst>
   <p:sldIdLst>
-    <p:sldId id="256" r:id="rId4"/>
-    <p:sldId id="257" r:id="rId5"/>
-    <p:sldId id="258" r:id="rId6"/>
-    <p:sldId id="259" r:id="rId7"/>
-    <p:sldId id="260" r:id="rId8"/>
-    <p:sldId id="261" r:id="rId9"/>
-    <p:sldId id="262" r:id="rId10"/>
-    <p:sldId id="263" r:id="rId11"/>
-    <p:sldId id="264" r:id="rId12"/>
-    <p:sldId id="265" r:id="rId13"/>
-    <p:sldId id="266" r:id="rId14"/>
-    <p:sldId id="267" r:id="rId15"/>
-    <p:sldId id="268" r:id="rId16"/>
-    <p:sldId id="269" r:id="rId17"/>
-    <p:sldId id="270" r:id="rId18"/>
-    <p:sldId id="271" r:id="rId19"/>
-    <p:sldId id="272" r:id="rId20"/>
+    <p:sldId id="256" r:id="rId5"/>
+    <p:sldId id="257" r:id="rId6"/>
+    <p:sldId id="258" r:id="rId7"/>
+    <p:sldId id="259" r:id="rId8"/>
+    <p:sldId id="260" r:id="rId9"/>
+    <p:sldId id="261" r:id="rId10"/>
+    <p:sldId id="262" r:id="rId11"/>
+    <p:sldId id="263" r:id="rId12"/>
+    <p:sldId id="264" r:id="rId13"/>
+    <p:sldId id="265" r:id="rId14"/>
+    <p:sldId id="266" r:id="rId15"/>
+    <p:sldId id="267" r:id="rId16"/>
+    <p:sldId id="268" r:id="rId17"/>
+    <p:sldId id="269" r:id="rId18"/>
+    <p:sldId id="270" r:id="rId19"/>
+    <p:sldId id="271" r:id="rId20"/>
+    <p:sldId id="272" r:id="rId21"/>
+    <p:sldId id="273" r:id="rId22"/>
   </p:sldIdLst>
   <p:sldSz cx="10080625" cy="5670550"/>
   <p:notesSz cx="7559675" cy="10691812"/>
@@ -80,8 +82,8 @@
         </p:nvSpPr>
         <p:spPr>
           <a:xfrm>
-            <a:off x="503640" y="225720"/>
-            <a:ext cx="9071280" cy="946440"/>
+            <a:off x="504000" y="226080"/>
+            <a:ext cx="9072000" cy="946440"/>
           </a:xfrm>
           <a:prstGeom prst="rect">
             <a:avLst/>
@@ -92,8 +94,10 @@
             <a:noAutofit/>
           </a:bodyPr>
           <a:p>
-            <a:pPr algn="ctr"/>
-            <a:endParaRPr b="0" lang="fr-FR" sz="4400" spc="-1" strike="noStrike">
+            <a:endParaRPr b="0" lang="fr-FR" sz="1800" spc="-1" strike="noStrike">
+              <a:solidFill>
+                <a:srgbClr val="000000"/>
+              </a:solidFill>
               <a:latin typeface="Arial"/>
             </a:endParaRPr>
           </a:p>
@@ -111,8 +115,8 @@
         </p:nvSpPr>
         <p:spPr>
           <a:xfrm>
-            <a:off x="503640" y="1326240"/>
-            <a:ext cx="9071280" cy="1568160"/>
+            <a:off x="504000" y="1326600"/>
+            <a:ext cx="9072000" cy="1568520"/>
           </a:xfrm>
           <a:prstGeom prst="rect">
             <a:avLst/>
@@ -123,7 +127,10 @@
             <a:normAutofit/>
           </a:bodyPr>
           <a:p>
-            <a:endParaRPr b="0" lang="fr-FR" sz="3200" spc="-1" strike="noStrike">
+            <a:endParaRPr b="0" lang="fr-FR" sz="2800" spc="-1" strike="noStrike">
+              <a:solidFill>
+                <a:srgbClr val="000000"/>
+              </a:solidFill>
               <a:latin typeface="Arial"/>
             </a:endParaRPr>
           </a:p>
@@ -141,8 +148,8 @@
         </p:nvSpPr>
         <p:spPr>
           <a:xfrm>
-            <a:off x="503640" y="3043800"/>
-            <a:ext cx="9071280" cy="1568160"/>
+            <a:off x="504000" y="3044520"/>
+            <a:ext cx="9072000" cy="1568520"/>
           </a:xfrm>
           <a:prstGeom prst="rect">
             <a:avLst/>
@@ -153,7 +160,10 @@
             <a:normAutofit/>
           </a:bodyPr>
           <a:p>
-            <a:endParaRPr b="0" lang="fr-FR" sz="3200" spc="-1" strike="noStrike">
+            <a:endParaRPr b="0" lang="fr-FR" sz="2800" spc="-1" strike="noStrike">
+              <a:solidFill>
+                <a:srgbClr val="000000"/>
+              </a:solidFill>
               <a:latin typeface="Arial"/>
             </a:endParaRPr>
           </a:p>
@@ -193,8 +203,8 @@
         </p:nvSpPr>
         <p:spPr>
           <a:xfrm>
-            <a:off x="503640" y="225720"/>
-            <a:ext cx="9071280" cy="946440"/>
+            <a:off x="504000" y="226080"/>
+            <a:ext cx="9072000" cy="946440"/>
           </a:xfrm>
           <a:prstGeom prst="rect">
             <a:avLst/>
@@ -205,8 +215,10 @@
             <a:noAutofit/>
           </a:bodyPr>
           <a:p>
-            <a:pPr algn="ctr"/>
-            <a:endParaRPr b="0" lang="fr-FR" sz="4400" spc="-1" strike="noStrike">
+            <a:endParaRPr b="0" lang="fr-FR" sz="1800" spc="-1" strike="noStrike">
+              <a:solidFill>
+                <a:srgbClr val="000000"/>
+              </a:solidFill>
               <a:latin typeface="Arial"/>
             </a:endParaRPr>
           </a:p>
@@ -224,8 +236,8 @@
         </p:nvSpPr>
         <p:spPr>
           <a:xfrm>
-            <a:off x="503640" y="1326240"/>
-            <a:ext cx="4426560" cy="1568160"/>
+            <a:off x="504000" y="1326600"/>
+            <a:ext cx="4426920" cy="1568520"/>
           </a:xfrm>
           <a:prstGeom prst="rect">
             <a:avLst/>
@@ -236,7 +248,10 @@
             <a:normAutofit/>
           </a:bodyPr>
           <a:p>
-            <a:endParaRPr b="0" lang="fr-FR" sz="3200" spc="-1" strike="noStrike">
+            <a:endParaRPr b="0" lang="fr-FR" sz="2800" spc="-1" strike="noStrike">
+              <a:solidFill>
+                <a:srgbClr val="000000"/>
+              </a:solidFill>
               <a:latin typeface="Arial"/>
             </a:endParaRPr>
           </a:p>
@@ -254,8 +269,8 @@
         </p:nvSpPr>
         <p:spPr>
           <a:xfrm>
-            <a:off x="5151960" y="1326240"/>
-            <a:ext cx="4426560" cy="1568160"/>
+            <a:off x="5152680" y="1326600"/>
+            <a:ext cx="4426920" cy="1568520"/>
           </a:xfrm>
           <a:prstGeom prst="rect">
             <a:avLst/>
@@ -266,7 +281,10 @@
             <a:normAutofit/>
           </a:bodyPr>
           <a:p>
-            <a:endParaRPr b="0" lang="fr-FR" sz="3200" spc="-1" strike="noStrike">
+            <a:endParaRPr b="0" lang="fr-FR" sz="2800" spc="-1" strike="noStrike">
+              <a:solidFill>
+                <a:srgbClr val="000000"/>
+              </a:solidFill>
               <a:latin typeface="Arial"/>
             </a:endParaRPr>
           </a:p>
@@ -284,8 +302,8 @@
         </p:nvSpPr>
         <p:spPr>
           <a:xfrm>
-            <a:off x="503640" y="3043800"/>
-            <a:ext cx="4426560" cy="1568160"/>
+            <a:off x="504000" y="3044520"/>
+            <a:ext cx="4426920" cy="1568520"/>
           </a:xfrm>
           <a:prstGeom prst="rect">
             <a:avLst/>
@@ -296,7 +314,10 @@
             <a:normAutofit/>
           </a:bodyPr>
           <a:p>
-            <a:endParaRPr b="0" lang="fr-FR" sz="3200" spc="-1" strike="noStrike">
+            <a:endParaRPr b="0" lang="fr-FR" sz="2800" spc="-1" strike="noStrike">
+              <a:solidFill>
+                <a:srgbClr val="000000"/>
+              </a:solidFill>
               <a:latin typeface="Arial"/>
             </a:endParaRPr>
           </a:p>
@@ -314,8 +335,8 @@
         </p:nvSpPr>
         <p:spPr>
           <a:xfrm>
-            <a:off x="5151960" y="3043800"/>
-            <a:ext cx="4426560" cy="1568160"/>
+            <a:off x="5152680" y="3044520"/>
+            <a:ext cx="4426920" cy="1568520"/>
           </a:xfrm>
           <a:prstGeom prst="rect">
             <a:avLst/>
@@ -326,7 +347,10 @@
             <a:normAutofit/>
           </a:bodyPr>
           <a:p>
-            <a:endParaRPr b="0" lang="fr-FR" sz="3200" spc="-1" strike="noStrike">
+            <a:endParaRPr b="0" lang="fr-FR" sz="2800" spc="-1" strike="noStrike">
+              <a:solidFill>
+                <a:srgbClr val="000000"/>
+              </a:solidFill>
               <a:latin typeface="Arial"/>
             </a:endParaRPr>
           </a:p>
@@ -366,8 +390,8 @@
         </p:nvSpPr>
         <p:spPr>
           <a:xfrm>
-            <a:off x="503640" y="225720"/>
-            <a:ext cx="9071280" cy="946440"/>
+            <a:off x="504000" y="226080"/>
+            <a:ext cx="9072000" cy="946440"/>
           </a:xfrm>
           <a:prstGeom prst="rect">
             <a:avLst/>
@@ -378,8 +402,10 @@
             <a:noAutofit/>
           </a:bodyPr>
           <a:p>
-            <a:pPr algn="ctr"/>
-            <a:endParaRPr b="0" lang="fr-FR" sz="4400" spc="-1" strike="noStrike">
+            <a:endParaRPr b="0" lang="fr-FR" sz="1800" spc="-1" strike="noStrike">
+              <a:solidFill>
+                <a:srgbClr val="000000"/>
+              </a:solidFill>
               <a:latin typeface="Arial"/>
             </a:endParaRPr>
           </a:p>
@@ -397,8 +423,8 @@
         </p:nvSpPr>
         <p:spPr>
           <a:xfrm>
-            <a:off x="503640" y="1326240"/>
-            <a:ext cx="2920680" cy="1568160"/>
+            <a:off x="504000" y="1326600"/>
+            <a:ext cx="2921040" cy="1568520"/>
           </a:xfrm>
           <a:prstGeom prst="rect">
             <a:avLst/>
@@ -409,7 +435,10 @@
             <a:normAutofit/>
           </a:bodyPr>
           <a:p>
-            <a:endParaRPr b="0" lang="fr-FR" sz="3200" spc="-1" strike="noStrike">
+            <a:endParaRPr b="0" lang="fr-FR" sz="2800" spc="-1" strike="noStrike">
+              <a:solidFill>
+                <a:srgbClr val="000000"/>
+              </a:solidFill>
               <a:latin typeface="Arial"/>
             </a:endParaRPr>
           </a:p>
@@ -427,8 +456,8 @@
         </p:nvSpPr>
         <p:spPr>
           <a:xfrm>
-            <a:off x="3570840" y="1326240"/>
-            <a:ext cx="2920680" cy="1568160"/>
+            <a:off x="3571560" y="1326600"/>
+            <a:ext cx="2921040" cy="1568520"/>
           </a:xfrm>
           <a:prstGeom prst="rect">
             <a:avLst/>
@@ -439,7 +468,10 @@
             <a:normAutofit/>
           </a:bodyPr>
           <a:p>
-            <a:endParaRPr b="0" lang="fr-FR" sz="3200" spc="-1" strike="noStrike">
+            <a:endParaRPr b="0" lang="fr-FR" sz="2800" spc="-1" strike="noStrike">
+              <a:solidFill>
+                <a:srgbClr val="000000"/>
+              </a:solidFill>
               <a:latin typeface="Arial"/>
             </a:endParaRPr>
           </a:p>
@@ -457,8 +489,8 @@
         </p:nvSpPr>
         <p:spPr>
           <a:xfrm>
-            <a:off x="6637680" y="1326240"/>
-            <a:ext cx="2920680" cy="1568160"/>
+            <a:off x="6639120" y="1326600"/>
+            <a:ext cx="2921040" cy="1568520"/>
           </a:xfrm>
           <a:prstGeom prst="rect">
             <a:avLst/>
@@ -469,7 +501,10 @@
             <a:normAutofit/>
           </a:bodyPr>
           <a:p>
-            <a:endParaRPr b="0" lang="fr-FR" sz="3200" spc="-1" strike="noStrike">
+            <a:endParaRPr b="0" lang="fr-FR" sz="2800" spc="-1" strike="noStrike">
+              <a:solidFill>
+                <a:srgbClr val="000000"/>
+              </a:solidFill>
               <a:latin typeface="Arial"/>
             </a:endParaRPr>
           </a:p>
@@ -487,8 +522,8 @@
         </p:nvSpPr>
         <p:spPr>
           <a:xfrm>
-            <a:off x="503640" y="3043800"/>
-            <a:ext cx="2920680" cy="1568160"/>
+            <a:off x="504000" y="3044520"/>
+            <a:ext cx="2921040" cy="1568520"/>
           </a:xfrm>
           <a:prstGeom prst="rect">
             <a:avLst/>
@@ -499,7 +534,10 @@
             <a:normAutofit/>
           </a:bodyPr>
           <a:p>
-            <a:endParaRPr b="0" lang="fr-FR" sz="3200" spc="-1" strike="noStrike">
+            <a:endParaRPr b="0" lang="fr-FR" sz="2800" spc="-1" strike="noStrike">
+              <a:solidFill>
+                <a:srgbClr val="000000"/>
+              </a:solidFill>
               <a:latin typeface="Arial"/>
             </a:endParaRPr>
           </a:p>
@@ -517,8 +555,8 @@
         </p:nvSpPr>
         <p:spPr>
           <a:xfrm>
-            <a:off x="3570840" y="3043800"/>
-            <a:ext cx="2920680" cy="1568160"/>
+            <a:off x="3571560" y="3044520"/>
+            <a:ext cx="2921040" cy="1568520"/>
           </a:xfrm>
           <a:prstGeom prst="rect">
             <a:avLst/>
@@ -529,7 +567,10 @@
             <a:normAutofit/>
           </a:bodyPr>
           <a:p>
-            <a:endParaRPr b="0" lang="fr-FR" sz="3200" spc="-1" strike="noStrike">
+            <a:endParaRPr b="0" lang="fr-FR" sz="2800" spc="-1" strike="noStrike">
+              <a:solidFill>
+                <a:srgbClr val="000000"/>
+              </a:solidFill>
               <a:latin typeface="Arial"/>
             </a:endParaRPr>
           </a:p>
@@ -547,8 +588,8 @@
         </p:nvSpPr>
         <p:spPr>
           <a:xfrm>
-            <a:off x="6637680" y="3043800"/>
-            <a:ext cx="2920680" cy="1568160"/>
+            <a:off x="6639120" y="3044520"/>
+            <a:ext cx="2921040" cy="1568520"/>
           </a:xfrm>
           <a:prstGeom prst="rect">
             <a:avLst/>
@@ -559,7 +600,10 @@
             <a:normAutofit/>
           </a:bodyPr>
           <a:p>
-            <a:endParaRPr b="0" lang="fr-FR" sz="3200" spc="-1" strike="noStrike">
+            <a:endParaRPr b="0" lang="fr-FR" sz="2800" spc="-1" strike="noStrike">
+              <a:solidFill>
+                <a:srgbClr val="000000"/>
+              </a:solidFill>
               <a:latin typeface="Arial"/>
             </a:endParaRPr>
           </a:p>
@@ -621,8 +665,8 @@
         </p:nvSpPr>
         <p:spPr>
           <a:xfrm>
-            <a:off x="503640" y="225720"/>
-            <a:ext cx="9071280" cy="946440"/>
+            <a:off x="504000" y="226080"/>
+            <a:ext cx="9072000" cy="946440"/>
           </a:xfrm>
           <a:prstGeom prst="rect">
             <a:avLst/>
@@ -633,8 +677,10 @@
             <a:noAutofit/>
           </a:bodyPr>
           <a:p>
-            <a:pPr algn="ctr"/>
-            <a:endParaRPr b="0" lang="fr-FR" sz="4400" spc="-1" strike="noStrike">
+            <a:endParaRPr b="0" lang="fr-FR" sz="1800" spc="-1" strike="noStrike">
+              <a:solidFill>
+                <a:srgbClr val="000000"/>
+              </a:solidFill>
               <a:latin typeface="Arial"/>
             </a:endParaRPr>
           </a:p>
@@ -652,8 +698,8 @@
         </p:nvSpPr>
         <p:spPr>
           <a:xfrm>
-            <a:off x="503640" y="1326240"/>
-            <a:ext cx="9071280" cy="3288240"/>
+            <a:off x="504000" y="1326600"/>
+            <a:ext cx="9072000" cy="3288600"/>
           </a:xfrm>
           <a:prstGeom prst="rect">
             <a:avLst/>
@@ -705,8 +751,8 @@
         </p:nvSpPr>
         <p:spPr>
           <a:xfrm>
-            <a:off x="503640" y="225720"/>
-            <a:ext cx="9071280" cy="946440"/>
+            <a:off x="504000" y="226080"/>
+            <a:ext cx="9072000" cy="946440"/>
           </a:xfrm>
           <a:prstGeom prst="rect">
             <a:avLst/>
@@ -717,8 +763,10 @@
             <a:noAutofit/>
           </a:bodyPr>
           <a:p>
-            <a:pPr algn="ctr"/>
-            <a:endParaRPr b="0" lang="fr-FR" sz="4400" spc="-1" strike="noStrike">
+            <a:endParaRPr b="0" lang="fr-FR" sz="1800" spc="-1" strike="noStrike">
+              <a:solidFill>
+                <a:srgbClr val="000000"/>
+              </a:solidFill>
               <a:latin typeface="Arial"/>
             </a:endParaRPr>
           </a:p>
@@ -736,8 +784,8 @@
         </p:nvSpPr>
         <p:spPr>
           <a:xfrm>
-            <a:off x="503640" y="1326240"/>
-            <a:ext cx="9071280" cy="3288240"/>
+            <a:off x="504000" y="1326600"/>
+            <a:ext cx="9072000" cy="3288600"/>
           </a:xfrm>
           <a:prstGeom prst="rect">
             <a:avLst/>
@@ -748,7 +796,10 @@
             <a:normAutofit/>
           </a:bodyPr>
           <a:p>
-            <a:endParaRPr b="0" lang="fr-FR" sz="3200" spc="-1" strike="noStrike">
+            <a:endParaRPr b="0" lang="fr-FR" sz="2800" spc="-1" strike="noStrike">
+              <a:solidFill>
+                <a:srgbClr val="000000"/>
+              </a:solidFill>
               <a:latin typeface="Arial"/>
             </a:endParaRPr>
           </a:p>
@@ -788,8 +839,8 @@
         </p:nvSpPr>
         <p:spPr>
           <a:xfrm>
-            <a:off x="503640" y="225720"/>
-            <a:ext cx="9071280" cy="946440"/>
+            <a:off x="504000" y="226080"/>
+            <a:ext cx="9072000" cy="946440"/>
           </a:xfrm>
           <a:prstGeom prst="rect">
             <a:avLst/>
@@ -800,8 +851,10 @@
             <a:noAutofit/>
           </a:bodyPr>
           <a:p>
-            <a:pPr algn="ctr"/>
-            <a:endParaRPr b="0" lang="fr-FR" sz="4400" spc="-1" strike="noStrike">
+            <a:endParaRPr b="0" lang="fr-FR" sz="1800" spc="-1" strike="noStrike">
+              <a:solidFill>
+                <a:srgbClr val="000000"/>
+              </a:solidFill>
               <a:latin typeface="Arial"/>
             </a:endParaRPr>
           </a:p>
@@ -819,8 +872,8 @@
         </p:nvSpPr>
         <p:spPr>
           <a:xfrm>
-            <a:off x="503640" y="1326240"/>
-            <a:ext cx="4426560" cy="3288240"/>
+            <a:off x="504000" y="1326600"/>
+            <a:ext cx="4426920" cy="3288600"/>
           </a:xfrm>
           <a:prstGeom prst="rect">
             <a:avLst/>
@@ -831,7 +884,10 @@
             <a:normAutofit/>
           </a:bodyPr>
           <a:p>
-            <a:endParaRPr b="0" lang="fr-FR" sz="3200" spc="-1" strike="noStrike">
+            <a:endParaRPr b="0" lang="fr-FR" sz="2800" spc="-1" strike="noStrike">
+              <a:solidFill>
+                <a:srgbClr val="000000"/>
+              </a:solidFill>
               <a:latin typeface="Arial"/>
             </a:endParaRPr>
           </a:p>
@@ -849,8 +905,8 @@
         </p:nvSpPr>
         <p:spPr>
           <a:xfrm>
-            <a:off x="5151960" y="1326240"/>
-            <a:ext cx="4426560" cy="3288240"/>
+            <a:off x="5152680" y="1326600"/>
+            <a:ext cx="4426920" cy="3288600"/>
           </a:xfrm>
           <a:prstGeom prst="rect">
             <a:avLst/>
@@ -861,7 +917,10 @@
             <a:normAutofit/>
           </a:bodyPr>
           <a:p>
-            <a:endParaRPr b="0" lang="fr-FR" sz="3200" spc="-1" strike="noStrike">
+            <a:endParaRPr b="0" lang="fr-FR" sz="2800" spc="-1" strike="noStrike">
+              <a:solidFill>
+                <a:srgbClr val="000000"/>
+              </a:solidFill>
               <a:latin typeface="Arial"/>
             </a:endParaRPr>
           </a:p>
@@ -901,8 +960,8 @@
         </p:nvSpPr>
         <p:spPr>
           <a:xfrm>
-            <a:off x="503640" y="225720"/>
-            <a:ext cx="9071280" cy="946440"/>
+            <a:off x="504000" y="226080"/>
+            <a:ext cx="9072000" cy="946440"/>
           </a:xfrm>
           <a:prstGeom prst="rect">
             <a:avLst/>
@@ -913,8 +972,10 @@
             <a:noAutofit/>
           </a:bodyPr>
           <a:p>
-            <a:pPr algn="ctr"/>
-            <a:endParaRPr b="0" lang="fr-FR" sz="4400" spc="-1" strike="noStrike">
+            <a:endParaRPr b="0" lang="fr-FR" sz="1800" spc="-1" strike="noStrike">
+              <a:solidFill>
+                <a:srgbClr val="000000"/>
+              </a:solidFill>
               <a:latin typeface="Arial"/>
             </a:endParaRPr>
           </a:p>
@@ -954,8 +1015,8 @@
         </p:nvSpPr>
         <p:spPr>
           <a:xfrm>
-            <a:off x="503640" y="225720"/>
-            <a:ext cx="9071280" cy="4388400"/>
+            <a:off x="504000" y="226080"/>
+            <a:ext cx="9072000" cy="4388400"/>
           </a:xfrm>
           <a:prstGeom prst="rect">
             <a:avLst/>
@@ -1007,8 +1068,8 @@
         </p:nvSpPr>
         <p:spPr>
           <a:xfrm>
-            <a:off x="503640" y="225720"/>
-            <a:ext cx="9071280" cy="946440"/>
+            <a:off x="504000" y="226080"/>
+            <a:ext cx="9072000" cy="946440"/>
           </a:xfrm>
           <a:prstGeom prst="rect">
             <a:avLst/>
@@ -1019,8 +1080,10 @@
             <a:noAutofit/>
           </a:bodyPr>
           <a:p>
-            <a:pPr algn="ctr"/>
-            <a:endParaRPr b="0" lang="fr-FR" sz="4400" spc="-1" strike="noStrike">
+            <a:endParaRPr b="0" lang="fr-FR" sz="1800" spc="-1" strike="noStrike">
+              <a:solidFill>
+                <a:srgbClr val="000000"/>
+              </a:solidFill>
               <a:latin typeface="Arial"/>
             </a:endParaRPr>
           </a:p>
@@ -1038,8 +1101,8 @@
         </p:nvSpPr>
         <p:spPr>
           <a:xfrm>
-            <a:off x="503640" y="1326240"/>
-            <a:ext cx="4426560" cy="1568160"/>
+            <a:off x="504000" y="1326600"/>
+            <a:ext cx="4426920" cy="1568520"/>
           </a:xfrm>
           <a:prstGeom prst="rect">
             <a:avLst/>
@@ -1050,7 +1113,10 @@
             <a:normAutofit/>
           </a:bodyPr>
           <a:p>
-            <a:endParaRPr b="0" lang="fr-FR" sz="3200" spc="-1" strike="noStrike">
+            <a:endParaRPr b="0" lang="fr-FR" sz="2800" spc="-1" strike="noStrike">
+              <a:solidFill>
+                <a:srgbClr val="000000"/>
+              </a:solidFill>
               <a:latin typeface="Arial"/>
             </a:endParaRPr>
           </a:p>
@@ -1068,8 +1134,8 @@
         </p:nvSpPr>
         <p:spPr>
           <a:xfrm>
-            <a:off x="5151960" y="1326240"/>
-            <a:ext cx="4426560" cy="3288240"/>
+            <a:off x="5152680" y="1326600"/>
+            <a:ext cx="4426920" cy="3288600"/>
           </a:xfrm>
           <a:prstGeom prst="rect">
             <a:avLst/>
@@ -1080,7 +1146,10 @@
             <a:normAutofit/>
           </a:bodyPr>
           <a:p>
-            <a:endParaRPr b="0" lang="fr-FR" sz="3200" spc="-1" strike="noStrike">
+            <a:endParaRPr b="0" lang="fr-FR" sz="2800" spc="-1" strike="noStrike">
+              <a:solidFill>
+                <a:srgbClr val="000000"/>
+              </a:solidFill>
               <a:latin typeface="Arial"/>
             </a:endParaRPr>
           </a:p>
@@ -1098,8 +1167,8 @@
         </p:nvSpPr>
         <p:spPr>
           <a:xfrm>
-            <a:off x="503640" y="3043800"/>
-            <a:ext cx="4426560" cy="1568160"/>
+            <a:off x="504000" y="3044520"/>
+            <a:ext cx="4426920" cy="1568520"/>
           </a:xfrm>
           <a:prstGeom prst="rect">
             <a:avLst/>
@@ -1110,7 +1179,10 @@
             <a:normAutofit/>
           </a:bodyPr>
           <a:p>
-            <a:endParaRPr b="0" lang="fr-FR" sz="3200" spc="-1" strike="noStrike">
+            <a:endParaRPr b="0" lang="fr-FR" sz="2800" spc="-1" strike="noStrike">
+              <a:solidFill>
+                <a:srgbClr val="000000"/>
+              </a:solidFill>
               <a:latin typeface="Arial"/>
             </a:endParaRPr>
           </a:p>
@@ -1150,8 +1222,8 @@
         </p:nvSpPr>
         <p:spPr>
           <a:xfrm>
-            <a:off x="503640" y="225720"/>
-            <a:ext cx="9071280" cy="946440"/>
+            <a:off x="504000" y="226080"/>
+            <a:ext cx="9072000" cy="946440"/>
           </a:xfrm>
           <a:prstGeom prst="rect">
             <a:avLst/>
@@ -1162,8 +1234,10 @@
             <a:noAutofit/>
           </a:bodyPr>
           <a:p>
-            <a:pPr algn="ctr"/>
-            <a:endParaRPr b="0" lang="fr-FR" sz="4400" spc="-1" strike="noStrike">
+            <a:endParaRPr b="0" lang="fr-FR" sz="1800" spc="-1" strike="noStrike">
+              <a:solidFill>
+                <a:srgbClr val="000000"/>
+              </a:solidFill>
               <a:latin typeface="Arial"/>
             </a:endParaRPr>
           </a:p>
@@ -1181,8 +1255,8 @@
         </p:nvSpPr>
         <p:spPr>
           <a:xfrm>
-            <a:off x="503640" y="1326240"/>
-            <a:ext cx="9071280" cy="3288240"/>
+            <a:off x="504000" y="1326600"/>
+            <a:ext cx="9072000" cy="3288600"/>
           </a:xfrm>
           <a:prstGeom prst="rect">
             <a:avLst/>
@@ -1234,8 +1308,8 @@
         </p:nvSpPr>
         <p:spPr>
           <a:xfrm>
-            <a:off x="503640" y="225720"/>
-            <a:ext cx="9071280" cy="946440"/>
+            <a:off x="504000" y="226080"/>
+            <a:ext cx="9072000" cy="946440"/>
           </a:xfrm>
           <a:prstGeom prst="rect">
             <a:avLst/>
@@ -1246,8 +1320,10 @@
             <a:noAutofit/>
           </a:bodyPr>
           <a:p>
-            <a:pPr algn="ctr"/>
-            <a:endParaRPr b="0" lang="fr-FR" sz="4400" spc="-1" strike="noStrike">
+            <a:endParaRPr b="0" lang="fr-FR" sz="1800" spc="-1" strike="noStrike">
+              <a:solidFill>
+                <a:srgbClr val="000000"/>
+              </a:solidFill>
               <a:latin typeface="Arial"/>
             </a:endParaRPr>
           </a:p>
@@ -1265,8 +1341,8 @@
         </p:nvSpPr>
         <p:spPr>
           <a:xfrm>
-            <a:off x="503640" y="1326240"/>
-            <a:ext cx="4426560" cy="3288240"/>
+            <a:off x="504000" y="1326600"/>
+            <a:ext cx="4426920" cy="3288600"/>
           </a:xfrm>
           <a:prstGeom prst="rect">
             <a:avLst/>
@@ -1277,7 +1353,10 @@
             <a:normAutofit/>
           </a:bodyPr>
           <a:p>
-            <a:endParaRPr b="0" lang="fr-FR" sz="3200" spc="-1" strike="noStrike">
+            <a:endParaRPr b="0" lang="fr-FR" sz="2800" spc="-1" strike="noStrike">
+              <a:solidFill>
+                <a:srgbClr val="000000"/>
+              </a:solidFill>
               <a:latin typeface="Arial"/>
             </a:endParaRPr>
           </a:p>
@@ -1295,8 +1374,8 @@
         </p:nvSpPr>
         <p:spPr>
           <a:xfrm>
-            <a:off x="5151960" y="1326240"/>
-            <a:ext cx="4426560" cy="1568160"/>
+            <a:off x="5152680" y="1326600"/>
+            <a:ext cx="4426920" cy="1568520"/>
           </a:xfrm>
           <a:prstGeom prst="rect">
             <a:avLst/>
@@ -1307,7 +1386,10 @@
             <a:normAutofit/>
           </a:bodyPr>
           <a:p>
-            <a:endParaRPr b="0" lang="fr-FR" sz="3200" spc="-1" strike="noStrike">
+            <a:endParaRPr b="0" lang="fr-FR" sz="2800" spc="-1" strike="noStrike">
+              <a:solidFill>
+                <a:srgbClr val="000000"/>
+              </a:solidFill>
               <a:latin typeface="Arial"/>
             </a:endParaRPr>
           </a:p>
@@ -1325,8 +1407,8 @@
         </p:nvSpPr>
         <p:spPr>
           <a:xfrm>
-            <a:off x="5151960" y="3043800"/>
-            <a:ext cx="4426560" cy="1568160"/>
+            <a:off x="5152680" y="3044520"/>
+            <a:ext cx="4426920" cy="1568520"/>
           </a:xfrm>
           <a:prstGeom prst="rect">
             <a:avLst/>
@@ -1337,7 +1419,10 @@
             <a:normAutofit/>
           </a:bodyPr>
           <a:p>
-            <a:endParaRPr b="0" lang="fr-FR" sz="3200" spc="-1" strike="noStrike">
+            <a:endParaRPr b="0" lang="fr-FR" sz="2800" spc="-1" strike="noStrike">
+              <a:solidFill>
+                <a:srgbClr val="000000"/>
+              </a:solidFill>
               <a:latin typeface="Arial"/>
             </a:endParaRPr>
           </a:p>
@@ -1377,8 +1462,8 @@
         </p:nvSpPr>
         <p:spPr>
           <a:xfrm>
-            <a:off x="503640" y="225720"/>
-            <a:ext cx="9071280" cy="946440"/>
+            <a:off x="504000" y="226080"/>
+            <a:ext cx="9072000" cy="946440"/>
           </a:xfrm>
           <a:prstGeom prst="rect">
             <a:avLst/>
@@ -1389,8 +1474,10 @@
             <a:noAutofit/>
           </a:bodyPr>
           <a:p>
-            <a:pPr algn="ctr"/>
-            <a:endParaRPr b="0" lang="fr-FR" sz="4400" spc="-1" strike="noStrike">
+            <a:endParaRPr b="0" lang="fr-FR" sz="1800" spc="-1" strike="noStrike">
+              <a:solidFill>
+                <a:srgbClr val="000000"/>
+              </a:solidFill>
               <a:latin typeface="Arial"/>
             </a:endParaRPr>
           </a:p>
@@ -1408,8 +1495,8 @@
         </p:nvSpPr>
         <p:spPr>
           <a:xfrm>
-            <a:off x="503640" y="1326240"/>
-            <a:ext cx="4426560" cy="1568160"/>
+            <a:off x="504000" y="1326600"/>
+            <a:ext cx="4426920" cy="1568520"/>
           </a:xfrm>
           <a:prstGeom prst="rect">
             <a:avLst/>
@@ -1420,7 +1507,10 @@
             <a:normAutofit/>
           </a:bodyPr>
           <a:p>
-            <a:endParaRPr b="0" lang="fr-FR" sz="3200" spc="-1" strike="noStrike">
+            <a:endParaRPr b="0" lang="fr-FR" sz="2800" spc="-1" strike="noStrike">
+              <a:solidFill>
+                <a:srgbClr val="000000"/>
+              </a:solidFill>
               <a:latin typeface="Arial"/>
             </a:endParaRPr>
           </a:p>
@@ -1438,8 +1528,8 @@
         </p:nvSpPr>
         <p:spPr>
           <a:xfrm>
-            <a:off x="5151960" y="1326240"/>
-            <a:ext cx="4426560" cy="1568160"/>
+            <a:off x="5152680" y="1326600"/>
+            <a:ext cx="4426920" cy="1568520"/>
           </a:xfrm>
           <a:prstGeom prst="rect">
             <a:avLst/>
@@ -1450,7 +1540,10 @@
             <a:normAutofit/>
           </a:bodyPr>
           <a:p>
-            <a:endParaRPr b="0" lang="fr-FR" sz="3200" spc="-1" strike="noStrike">
+            <a:endParaRPr b="0" lang="fr-FR" sz="2800" spc="-1" strike="noStrike">
+              <a:solidFill>
+                <a:srgbClr val="000000"/>
+              </a:solidFill>
               <a:latin typeface="Arial"/>
             </a:endParaRPr>
           </a:p>
@@ -1468,8 +1561,8 @@
         </p:nvSpPr>
         <p:spPr>
           <a:xfrm>
-            <a:off x="503640" y="3043800"/>
-            <a:ext cx="9071280" cy="1568160"/>
+            <a:off x="504000" y="3044520"/>
+            <a:ext cx="9072000" cy="1568520"/>
           </a:xfrm>
           <a:prstGeom prst="rect">
             <a:avLst/>
@@ -1480,7 +1573,10 @@
             <a:normAutofit/>
           </a:bodyPr>
           <a:p>
-            <a:endParaRPr b="0" lang="fr-FR" sz="3200" spc="-1" strike="noStrike">
+            <a:endParaRPr b="0" lang="fr-FR" sz="2800" spc="-1" strike="noStrike">
+              <a:solidFill>
+                <a:srgbClr val="000000"/>
+              </a:solidFill>
               <a:latin typeface="Arial"/>
             </a:endParaRPr>
           </a:p>
@@ -1520,8 +1616,8 @@
         </p:nvSpPr>
         <p:spPr>
           <a:xfrm>
-            <a:off x="503640" y="225720"/>
-            <a:ext cx="9071280" cy="946440"/>
+            <a:off x="504000" y="226080"/>
+            <a:ext cx="9072000" cy="946440"/>
           </a:xfrm>
           <a:prstGeom prst="rect">
             <a:avLst/>
@@ -1532,8 +1628,10 @@
             <a:noAutofit/>
           </a:bodyPr>
           <a:p>
-            <a:pPr algn="ctr"/>
-            <a:endParaRPr b="0" lang="fr-FR" sz="4400" spc="-1" strike="noStrike">
+            <a:endParaRPr b="0" lang="fr-FR" sz="1800" spc="-1" strike="noStrike">
+              <a:solidFill>
+                <a:srgbClr val="000000"/>
+              </a:solidFill>
               <a:latin typeface="Arial"/>
             </a:endParaRPr>
           </a:p>
@@ -1551,8 +1649,8 @@
         </p:nvSpPr>
         <p:spPr>
           <a:xfrm>
-            <a:off x="503640" y="1326240"/>
-            <a:ext cx="9071280" cy="1568160"/>
+            <a:off x="504000" y="1326600"/>
+            <a:ext cx="9072000" cy="1568520"/>
           </a:xfrm>
           <a:prstGeom prst="rect">
             <a:avLst/>
@@ -1563,7 +1661,10 @@
             <a:normAutofit/>
           </a:bodyPr>
           <a:p>
-            <a:endParaRPr b="0" lang="fr-FR" sz="3200" spc="-1" strike="noStrike">
+            <a:endParaRPr b="0" lang="fr-FR" sz="2800" spc="-1" strike="noStrike">
+              <a:solidFill>
+                <a:srgbClr val="000000"/>
+              </a:solidFill>
               <a:latin typeface="Arial"/>
             </a:endParaRPr>
           </a:p>
@@ -1581,8 +1682,8 @@
         </p:nvSpPr>
         <p:spPr>
           <a:xfrm>
-            <a:off x="503640" y="3043800"/>
-            <a:ext cx="9071280" cy="1568160"/>
+            <a:off x="504000" y="3044520"/>
+            <a:ext cx="9072000" cy="1568520"/>
           </a:xfrm>
           <a:prstGeom prst="rect">
             <a:avLst/>
@@ -1593,7 +1694,10 @@
             <a:normAutofit/>
           </a:bodyPr>
           <a:p>
-            <a:endParaRPr b="0" lang="fr-FR" sz="3200" spc="-1" strike="noStrike">
+            <a:endParaRPr b="0" lang="fr-FR" sz="2800" spc="-1" strike="noStrike">
+              <a:solidFill>
+                <a:srgbClr val="000000"/>
+              </a:solidFill>
               <a:latin typeface="Arial"/>
             </a:endParaRPr>
           </a:p>
@@ -1633,8 +1737,8 @@
         </p:nvSpPr>
         <p:spPr>
           <a:xfrm>
-            <a:off x="503640" y="225720"/>
-            <a:ext cx="9071280" cy="946440"/>
+            <a:off x="504000" y="226080"/>
+            <a:ext cx="9072000" cy="946440"/>
           </a:xfrm>
           <a:prstGeom prst="rect">
             <a:avLst/>
@@ -1645,8 +1749,10 @@
             <a:noAutofit/>
           </a:bodyPr>
           <a:p>
-            <a:pPr algn="ctr"/>
-            <a:endParaRPr b="0" lang="fr-FR" sz="4400" spc="-1" strike="noStrike">
+            <a:endParaRPr b="0" lang="fr-FR" sz="1800" spc="-1" strike="noStrike">
+              <a:solidFill>
+                <a:srgbClr val="000000"/>
+              </a:solidFill>
               <a:latin typeface="Arial"/>
             </a:endParaRPr>
           </a:p>
@@ -1664,8 +1770,8 @@
         </p:nvSpPr>
         <p:spPr>
           <a:xfrm>
-            <a:off x="503640" y="1326240"/>
-            <a:ext cx="4426560" cy="1568160"/>
+            <a:off x="504000" y="1326600"/>
+            <a:ext cx="4426920" cy="1568520"/>
           </a:xfrm>
           <a:prstGeom prst="rect">
             <a:avLst/>
@@ -1676,7 +1782,10 @@
             <a:normAutofit/>
           </a:bodyPr>
           <a:p>
-            <a:endParaRPr b="0" lang="fr-FR" sz="3200" spc="-1" strike="noStrike">
+            <a:endParaRPr b="0" lang="fr-FR" sz="2800" spc="-1" strike="noStrike">
+              <a:solidFill>
+                <a:srgbClr val="000000"/>
+              </a:solidFill>
               <a:latin typeface="Arial"/>
             </a:endParaRPr>
           </a:p>
@@ -1694,8 +1803,8 @@
         </p:nvSpPr>
         <p:spPr>
           <a:xfrm>
-            <a:off x="5151960" y="1326240"/>
-            <a:ext cx="4426560" cy="1568160"/>
+            <a:off x="5152680" y="1326600"/>
+            <a:ext cx="4426920" cy="1568520"/>
           </a:xfrm>
           <a:prstGeom prst="rect">
             <a:avLst/>
@@ -1706,7 +1815,10 @@
             <a:normAutofit/>
           </a:bodyPr>
           <a:p>
-            <a:endParaRPr b="0" lang="fr-FR" sz="3200" spc="-1" strike="noStrike">
+            <a:endParaRPr b="0" lang="fr-FR" sz="2800" spc="-1" strike="noStrike">
+              <a:solidFill>
+                <a:srgbClr val="000000"/>
+              </a:solidFill>
               <a:latin typeface="Arial"/>
             </a:endParaRPr>
           </a:p>
@@ -1724,8 +1836,8 @@
         </p:nvSpPr>
         <p:spPr>
           <a:xfrm>
-            <a:off x="503640" y="3043800"/>
-            <a:ext cx="4426560" cy="1568160"/>
+            <a:off x="504000" y="3044520"/>
+            <a:ext cx="4426920" cy="1568520"/>
           </a:xfrm>
           <a:prstGeom prst="rect">
             <a:avLst/>
@@ -1736,7 +1848,10 @@
             <a:normAutofit/>
           </a:bodyPr>
           <a:p>
-            <a:endParaRPr b="0" lang="fr-FR" sz="3200" spc="-1" strike="noStrike">
+            <a:endParaRPr b="0" lang="fr-FR" sz="2800" spc="-1" strike="noStrike">
+              <a:solidFill>
+                <a:srgbClr val="000000"/>
+              </a:solidFill>
               <a:latin typeface="Arial"/>
             </a:endParaRPr>
           </a:p>
@@ -1754,8 +1869,8 @@
         </p:nvSpPr>
         <p:spPr>
           <a:xfrm>
-            <a:off x="5151960" y="3043800"/>
-            <a:ext cx="4426560" cy="1568160"/>
+            <a:off x="5152680" y="3044520"/>
+            <a:ext cx="4426920" cy="1568520"/>
           </a:xfrm>
           <a:prstGeom prst="rect">
             <a:avLst/>
@@ -1766,7 +1881,10 @@
             <a:normAutofit/>
           </a:bodyPr>
           <a:p>
-            <a:endParaRPr b="0" lang="fr-FR" sz="3200" spc="-1" strike="noStrike">
+            <a:endParaRPr b="0" lang="fr-FR" sz="2800" spc="-1" strike="noStrike">
+              <a:solidFill>
+                <a:srgbClr val="000000"/>
+              </a:solidFill>
               <a:latin typeface="Arial"/>
             </a:endParaRPr>
           </a:p>
@@ -1806,8 +1924,8 @@
         </p:nvSpPr>
         <p:spPr>
           <a:xfrm>
-            <a:off x="503640" y="225720"/>
-            <a:ext cx="9071280" cy="946440"/>
+            <a:off x="504000" y="226080"/>
+            <a:ext cx="9072000" cy="946440"/>
           </a:xfrm>
           <a:prstGeom prst="rect">
             <a:avLst/>
@@ -1818,8 +1936,10 @@
             <a:noAutofit/>
           </a:bodyPr>
           <a:p>
-            <a:pPr algn="ctr"/>
-            <a:endParaRPr b="0" lang="fr-FR" sz="4400" spc="-1" strike="noStrike">
+            <a:endParaRPr b="0" lang="fr-FR" sz="1800" spc="-1" strike="noStrike">
+              <a:solidFill>
+                <a:srgbClr val="000000"/>
+              </a:solidFill>
               <a:latin typeface="Arial"/>
             </a:endParaRPr>
           </a:p>
@@ -1837,8 +1957,8 @@
         </p:nvSpPr>
         <p:spPr>
           <a:xfrm>
-            <a:off x="503640" y="1326240"/>
-            <a:ext cx="2920680" cy="1568160"/>
+            <a:off x="504000" y="1326600"/>
+            <a:ext cx="2921040" cy="1568520"/>
           </a:xfrm>
           <a:prstGeom prst="rect">
             <a:avLst/>
@@ -1849,7 +1969,10 @@
             <a:normAutofit/>
           </a:bodyPr>
           <a:p>
-            <a:endParaRPr b="0" lang="fr-FR" sz="3200" spc="-1" strike="noStrike">
+            <a:endParaRPr b="0" lang="fr-FR" sz="2800" spc="-1" strike="noStrike">
+              <a:solidFill>
+                <a:srgbClr val="000000"/>
+              </a:solidFill>
               <a:latin typeface="Arial"/>
             </a:endParaRPr>
           </a:p>
@@ -1867,8 +1990,8 @@
         </p:nvSpPr>
         <p:spPr>
           <a:xfrm>
-            <a:off x="3570840" y="1326240"/>
-            <a:ext cx="2920680" cy="1568160"/>
+            <a:off x="3571560" y="1326600"/>
+            <a:ext cx="2921040" cy="1568520"/>
           </a:xfrm>
           <a:prstGeom prst="rect">
             <a:avLst/>
@@ -1879,7 +2002,10 @@
             <a:normAutofit/>
           </a:bodyPr>
           <a:p>
-            <a:endParaRPr b="0" lang="fr-FR" sz="3200" spc="-1" strike="noStrike">
+            <a:endParaRPr b="0" lang="fr-FR" sz="2800" spc="-1" strike="noStrike">
+              <a:solidFill>
+                <a:srgbClr val="000000"/>
+              </a:solidFill>
               <a:latin typeface="Arial"/>
             </a:endParaRPr>
           </a:p>
@@ -1897,8 +2023,8 @@
         </p:nvSpPr>
         <p:spPr>
           <a:xfrm>
-            <a:off x="6637680" y="1326240"/>
-            <a:ext cx="2920680" cy="1568160"/>
+            <a:off x="6639120" y="1326600"/>
+            <a:ext cx="2921040" cy="1568520"/>
           </a:xfrm>
           <a:prstGeom prst="rect">
             <a:avLst/>
@@ -1909,7 +2035,10 @@
             <a:normAutofit/>
           </a:bodyPr>
           <a:p>
-            <a:endParaRPr b="0" lang="fr-FR" sz="3200" spc="-1" strike="noStrike">
+            <a:endParaRPr b="0" lang="fr-FR" sz="2800" spc="-1" strike="noStrike">
+              <a:solidFill>
+                <a:srgbClr val="000000"/>
+              </a:solidFill>
               <a:latin typeface="Arial"/>
             </a:endParaRPr>
           </a:p>
@@ -1927,8 +2056,8 @@
         </p:nvSpPr>
         <p:spPr>
           <a:xfrm>
-            <a:off x="503640" y="3043800"/>
-            <a:ext cx="2920680" cy="1568160"/>
+            <a:off x="504000" y="3044520"/>
+            <a:ext cx="2921040" cy="1568520"/>
           </a:xfrm>
           <a:prstGeom prst="rect">
             <a:avLst/>
@@ -1939,7 +2068,10 @@
             <a:normAutofit/>
           </a:bodyPr>
           <a:p>
-            <a:endParaRPr b="0" lang="fr-FR" sz="3200" spc="-1" strike="noStrike">
+            <a:endParaRPr b="0" lang="fr-FR" sz="2800" spc="-1" strike="noStrike">
+              <a:solidFill>
+                <a:srgbClr val="000000"/>
+              </a:solidFill>
               <a:latin typeface="Arial"/>
             </a:endParaRPr>
           </a:p>
@@ -1957,8 +2089,8 @@
         </p:nvSpPr>
         <p:spPr>
           <a:xfrm>
-            <a:off x="3570840" y="3043800"/>
-            <a:ext cx="2920680" cy="1568160"/>
+            <a:off x="3571560" y="3044520"/>
+            <a:ext cx="2921040" cy="1568520"/>
           </a:xfrm>
           <a:prstGeom prst="rect">
             <a:avLst/>
@@ -1969,7 +2101,10 @@
             <a:normAutofit/>
           </a:bodyPr>
           <a:p>
-            <a:endParaRPr b="0" lang="fr-FR" sz="3200" spc="-1" strike="noStrike">
+            <a:endParaRPr b="0" lang="fr-FR" sz="2800" spc="-1" strike="noStrike">
+              <a:solidFill>
+                <a:srgbClr val="000000"/>
+              </a:solidFill>
               <a:latin typeface="Arial"/>
             </a:endParaRPr>
           </a:p>
@@ -1987,8 +2122,8 @@
         </p:nvSpPr>
         <p:spPr>
           <a:xfrm>
-            <a:off x="6637680" y="3043800"/>
-            <a:ext cx="2920680" cy="1568160"/>
+            <a:off x="6639120" y="3044520"/>
+            <a:ext cx="2921040" cy="1568520"/>
           </a:xfrm>
           <a:prstGeom prst="rect">
             <a:avLst/>
@@ -1999,7 +2134,382 @@
             <a:normAutofit/>
           </a:bodyPr>
           <a:p>
+            <a:endParaRPr b="0" lang="fr-FR" sz="2800" spc="-1" strike="noStrike">
+              <a:solidFill>
+                <a:srgbClr val="000000"/>
+              </a:solidFill>
+              <a:latin typeface="Arial"/>
+            </a:endParaRPr>
+          </a:p>
+        </p:txBody>
+      </p:sp>
+    </p:spTree>
+  </p:cSld>
+</p:sldLayout>
+</file>
+
+<file path=ppt/slideLayouts/slideLayout25.xml><?xml version="1.0" encoding="utf-8"?>
+<p:sldLayout xmlns:a="http://schemas.openxmlformats.org/drawingml/2006/main" xmlns:p="http://schemas.openxmlformats.org/presentationml/2006/main" xmlns:r="http://schemas.openxmlformats.org/officeDocument/2006/relationships" xmlns:p14="http://schemas.microsoft.com/office/powerpoint/2010/main" xmlns:p15="http://schemas.microsoft.com/office/powerpoint/2012/main" xmlns:mc="http://schemas.openxmlformats.org/markup-compatibility/2006" type="blank" preserve="1">
+  <p:cSld name="Blank Slide">
+    <p:spTree>
+      <p:nvGrpSpPr>
+        <p:cNvPr id="1" name=""/>
+        <p:cNvGrpSpPr/>
+        <p:nvPr/>
+      </p:nvGrpSpPr>
+      <p:grpSpPr>
+        <a:xfrm>
+          <a:off x="0" y="0"/>
+          <a:ext cx="0" cy="0"/>
+          <a:chOff x="0" y="0"/>
+          <a:chExt cx="0" cy="0"/>
+        </a:xfrm>
+      </p:grpSpPr>
+    </p:spTree>
+  </p:cSld>
+</p:sldLayout>
+</file>
+
+<file path=ppt/slideLayouts/slideLayout26.xml><?xml version="1.0" encoding="utf-8"?>
+<p:sldLayout xmlns:a="http://schemas.openxmlformats.org/drawingml/2006/main" xmlns:p="http://schemas.openxmlformats.org/presentationml/2006/main" xmlns:r="http://schemas.openxmlformats.org/officeDocument/2006/relationships" xmlns:p14="http://schemas.microsoft.com/office/powerpoint/2010/main" xmlns:p15="http://schemas.microsoft.com/office/powerpoint/2012/main" xmlns:mc="http://schemas.openxmlformats.org/markup-compatibility/2006" type="tx" preserve="1">
+  <p:cSld name="Title Slide">
+    <p:spTree>
+      <p:nvGrpSpPr>
+        <p:cNvPr id="1" name=""/>
+        <p:cNvGrpSpPr/>
+        <p:nvPr/>
+      </p:nvGrpSpPr>
+      <p:grpSpPr>
+        <a:xfrm>
+          <a:off x="0" y="0"/>
+          <a:ext cx="0" cy="0"/>
+          <a:chOff x="0" y="0"/>
+          <a:chExt cx="0" cy="0"/>
+        </a:xfrm>
+      </p:grpSpPr>
+      <p:sp>
+        <p:nvSpPr>
+          <p:cNvPr id="78" name="PlaceHolder 1"/>
+          <p:cNvSpPr>
+            <a:spLocks noGrp="1"/>
+          </p:cNvSpPr>
+          <p:nvPr>
+            <p:ph type="title"/>
+          </p:nvPr>
+        </p:nvSpPr>
+        <p:spPr>
+          <a:xfrm>
+            <a:off x="504000" y="226080"/>
+            <a:ext cx="9072000" cy="946440"/>
+          </a:xfrm>
+          <a:prstGeom prst="rect">
+            <a:avLst/>
+          </a:prstGeom>
+        </p:spPr>
+        <p:txBody>
+          <a:bodyPr lIns="0" rIns="0" tIns="0" bIns="0" anchor="ctr">
+            <a:noAutofit/>
+          </a:bodyPr>
+          <a:p>
+            <a:endParaRPr b="0" lang="fr-FR" sz="1800" spc="-1" strike="noStrike">
+              <a:solidFill>
+                <a:srgbClr val="000000"/>
+              </a:solidFill>
+              <a:latin typeface="Arial"/>
+            </a:endParaRPr>
+          </a:p>
+        </p:txBody>
+      </p:sp>
+      <p:sp>
+        <p:nvSpPr>
+          <p:cNvPr id="79" name="PlaceHolder 2"/>
+          <p:cNvSpPr>
+            <a:spLocks noGrp="1"/>
+          </p:cNvSpPr>
+          <p:nvPr>
+            <p:ph type="subTitle"/>
+          </p:nvPr>
+        </p:nvSpPr>
+        <p:spPr>
+          <a:xfrm>
+            <a:off x="504000" y="1326600"/>
+            <a:ext cx="9072000" cy="3288600"/>
+          </a:xfrm>
+          <a:prstGeom prst="rect">
+            <a:avLst/>
+          </a:prstGeom>
+        </p:spPr>
+        <p:txBody>
+          <a:bodyPr lIns="0" rIns="0" tIns="0" bIns="0" anchor="ctr">
+            <a:noAutofit/>
+          </a:bodyPr>
+          <a:p>
+            <a:pPr algn="ctr"/>
             <a:endParaRPr b="0" lang="fr-FR" sz="3200" spc="-1" strike="noStrike">
+              <a:latin typeface="Arial"/>
+            </a:endParaRPr>
+          </a:p>
+        </p:txBody>
+      </p:sp>
+    </p:spTree>
+  </p:cSld>
+</p:sldLayout>
+</file>
+
+<file path=ppt/slideLayouts/slideLayout27.xml><?xml version="1.0" encoding="utf-8"?>
+<p:sldLayout xmlns:a="http://schemas.openxmlformats.org/drawingml/2006/main" xmlns:p="http://schemas.openxmlformats.org/presentationml/2006/main" xmlns:r="http://schemas.openxmlformats.org/officeDocument/2006/relationships" xmlns:p14="http://schemas.microsoft.com/office/powerpoint/2010/main" xmlns:p15="http://schemas.microsoft.com/office/powerpoint/2012/main" xmlns:mc="http://schemas.openxmlformats.org/markup-compatibility/2006" type="obj" preserve="1">
+  <p:cSld name="Title, Content">
+    <p:spTree>
+      <p:nvGrpSpPr>
+        <p:cNvPr id="1" name=""/>
+        <p:cNvGrpSpPr/>
+        <p:nvPr/>
+      </p:nvGrpSpPr>
+      <p:grpSpPr>
+        <a:xfrm>
+          <a:off x="0" y="0"/>
+          <a:ext cx="0" cy="0"/>
+          <a:chOff x="0" y="0"/>
+          <a:chExt cx="0" cy="0"/>
+        </a:xfrm>
+      </p:grpSpPr>
+      <p:sp>
+        <p:nvSpPr>
+          <p:cNvPr id="80" name="PlaceHolder 1"/>
+          <p:cNvSpPr>
+            <a:spLocks noGrp="1"/>
+          </p:cNvSpPr>
+          <p:nvPr>
+            <p:ph type="title"/>
+          </p:nvPr>
+        </p:nvSpPr>
+        <p:spPr>
+          <a:xfrm>
+            <a:off x="504000" y="226080"/>
+            <a:ext cx="9072000" cy="946440"/>
+          </a:xfrm>
+          <a:prstGeom prst="rect">
+            <a:avLst/>
+          </a:prstGeom>
+        </p:spPr>
+        <p:txBody>
+          <a:bodyPr lIns="0" rIns="0" tIns="0" bIns="0" anchor="ctr">
+            <a:noAutofit/>
+          </a:bodyPr>
+          <a:p>
+            <a:endParaRPr b="0" lang="fr-FR" sz="1800" spc="-1" strike="noStrike">
+              <a:solidFill>
+                <a:srgbClr val="000000"/>
+              </a:solidFill>
+              <a:latin typeface="Arial"/>
+            </a:endParaRPr>
+          </a:p>
+        </p:txBody>
+      </p:sp>
+      <p:sp>
+        <p:nvSpPr>
+          <p:cNvPr id="81" name="PlaceHolder 2"/>
+          <p:cNvSpPr>
+            <a:spLocks noGrp="1"/>
+          </p:cNvSpPr>
+          <p:nvPr>
+            <p:ph type="body"/>
+          </p:nvPr>
+        </p:nvSpPr>
+        <p:spPr>
+          <a:xfrm>
+            <a:off x="504000" y="1326600"/>
+            <a:ext cx="9072000" cy="3288600"/>
+          </a:xfrm>
+          <a:prstGeom prst="rect">
+            <a:avLst/>
+          </a:prstGeom>
+        </p:spPr>
+        <p:txBody>
+          <a:bodyPr lIns="0" rIns="0" tIns="0" bIns="0">
+            <a:normAutofit/>
+          </a:bodyPr>
+          <a:p>
+            <a:endParaRPr b="0" lang="fr-FR" sz="2800" spc="-1" strike="noStrike">
+              <a:solidFill>
+                <a:srgbClr val="000000"/>
+              </a:solidFill>
+              <a:latin typeface="Arial"/>
+            </a:endParaRPr>
+          </a:p>
+        </p:txBody>
+      </p:sp>
+    </p:spTree>
+  </p:cSld>
+</p:sldLayout>
+</file>
+
+<file path=ppt/slideLayouts/slideLayout28.xml><?xml version="1.0" encoding="utf-8"?>
+<p:sldLayout xmlns:a="http://schemas.openxmlformats.org/drawingml/2006/main" xmlns:p="http://schemas.openxmlformats.org/presentationml/2006/main" xmlns:r="http://schemas.openxmlformats.org/officeDocument/2006/relationships" xmlns:p14="http://schemas.microsoft.com/office/powerpoint/2010/main" xmlns:p15="http://schemas.microsoft.com/office/powerpoint/2012/main" xmlns:mc="http://schemas.openxmlformats.org/markup-compatibility/2006" type="twoObj" preserve="1">
+  <p:cSld name="Title, 2 Content">
+    <p:spTree>
+      <p:nvGrpSpPr>
+        <p:cNvPr id="1" name=""/>
+        <p:cNvGrpSpPr/>
+        <p:nvPr/>
+      </p:nvGrpSpPr>
+      <p:grpSpPr>
+        <a:xfrm>
+          <a:off x="0" y="0"/>
+          <a:ext cx="0" cy="0"/>
+          <a:chOff x="0" y="0"/>
+          <a:chExt cx="0" cy="0"/>
+        </a:xfrm>
+      </p:grpSpPr>
+      <p:sp>
+        <p:nvSpPr>
+          <p:cNvPr id="82" name="PlaceHolder 1"/>
+          <p:cNvSpPr>
+            <a:spLocks noGrp="1"/>
+          </p:cNvSpPr>
+          <p:nvPr>
+            <p:ph type="title"/>
+          </p:nvPr>
+        </p:nvSpPr>
+        <p:spPr>
+          <a:xfrm>
+            <a:off x="504000" y="226080"/>
+            <a:ext cx="9072000" cy="946440"/>
+          </a:xfrm>
+          <a:prstGeom prst="rect">
+            <a:avLst/>
+          </a:prstGeom>
+        </p:spPr>
+        <p:txBody>
+          <a:bodyPr lIns="0" rIns="0" tIns="0" bIns="0" anchor="ctr">
+            <a:noAutofit/>
+          </a:bodyPr>
+          <a:p>
+            <a:endParaRPr b="0" lang="fr-FR" sz="1800" spc="-1" strike="noStrike">
+              <a:solidFill>
+                <a:srgbClr val="000000"/>
+              </a:solidFill>
+              <a:latin typeface="Arial"/>
+            </a:endParaRPr>
+          </a:p>
+        </p:txBody>
+      </p:sp>
+      <p:sp>
+        <p:nvSpPr>
+          <p:cNvPr id="83" name="PlaceHolder 2"/>
+          <p:cNvSpPr>
+            <a:spLocks noGrp="1"/>
+          </p:cNvSpPr>
+          <p:nvPr>
+            <p:ph type="body"/>
+          </p:nvPr>
+        </p:nvSpPr>
+        <p:spPr>
+          <a:xfrm>
+            <a:off x="504000" y="1326600"/>
+            <a:ext cx="4426920" cy="3288600"/>
+          </a:xfrm>
+          <a:prstGeom prst="rect">
+            <a:avLst/>
+          </a:prstGeom>
+        </p:spPr>
+        <p:txBody>
+          <a:bodyPr lIns="0" rIns="0" tIns="0" bIns="0">
+            <a:normAutofit/>
+          </a:bodyPr>
+          <a:p>
+            <a:endParaRPr b="0" lang="fr-FR" sz="2800" spc="-1" strike="noStrike">
+              <a:solidFill>
+                <a:srgbClr val="000000"/>
+              </a:solidFill>
+              <a:latin typeface="Arial"/>
+            </a:endParaRPr>
+          </a:p>
+        </p:txBody>
+      </p:sp>
+      <p:sp>
+        <p:nvSpPr>
+          <p:cNvPr id="84" name="PlaceHolder 3"/>
+          <p:cNvSpPr>
+            <a:spLocks noGrp="1"/>
+          </p:cNvSpPr>
+          <p:nvPr>
+            <p:ph type="body"/>
+          </p:nvPr>
+        </p:nvSpPr>
+        <p:spPr>
+          <a:xfrm>
+            <a:off x="5152680" y="1326600"/>
+            <a:ext cx="4426920" cy="3288600"/>
+          </a:xfrm>
+          <a:prstGeom prst="rect">
+            <a:avLst/>
+          </a:prstGeom>
+        </p:spPr>
+        <p:txBody>
+          <a:bodyPr lIns="0" rIns="0" tIns="0" bIns="0">
+            <a:normAutofit/>
+          </a:bodyPr>
+          <a:p>
+            <a:endParaRPr b="0" lang="fr-FR" sz="2800" spc="-1" strike="noStrike">
+              <a:solidFill>
+                <a:srgbClr val="000000"/>
+              </a:solidFill>
+              <a:latin typeface="Arial"/>
+            </a:endParaRPr>
+          </a:p>
+        </p:txBody>
+      </p:sp>
+    </p:spTree>
+  </p:cSld>
+</p:sldLayout>
+</file>
+
+<file path=ppt/slideLayouts/slideLayout29.xml><?xml version="1.0" encoding="utf-8"?>
+<p:sldLayout xmlns:a="http://schemas.openxmlformats.org/drawingml/2006/main" xmlns:p="http://schemas.openxmlformats.org/presentationml/2006/main" xmlns:r="http://schemas.openxmlformats.org/officeDocument/2006/relationships" xmlns:p14="http://schemas.microsoft.com/office/powerpoint/2010/main" xmlns:p15="http://schemas.microsoft.com/office/powerpoint/2012/main" xmlns:mc="http://schemas.openxmlformats.org/markup-compatibility/2006" type="titleOnly" preserve="1">
+  <p:cSld name="Title Only">
+    <p:spTree>
+      <p:nvGrpSpPr>
+        <p:cNvPr id="1" name=""/>
+        <p:cNvGrpSpPr/>
+        <p:nvPr/>
+      </p:nvGrpSpPr>
+      <p:grpSpPr>
+        <a:xfrm>
+          <a:off x="0" y="0"/>
+          <a:ext cx="0" cy="0"/>
+          <a:chOff x="0" y="0"/>
+          <a:chExt cx="0" cy="0"/>
+        </a:xfrm>
+      </p:grpSpPr>
+      <p:sp>
+        <p:nvSpPr>
+          <p:cNvPr id="85" name="PlaceHolder 1"/>
+          <p:cNvSpPr>
+            <a:spLocks noGrp="1"/>
+          </p:cNvSpPr>
+          <p:nvPr>
+            <p:ph type="title"/>
+          </p:nvPr>
+        </p:nvSpPr>
+        <p:spPr>
+          <a:xfrm>
+            <a:off x="504000" y="226080"/>
+            <a:ext cx="9072000" cy="946440"/>
+          </a:xfrm>
+          <a:prstGeom prst="rect">
+            <a:avLst/>
+          </a:prstGeom>
+        </p:spPr>
+        <p:txBody>
+          <a:bodyPr lIns="0" rIns="0" tIns="0" bIns="0" anchor="ctr">
+            <a:noAutofit/>
+          </a:bodyPr>
+          <a:p>
+            <a:endParaRPr b="0" lang="fr-FR" sz="1800" spc="-1" strike="noStrike">
+              <a:solidFill>
+                <a:srgbClr val="000000"/>
+              </a:solidFill>
               <a:latin typeface="Arial"/>
             </a:endParaRPr>
           </a:p>
@@ -2039,8 +2549,8 @@
         </p:nvSpPr>
         <p:spPr>
           <a:xfrm>
-            <a:off x="503640" y="225720"/>
-            <a:ext cx="9071280" cy="946440"/>
+            <a:off x="504000" y="226080"/>
+            <a:ext cx="9072000" cy="946440"/>
           </a:xfrm>
           <a:prstGeom prst="rect">
             <a:avLst/>
@@ -2051,8 +2561,10 @@
             <a:noAutofit/>
           </a:bodyPr>
           <a:p>
-            <a:pPr algn="ctr"/>
-            <a:endParaRPr b="0" lang="fr-FR" sz="4400" spc="-1" strike="noStrike">
+            <a:endParaRPr b="0" lang="fr-FR" sz="1800" spc="-1" strike="noStrike">
+              <a:solidFill>
+                <a:srgbClr val="000000"/>
+              </a:solidFill>
               <a:latin typeface="Arial"/>
             </a:endParaRPr>
           </a:p>
@@ -2070,8 +2582,8 @@
         </p:nvSpPr>
         <p:spPr>
           <a:xfrm>
-            <a:off x="503640" y="1326240"/>
-            <a:ext cx="9071280" cy="3288240"/>
+            <a:off x="504000" y="1326600"/>
+            <a:ext cx="9072000" cy="3288600"/>
           </a:xfrm>
           <a:prstGeom prst="rect">
             <a:avLst/>
@@ -2082,7 +2594,1086 @@
             <a:normAutofit/>
           </a:bodyPr>
           <a:p>
+            <a:endParaRPr b="0" lang="fr-FR" sz="2800" spc="-1" strike="noStrike">
+              <a:solidFill>
+                <a:srgbClr val="000000"/>
+              </a:solidFill>
+              <a:latin typeface="Arial"/>
+            </a:endParaRPr>
+          </a:p>
+        </p:txBody>
+      </p:sp>
+    </p:spTree>
+  </p:cSld>
+</p:sldLayout>
+</file>
+
+<file path=ppt/slideLayouts/slideLayout30.xml><?xml version="1.0" encoding="utf-8"?>
+<p:sldLayout xmlns:a="http://schemas.openxmlformats.org/drawingml/2006/main" xmlns:p="http://schemas.openxmlformats.org/presentationml/2006/main" xmlns:r="http://schemas.openxmlformats.org/officeDocument/2006/relationships" xmlns:p14="http://schemas.microsoft.com/office/powerpoint/2010/main" xmlns:p15="http://schemas.microsoft.com/office/powerpoint/2012/main" xmlns:mc="http://schemas.openxmlformats.org/markup-compatibility/2006" type="objOnly" preserve="1">
+  <p:cSld name="Centered Text">
+    <p:spTree>
+      <p:nvGrpSpPr>
+        <p:cNvPr id="1" name=""/>
+        <p:cNvGrpSpPr/>
+        <p:nvPr/>
+      </p:nvGrpSpPr>
+      <p:grpSpPr>
+        <a:xfrm>
+          <a:off x="0" y="0"/>
+          <a:ext cx="0" cy="0"/>
+          <a:chOff x="0" y="0"/>
+          <a:chExt cx="0" cy="0"/>
+        </a:xfrm>
+      </p:grpSpPr>
+      <p:sp>
+        <p:nvSpPr>
+          <p:cNvPr id="86" name="PlaceHolder 1"/>
+          <p:cNvSpPr>
+            <a:spLocks noGrp="1"/>
+          </p:cNvSpPr>
+          <p:nvPr>
+            <p:ph type="subTitle"/>
+          </p:nvPr>
+        </p:nvSpPr>
+        <p:spPr>
+          <a:xfrm>
+            <a:off x="504000" y="226080"/>
+            <a:ext cx="9072000" cy="4388400"/>
+          </a:xfrm>
+          <a:prstGeom prst="rect">
+            <a:avLst/>
+          </a:prstGeom>
+        </p:spPr>
+        <p:txBody>
+          <a:bodyPr lIns="0" rIns="0" tIns="0" bIns="0" anchor="ctr">
+            <a:noAutofit/>
+          </a:bodyPr>
+          <a:p>
+            <a:pPr algn="ctr"/>
             <a:endParaRPr b="0" lang="fr-FR" sz="3200" spc="-1" strike="noStrike">
+              <a:latin typeface="Arial"/>
+            </a:endParaRPr>
+          </a:p>
+        </p:txBody>
+      </p:sp>
+    </p:spTree>
+  </p:cSld>
+</p:sldLayout>
+</file>
+
+<file path=ppt/slideLayouts/slideLayout31.xml><?xml version="1.0" encoding="utf-8"?>
+<p:sldLayout xmlns:a="http://schemas.openxmlformats.org/drawingml/2006/main" xmlns:p="http://schemas.openxmlformats.org/presentationml/2006/main" xmlns:r="http://schemas.openxmlformats.org/officeDocument/2006/relationships" xmlns:p14="http://schemas.microsoft.com/office/powerpoint/2010/main" xmlns:p15="http://schemas.microsoft.com/office/powerpoint/2012/main" xmlns:mc="http://schemas.openxmlformats.org/markup-compatibility/2006" type="twoObjAndObj" preserve="1">
+  <p:cSld name="Title, 2 Content and Content">
+    <p:spTree>
+      <p:nvGrpSpPr>
+        <p:cNvPr id="1" name=""/>
+        <p:cNvGrpSpPr/>
+        <p:nvPr/>
+      </p:nvGrpSpPr>
+      <p:grpSpPr>
+        <a:xfrm>
+          <a:off x="0" y="0"/>
+          <a:ext cx="0" cy="0"/>
+          <a:chOff x="0" y="0"/>
+          <a:chExt cx="0" cy="0"/>
+        </a:xfrm>
+      </p:grpSpPr>
+      <p:sp>
+        <p:nvSpPr>
+          <p:cNvPr id="87" name="PlaceHolder 1"/>
+          <p:cNvSpPr>
+            <a:spLocks noGrp="1"/>
+          </p:cNvSpPr>
+          <p:nvPr>
+            <p:ph type="title"/>
+          </p:nvPr>
+        </p:nvSpPr>
+        <p:spPr>
+          <a:xfrm>
+            <a:off x="504000" y="226080"/>
+            <a:ext cx="9072000" cy="946440"/>
+          </a:xfrm>
+          <a:prstGeom prst="rect">
+            <a:avLst/>
+          </a:prstGeom>
+        </p:spPr>
+        <p:txBody>
+          <a:bodyPr lIns="0" rIns="0" tIns="0" bIns="0" anchor="ctr">
+            <a:noAutofit/>
+          </a:bodyPr>
+          <a:p>
+            <a:endParaRPr b="0" lang="fr-FR" sz="1800" spc="-1" strike="noStrike">
+              <a:solidFill>
+                <a:srgbClr val="000000"/>
+              </a:solidFill>
+              <a:latin typeface="Arial"/>
+            </a:endParaRPr>
+          </a:p>
+        </p:txBody>
+      </p:sp>
+      <p:sp>
+        <p:nvSpPr>
+          <p:cNvPr id="88" name="PlaceHolder 2"/>
+          <p:cNvSpPr>
+            <a:spLocks noGrp="1"/>
+          </p:cNvSpPr>
+          <p:nvPr>
+            <p:ph type="body"/>
+          </p:nvPr>
+        </p:nvSpPr>
+        <p:spPr>
+          <a:xfrm>
+            <a:off x="504000" y="1326600"/>
+            <a:ext cx="4426920" cy="1568520"/>
+          </a:xfrm>
+          <a:prstGeom prst="rect">
+            <a:avLst/>
+          </a:prstGeom>
+        </p:spPr>
+        <p:txBody>
+          <a:bodyPr lIns="0" rIns="0" tIns="0" bIns="0">
+            <a:normAutofit/>
+          </a:bodyPr>
+          <a:p>
+            <a:endParaRPr b="0" lang="fr-FR" sz="2800" spc="-1" strike="noStrike">
+              <a:solidFill>
+                <a:srgbClr val="000000"/>
+              </a:solidFill>
+              <a:latin typeface="Arial"/>
+            </a:endParaRPr>
+          </a:p>
+        </p:txBody>
+      </p:sp>
+      <p:sp>
+        <p:nvSpPr>
+          <p:cNvPr id="89" name="PlaceHolder 3"/>
+          <p:cNvSpPr>
+            <a:spLocks noGrp="1"/>
+          </p:cNvSpPr>
+          <p:nvPr>
+            <p:ph type="body"/>
+          </p:nvPr>
+        </p:nvSpPr>
+        <p:spPr>
+          <a:xfrm>
+            <a:off x="5152680" y="1326600"/>
+            <a:ext cx="4426920" cy="3288600"/>
+          </a:xfrm>
+          <a:prstGeom prst="rect">
+            <a:avLst/>
+          </a:prstGeom>
+        </p:spPr>
+        <p:txBody>
+          <a:bodyPr lIns="0" rIns="0" tIns="0" bIns="0">
+            <a:normAutofit/>
+          </a:bodyPr>
+          <a:p>
+            <a:endParaRPr b="0" lang="fr-FR" sz="2800" spc="-1" strike="noStrike">
+              <a:solidFill>
+                <a:srgbClr val="000000"/>
+              </a:solidFill>
+              <a:latin typeface="Arial"/>
+            </a:endParaRPr>
+          </a:p>
+        </p:txBody>
+      </p:sp>
+      <p:sp>
+        <p:nvSpPr>
+          <p:cNvPr id="90" name="PlaceHolder 4"/>
+          <p:cNvSpPr>
+            <a:spLocks noGrp="1"/>
+          </p:cNvSpPr>
+          <p:nvPr>
+            <p:ph type="body"/>
+          </p:nvPr>
+        </p:nvSpPr>
+        <p:spPr>
+          <a:xfrm>
+            <a:off x="504000" y="3044520"/>
+            <a:ext cx="4426920" cy="1568520"/>
+          </a:xfrm>
+          <a:prstGeom prst="rect">
+            <a:avLst/>
+          </a:prstGeom>
+        </p:spPr>
+        <p:txBody>
+          <a:bodyPr lIns="0" rIns="0" tIns="0" bIns="0">
+            <a:normAutofit/>
+          </a:bodyPr>
+          <a:p>
+            <a:endParaRPr b="0" lang="fr-FR" sz="2800" spc="-1" strike="noStrike">
+              <a:solidFill>
+                <a:srgbClr val="000000"/>
+              </a:solidFill>
+              <a:latin typeface="Arial"/>
+            </a:endParaRPr>
+          </a:p>
+        </p:txBody>
+      </p:sp>
+    </p:spTree>
+  </p:cSld>
+</p:sldLayout>
+</file>
+
+<file path=ppt/slideLayouts/slideLayout32.xml><?xml version="1.0" encoding="utf-8"?>
+<p:sldLayout xmlns:a="http://schemas.openxmlformats.org/drawingml/2006/main" xmlns:p="http://schemas.openxmlformats.org/presentationml/2006/main" xmlns:r="http://schemas.openxmlformats.org/officeDocument/2006/relationships" xmlns:p14="http://schemas.microsoft.com/office/powerpoint/2010/main" xmlns:p15="http://schemas.microsoft.com/office/powerpoint/2012/main" xmlns:mc="http://schemas.openxmlformats.org/markup-compatibility/2006" type="objAndTwoObj" preserve="1">
+  <p:cSld name="Title Content and 2 Content">
+    <p:spTree>
+      <p:nvGrpSpPr>
+        <p:cNvPr id="1" name=""/>
+        <p:cNvGrpSpPr/>
+        <p:nvPr/>
+      </p:nvGrpSpPr>
+      <p:grpSpPr>
+        <a:xfrm>
+          <a:off x="0" y="0"/>
+          <a:ext cx="0" cy="0"/>
+          <a:chOff x="0" y="0"/>
+          <a:chExt cx="0" cy="0"/>
+        </a:xfrm>
+      </p:grpSpPr>
+      <p:sp>
+        <p:nvSpPr>
+          <p:cNvPr id="91" name="PlaceHolder 1"/>
+          <p:cNvSpPr>
+            <a:spLocks noGrp="1"/>
+          </p:cNvSpPr>
+          <p:nvPr>
+            <p:ph type="title"/>
+          </p:nvPr>
+        </p:nvSpPr>
+        <p:spPr>
+          <a:xfrm>
+            <a:off x="504000" y="226080"/>
+            <a:ext cx="9072000" cy="946440"/>
+          </a:xfrm>
+          <a:prstGeom prst="rect">
+            <a:avLst/>
+          </a:prstGeom>
+        </p:spPr>
+        <p:txBody>
+          <a:bodyPr lIns="0" rIns="0" tIns="0" bIns="0" anchor="ctr">
+            <a:noAutofit/>
+          </a:bodyPr>
+          <a:p>
+            <a:endParaRPr b="0" lang="fr-FR" sz="1800" spc="-1" strike="noStrike">
+              <a:solidFill>
+                <a:srgbClr val="000000"/>
+              </a:solidFill>
+              <a:latin typeface="Arial"/>
+            </a:endParaRPr>
+          </a:p>
+        </p:txBody>
+      </p:sp>
+      <p:sp>
+        <p:nvSpPr>
+          <p:cNvPr id="92" name="PlaceHolder 2"/>
+          <p:cNvSpPr>
+            <a:spLocks noGrp="1"/>
+          </p:cNvSpPr>
+          <p:nvPr>
+            <p:ph type="body"/>
+          </p:nvPr>
+        </p:nvSpPr>
+        <p:spPr>
+          <a:xfrm>
+            <a:off x="504000" y="1326600"/>
+            <a:ext cx="4426920" cy="3288600"/>
+          </a:xfrm>
+          <a:prstGeom prst="rect">
+            <a:avLst/>
+          </a:prstGeom>
+        </p:spPr>
+        <p:txBody>
+          <a:bodyPr lIns="0" rIns="0" tIns="0" bIns="0">
+            <a:normAutofit/>
+          </a:bodyPr>
+          <a:p>
+            <a:endParaRPr b="0" lang="fr-FR" sz="2800" spc="-1" strike="noStrike">
+              <a:solidFill>
+                <a:srgbClr val="000000"/>
+              </a:solidFill>
+              <a:latin typeface="Arial"/>
+            </a:endParaRPr>
+          </a:p>
+        </p:txBody>
+      </p:sp>
+      <p:sp>
+        <p:nvSpPr>
+          <p:cNvPr id="93" name="PlaceHolder 3"/>
+          <p:cNvSpPr>
+            <a:spLocks noGrp="1"/>
+          </p:cNvSpPr>
+          <p:nvPr>
+            <p:ph type="body"/>
+          </p:nvPr>
+        </p:nvSpPr>
+        <p:spPr>
+          <a:xfrm>
+            <a:off x="5152680" y="1326600"/>
+            <a:ext cx="4426920" cy="1568520"/>
+          </a:xfrm>
+          <a:prstGeom prst="rect">
+            <a:avLst/>
+          </a:prstGeom>
+        </p:spPr>
+        <p:txBody>
+          <a:bodyPr lIns="0" rIns="0" tIns="0" bIns="0">
+            <a:normAutofit/>
+          </a:bodyPr>
+          <a:p>
+            <a:endParaRPr b="0" lang="fr-FR" sz="2800" spc="-1" strike="noStrike">
+              <a:solidFill>
+                <a:srgbClr val="000000"/>
+              </a:solidFill>
+              <a:latin typeface="Arial"/>
+            </a:endParaRPr>
+          </a:p>
+        </p:txBody>
+      </p:sp>
+      <p:sp>
+        <p:nvSpPr>
+          <p:cNvPr id="94" name="PlaceHolder 4"/>
+          <p:cNvSpPr>
+            <a:spLocks noGrp="1"/>
+          </p:cNvSpPr>
+          <p:nvPr>
+            <p:ph type="body"/>
+          </p:nvPr>
+        </p:nvSpPr>
+        <p:spPr>
+          <a:xfrm>
+            <a:off x="5152680" y="3044520"/>
+            <a:ext cx="4426920" cy="1568520"/>
+          </a:xfrm>
+          <a:prstGeom prst="rect">
+            <a:avLst/>
+          </a:prstGeom>
+        </p:spPr>
+        <p:txBody>
+          <a:bodyPr lIns="0" rIns="0" tIns="0" bIns="0">
+            <a:normAutofit/>
+          </a:bodyPr>
+          <a:p>
+            <a:endParaRPr b="0" lang="fr-FR" sz="2800" spc="-1" strike="noStrike">
+              <a:solidFill>
+                <a:srgbClr val="000000"/>
+              </a:solidFill>
+              <a:latin typeface="Arial"/>
+            </a:endParaRPr>
+          </a:p>
+        </p:txBody>
+      </p:sp>
+    </p:spTree>
+  </p:cSld>
+</p:sldLayout>
+</file>
+
+<file path=ppt/slideLayouts/slideLayout33.xml><?xml version="1.0" encoding="utf-8"?>
+<p:sldLayout xmlns:a="http://schemas.openxmlformats.org/drawingml/2006/main" xmlns:p="http://schemas.openxmlformats.org/presentationml/2006/main" xmlns:r="http://schemas.openxmlformats.org/officeDocument/2006/relationships" xmlns:p14="http://schemas.microsoft.com/office/powerpoint/2010/main" xmlns:p15="http://schemas.microsoft.com/office/powerpoint/2012/main" xmlns:mc="http://schemas.openxmlformats.org/markup-compatibility/2006" type="twoObjOverTx" preserve="1">
+  <p:cSld name="Title, 2 Content over Content">
+    <p:spTree>
+      <p:nvGrpSpPr>
+        <p:cNvPr id="1" name=""/>
+        <p:cNvGrpSpPr/>
+        <p:nvPr/>
+      </p:nvGrpSpPr>
+      <p:grpSpPr>
+        <a:xfrm>
+          <a:off x="0" y="0"/>
+          <a:ext cx="0" cy="0"/>
+          <a:chOff x="0" y="0"/>
+          <a:chExt cx="0" cy="0"/>
+        </a:xfrm>
+      </p:grpSpPr>
+      <p:sp>
+        <p:nvSpPr>
+          <p:cNvPr id="95" name="PlaceHolder 1"/>
+          <p:cNvSpPr>
+            <a:spLocks noGrp="1"/>
+          </p:cNvSpPr>
+          <p:nvPr>
+            <p:ph type="title"/>
+          </p:nvPr>
+        </p:nvSpPr>
+        <p:spPr>
+          <a:xfrm>
+            <a:off x="504000" y="226080"/>
+            <a:ext cx="9072000" cy="946440"/>
+          </a:xfrm>
+          <a:prstGeom prst="rect">
+            <a:avLst/>
+          </a:prstGeom>
+        </p:spPr>
+        <p:txBody>
+          <a:bodyPr lIns="0" rIns="0" tIns="0" bIns="0" anchor="ctr">
+            <a:noAutofit/>
+          </a:bodyPr>
+          <a:p>
+            <a:endParaRPr b="0" lang="fr-FR" sz="1800" spc="-1" strike="noStrike">
+              <a:solidFill>
+                <a:srgbClr val="000000"/>
+              </a:solidFill>
+              <a:latin typeface="Arial"/>
+            </a:endParaRPr>
+          </a:p>
+        </p:txBody>
+      </p:sp>
+      <p:sp>
+        <p:nvSpPr>
+          <p:cNvPr id="96" name="PlaceHolder 2"/>
+          <p:cNvSpPr>
+            <a:spLocks noGrp="1"/>
+          </p:cNvSpPr>
+          <p:nvPr>
+            <p:ph type="body"/>
+          </p:nvPr>
+        </p:nvSpPr>
+        <p:spPr>
+          <a:xfrm>
+            <a:off x="504000" y="1326600"/>
+            <a:ext cx="4426920" cy="1568520"/>
+          </a:xfrm>
+          <a:prstGeom prst="rect">
+            <a:avLst/>
+          </a:prstGeom>
+        </p:spPr>
+        <p:txBody>
+          <a:bodyPr lIns="0" rIns="0" tIns="0" bIns="0">
+            <a:normAutofit/>
+          </a:bodyPr>
+          <a:p>
+            <a:endParaRPr b="0" lang="fr-FR" sz="2800" spc="-1" strike="noStrike">
+              <a:solidFill>
+                <a:srgbClr val="000000"/>
+              </a:solidFill>
+              <a:latin typeface="Arial"/>
+            </a:endParaRPr>
+          </a:p>
+        </p:txBody>
+      </p:sp>
+      <p:sp>
+        <p:nvSpPr>
+          <p:cNvPr id="97" name="PlaceHolder 3"/>
+          <p:cNvSpPr>
+            <a:spLocks noGrp="1"/>
+          </p:cNvSpPr>
+          <p:nvPr>
+            <p:ph type="body"/>
+          </p:nvPr>
+        </p:nvSpPr>
+        <p:spPr>
+          <a:xfrm>
+            <a:off x="5152680" y="1326600"/>
+            <a:ext cx="4426920" cy="1568520"/>
+          </a:xfrm>
+          <a:prstGeom prst="rect">
+            <a:avLst/>
+          </a:prstGeom>
+        </p:spPr>
+        <p:txBody>
+          <a:bodyPr lIns="0" rIns="0" tIns="0" bIns="0">
+            <a:normAutofit/>
+          </a:bodyPr>
+          <a:p>
+            <a:endParaRPr b="0" lang="fr-FR" sz="2800" spc="-1" strike="noStrike">
+              <a:solidFill>
+                <a:srgbClr val="000000"/>
+              </a:solidFill>
+              <a:latin typeface="Arial"/>
+            </a:endParaRPr>
+          </a:p>
+        </p:txBody>
+      </p:sp>
+      <p:sp>
+        <p:nvSpPr>
+          <p:cNvPr id="98" name="PlaceHolder 4"/>
+          <p:cNvSpPr>
+            <a:spLocks noGrp="1"/>
+          </p:cNvSpPr>
+          <p:nvPr>
+            <p:ph type="body"/>
+          </p:nvPr>
+        </p:nvSpPr>
+        <p:spPr>
+          <a:xfrm>
+            <a:off x="504000" y="3044520"/>
+            <a:ext cx="9072000" cy="1568520"/>
+          </a:xfrm>
+          <a:prstGeom prst="rect">
+            <a:avLst/>
+          </a:prstGeom>
+        </p:spPr>
+        <p:txBody>
+          <a:bodyPr lIns="0" rIns="0" tIns="0" bIns="0">
+            <a:normAutofit/>
+          </a:bodyPr>
+          <a:p>
+            <a:endParaRPr b="0" lang="fr-FR" sz="2800" spc="-1" strike="noStrike">
+              <a:solidFill>
+                <a:srgbClr val="000000"/>
+              </a:solidFill>
+              <a:latin typeface="Arial"/>
+            </a:endParaRPr>
+          </a:p>
+        </p:txBody>
+      </p:sp>
+    </p:spTree>
+  </p:cSld>
+</p:sldLayout>
+</file>
+
+<file path=ppt/slideLayouts/slideLayout34.xml><?xml version="1.0" encoding="utf-8"?>
+<p:sldLayout xmlns:a="http://schemas.openxmlformats.org/drawingml/2006/main" xmlns:p="http://schemas.openxmlformats.org/presentationml/2006/main" xmlns:r="http://schemas.openxmlformats.org/officeDocument/2006/relationships" xmlns:p14="http://schemas.microsoft.com/office/powerpoint/2010/main" xmlns:p15="http://schemas.microsoft.com/office/powerpoint/2012/main" xmlns:mc="http://schemas.openxmlformats.org/markup-compatibility/2006" type="objOverTx" preserve="1">
+  <p:cSld name="Title, Content over Content">
+    <p:spTree>
+      <p:nvGrpSpPr>
+        <p:cNvPr id="1" name=""/>
+        <p:cNvGrpSpPr/>
+        <p:nvPr/>
+      </p:nvGrpSpPr>
+      <p:grpSpPr>
+        <a:xfrm>
+          <a:off x="0" y="0"/>
+          <a:ext cx="0" cy="0"/>
+          <a:chOff x="0" y="0"/>
+          <a:chExt cx="0" cy="0"/>
+        </a:xfrm>
+      </p:grpSpPr>
+      <p:sp>
+        <p:nvSpPr>
+          <p:cNvPr id="99" name="PlaceHolder 1"/>
+          <p:cNvSpPr>
+            <a:spLocks noGrp="1"/>
+          </p:cNvSpPr>
+          <p:nvPr>
+            <p:ph type="title"/>
+          </p:nvPr>
+        </p:nvSpPr>
+        <p:spPr>
+          <a:xfrm>
+            <a:off x="504000" y="226080"/>
+            <a:ext cx="9072000" cy="946440"/>
+          </a:xfrm>
+          <a:prstGeom prst="rect">
+            <a:avLst/>
+          </a:prstGeom>
+        </p:spPr>
+        <p:txBody>
+          <a:bodyPr lIns="0" rIns="0" tIns="0" bIns="0" anchor="ctr">
+            <a:noAutofit/>
+          </a:bodyPr>
+          <a:p>
+            <a:endParaRPr b="0" lang="fr-FR" sz="1800" spc="-1" strike="noStrike">
+              <a:solidFill>
+                <a:srgbClr val="000000"/>
+              </a:solidFill>
+              <a:latin typeface="Arial"/>
+            </a:endParaRPr>
+          </a:p>
+        </p:txBody>
+      </p:sp>
+      <p:sp>
+        <p:nvSpPr>
+          <p:cNvPr id="100" name="PlaceHolder 2"/>
+          <p:cNvSpPr>
+            <a:spLocks noGrp="1"/>
+          </p:cNvSpPr>
+          <p:nvPr>
+            <p:ph type="body"/>
+          </p:nvPr>
+        </p:nvSpPr>
+        <p:spPr>
+          <a:xfrm>
+            <a:off x="504000" y="1326600"/>
+            <a:ext cx="9072000" cy="1568520"/>
+          </a:xfrm>
+          <a:prstGeom prst="rect">
+            <a:avLst/>
+          </a:prstGeom>
+        </p:spPr>
+        <p:txBody>
+          <a:bodyPr lIns="0" rIns="0" tIns="0" bIns="0">
+            <a:normAutofit/>
+          </a:bodyPr>
+          <a:p>
+            <a:endParaRPr b="0" lang="fr-FR" sz="2800" spc="-1" strike="noStrike">
+              <a:solidFill>
+                <a:srgbClr val="000000"/>
+              </a:solidFill>
+              <a:latin typeface="Arial"/>
+            </a:endParaRPr>
+          </a:p>
+        </p:txBody>
+      </p:sp>
+      <p:sp>
+        <p:nvSpPr>
+          <p:cNvPr id="101" name="PlaceHolder 3"/>
+          <p:cNvSpPr>
+            <a:spLocks noGrp="1"/>
+          </p:cNvSpPr>
+          <p:nvPr>
+            <p:ph type="body"/>
+          </p:nvPr>
+        </p:nvSpPr>
+        <p:spPr>
+          <a:xfrm>
+            <a:off x="504000" y="3044520"/>
+            <a:ext cx="9072000" cy="1568520"/>
+          </a:xfrm>
+          <a:prstGeom prst="rect">
+            <a:avLst/>
+          </a:prstGeom>
+        </p:spPr>
+        <p:txBody>
+          <a:bodyPr lIns="0" rIns="0" tIns="0" bIns="0">
+            <a:normAutofit/>
+          </a:bodyPr>
+          <a:p>
+            <a:endParaRPr b="0" lang="fr-FR" sz="2800" spc="-1" strike="noStrike">
+              <a:solidFill>
+                <a:srgbClr val="000000"/>
+              </a:solidFill>
+              <a:latin typeface="Arial"/>
+            </a:endParaRPr>
+          </a:p>
+        </p:txBody>
+      </p:sp>
+    </p:spTree>
+  </p:cSld>
+</p:sldLayout>
+</file>
+
+<file path=ppt/slideLayouts/slideLayout35.xml><?xml version="1.0" encoding="utf-8"?>
+<p:sldLayout xmlns:a="http://schemas.openxmlformats.org/drawingml/2006/main" xmlns:p="http://schemas.openxmlformats.org/presentationml/2006/main" xmlns:r="http://schemas.openxmlformats.org/officeDocument/2006/relationships" xmlns:p14="http://schemas.microsoft.com/office/powerpoint/2010/main" xmlns:p15="http://schemas.microsoft.com/office/powerpoint/2012/main" xmlns:mc="http://schemas.openxmlformats.org/markup-compatibility/2006" type="fourObj" preserve="1">
+  <p:cSld name="Title, 4 Content">
+    <p:spTree>
+      <p:nvGrpSpPr>
+        <p:cNvPr id="1" name=""/>
+        <p:cNvGrpSpPr/>
+        <p:nvPr/>
+      </p:nvGrpSpPr>
+      <p:grpSpPr>
+        <a:xfrm>
+          <a:off x="0" y="0"/>
+          <a:ext cx="0" cy="0"/>
+          <a:chOff x="0" y="0"/>
+          <a:chExt cx="0" cy="0"/>
+        </a:xfrm>
+      </p:grpSpPr>
+      <p:sp>
+        <p:nvSpPr>
+          <p:cNvPr id="102" name="PlaceHolder 1"/>
+          <p:cNvSpPr>
+            <a:spLocks noGrp="1"/>
+          </p:cNvSpPr>
+          <p:nvPr>
+            <p:ph type="title"/>
+          </p:nvPr>
+        </p:nvSpPr>
+        <p:spPr>
+          <a:xfrm>
+            <a:off x="504000" y="226080"/>
+            <a:ext cx="9072000" cy="946440"/>
+          </a:xfrm>
+          <a:prstGeom prst="rect">
+            <a:avLst/>
+          </a:prstGeom>
+        </p:spPr>
+        <p:txBody>
+          <a:bodyPr lIns="0" rIns="0" tIns="0" bIns="0" anchor="ctr">
+            <a:noAutofit/>
+          </a:bodyPr>
+          <a:p>
+            <a:endParaRPr b="0" lang="fr-FR" sz="1800" spc="-1" strike="noStrike">
+              <a:solidFill>
+                <a:srgbClr val="000000"/>
+              </a:solidFill>
+              <a:latin typeface="Arial"/>
+            </a:endParaRPr>
+          </a:p>
+        </p:txBody>
+      </p:sp>
+      <p:sp>
+        <p:nvSpPr>
+          <p:cNvPr id="103" name="PlaceHolder 2"/>
+          <p:cNvSpPr>
+            <a:spLocks noGrp="1"/>
+          </p:cNvSpPr>
+          <p:nvPr>
+            <p:ph type="body"/>
+          </p:nvPr>
+        </p:nvSpPr>
+        <p:spPr>
+          <a:xfrm>
+            <a:off x="504000" y="1326600"/>
+            <a:ext cx="4426920" cy="1568520"/>
+          </a:xfrm>
+          <a:prstGeom prst="rect">
+            <a:avLst/>
+          </a:prstGeom>
+        </p:spPr>
+        <p:txBody>
+          <a:bodyPr lIns="0" rIns="0" tIns="0" bIns="0">
+            <a:normAutofit/>
+          </a:bodyPr>
+          <a:p>
+            <a:endParaRPr b="0" lang="fr-FR" sz="2800" spc="-1" strike="noStrike">
+              <a:solidFill>
+                <a:srgbClr val="000000"/>
+              </a:solidFill>
+              <a:latin typeface="Arial"/>
+            </a:endParaRPr>
+          </a:p>
+        </p:txBody>
+      </p:sp>
+      <p:sp>
+        <p:nvSpPr>
+          <p:cNvPr id="104" name="PlaceHolder 3"/>
+          <p:cNvSpPr>
+            <a:spLocks noGrp="1"/>
+          </p:cNvSpPr>
+          <p:nvPr>
+            <p:ph type="body"/>
+          </p:nvPr>
+        </p:nvSpPr>
+        <p:spPr>
+          <a:xfrm>
+            <a:off x="5152680" y="1326600"/>
+            <a:ext cx="4426920" cy="1568520"/>
+          </a:xfrm>
+          <a:prstGeom prst="rect">
+            <a:avLst/>
+          </a:prstGeom>
+        </p:spPr>
+        <p:txBody>
+          <a:bodyPr lIns="0" rIns="0" tIns="0" bIns="0">
+            <a:normAutofit/>
+          </a:bodyPr>
+          <a:p>
+            <a:endParaRPr b="0" lang="fr-FR" sz="2800" spc="-1" strike="noStrike">
+              <a:solidFill>
+                <a:srgbClr val="000000"/>
+              </a:solidFill>
+              <a:latin typeface="Arial"/>
+            </a:endParaRPr>
+          </a:p>
+        </p:txBody>
+      </p:sp>
+      <p:sp>
+        <p:nvSpPr>
+          <p:cNvPr id="105" name="PlaceHolder 4"/>
+          <p:cNvSpPr>
+            <a:spLocks noGrp="1"/>
+          </p:cNvSpPr>
+          <p:nvPr>
+            <p:ph type="body"/>
+          </p:nvPr>
+        </p:nvSpPr>
+        <p:spPr>
+          <a:xfrm>
+            <a:off x="504000" y="3044520"/>
+            <a:ext cx="4426920" cy="1568520"/>
+          </a:xfrm>
+          <a:prstGeom prst="rect">
+            <a:avLst/>
+          </a:prstGeom>
+        </p:spPr>
+        <p:txBody>
+          <a:bodyPr lIns="0" rIns="0" tIns="0" bIns="0">
+            <a:normAutofit/>
+          </a:bodyPr>
+          <a:p>
+            <a:endParaRPr b="0" lang="fr-FR" sz="2800" spc="-1" strike="noStrike">
+              <a:solidFill>
+                <a:srgbClr val="000000"/>
+              </a:solidFill>
+              <a:latin typeface="Arial"/>
+            </a:endParaRPr>
+          </a:p>
+        </p:txBody>
+      </p:sp>
+      <p:sp>
+        <p:nvSpPr>
+          <p:cNvPr id="106" name="PlaceHolder 5"/>
+          <p:cNvSpPr>
+            <a:spLocks noGrp="1"/>
+          </p:cNvSpPr>
+          <p:nvPr>
+            <p:ph type="body"/>
+          </p:nvPr>
+        </p:nvSpPr>
+        <p:spPr>
+          <a:xfrm>
+            <a:off x="5152680" y="3044520"/>
+            <a:ext cx="4426920" cy="1568520"/>
+          </a:xfrm>
+          <a:prstGeom prst="rect">
+            <a:avLst/>
+          </a:prstGeom>
+        </p:spPr>
+        <p:txBody>
+          <a:bodyPr lIns="0" rIns="0" tIns="0" bIns="0">
+            <a:normAutofit/>
+          </a:bodyPr>
+          <a:p>
+            <a:endParaRPr b="0" lang="fr-FR" sz="2800" spc="-1" strike="noStrike">
+              <a:solidFill>
+                <a:srgbClr val="000000"/>
+              </a:solidFill>
+              <a:latin typeface="Arial"/>
+            </a:endParaRPr>
+          </a:p>
+        </p:txBody>
+      </p:sp>
+    </p:spTree>
+  </p:cSld>
+</p:sldLayout>
+</file>
+
+<file path=ppt/slideLayouts/slideLayout36.xml><?xml version="1.0" encoding="utf-8"?>
+<p:sldLayout xmlns:a="http://schemas.openxmlformats.org/drawingml/2006/main" xmlns:p="http://schemas.openxmlformats.org/presentationml/2006/main" xmlns:r="http://schemas.openxmlformats.org/officeDocument/2006/relationships" xmlns:p14="http://schemas.microsoft.com/office/powerpoint/2010/main" xmlns:p15="http://schemas.microsoft.com/office/powerpoint/2012/main" xmlns:mc="http://schemas.openxmlformats.org/markup-compatibility/2006" type="blank" preserve="1">
+  <p:cSld name="Title, 6 Content">
+    <p:spTree>
+      <p:nvGrpSpPr>
+        <p:cNvPr id="1" name=""/>
+        <p:cNvGrpSpPr/>
+        <p:nvPr/>
+      </p:nvGrpSpPr>
+      <p:grpSpPr>
+        <a:xfrm>
+          <a:off x="0" y="0"/>
+          <a:ext cx="0" cy="0"/>
+          <a:chOff x="0" y="0"/>
+          <a:chExt cx="0" cy="0"/>
+        </a:xfrm>
+      </p:grpSpPr>
+      <p:sp>
+        <p:nvSpPr>
+          <p:cNvPr id="107" name="PlaceHolder 1"/>
+          <p:cNvSpPr>
+            <a:spLocks noGrp="1"/>
+          </p:cNvSpPr>
+          <p:nvPr>
+            <p:ph type="title"/>
+          </p:nvPr>
+        </p:nvSpPr>
+        <p:spPr>
+          <a:xfrm>
+            <a:off x="504000" y="226080"/>
+            <a:ext cx="9072000" cy="946440"/>
+          </a:xfrm>
+          <a:prstGeom prst="rect">
+            <a:avLst/>
+          </a:prstGeom>
+        </p:spPr>
+        <p:txBody>
+          <a:bodyPr lIns="0" rIns="0" tIns="0" bIns="0" anchor="ctr">
+            <a:noAutofit/>
+          </a:bodyPr>
+          <a:p>
+            <a:endParaRPr b="0" lang="fr-FR" sz="1800" spc="-1" strike="noStrike">
+              <a:solidFill>
+                <a:srgbClr val="000000"/>
+              </a:solidFill>
+              <a:latin typeface="Arial"/>
+            </a:endParaRPr>
+          </a:p>
+        </p:txBody>
+      </p:sp>
+      <p:sp>
+        <p:nvSpPr>
+          <p:cNvPr id="108" name="PlaceHolder 2"/>
+          <p:cNvSpPr>
+            <a:spLocks noGrp="1"/>
+          </p:cNvSpPr>
+          <p:nvPr>
+            <p:ph type="body"/>
+          </p:nvPr>
+        </p:nvSpPr>
+        <p:spPr>
+          <a:xfrm>
+            <a:off x="504000" y="1326600"/>
+            <a:ext cx="2921040" cy="1568520"/>
+          </a:xfrm>
+          <a:prstGeom prst="rect">
+            <a:avLst/>
+          </a:prstGeom>
+        </p:spPr>
+        <p:txBody>
+          <a:bodyPr lIns="0" rIns="0" tIns="0" bIns="0">
+            <a:normAutofit/>
+          </a:bodyPr>
+          <a:p>
+            <a:endParaRPr b="0" lang="fr-FR" sz="2800" spc="-1" strike="noStrike">
+              <a:solidFill>
+                <a:srgbClr val="000000"/>
+              </a:solidFill>
+              <a:latin typeface="Arial"/>
+            </a:endParaRPr>
+          </a:p>
+        </p:txBody>
+      </p:sp>
+      <p:sp>
+        <p:nvSpPr>
+          <p:cNvPr id="109" name="PlaceHolder 3"/>
+          <p:cNvSpPr>
+            <a:spLocks noGrp="1"/>
+          </p:cNvSpPr>
+          <p:nvPr>
+            <p:ph type="body"/>
+          </p:nvPr>
+        </p:nvSpPr>
+        <p:spPr>
+          <a:xfrm>
+            <a:off x="3571560" y="1326600"/>
+            <a:ext cx="2921040" cy="1568520"/>
+          </a:xfrm>
+          <a:prstGeom prst="rect">
+            <a:avLst/>
+          </a:prstGeom>
+        </p:spPr>
+        <p:txBody>
+          <a:bodyPr lIns="0" rIns="0" tIns="0" bIns="0">
+            <a:normAutofit/>
+          </a:bodyPr>
+          <a:p>
+            <a:endParaRPr b="0" lang="fr-FR" sz="2800" spc="-1" strike="noStrike">
+              <a:solidFill>
+                <a:srgbClr val="000000"/>
+              </a:solidFill>
+              <a:latin typeface="Arial"/>
+            </a:endParaRPr>
+          </a:p>
+        </p:txBody>
+      </p:sp>
+      <p:sp>
+        <p:nvSpPr>
+          <p:cNvPr id="110" name="PlaceHolder 4"/>
+          <p:cNvSpPr>
+            <a:spLocks noGrp="1"/>
+          </p:cNvSpPr>
+          <p:nvPr>
+            <p:ph type="body"/>
+          </p:nvPr>
+        </p:nvSpPr>
+        <p:spPr>
+          <a:xfrm>
+            <a:off x="6639120" y="1326600"/>
+            <a:ext cx="2921040" cy="1568520"/>
+          </a:xfrm>
+          <a:prstGeom prst="rect">
+            <a:avLst/>
+          </a:prstGeom>
+        </p:spPr>
+        <p:txBody>
+          <a:bodyPr lIns="0" rIns="0" tIns="0" bIns="0">
+            <a:normAutofit/>
+          </a:bodyPr>
+          <a:p>
+            <a:endParaRPr b="0" lang="fr-FR" sz="2800" spc="-1" strike="noStrike">
+              <a:solidFill>
+                <a:srgbClr val="000000"/>
+              </a:solidFill>
+              <a:latin typeface="Arial"/>
+            </a:endParaRPr>
+          </a:p>
+        </p:txBody>
+      </p:sp>
+      <p:sp>
+        <p:nvSpPr>
+          <p:cNvPr id="111" name="PlaceHolder 5"/>
+          <p:cNvSpPr>
+            <a:spLocks noGrp="1"/>
+          </p:cNvSpPr>
+          <p:nvPr>
+            <p:ph type="body"/>
+          </p:nvPr>
+        </p:nvSpPr>
+        <p:spPr>
+          <a:xfrm>
+            <a:off x="504000" y="3044520"/>
+            <a:ext cx="2921040" cy="1568520"/>
+          </a:xfrm>
+          <a:prstGeom prst="rect">
+            <a:avLst/>
+          </a:prstGeom>
+        </p:spPr>
+        <p:txBody>
+          <a:bodyPr lIns="0" rIns="0" tIns="0" bIns="0">
+            <a:normAutofit/>
+          </a:bodyPr>
+          <a:p>
+            <a:endParaRPr b="0" lang="fr-FR" sz="2800" spc="-1" strike="noStrike">
+              <a:solidFill>
+                <a:srgbClr val="000000"/>
+              </a:solidFill>
+              <a:latin typeface="Arial"/>
+            </a:endParaRPr>
+          </a:p>
+        </p:txBody>
+      </p:sp>
+      <p:sp>
+        <p:nvSpPr>
+          <p:cNvPr id="112" name="PlaceHolder 6"/>
+          <p:cNvSpPr>
+            <a:spLocks noGrp="1"/>
+          </p:cNvSpPr>
+          <p:nvPr>
+            <p:ph type="body"/>
+          </p:nvPr>
+        </p:nvSpPr>
+        <p:spPr>
+          <a:xfrm>
+            <a:off x="3571560" y="3044520"/>
+            <a:ext cx="2921040" cy="1568520"/>
+          </a:xfrm>
+          <a:prstGeom prst="rect">
+            <a:avLst/>
+          </a:prstGeom>
+        </p:spPr>
+        <p:txBody>
+          <a:bodyPr lIns="0" rIns="0" tIns="0" bIns="0">
+            <a:normAutofit/>
+          </a:bodyPr>
+          <a:p>
+            <a:endParaRPr b="0" lang="fr-FR" sz="2800" spc="-1" strike="noStrike">
+              <a:solidFill>
+                <a:srgbClr val="000000"/>
+              </a:solidFill>
+              <a:latin typeface="Arial"/>
+            </a:endParaRPr>
+          </a:p>
+        </p:txBody>
+      </p:sp>
+      <p:sp>
+        <p:nvSpPr>
+          <p:cNvPr id="113" name="PlaceHolder 7"/>
+          <p:cNvSpPr>
+            <a:spLocks noGrp="1"/>
+          </p:cNvSpPr>
+          <p:nvPr>
+            <p:ph type="body"/>
+          </p:nvPr>
+        </p:nvSpPr>
+        <p:spPr>
+          <a:xfrm>
+            <a:off x="6639120" y="3044520"/>
+            <a:ext cx="2921040" cy="1568520"/>
+          </a:xfrm>
+          <a:prstGeom prst="rect">
+            <a:avLst/>
+          </a:prstGeom>
+        </p:spPr>
+        <p:txBody>
+          <a:bodyPr lIns="0" rIns="0" tIns="0" bIns="0">
+            <a:normAutofit/>
+          </a:bodyPr>
+          <a:p>
+            <a:endParaRPr b="0" lang="fr-FR" sz="2800" spc="-1" strike="noStrike">
+              <a:solidFill>
+                <a:srgbClr val="000000"/>
+              </a:solidFill>
               <a:latin typeface="Arial"/>
             </a:endParaRPr>
           </a:p>
@@ -2122,8 +3713,8 @@
         </p:nvSpPr>
         <p:spPr>
           <a:xfrm>
-            <a:off x="503640" y="225720"/>
-            <a:ext cx="9071280" cy="946440"/>
+            <a:off x="504000" y="226080"/>
+            <a:ext cx="9072000" cy="946440"/>
           </a:xfrm>
           <a:prstGeom prst="rect">
             <a:avLst/>
@@ -2134,8 +3725,10 @@
             <a:noAutofit/>
           </a:bodyPr>
           <a:p>
-            <a:pPr algn="ctr"/>
-            <a:endParaRPr b="0" lang="fr-FR" sz="4400" spc="-1" strike="noStrike">
+            <a:endParaRPr b="0" lang="fr-FR" sz="1800" spc="-1" strike="noStrike">
+              <a:solidFill>
+                <a:srgbClr val="000000"/>
+              </a:solidFill>
               <a:latin typeface="Arial"/>
             </a:endParaRPr>
           </a:p>
@@ -2153,8 +3746,8 @@
         </p:nvSpPr>
         <p:spPr>
           <a:xfrm>
-            <a:off x="503640" y="1326240"/>
-            <a:ext cx="4426560" cy="3288240"/>
+            <a:off x="504000" y="1326600"/>
+            <a:ext cx="4426920" cy="3288600"/>
           </a:xfrm>
           <a:prstGeom prst="rect">
             <a:avLst/>
@@ -2165,7 +3758,10 @@
             <a:normAutofit/>
           </a:bodyPr>
           <a:p>
-            <a:endParaRPr b="0" lang="fr-FR" sz="3200" spc="-1" strike="noStrike">
+            <a:endParaRPr b="0" lang="fr-FR" sz="2800" spc="-1" strike="noStrike">
+              <a:solidFill>
+                <a:srgbClr val="000000"/>
+              </a:solidFill>
               <a:latin typeface="Arial"/>
             </a:endParaRPr>
           </a:p>
@@ -2183,8 +3779,8 @@
         </p:nvSpPr>
         <p:spPr>
           <a:xfrm>
-            <a:off x="5151960" y="1326240"/>
-            <a:ext cx="4426560" cy="3288240"/>
+            <a:off x="5152680" y="1326600"/>
+            <a:ext cx="4426920" cy="3288600"/>
           </a:xfrm>
           <a:prstGeom prst="rect">
             <a:avLst/>
@@ -2195,7 +3791,10 @@
             <a:normAutofit/>
           </a:bodyPr>
           <a:p>
-            <a:endParaRPr b="0" lang="fr-FR" sz="3200" spc="-1" strike="noStrike">
+            <a:endParaRPr b="0" lang="fr-FR" sz="2800" spc="-1" strike="noStrike">
+              <a:solidFill>
+                <a:srgbClr val="000000"/>
+              </a:solidFill>
               <a:latin typeface="Arial"/>
             </a:endParaRPr>
           </a:p>
@@ -2235,8 +3834,8 @@
         </p:nvSpPr>
         <p:spPr>
           <a:xfrm>
-            <a:off x="503640" y="225720"/>
-            <a:ext cx="9071280" cy="946440"/>
+            <a:off x="504000" y="226080"/>
+            <a:ext cx="9072000" cy="946440"/>
           </a:xfrm>
           <a:prstGeom prst="rect">
             <a:avLst/>
@@ -2247,8 +3846,10 @@
             <a:noAutofit/>
           </a:bodyPr>
           <a:p>
-            <a:pPr algn="ctr"/>
-            <a:endParaRPr b="0" lang="fr-FR" sz="4400" spc="-1" strike="noStrike">
+            <a:endParaRPr b="0" lang="fr-FR" sz="1800" spc="-1" strike="noStrike">
+              <a:solidFill>
+                <a:srgbClr val="000000"/>
+              </a:solidFill>
               <a:latin typeface="Arial"/>
             </a:endParaRPr>
           </a:p>
@@ -2288,8 +3889,8 @@
         </p:nvSpPr>
         <p:spPr>
           <a:xfrm>
-            <a:off x="503640" y="225720"/>
-            <a:ext cx="9071280" cy="4388400"/>
+            <a:off x="504000" y="226080"/>
+            <a:ext cx="9072000" cy="4388400"/>
           </a:xfrm>
           <a:prstGeom prst="rect">
             <a:avLst/>
@@ -2341,8 +3942,8 @@
         </p:nvSpPr>
         <p:spPr>
           <a:xfrm>
-            <a:off x="503640" y="225720"/>
-            <a:ext cx="9071280" cy="946440"/>
+            <a:off x="504000" y="226080"/>
+            <a:ext cx="9072000" cy="946440"/>
           </a:xfrm>
           <a:prstGeom prst="rect">
             <a:avLst/>
@@ -2353,8 +3954,10 @@
             <a:noAutofit/>
           </a:bodyPr>
           <a:p>
-            <a:pPr algn="ctr"/>
-            <a:endParaRPr b="0" lang="fr-FR" sz="4400" spc="-1" strike="noStrike">
+            <a:endParaRPr b="0" lang="fr-FR" sz="1800" spc="-1" strike="noStrike">
+              <a:solidFill>
+                <a:srgbClr val="000000"/>
+              </a:solidFill>
               <a:latin typeface="Arial"/>
             </a:endParaRPr>
           </a:p>
@@ -2372,8 +3975,8 @@
         </p:nvSpPr>
         <p:spPr>
           <a:xfrm>
-            <a:off x="503640" y="1326240"/>
-            <a:ext cx="4426560" cy="1568160"/>
+            <a:off x="504000" y="1326600"/>
+            <a:ext cx="4426920" cy="1568520"/>
           </a:xfrm>
           <a:prstGeom prst="rect">
             <a:avLst/>
@@ -2384,7 +3987,10 @@
             <a:normAutofit/>
           </a:bodyPr>
           <a:p>
-            <a:endParaRPr b="0" lang="fr-FR" sz="3200" spc="-1" strike="noStrike">
+            <a:endParaRPr b="0" lang="fr-FR" sz="2800" spc="-1" strike="noStrike">
+              <a:solidFill>
+                <a:srgbClr val="000000"/>
+              </a:solidFill>
               <a:latin typeface="Arial"/>
             </a:endParaRPr>
           </a:p>
@@ -2402,8 +4008,8 @@
         </p:nvSpPr>
         <p:spPr>
           <a:xfrm>
-            <a:off x="5151960" y="1326240"/>
-            <a:ext cx="4426560" cy="3288240"/>
+            <a:off x="5152680" y="1326600"/>
+            <a:ext cx="4426920" cy="3288600"/>
           </a:xfrm>
           <a:prstGeom prst="rect">
             <a:avLst/>
@@ -2414,7 +4020,10 @@
             <a:normAutofit/>
           </a:bodyPr>
           <a:p>
-            <a:endParaRPr b="0" lang="fr-FR" sz="3200" spc="-1" strike="noStrike">
+            <a:endParaRPr b="0" lang="fr-FR" sz="2800" spc="-1" strike="noStrike">
+              <a:solidFill>
+                <a:srgbClr val="000000"/>
+              </a:solidFill>
               <a:latin typeface="Arial"/>
             </a:endParaRPr>
           </a:p>
@@ -2432,8 +4041,8 @@
         </p:nvSpPr>
         <p:spPr>
           <a:xfrm>
-            <a:off x="503640" y="3043800"/>
-            <a:ext cx="4426560" cy="1568160"/>
+            <a:off x="504000" y="3044520"/>
+            <a:ext cx="4426920" cy="1568520"/>
           </a:xfrm>
           <a:prstGeom prst="rect">
             <a:avLst/>
@@ -2444,7 +4053,10 @@
             <a:normAutofit/>
           </a:bodyPr>
           <a:p>
-            <a:endParaRPr b="0" lang="fr-FR" sz="3200" spc="-1" strike="noStrike">
+            <a:endParaRPr b="0" lang="fr-FR" sz="2800" spc="-1" strike="noStrike">
+              <a:solidFill>
+                <a:srgbClr val="000000"/>
+              </a:solidFill>
               <a:latin typeface="Arial"/>
             </a:endParaRPr>
           </a:p>
@@ -2484,8 +4096,8 @@
         </p:nvSpPr>
         <p:spPr>
           <a:xfrm>
-            <a:off x="503640" y="225720"/>
-            <a:ext cx="9071280" cy="946440"/>
+            <a:off x="504000" y="226080"/>
+            <a:ext cx="9072000" cy="946440"/>
           </a:xfrm>
           <a:prstGeom prst="rect">
             <a:avLst/>
@@ -2496,8 +4108,10 @@
             <a:noAutofit/>
           </a:bodyPr>
           <a:p>
-            <a:pPr algn="ctr"/>
-            <a:endParaRPr b="0" lang="fr-FR" sz="4400" spc="-1" strike="noStrike">
+            <a:endParaRPr b="0" lang="fr-FR" sz="1800" spc="-1" strike="noStrike">
+              <a:solidFill>
+                <a:srgbClr val="000000"/>
+              </a:solidFill>
               <a:latin typeface="Arial"/>
             </a:endParaRPr>
           </a:p>
@@ -2515,8 +4129,8 @@
         </p:nvSpPr>
         <p:spPr>
           <a:xfrm>
-            <a:off x="503640" y="1326240"/>
-            <a:ext cx="4426560" cy="3288240"/>
+            <a:off x="504000" y="1326600"/>
+            <a:ext cx="4426920" cy="3288600"/>
           </a:xfrm>
           <a:prstGeom prst="rect">
             <a:avLst/>
@@ -2527,7 +4141,10 @@
             <a:normAutofit/>
           </a:bodyPr>
           <a:p>
-            <a:endParaRPr b="0" lang="fr-FR" sz="3200" spc="-1" strike="noStrike">
+            <a:endParaRPr b="0" lang="fr-FR" sz="2800" spc="-1" strike="noStrike">
+              <a:solidFill>
+                <a:srgbClr val="000000"/>
+              </a:solidFill>
               <a:latin typeface="Arial"/>
             </a:endParaRPr>
           </a:p>
@@ -2545,8 +4162,8 @@
         </p:nvSpPr>
         <p:spPr>
           <a:xfrm>
-            <a:off x="5151960" y="1326240"/>
-            <a:ext cx="4426560" cy="1568160"/>
+            <a:off x="5152680" y="1326600"/>
+            <a:ext cx="4426920" cy="1568520"/>
           </a:xfrm>
           <a:prstGeom prst="rect">
             <a:avLst/>
@@ -2557,7 +4174,10 @@
             <a:normAutofit/>
           </a:bodyPr>
           <a:p>
-            <a:endParaRPr b="0" lang="fr-FR" sz="3200" spc="-1" strike="noStrike">
+            <a:endParaRPr b="0" lang="fr-FR" sz="2800" spc="-1" strike="noStrike">
+              <a:solidFill>
+                <a:srgbClr val="000000"/>
+              </a:solidFill>
               <a:latin typeface="Arial"/>
             </a:endParaRPr>
           </a:p>
@@ -2575,8 +4195,8 @@
         </p:nvSpPr>
         <p:spPr>
           <a:xfrm>
-            <a:off x="5151960" y="3043800"/>
-            <a:ext cx="4426560" cy="1568160"/>
+            <a:off x="5152680" y="3044520"/>
+            <a:ext cx="4426920" cy="1568520"/>
           </a:xfrm>
           <a:prstGeom prst="rect">
             <a:avLst/>
@@ -2587,7 +4207,10 @@
             <a:normAutofit/>
           </a:bodyPr>
           <a:p>
-            <a:endParaRPr b="0" lang="fr-FR" sz="3200" spc="-1" strike="noStrike">
+            <a:endParaRPr b="0" lang="fr-FR" sz="2800" spc="-1" strike="noStrike">
+              <a:solidFill>
+                <a:srgbClr val="000000"/>
+              </a:solidFill>
               <a:latin typeface="Arial"/>
             </a:endParaRPr>
           </a:p>
@@ -2627,8 +4250,8 @@
         </p:nvSpPr>
         <p:spPr>
           <a:xfrm>
-            <a:off x="503640" y="225720"/>
-            <a:ext cx="9071280" cy="946440"/>
+            <a:off x="504000" y="226080"/>
+            <a:ext cx="9072000" cy="946440"/>
           </a:xfrm>
           <a:prstGeom prst="rect">
             <a:avLst/>
@@ -2639,8 +4262,10 @@
             <a:noAutofit/>
           </a:bodyPr>
           <a:p>
-            <a:pPr algn="ctr"/>
-            <a:endParaRPr b="0" lang="fr-FR" sz="4400" spc="-1" strike="noStrike">
+            <a:endParaRPr b="0" lang="fr-FR" sz="1800" spc="-1" strike="noStrike">
+              <a:solidFill>
+                <a:srgbClr val="000000"/>
+              </a:solidFill>
               <a:latin typeface="Arial"/>
             </a:endParaRPr>
           </a:p>
@@ -2658,8 +4283,8 @@
         </p:nvSpPr>
         <p:spPr>
           <a:xfrm>
-            <a:off x="503640" y="1326240"/>
-            <a:ext cx="4426560" cy="1568160"/>
+            <a:off x="504000" y="1326600"/>
+            <a:ext cx="4426920" cy="1568520"/>
           </a:xfrm>
           <a:prstGeom prst="rect">
             <a:avLst/>
@@ -2670,7 +4295,10 @@
             <a:normAutofit/>
           </a:bodyPr>
           <a:p>
-            <a:endParaRPr b="0" lang="fr-FR" sz="3200" spc="-1" strike="noStrike">
+            <a:endParaRPr b="0" lang="fr-FR" sz="2800" spc="-1" strike="noStrike">
+              <a:solidFill>
+                <a:srgbClr val="000000"/>
+              </a:solidFill>
               <a:latin typeface="Arial"/>
             </a:endParaRPr>
           </a:p>
@@ -2688,8 +4316,8 @@
         </p:nvSpPr>
         <p:spPr>
           <a:xfrm>
-            <a:off x="5151960" y="1326240"/>
-            <a:ext cx="4426560" cy="1568160"/>
+            <a:off x="5152680" y="1326600"/>
+            <a:ext cx="4426920" cy="1568520"/>
           </a:xfrm>
           <a:prstGeom prst="rect">
             <a:avLst/>
@@ -2700,7 +4328,10 @@
             <a:normAutofit/>
           </a:bodyPr>
           <a:p>
-            <a:endParaRPr b="0" lang="fr-FR" sz="3200" spc="-1" strike="noStrike">
+            <a:endParaRPr b="0" lang="fr-FR" sz="2800" spc="-1" strike="noStrike">
+              <a:solidFill>
+                <a:srgbClr val="000000"/>
+              </a:solidFill>
               <a:latin typeface="Arial"/>
             </a:endParaRPr>
           </a:p>
@@ -2718,8 +4349,8 @@
         </p:nvSpPr>
         <p:spPr>
           <a:xfrm>
-            <a:off x="503640" y="3043800"/>
-            <a:ext cx="9071280" cy="1568160"/>
+            <a:off x="504000" y="3044520"/>
+            <a:ext cx="9072000" cy="1568520"/>
           </a:xfrm>
           <a:prstGeom prst="rect">
             <a:avLst/>
@@ -2730,7 +4361,10 @@
             <a:normAutofit/>
           </a:bodyPr>
           <a:p>
-            <a:endParaRPr b="0" lang="fr-FR" sz="3200" spc="-1" strike="noStrike">
+            <a:endParaRPr b="0" lang="fr-FR" sz="2800" spc="-1" strike="noStrike">
+              <a:solidFill>
+                <a:srgbClr val="000000"/>
+              </a:solidFill>
               <a:latin typeface="Arial"/>
             </a:endParaRPr>
           </a:p>
@@ -2744,6 +4378,13 @@
 <file path=ppt/slideMasters/slideMaster1.xml><?xml version="1.0" encoding="utf-8"?>
 <p:sldMaster xmlns:a="http://schemas.openxmlformats.org/drawingml/2006/main" xmlns:p="http://schemas.openxmlformats.org/presentationml/2006/main" xmlns:r="http://schemas.openxmlformats.org/officeDocument/2006/relationships" xmlns:p14="http://schemas.microsoft.com/office/powerpoint/2010/main" xmlns:p15="http://schemas.microsoft.com/office/powerpoint/2012/main" xmlns:mc="http://schemas.openxmlformats.org/markup-compatibility/2006">
   <p:cSld>
+    <p:bg>
+      <p:bgPr>
+        <a:solidFill>
+          <a:srgbClr val="ffffff"/>
+        </a:solidFill>
+      </p:bgPr>
+    </p:bg>
     <p:spTree>
       <p:nvGrpSpPr>
         <p:cNvPr id="1" name=""/>
@@ -2770,8 +4411,8 @@
         </p:nvSpPr>
         <p:spPr>
           <a:xfrm>
-            <a:off x="503640" y="225720"/>
-            <a:ext cx="9071280" cy="946440"/>
+            <a:off x="504000" y="226080"/>
+            <a:ext cx="9072000" cy="946440"/>
           </a:xfrm>
           <a:prstGeom prst="rect">
             <a:avLst/>
@@ -2782,14 +4423,19 @@
             <a:noAutofit/>
           </a:bodyPr>
           <a:p>
-            <a:pPr algn="ctr"/>
-            <a:r>
-              <a:rPr b="0" lang="fr-FR" sz="4400" spc="-1" strike="noStrike">
+            <a:r>
+              <a:rPr b="0" lang="fr-FR" sz="1800" spc="-1" strike="noStrike">
+                <a:solidFill>
+                  <a:srgbClr val="000000"/>
+                </a:solidFill>
                 <a:latin typeface="Arial"/>
               </a:rPr>
               <a:t>Cliquez pour éditer le format du texte-titre</a:t>
             </a:r>
-            <a:endParaRPr b="0" lang="fr-FR" sz="4400" spc="-1" strike="noStrike">
+            <a:endParaRPr b="0" lang="fr-FR" sz="1800" spc="-1" strike="noStrike">
+              <a:solidFill>
+                <a:srgbClr val="000000"/>
+              </a:solidFill>
               <a:latin typeface="Arial"/>
             </a:endParaRPr>
           </a:p>
@@ -2807,8 +4453,8 @@
         </p:nvSpPr>
         <p:spPr>
           <a:xfrm>
-            <a:off x="503640" y="1326240"/>
-            <a:ext cx="9071280" cy="3288240"/>
+            <a:off x="504000" y="1326600"/>
+            <a:ext cx="9072000" cy="3288600"/>
           </a:xfrm>
           <a:prstGeom prst="rect">
             <a:avLst/>
@@ -2821,7 +4467,7 @@
           <a:p>
             <a:pPr marL="432000" indent="-324000">
               <a:spcBef>
-                <a:spcPts val="1414"/>
+                <a:spcPts val="1417"/>
               </a:spcBef>
               <a:buClr>
                 <a:srgbClr val="000000"/>
@@ -2831,19 +4477,25 @@
               <a:buChar char=""/>
             </a:pPr>
             <a:r>
-              <a:rPr b="0" lang="fr-FR" sz="3200" spc="-1" strike="noStrike">
+              <a:rPr b="0" lang="fr-FR" sz="2800" spc="-1" strike="noStrike">
+                <a:solidFill>
+                  <a:srgbClr val="000000"/>
+                </a:solidFill>
                 <a:latin typeface="Arial"/>
               </a:rPr>
               <a:t>Cliquez pour éditer le format du plan de texte</a:t>
             </a:r>
-            <a:endParaRPr b="0" lang="fr-FR" sz="3200" spc="-1" strike="noStrike">
+            <a:endParaRPr b="0" lang="fr-FR" sz="2800" spc="-1" strike="noStrike">
+              <a:solidFill>
+                <a:srgbClr val="000000"/>
+              </a:solidFill>
               <a:latin typeface="Arial"/>
             </a:endParaRPr>
           </a:p>
           <a:p>
             <a:pPr lvl="1" marL="864000" indent="-324000">
               <a:spcBef>
-                <a:spcPts val="1131"/>
+                <a:spcPts val="1134"/>
               </a:spcBef>
               <a:buClr>
                 <a:srgbClr val="000000"/>
@@ -2853,19 +4505,25 @@
               <a:buChar char=""/>
             </a:pPr>
             <a:r>
-              <a:rPr b="0" lang="fr-FR" sz="2800" spc="-1" strike="noStrike">
+              <a:rPr b="0" lang="fr-FR" sz="2000" spc="-1" strike="noStrike">
+                <a:solidFill>
+                  <a:srgbClr val="000000"/>
+                </a:solidFill>
                 <a:latin typeface="Arial"/>
               </a:rPr>
               <a:t>Second niveau de plan</a:t>
             </a:r>
-            <a:endParaRPr b="0" lang="fr-FR" sz="2800" spc="-1" strike="noStrike">
+            <a:endParaRPr b="0" lang="fr-FR" sz="2000" spc="-1" strike="noStrike">
+              <a:solidFill>
+                <a:srgbClr val="000000"/>
+              </a:solidFill>
               <a:latin typeface="Arial"/>
             </a:endParaRPr>
           </a:p>
           <a:p>
             <a:pPr lvl="2" marL="1296000" indent="-288000">
               <a:spcBef>
-                <a:spcPts val="848"/>
+                <a:spcPts val="850"/>
               </a:spcBef>
               <a:buClr>
                 <a:srgbClr val="000000"/>
@@ -2875,19 +4533,25 @@
               <a:buChar char=""/>
             </a:pPr>
             <a:r>
-              <a:rPr b="0" lang="fr-FR" sz="2400" spc="-1" strike="noStrike">
+              <a:rPr b="0" lang="fr-FR" sz="1800" spc="-1" strike="noStrike">
+                <a:solidFill>
+                  <a:srgbClr val="000000"/>
+                </a:solidFill>
                 <a:latin typeface="Arial"/>
               </a:rPr>
               <a:t>Troisième niveau de plan</a:t>
             </a:r>
-            <a:endParaRPr b="0" lang="fr-FR" sz="2400" spc="-1" strike="noStrike">
+            <a:endParaRPr b="0" lang="fr-FR" sz="1800" spc="-1" strike="noStrike">
+              <a:solidFill>
+                <a:srgbClr val="000000"/>
+              </a:solidFill>
               <a:latin typeface="Arial"/>
             </a:endParaRPr>
           </a:p>
           <a:p>
             <a:pPr lvl="3" marL="1728000" indent="-216000">
               <a:spcBef>
-                <a:spcPts val="564"/>
+                <a:spcPts val="567"/>
               </a:spcBef>
               <a:buClr>
                 <a:srgbClr val="000000"/>
@@ -2897,19 +4561,25 @@
               <a:buChar char=""/>
             </a:pPr>
             <a:r>
-              <a:rPr b="0" lang="fr-FR" sz="2000" spc="-1" strike="noStrike">
+              <a:rPr b="0" lang="fr-FR" sz="1800" spc="-1" strike="noStrike">
+                <a:solidFill>
+                  <a:srgbClr val="000000"/>
+                </a:solidFill>
                 <a:latin typeface="Arial"/>
               </a:rPr>
               <a:t>Quatrième niveau de plan</a:t>
             </a:r>
-            <a:endParaRPr b="0" lang="fr-FR" sz="2000" spc="-1" strike="noStrike">
+            <a:endParaRPr b="0" lang="fr-FR" sz="1800" spc="-1" strike="noStrike">
+              <a:solidFill>
+                <a:srgbClr val="000000"/>
+              </a:solidFill>
               <a:latin typeface="Arial"/>
             </a:endParaRPr>
           </a:p>
           <a:p>
             <a:pPr lvl="4" marL="2160000" indent="-216000">
               <a:spcBef>
-                <a:spcPts val="281"/>
+                <a:spcPts val="283"/>
               </a:spcBef>
               <a:buClr>
                 <a:srgbClr val="000000"/>
@@ -2920,18 +4590,24 @@
             </a:pPr>
             <a:r>
               <a:rPr b="0" lang="fr-FR" sz="2000" spc="-1" strike="noStrike">
+                <a:solidFill>
+                  <a:srgbClr val="000000"/>
+                </a:solidFill>
                 <a:latin typeface="Arial"/>
               </a:rPr>
               <a:t>Cinquième niveau de plan</a:t>
             </a:r>
             <a:endParaRPr b="0" lang="fr-FR" sz="2000" spc="-1" strike="noStrike">
+              <a:solidFill>
+                <a:srgbClr val="000000"/>
+              </a:solidFill>
               <a:latin typeface="Arial"/>
             </a:endParaRPr>
           </a:p>
           <a:p>
             <a:pPr lvl="5" marL="2592000" indent="-216000">
               <a:spcBef>
-                <a:spcPts val="281"/>
+                <a:spcPts val="283"/>
               </a:spcBef>
               <a:buClr>
                 <a:srgbClr val="000000"/>
@@ -2942,18 +4618,24 @@
             </a:pPr>
             <a:r>
               <a:rPr b="0" lang="fr-FR" sz="2000" spc="-1" strike="noStrike">
+                <a:solidFill>
+                  <a:srgbClr val="000000"/>
+                </a:solidFill>
                 <a:latin typeface="Arial"/>
               </a:rPr>
               <a:t>Sixième niveau de plan</a:t>
             </a:r>
             <a:endParaRPr b="0" lang="fr-FR" sz="2000" spc="-1" strike="noStrike">
+              <a:solidFill>
+                <a:srgbClr val="000000"/>
+              </a:solidFill>
               <a:latin typeface="Arial"/>
             </a:endParaRPr>
           </a:p>
           <a:p>
             <a:pPr lvl="6" marL="3024000" indent="-216000">
               <a:spcBef>
-                <a:spcPts val="281"/>
+                <a:spcPts val="283"/>
               </a:spcBef>
               <a:buClr>
                 <a:srgbClr val="000000"/>
@@ -2964,11 +4646,17 @@
             </a:pPr>
             <a:r>
               <a:rPr b="0" lang="fr-FR" sz="2000" spc="-1" strike="noStrike">
+                <a:solidFill>
+                  <a:srgbClr val="000000"/>
+                </a:solidFill>
                 <a:latin typeface="Arial"/>
               </a:rPr>
               <a:t>Septième niveau de plan</a:t>
             </a:r>
             <a:endParaRPr b="0" lang="fr-FR" sz="2000" spc="-1" strike="noStrike">
+              <a:solidFill>
+                <a:srgbClr val="000000"/>
+              </a:solidFill>
               <a:latin typeface="Arial"/>
             </a:endParaRPr>
           </a:p>
@@ -2997,6 +4685,13 @@
 <file path=ppt/slideMasters/slideMaster2.xml><?xml version="1.0" encoding="utf-8"?>
 <p:sldMaster xmlns:a="http://schemas.openxmlformats.org/drawingml/2006/main" xmlns:p="http://schemas.openxmlformats.org/presentationml/2006/main" xmlns:r="http://schemas.openxmlformats.org/officeDocument/2006/relationships" xmlns:p14="http://schemas.microsoft.com/office/powerpoint/2010/main" xmlns:p15="http://schemas.microsoft.com/office/powerpoint/2012/main" xmlns:mc="http://schemas.openxmlformats.org/markup-compatibility/2006">
   <p:cSld>
+    <p:bg>
+      <p:bgPr>
+        <a:solidFill>
+          <a:srgbClr val="ffffff"/>
+        </a:solidFill>
+      </p:bgPr>
+    </p:bg>
     <p:spTree>
       <p:nvGrpSpPr>
         <p:cNvPr id="1" name=""/>
@@ -3023,8 +4718,8 @@
         </p:nvSpPr>
         <p:spPr>
           <a:xfrm>
-            <a:off x="503640" y="225720"/>
-            <a:ext cx="9070200" cy="945720"/>
+            <a:off x="504000" y="226080"/>
+            <a:ext cx="9072000" cy="946440"/>
           </a:xfrm>
           <a:prstGeom prst="rect">
             <a:avLst/>
@@ -3037,11 +4732,17 @@
           <a:p>
             <a:r>
               <a:rPr b="0" lang="fr-FR" sz="1800" spc="-1" strike="noStrike">
+                <a:solidFill>
+                  <a:srgbClr val="000000"/>
+                </a:solidFill>
                 <a:latin typeface="Arial"/>
               </a:rPr>
               <a:t>Cliquez pour éditer le format du texte-titre</a:t>
             </a:r>
             <a:endParaRPr b="0" lang="fr-FR" sz="1800" spc="-1" strike="noStrike">
+              <a:solidFill>
+                <a:srgbClr val="000000"/>
+              </a:solidFill>
               <a:latin typeface="Arial"/>
             </a:endParaRPr>
           </a:p>
@@ -3059,8 +4760,8 @@
         </p:nvSpPr>
         <p:spPr>
           <a:xfrm>
-            <a:off x="503640" y="1326240"/>
-            <a:ext cx="9070200" cy="3287160"/>
+            <a:off x="504000" y="1326600"/>
+            <a:ext cx="9072000" cy="3288600"/>
           </a:xfrm>
           <a:prstGeom prst="rect">
             <a:avLst/>
@@ -3073,7 +4774,7 @@
           <a:p>
             <a:pPr marL="432000" indent="-324000">
               <a:spcBef>
-                <a:spcPts val="1414"/>
+                <a:spcPts val="1417"/>
               </a:spcBef>
               <a:buClr>
                 <a:srgbClr val="000000"/>
@@ -3083,19 +4784,25 @@
               <a:buChar char=""/>
             </a:pPr>
             <a:r>
-              <a:rPr b="0" lang="fr-FR" sz="1800" spc="-1" strike="noStrike">
+              <a:rPr b="0" lang="fr-FR" sz="2800" spc="-1" strike="noStrike">
+                <a:solidFill>
+                  <a:srgbClr val="000000"/>
+                </a:solidFill>
                 <a:latin typeface="Arial"/>
               </a:rPr>
               <a:t>Cliquez pour éditer le format du plan de texte</a:t>
             </a:r>
-            <a:endParaRPr b="0" lang="fr-FR" sz="1800" spc="-1" strike="noStrike">
+            <a:endParaRPr b="0" lang="fr-FR" sz="2800" spc="-1" strike="noStrike">
+              <a:solidFill>
+                <a:srgbClr val="000000"/>
+              </a:solidFill>
               <a:latin typeface="Arial"/>
             </a:endParaRPr>
           </a:p>
           <a:p>
             <a:pPr lvl="1" marL="864000" indent="-324000">
               <a:spcBef>
-                <a:spcPts val="1131"/>
+                <a:spcPts val="1134"/>
               </a:spcBef>
               <a:buClr>
                 <a:srgbClr val="000000"/>
@@ -3105,19 +4812,25 @@
               <a:buChar char=""/>
             </a:pPr>
             <a:r>
-              <a:rPr b="0" lang="fr-FR" sz="1800" spc="-1" strike="noStrike">
+              <a:rPr b="0" lang="fr-FR" sz="2000" spc="-1" strike="noStrike">
+                <a:solidFill>
+                  <a:srgbClr val="000000"/>
+                </a:solidFill>
                 <a:latin typeface="Arial"/>
               </a:rPr>
               <a:t>Second niveau de plan</a:t>
             </a:r>
-            <a:endParaRPr b="0" lang="fr-FR" sz="1800" spc="-1" strike="noStrike">
+            <a:endParaRPr b="0" lang="fr-FR" sz="2000" spc="-1" strike="noStrike">
+              <a:solidFill>
+                <a:srgbClr val="000000"/>
+              </a:solidFill>
               <a:latin typeface="Arial"/>
             </a:endParaRPr>
           </a:p>
           <a:p>
             <a:pPr lvl="2" marL="1296000" indent="-288000">
               <a:spcBef>
-                <a:spcPts val="848"/>
+                <a:spcPts val="850"/>
               </a:spcBef>
               <a:buClr>
                 <a:srgbClr val="000000"/>
@@ -3128,18 +4841,24 @@
             </a:pPr>
             <a:r>
               <a:rPr b="0" lang="fr-FR" sz="1800" spc="-1" strike="noStrike">
+                <a:solidFill>
+                  <a:srgbClr val="000000"/>
+                </a:solidFill>
                 <a:latin typeface="Arial"/>
               </a:rPr>
               <a:t>Troisième niveau de plan</a:t>
             </a:r>
             <a:endParaRPr b="0" lang="fr-FR" sz="1800" spc="-1" strike="noStrike">
+              <a:solidFill>
+                <a:srgbClr val="000000"/>
+              </a:solidFill>
               <a:latin typeface="Arial"/>
             </a:endParaRPr>
           </a:p>
           <a:p>
             <a:pPr lvl="3" marL="1728000" indent="-216000">
               <a:spcBef>
-                <a:spcPts val="564"/>
+                <a:spcPts val="567"/>
               </a:spcBef>
               <a:buClr>
                 <a:srgbClr val="000000"/>
@@ -3150,18 +4869,24 @@
             </a:pPr>
             <a:r>
               <a:rPr b="0" lang="fr-FR" sz="1800" spc="-1" strike="noStrike">
+                <a:solidFill>
+                  <a:srgbClr val="000000"/>
+                </a:solidFill>
                 <a:latin typeface="Arial"/>
               </a:rPr>
               <a:t>Quatrième niveau de plan</a:t>
             </a:r>
             <a:endParaRPr b="0" lang="fr-FR" sz="1800" spc="-1" strike="noStrike">
+              <a:solidFill>
+                <a:srgbClr val="000000"/>
+              </a:solidFill>
               <a:latin typeface="Arial"/>
             </a:endParaRPr>
           </a:p>
           <a:p>
             <a:pPr lvl="4" marL="2160000" indent="-216000">
               <a:spcBef>
-                <a:spcPts val="281"/>
+                <a:spcPts val="283"/>
               </a:spcBef>
               <a:buClr>
                 <a:srgbClr val="000000"/>
@@ -3171,19 +4896,25 @@
               <a:buChar char=""/>
             </a:pPr>
             <a:r>
-              <a:rPr b="0" lang="fr-FR" sz="1800" spc="-1" strike="noStrike">
+              <a:rPr b="0" lang="fr-FR" sz="2000" spc="-1" strike="noStrike">
+                <a:solidFill>
+                  <a:srgbClr val="000000"/>
+                </a:solidFill>
                 <a:latin typeface="Arial"/>
               </a:rPr>
               <a:t>Cinquième niveau de plan</a:t>
             </a:r>
-            <a:endParaRPr b="0" lang="fr-FR" sz="1800" spc="-1" strike="noStrike">
+            <a:endParaRPr b="0" lang="fr-FR" sz="2000" spc="-1" strike="noStrike">
+              <a:solidFill>
+                <a:srgbClr val="000000"/>
+              </a:solidFill>
               <a:latin typeface="Arial"/>
             </a:endParaRPr>
           </a:p>
           <a:p>
             <a:pPr lvl="5" marL="2592000" indent="-216000">
               <a:spcBef>
-                <a:spcPts val="281"/>
+                <a:spcPts val="283"/>
               </a:spcBef>
               <a:buClr>
                 <a:srgbClr val="000000"/>
@@ -3193,19 +4924,25 @@
               <a:buChar char=""/>
             </a:pPr>
             <a:r>
-              <a:rPr b="0" lang="fr-FR" sz="1800" spc="-1" strike="noStrike">
+              <a:rPr b="0" lang="fr-FR" sz="2000" spc="-1" strike="noStrike">
+                <a:solidFill>
+                  <a:srgbClr val="000000"/>
+                </a:solidFill>
                 <a:latin typeface="Arial"/>
               </a:rPr>
               <a:t>Sixième niveau de plan</a:t>
             </a:r>
-            <a:endParaRPr b="0" lang="fr-FR" sz="1800" spc="-1" strike="noStrike">
+            <a:endParaRPr b="0" lang="fr-FR" sz="2000" spc="-1" strike="noStrike">
+              <a:solidFill>
+                <a:srgbClr val="000000"/>
+              </a:solidFill>
               <a:latin typeface="Arial"/>
             </a:endParaRPr>
           </a:p>
           <a:p>
             <a:pPr lvl="6" marL="3024000" indent="-216000">
               <a:spcBef>
-                <a:spcPts val="281"/>
+                <a:spcPts val="283"/>
               </a:spcBef>
               <a:buClr>
                 <a:srgbClr val="000000"/>
@@ -3215,12 +4952,18 @@
               <a:buChar char=""/>
             </a:pPr>
             <a:r>
-              <a:rPr b="0" lang="fr-FR" sz="1800" spc="-1" strike="noStrike">
+              <a:rPr b="0" lang="fr-FR" sz="2000" spc="-1" strike="noStrike">
+                <a:solidFill>
+                  <a:srgbClr val="000000"/>
+                </a:solidFill>
                 <a:latin typeface="Arial"/>
               </a:rPr>
               <a:t>Septième niveau de plan</a:t>
             </a:r>
-            <a:endParaRPr b="0" lang="fr-FR" sz="1800" spc="-1" strike="noStrike">
+            <a:endParaRPr b="0" lang="fr-FR" sz="2000" spc="-1" strike="noStrike">
+              <a:solidFill>
+                <a:srgbClr val="000000"/>
+              </a:solidFill>
               <a:latin typeface="Arial"/>
             </a:endParaRPr>
           </a:p>
@@ -3242,6 +4985,313 @@
     <p:sldLayoutId id="2147483671" r:id="rId11"/>
     <p:sldLayoutId id="2147483672" r:id="rId12"/>
     <p:sldLayoutId id="2147483673" r:id="rId13"/>
+  </p:sldLayoutIdLst>
+</p:sldMaster>
+</file>
+
+<file path=ppt/slideMasters/slideMaster3.xml><?xml version="1.0" encoding="utf-8"?>
+<p:sldMaster xmlns:a="http://schemas.openxmlformats.org/drawingml/2006/main" xmlns:p="http://schemas.openxmlformats.org/presentationml/2006/main" xmlns:r="http://schemas.openxmlformats.org/officeDocument/2006/relationships" xmlns:p14="http://schemas.microsoft.com/office/powerpoint/2010/main" xmlns:p15="http://schemas.microsoft.com/office/powerpoint/2012/main" xmlns:mc="http://schemas.openxmlformats.org/markup-compatibility/2006">
+  <p:cSld>
+    <p:bg>
+      <p:bgPr>
+        <a:solidFill>
+          <a:srgbClr val="ffffff"/>
+        </a:solidFill>
+      </p:bgPr>
+    </p:bg>
+    <p:spTree>
+      <p:nvGrpSpPr>
+        <p:cNvPr id="1" name=""/>
+        <p:cNvGrpSpPr/>
+        <p:nvPr/>
+      </p:nvGrpSpPr>
+      <p:grpSpPr>
+        <a:xfrm>
+          <a:off x="0" y="0"/>
+          <a:ext cx="0" cy="0"/>
+          <a:chOff x="0" y="0"/>
+          <a:chExt cx="0" cy="0"/>
+        </a:xfrm>
+      </p:grpSpPr>
+      <p:sp>
+        <p:nvSpPr>
+          <p:cNvPr id="76" name="PlaceHolder 1"/>
+          <p:cNvSpPr>
+            <a:spLocks noGrp="1"/>
+          </p:cNvSpPr>
+          <p:nvPr>
+            <p:ph type="title"/>
+          </p:nvPr>
+        </p:nvSpPr>
+        <p:spPr>
+          <a:xfrm>
+            <a:off x="503640" y="225720"/>
+            <a:ext cx="9070920" cy="946080"/>
+          </a:xfrm>
+          <a:prstGeom prst="rect">
+            <a:avLst/>
+          </a:prstGeom>
+        </p:spPr>
+        <p:txBody>
+          <a:bodyPr lIns="0" rIns="0" tIns="0" bIns="0" anchor="ctr">
+            <a:noAutofit/>
+          </a:bodyPr>
+          <a:p>
+            <a:r>
+              <a:rPr b="0" lang="fr-FR" sz="4400" spc="-1" strike="noStrike">
+                <a:solidFill>
+                  <a:srgbClr val="000000"/>
+                </a:solidFill>
+                <a:latin typeface="Arial"/>
+              </a:rPr>
+              <a:t>Cliquez pour éditer le format du texte-titre</a:t>
+            </a:r>
+            <a:endParaRPr b="0" lang="fr-FR" sz="4400" spc="-1" strike="noStrike">
+              <a:solidFill>
+                <a:srgbClr val="000000"/>
+              </a:solidFill>
+              <a:latin typeface="Arial"/>
+            </a:endParaRPr>
+          </a:p>
+        </p:txBody>
+      </p:sp>
+      <p:sp>
+        <p:nvSpPr>
+          <p:cNvPr id="77" name="PlaceHolder 2"/>
+          <p:cNvSpPr>
+            <a:spLocks noGrp="1"/>
+          </p:cNvSpPr>
+          <p:nvPr>
+            <p:ph type="body"/>
+          </p:nvPr>
+        </p:nvSpPr>
+        <p:spPr>
+          <a:xfrm>
+            <a:off x="504000" y="1326600"/>
+            <a:ext cx="9072000" cy="3288600"/>
+          </a:xfrm>
+          <a:prstGeom prst="rect">
+            <a:avLst/>
+          </a:prstGeom>
+        </p:spPr>
+        <p:txBody>
+          <a:bodyPr lIns="0" rIns="0" tIns="0" bIns="0">
+            <a:normAutofit/>
+          </a:bodyPr>
+          <a:p>
+            <a:pPr marL="432000" indent="-324000">
+              <a:spcBef>
+                <a:spcPts val="1417"/>
+              </a:spcBef>
+              <a:buClr>
+                <a:srgbClr val="000000"/>
+              </a:buClr>
+              <a:buSzPct val="45000"/>
+              <a:buFont typeface="Wingdings" charset="2"/>
+              <a:buChar char=""/>
+            </a:pPr>
+            <a:r>
+              <a:rPr b="0" lang="fr-FR" sz="2800" spc="-1" strike="noStrike">
+                <a:solidFill>
+                  <a:srgbClr val="000000"/>
+                </a:solidFill>
+                <a:latin typeface="Arial"/>
+              </a:rPr>
+              <a:t>Cliquez pour éditer le format du plan de texte</a:t>
+            </a:r>
+            <a:endParaRPr b="0" lang="fr-FR" sz="2800" spc="-1" strike="noStrike">
+              <a:solidFill>
+                <a:srgbClr val="000000"/>
+              </a:solidFill>
+              <a:latin typeface="Arial"/>
+            </a:endParaRPr>
+          </a:p>
+          <a:p>
+            <a:pPr lvl="1" marL="864000" indent="-324000">
+              <a:spcBef>
+                <a:spcPts val="1134"/>
+              </a:spcBef>
+              <a:buClr>
+                <a:srgbClr val="000000"/>
+              </a:buClr>
+              <a:buSzPct val="75000"/>
+              <a:buFont typeface="Symbol" charset="2"/>
+              <a:buChar char=""/>
+            </a:pPr>
+            <a:r>
+              <a:rPr b="0" lang="fr-FR" sz="2000" spc="-1" strike="noStrike">
+                <a:solidFill>
+                  <a:srgbClr val="000000"/>
+                </a:solidFill>
+                <a:latin typeface="Arial"/>
+              </a:rPr>
+              <a:t>Second niveau de plan</a:t>
+            </a:r>
+            <a:endParaRPr b="0" lang="fr-FR" sz="2000" spc="-1" strike="noStrike">
+              <a:solidFill>
+                <a:srgbClr val="000000"/>
+              </a:solidFill>
+              <a:latin typeface="Arial"/>
+            </a:endParaRPr>
+          </a:p>
+          <a:p>
+            <a:pPr lvl="2" marL="1296000" indent="-288000">
+              <a:spcBef>
+                <a:spcPts val="850"/>
+              </a:spcBef>
+              <a:buClr>
+                <a:srgbClr val="000000"/>
+              </a:buClr>
+              <a:buSzPct val="45000"/>
+              <a:buFont typeface="Wingdings" charset="2"/>
+              <a:buChar char=""/>
+            </a:pPr>
+            <a:r>
+              <a:rPr b="0" lang="fr-FR" sz="1800" spc="-1" strike="noStrike">
+                <a:solidFill>
+                  <a:srgbClr val="000000"/>
+                </a:solidFill>
+                <a:latin typeface="Arial"/>
+              </a:rPr>
+              <a:t>Troisième niveau de plan</a:t>
+            </a:r>
+            <a:endParaRPr b="0" lang="fr-FR" sz="1800" spc="-1" strike="noStrike">
+              <a:solidFill>
+                <a:srgbClr val="000000"/>
+              </a:solidFill>
+              <a:latin typeface="Arial"/>
+            </a:endParaRPr>
+          </a:p>
+          <a:p>
+            <a:pPr lvl="3" marL="1728000" indent="-216000">
+              <a:spcBef>
+                <a:spcPts val="567"/>
+              </a:spcBef>
+              <a:buClr>
+                <a:srgbClr val="000000"/>
+              </a:buClr>
+              <a:buSzPct val="75000"/>
+              <a:buFont typeface="Symbol" charset="2"/>
+              <a:buChar char=""/>
+            </a:pPr>
+            <a:r>
+              <a:rPr b="0" lang="fr-FR" sz="1800" spc="-1" strike="noStrike">
+                <a:solidFill>
+                  <a:srgbClr val="000000"/>
+                </a:solidFill>
+                <a:latin typeface="Arial"/>
+              </a:rPr>
+              <a:t>Quatrième niveau de plan</a:t>
+            </a:r>
+            <a:endParaRPr b="0" lang="fr-FR" sz="1800" spc="-1" strike="noStrike">
+              <a:solidFill>
+                <a:srgbClr val="000000"/>
+              </a:solidFill>
+              <a:latin typeface="Arial"/>
+            </a:endParaRPr>
+          </a:p>
+          <a:p>
+            <a:pPr lvl="4" marL="2160000" indent="-216000">
+              <a:spcBef>
+                <a:spcPts val="283"/>
+              </a:spcBef>
+              <a:buClr>
+                <a:srgbClr val="000000"/>
+              </a:buClr>
+              <a:buSzPct val="45000"/>
+              <a:buFont typeface="Wingdings" charset="2"/>
+              <a:buChar char=""/>
+            </a:pPr>
+            <a:r>
+              <a:rPr b="0" lang="fr-FR" sz="2000" spc="-1" strike="noStrike">
+                <a:solidFill>
+                  <a:srgbClr val="000000"/>
+                </a:solidFill>
+                <a:latin typeface="Arial"/>
+              </a:rPr>
+              <a:t>Cinquième niveau de plan</a:t>
+            </a:r>
+            <a:endParaRPr b="0" lang="fr-FR" sz="2000" spc="-1" strike="noStrike">
+              <a:solidFill>
+                <a:srgbClr val="000000"/>
+              </a:solidFill>
+              <a:latin typeface="Arial"/>
+            </a:endParaRPr>
+          </a:p>
+          <a:p>
+            <a:pPr lvl="5" marL="2592000" indent="-216000">
+              <a:spcBef>
+                <a:spcPts val="283"/>
+              </a:spcBef>
+              <a:buClr>
+                <a:srgbClr val="000000"/>
+              </a:buClr>
+              <a:buSzPct val="45000"/>
+              <a:buFont typeface="Wingdings" charset="2"/>
+              <a:buChar char=""/>
+            </a:pPr>
+            <a:r>
+              <a:rPr b="0" lang="fr-FR" sz="2000" spc="-1" strike="noStrike">
+                <a:solidFill>
+                  <a:srgbClr val="000000"/>
+                </a:solidFill>
+                <a:latin typeface="Arial"/>
+              </a:rPr>
+              <a:t>Sixième niveau de plan</a:t>
+            </a:r>
+            <a:endParaRPr b="0" lang="fr-FR" sz="2000" spc="-1" strike="noStrike">
+              <a:solidFill>
+                <a:srgbClr val="000000"/>
+              </a:solidFill>
+              <a:latin typeface="Arial"/>
+            </a:endParaRPr>
+          </a:p>
+          <a:p>
+            <a:pPr lvl="6" marL="3024000" indent="-216000">
+              <a:spcBef>
+                <a:spcPts val="283"/>
+              </a:spcBef>
+              <a:buClr>
+                <a:srgbClr val="000000"/>
+              </a:buClr>
+              <a:buSzPct val="45000"/>
+              <a:buFont typeface="Wingdings" charset="2"/>
+              <a:buChar char=""/>
+            </a:pPr>
+            <a:r>
+              <a:rPr b="0" lang="fr-FR" sz="2000" spc="-1" strike="noStrike">
+                <a:solidFill>
+                  <a:srgbClr val="000000"/>
+                </a:solidFill>
+                <a:latin typeface="Arial"/>
+              </a:rPr>
+              <a:t>Septième niveau de plan</a:t>
+            </a:r>
+            <a:endParaRPr b="0" lang="fr-FR" sz="2000" spc="-1" strike="noStrike">
+              <a:solidFill>
+                <a:srgbClr val="000000"/>
+              </a:solidFill>
+              <a:latin typeface="Arial"/>
+            </a:endParaRPr>
+          </a:p>
+        </p:txBody>
+      </p:sp>
+    </p:spTree>
+  </p:cSld>
+  <p:clrMap bg1="lt1" bg2="lt2" tx1="dk1" tx2="dk2" accent1="accent1" accent2="accent2" accent3="accent3" accent4="accent4" accent5="accent5" accent6="accent6" hlink="hlink" folHlink="folHlink"/>
+  <p:sldLayoutIdLst>
+    <p:sldLayoutId id="2147483675" r:id="rId2"/>
+    <p:sldLayoutId id="2147483676" r:id="rId3"/>
+    <p:sldLayoutId id="2147483677" r:id="rId4"/>
+    <p:sldLayoutId id="2147483678" r:id="rId5"/>
+    <p:sldLayoutId id="2147483679" r:id="rId6"/>
+    <p:sldLayoutId id="2147483680" r:id="rId7"/>
+    <p:sldLayoutId id="2147483681" r:id="rId8"/>
+    <p:sldLayoutId id="2147483682" r:id="rId9"/>
+    <p:sldLayoutId id="2147483683" r:id="rId10"/>
+    <p:sldLayoutId id="2147483684" r:id="rId11"/>
+    <p:sldLayoutId id="2147483685" r:id="rId12"/>
+    <p:sldLayoutId id="2147483686" r:id="rId13"/>
   </p:sldLayoutIdLst>
 </p:sldMaster>
 </file>
@@ -3265,7 +5315,7 @@
       </p:grpSpPr>
       <p:pic>
         <p:nvPicPr>
-          <p:cNvPr id="76" name="" descr=""/>
+          <p:cNvPr id="114" name="Image 75" descr=""/>
           <p:cNvPicPr/>
           <p:nvPr/>
         </p:nvPicPr>
@@ -3276,7 +5326,7 @@
         <p:spPr>
           <a:xfrm>
             <a:off x="2159640" y="582480"/>
-            <a:ext cx="6118920" cy="4781160"/>
+            <a:ext cx="6118560" cy="4780800"/>
           </a:xfrm>
           <a:prstGeom prst="rect">
             <a:avLst/>
@@ -3288,14 +5338,14 @@
       </p:pic>
       <p:sp>
         <p:nvSpPr>
-          <p:cNvPr id="77" name=""/>
+          <p:cNvPr id="115" name="Rectangle 76"/>
           <p:cNvSpPr/>
           <p:nvPr/>
         </p:nvSpPr>
         <p:spPr>
           <a:xfrm>
             <a:off x="0" y="-42120"/>
-            <a:ext cx="10078560" cy="624600"/>
+            <a:ext cx="10078200" cy="624240"/>
           </a:xfrm>
           <a:prstGeom prst="rect">
             <a:avLst/>
@@ -3326,14 +5376,14 @@
       </p:sp>
       <p:sp>
         <p:nvSpPr>
-          <p:cNvPr id="78" name=""/>
+          <p:cNvPr id="116" name="Rectangle 77"/>
           <p:cNvSpPr/>
           <p:nvPr/>
         </p:nvSpPr>
         <p:spPr>
           <a:xfrm>
             <a:off x="0" y="5129640"/>
-            <a:ext cx="10078560" cy="538920"/>
+            <a:ext cx="10078200" cy="538560"/>
           </a:xfrm>
           <a:prstGeom prst="rect">
             <a:avLst/>
@@ -3364,14 +5414,14 @@
       </p:sp>
       <p:sp>
         <p:nvSpPr>
-          <p:cNvPr id="79" name=""/>
+          <p:cNvPr id="117" name="Rectangle 78"/>
           <p:cNvSpPr/>
           <p:nvPr/>
         </p:nvSpPr>
         <p:spPr>
           <a:xfrm>
             <a:off x="719640" y="1619640"/>
-            <a:ext cx="359280" cy="2338920"/>
+            <a:ext cx="358920" cy="2338560"/>
           </a:xfrm>
           <a:prstGeom prst="rect">
             <a:avLst/>
@@ -3402,14 +5452,14 @@
       </p:sp>
       <p:sp>
         <p:nvSpPr>
-          <p:cNvPr id="80" name=""/>
+          <p:cNvPr id="118" name="Rectangle 79"/>
           <p:cNvSpPr/>
           <p:nvPr/>
         </p:nvSpPr>
         <p:spPr>
           <a:xfrm>
             <a:off x="9179280" y="1583640"/>
-            <a:ext cx="359280" cy="2338920"/>
+            <a:ext cx="358920" cy="2338560"/>
           </a:xfrm>
           <a:prstGeom prst="rect">
             <a:avLst/>
@@ -3470,14 +5520,14 @@
       </p:grpSpPr>
       <p:sp>
         <p:nvSpPr>
-          <p:cNvPr id="117" name=""/>
+          <p:cNvPr id="149" name="Rectangle 110"/>
           <p:cNvSpPr/>
           <p:nvPr/>
         </p:nvSpPr>
         <p:spPr>
           <a:xfrm>
             <a:off x="0" y="360"/>
-            <a:ext cx="10078560" cy="1249560"/>
+            <a:ext cx="10078200" cy="1249200"/>
           </a:xfrm>
           <a:prstGeom prst="rect">
             <a:avLst/>
@@ -3543,7 +5593,7 @@
                 <a:latin typeface="Arial"/>
                 <a:ea typeface="DejaVu Sans"/>
               </a:rPr>
-              <a:t>- User Case -</a:t>
+              <a:t>- Arborescence -</a:t>
             </a:r>
             <a:endParaRPr b="0" lang="fr-FR" sz="2800" spc="-1" strike="noStrike">
               <a:latin typeface="Arial"/>
@@ -3553,14 +5603,14 @@
       </p:sp>
       <p:sp>
         <p:nvSpPr>
-          <p:cNvPr id="118" name=""/>
+          <p:cNvPr id="150" name="Rectangle 111"/>
           <p:cNvSpPr/>
           <p:nvPr/>
         </p:nvSpPr>
         <p:spPr>
           <a:xfrm>
             <a:off x="0" y="1250280"/>
-            <a:ext cx="10078560" cy="4418280"/>
+            <a:ext cx="10078200" cy="4417920"/>
           </a:xfrm>
           <a:prstGeom prst="rect">
             <a:avLst/>
@@ -3674,14 +5724,14 @@
       </p:sp>
       <p:sp>
         <p:nvSpPr>
-          <p:cNvPr id="119" name=""/>
+          <p:cNvPr id="151" name="Rectangle 112"/>
           <p:cNvSpPr/>
           <p:nvPr/>
         </p:nvSpPr>
         <p:spPr>
           <a:xfrm>
             <a:off x="9331920" y="4971960"/>
-            <a:ext cx="566640" cy="426600"/>
+            <a:ext cx="566280" cy="426240"/>
           </a:xfrm>
           <a:prstGeom prst="rect">
             <a:avLst/>
@@ -3707,7 +5757,7 @@
                 <a:spcPct val="100000"/>
               </a:lnSpc>
             </a:pPr>
-            <a:fld id="{CB829ED1-6BEF-44ED-9A68-FBAB314302F5}" type="slidenum">
+            <a:fld id="{AD83C757-78B4-482B-BDFE-91710B419C28}" type="slidenum">
               <a:rPr b="1" lang="fr-FR" sz="2400" spc="-1" strike="noStrike">
                 <a:solidFill>
                   <a:srgbClr val="ffffff"/>
@@ -3725,7 +5775,7 @@
       </p:sp>
       <p:pic>
         <p:nvPicPr>
-          <p:cNvPr id="120" name="" descr=""/>
+          <p:cNvPr id="152" name="Image 113" descr=""/>
           <p:cNvPicPr/>
           <p:nvPr/>
         </p:nvPicPr>
@@ -3735,8 +5785,8 @@
         </p:blipFill>
         <p:spPr>
           <a:xfrm>
-            <a:off x="1800000" y="1344600"/>
-            <a:ext cx="6707880" cy="3875400"/>
+            <a:off x="720000" y="1474200"/>
+            <a:ext cx="8638200" cy="3205440"/>
           </a:xfrm>
           <a:prstGeom prst="rect">
             <a:avLst/>
@@ -3746,47 +5796,29 @@
           </a:ln>
         </p:spPr>
       </p:pic>
-      <p:graphicFrame>
-        <p:nvGraphicFramePr>
-          <p:cNvPr id="121" name=""/>
-          <p:cNvGraphicFramePr/>
+      <p:pic>
+        <p:nvPicPr>
+          <p:cNvPr id="153" name="" descr=""/>
+          <p:cNvPicPr/>
           <p:nvPr/>
-        </p:nvGraphicFramePr>
-        <p:xfrm>
-          <a:off x="1260000" y="4533840"/>
-          <a:ext cx="5940000" cy="1046160"/>
-        </p:xfrm>
-        <a:graphic>
-          <a:graphicData uri="http://schemas.openxmlformats.org/presentationml/2006/ole">
-            <p:oleObj progId="Word.Document.12" r:id="rId2" spid="">
-              <p:embed/>
-              <p:pic>
-                <p:nvPicPr>
-                  <p:cNvPr id="122" name="" descr=""/>
-                  <p:cNvPicPr/>
-                  <p:nvPr/>
-                </p:nvPicPr>
-                <p:blipFill>
-                  <a:blip r:embed="rId3"/>
-                  <a:stretch/>
-                </p:blipFill>
-                <p:spPr>
-                  <a:xfrm>
-                    <a:off x="1260000" y="4533840"/>
-                    <a:ext cx="5940000" cy="1046160"/>
-                  </a:xfrm>
-                  <a:prstGeom prst="rect">
-                    <a:avLst/>
-                  </a:prstGeom>
-                  <a:ln w="0">
-                    <a:noFill/>
-                  </a:ln>
-                </p:spPr>
-              </p:pic>
-            </p:oleObj>
-          </a:graphicData>
-        </a:graphic>
-      </p:graphicFrame>
+        </p:nvPicPr>
+        <p:blipFill>
+          <a:blip r:embed="rId2"/>
+          <a:stretch/>
+        </p:blipFill>
+        <p:spPr>
+          <a:xfrm>
+            <a:off x="177840" y="4495680"/>
+            <a:ext cx="5575320" cy="711360"/>
+          </a:xfrm>
+          <a:prstGeom prst="rect">
+            <a:avLst/>
+          </a:prstGeom>
+          <a:ln w="0">
+            <a:noFill/>
+          </a:ln>
+        </p:spPr>
+      </p:pic>
     </p:spTree>
   </p:cSld>
   <mc:AlternateContent>
@@ -3803,21 +5835,6 @@
 <file path=ppt/slides/slide11.xml><?xml version="1.0" encoding="utf-8"?>
 <p:sld xmlns:a="http://schemas.openxmlformats.org/drawingml/2006/main" xmlns:p="http://schemas.openxmlformats.org/presentationml/2006/main" xmlns:r="http://schemas.openxmlformats.org/officeDocument/2006/relationships" xmlns:p14="http://schemas.microsoft.com/office/powerpoint/2010/main" xmlns:p15="http://schemas.microsoft.com/office/powerpoint/2012/main" xmlns:mc="http://schemas.openxmlformats.org/markup-compatibility/2006">
   <p:cSld>
-    <p:bg>
-      <p:bgPr>
-        <a:gradFill rotWithShape="0">
-          <a:gsLst>
-            <a:gs pos="0">
-              <a:srgbClr val="50938a"/>
-            </a:gs>
-            <a:gs pos="100000">
-              <a:srgbClr val="5983b0"/>
-            </a:gs>
-          </a:gsLst>
-          <a:lin ang="3600000"/>
-        </a:gradFill>
-      </p:bgPr>
-    </p:bg>
     <p:spTree>
       <p:nvGrpSpPr>
         <p:cNvPr id="1" name=""/>
@@ -3834,14 +5851,14 @@
       </p:grpSpPr>
       <p:sp>
         <p:nvSpPr>
-          <p:cNvPr id="123" name=""/>
+          <p:cNvPr id="154" name="Rectangle 116"/>
           <p:cNvSpPr/>
           <p:nvPr/>
         </p:nvSpPr>
         <p:spPr>
           <a:xfrm>
             <a:off x="0" y="360"/>
-            <a:ext cx="10078560" cy="1249560"/>
+            <a:ext cx="10078200" cy="1249200"/>
           </a:xfrm>
           <a:prstGeom prst="rect">
             <a:avLst/>
@@ -3907,7 +5924,7 @@
                 <a:latin typeface="Arial"/>
                 <a:ea typeface="DejaVu Sans"/>
               </a:rPr>
-              <a:t>- Diagramme d’activité -</a:t>
+              <a:t>- User Case -</a:t>
             </a:r>
             <a:endParaRPr b="0" lang="fr-FR" sz="2800" spc="-1" strike="noStrike">
               <a:latin typeface="Arial"/>
@@ -3917,19 +5934,29 @@
       </p:sp>
       <p:sp>
         <p:nvSpPr>
-          <p:cNvPr id="124" name=""/>
+          <p:cNvPr id="155" name="Rectangle 117"/>
           <p:cNvSpPr/>
           <p:nvPr/>
         </p:nvSpPr>
         <p:spPr>
           <a:xfrm>
-            <a:off x="9345600" y="4971960"/>
-            <a:ext cx="552960" cy="426600"/>
-          </a:xfrm>
-          <a:prstGeom prst="rect">
-            <a:avLst/>
-          </a:prstGeom>
-          <a:noFill/>
+            <a:off x="0" y="1250280"/>
+            <a:ext cx="10078200" cy="4417920"/>
+          </a:xfrm>
+          <a:prstGeom prst="rect">
+            <a:avLst/>
+          </a:prstGeom>
+          <a:gradFill rotWithShape="0">
+            <a:gsLst>
+              <a:gs pos="0">
+                <a:srgbClr val="50938a"/>
+              </a:gs>
+              <a:gs pos="100000">
+                <a:srgbClr val="5983b0"/>
+              </a:gs>
+            </a:gsLst>
+            <a:lin ang="3600000"/>
+          </a:gradFill>
           <a:ln w="0">
             <a:noFill/>
           </a:ln>
@@ -3950,7 +5977,118 @@
                 <a:spcPct val="100000"/>
               </a:lnSpc>
             </a:pPr>
-            <a:fld id="{1A9E460E-0CC2-4122-84BE-79BDB463D3EF}" type="slidenum">
+            <a:endParaRPr b="0" lang="fr-FR" sz="1800" spc="-1" strike="noStrike">
+              <a:latin typeface="Arial"/>
+            </a:endParaRPr>
+          </a:p>
+          <a:p>
+            <a:pPr>
+              <a:lnSpc>
+                <a:spcPct val="100000"/>
+              </a:lnSpc>
+            </a:pPr>
+            <a:r>
+              <a:rPr b="0" lang="fr-FR" sz="1800" spc="-1" strike="noStrike">
+                <a:solidFill>
+                  <a:srgbClr val="ffffff"/>
+                </a:solidFill>
+                <a:latin typeface="Arial"/>
+                <a:ea typeface="DejaVu Sans"/>
+              </a:rPr>
+              <a:t>	</a:t>
+            </a:r>
+            <a:r>
+              <a:rPr b="0" lang="fr-FR" sz="1800" spc="-1" strike="noStrike">
+                <a:solidFill>
+                  <a:srgbClr val="ffffff"/>
+                </a:solidFill>
+                <a:latin typeface="Arial"/>
+                <a:ea typeface="DejaVu Sans"/>
+              </a:rPr>
+              <a:t>	</a:t>
+            </a:r>
+            <a:endParaRPr b="0" lang="fr-FR" sz="1800" spc="-1" strike="noStrike">
+              <a:latin typeface="Arial"/>
+            </a:endParaRPr>
+          </a:p>
+          <a:p>
+            <a:pPr>
+              <a:lnSpc>
+                <a:spcPct val="100000"/>
+              </a:lnSpc>
+            </a:pPr>
+            <a:r>
+              <a:rPr b="0" lang="fr-FR" sz="1800" spc="-1" strike="noStrike">
+                <a:solidFill>
+                  <a:srgbClr val="ffffff"/>
+                </a:solidFill>
+                <a:latin typeface="Arial"/>
+                <a:ea typeface="DejaVu Sans"/>
+              </a:rPr>
+              <a:t>	</a:t>
+            </a:r>
+            <a:r>
+              <a:rPr b="0" lang="fr-FR" sz="1800" spc="-1" strike="noStrike">
+                <a:solidFill>
+                  <a:srgbClr val="ffffff"/>
+                </a:solidFill>
+                <a:latin typeface="Arial"/>
+                <a:ea typeface="DejaVu Sans"/>
+              </a:rPr>
+              <a:t>	</a:t>
+            </a:r>
+            <a:r>
+              <a:rPr b="0" lang="fr-FR" sz="1800" spc="-1" strike="noStrike">
+                <a:solidFill>
+                  <a:srgbClr val="ffffff"/>
+                </a:solidFill>
+                <a:latin typeface="Arial"/>
+                <a:ea typeface="DejaVu Sans"/>
+              </a:rPr>
+              <a:t> </a:t>
+            </a:r>
+            <a:endParaRPr b="0" lang="fr-FR" sz="1800" spc="-1" strike="noStrike">
+              <a:latin typeface="Arial"/>
+            </a:endParaRPr>
+          </a:p>
+        </p:txBody>
+      </p:sp>
+      <p:sp>
+        <p:nvSpPr>
+          <p:cNvPr id="156" name="Rectangle 118"/>
+          <p:cNvSpPr/>
+          <p:nvPr/>
+        </p:nvSpPr>
+        <p:spPr>
+          <a:xfrm>
+            <a:off x="9331920" y="4971960"/>
+            <a:ext cx="566280" cy="426240"/>
+          </a:xfrm>
+          <a:prstGeom prst="rect">
+            <a:avLst/>
+          </a:prstGeom>
+          <a:noFill/>
+          <a:ln w="0">
+            <a:noFill/>
+          </a:ln>
+        </p:spPr>
+        <p:style>
+          <a:lnRef idx="0"/>
+          <a:fillRef idx="0"/>
+          <a:effectRef idx="0"/>
+          <a:fontRef idx="minor"/>
+        </p:style>
+        <p:txBody>
+          <a:bodyPr lIns="90000" rIns="90000" tIns="45000" bIns="45000">
+            <a:noAutofit/>
+          </a:bodyPr>
+          <a:p>
+            <a:pPr>
+              <a:lnSpc>
+                <a:spcPct val="100000"/>
+              </a:lnSpc>
+            </a:pPr>
+            <a:fld id="{B82F33B0-8679-48AB-BF9B-46AFA1F43FF1}" type="slidenum">
               <a:rPr b="1" lang="fr-FR" sz="2400" spc="-1" strike="noStrike">
                 <a:solidFill>
                   <a:srgbClr val="ffffff"/>
@@ -3968,7 +6106,7 @@
       </p:sp>
       <p:pic>
         <p:nvPicPr>
-          <p:cNvPr id="125" name="" descr=""/>
+          <p:cNvPr id="157" name="Image 1" descr=""/>
           <p:cNvPicPr/>
           <p:nvPr/>
         </p:nvPicPr>
@@ -3978,8 +6116,31 @@
         </p:blipFill>
         <p:spPr>
           <a:xfrm>
-            <a:off x="2340000" y="1397520"/>
-            <a:ext cx="5582880" cy="4182480"/>
+            <a:off x="1857960" y="1270440"/>
+            <a:ext cx="6647040" cy="3849480"/>
+          </a:xfrm>
+          <a:prstGeom prst="rect">
+            <a:avLst/>
+          </a:prstGeom>
+          <a:ln w="0">
+            <a:noFill/>
+          </a:ln>
+        </p:spPr>
+      </p:pic>
+      <p:pic>
+        <p:nvPicPr>
+          <p:cNvPr id="158" name="" descr=""/>
+          <p:cNvPicPr/>
+          <p:nvPr/>
+        </p:nvPicPr>
+        <p:blipFill>
+          <a:blip r:embed="rId2"/>
+          <a:stretch/>
+        </p:blipFill>
+        <p:spPr>
+          <a:xfrm>
+            <a:off x="1257480" y="4521240"/>
+            <a:ext cx="5931000" cy="1041480"/>
           </a:xfrm>
           <a:prstGeom prst="rect">
             <a:avLst/>
@@ -4036,14 +6197,14 @@
       </p:grpSpPr>
       <p:sp>
         <p:nvSpPr>
-          <p:cNvPr id="126" name=""/>
+          <p:cNvPr id="159" name="Rectangle 122"/>
           <p:cNvSpPr/>
           <p:nvPr/>
         </p:nvSpPr>
         <p:spPr>
           <a:xfrm>
             <a:off x="0" y="360"/>
-            <a:ext cx="10078560" cy="1249560"/>
+            <a:ext cx="10078200" cy="1249200"/>
           </a:xfrm>
           <a:prstGeom prst="rect">
             <a:avLst/>
@@ -4109,7 +6270,7 @@
                 <a:latin typeface="Arial"/>
                 <a:ea typeface="DejaVu Sans"/>
               </a:rPr>
-              <a:t>- Diagramme de Séquence -</a:t>
+              <a:t>- Diagramme d’activité -</a:t>
             </a:r>
             <a:endParaRPr b="0" lang="fr-FR" sz="2800" spc="-1" strike="noStrike">
               <a:latin typeface="Arial"/>
@@ -4119,14 +6280,14 @@
       </p:sp>
       <p:sp>
         <p:nvSpPr>
-          <p:cNvPr id="127" name=""/>
+          <p:cNvPr id="160" name="Rectangle 123"/>
           <p:cNvSpPr/>
           <p:nvPr/>
         </p:nvSpPr>
         <p:spPr>
           <a:xfrm>
-            <a:off x="9296640" y="4971960"/>
-            <a:ext cx="484920" cy="426600"/>
+            <a:off x="9345600" y="4971960"/>
+            <a:ext cx="552600" cy="426240"/>
           </a:xfrm>
           <a:prstGeom prst="rect">
             <a:avLst/>
@@ -4152,7 +6313,7 @@
                 <a:spcPct val="100000"/>
               </a:lnSpc>
             </a:pPr>
-            <a:fld id="{73AD1BC3-EBE9-4243-B129-E944FBB32721}" type="slidenum">
+            <a:fld id="{729EA648-846C-434F-BFCA-B4533C6480BC}" type="slidenum">
               <a:rPr b="1" lang="fr-FR" sz="2400" spc="-1" strike="noStrike">
                 <a:solidFill>
                   <a:srgbClr val="ffffff"/>
@@ -4170,7 +6331,7 @@
       </p:sp>
       <p:pic>
         <p:nvPicPr>
-          <p:cNvPr id="128" name="" descr=""/>
+          <p:cNvPr id="161" name="Image 124" descr=""/>
           <p:cNvPicPr/>
           <p:nvPr/>
         </p:nvPicPr>
@@ -4180,8 +6341,8 @@
         </p:blipFill>
         <p:spPr>
           <a:xfrm>
-            <a:off x="2340000" y="1308960"/>
-            <a:ext cx="5865840" cy="4091040"/>
+            <a:off x="2340000" y="1397520"/>
+            <a:ext cx="5582520" cy="4182120"/>
           </a:xfrm>
           <a:prstGeom prst="rect">
             <a:avLst/>
@@ -4207,6 +6368,21 @@
 <file path=ppt/slides/slide13.xml><?xml version="1.0" encoding="utf-8"?>
 <p:sld xmlns:a="http://schemas.openxmlformats.org/drawingml/2006/main" xmlns:p="http://schemas.openxmlformats.org/presentationml/2006/main" xmlns:r="http://schemas.openxmlformats.org/officeDocument/2006/relationships" xmlns:p14="http://schemas.microsoft.com/office/powerpoint/2010/main" xmlns:p15="http://schemas.microsoft.com/office/powerpoint/2012/main" xmlns:mc="http://schemas.openxmlformats.org/markup-compatibility/2006">
   <p:cSld>
+    <p:bg>
+      <p:bgPr>
+        <a:gradFill rotWithShape="0">
+          <a:gsLst>
+            <a:gs pos="0">
+              <a:srgbClr val="50938a"/>
+            </a:gs>
+            <a:gs pos="100000">
+              <a:srgbClr val="5983b0"/>
+            </a:gs>
+          </a:gsLst>
+          <a:lin ang="3600000"/>
+        </a:gradFill>
+      </p:bgPr>
+    </p:bg>
     <p:spTree>
       <p:nvGrpSpPr>
         <p:cNvPr id="1" name=""/>
@@ -4223,14 +6399,14 @@
       </p:grpSpPr>
       <p:sp>
         <p:nvSpPr>
-          <p:cNvPr id="129" name=""/>
+          <p:cNvPr id="162" name="Rectangle 125"/>
           <p:cNvSpPr/>
           <p:nvPr/>
         </p:nvSpPr>
         <p:spPr>
           <a:xfrm>
             <a:off x="0" y="360"/>
-            <a:ext cx="10078560" cy="1249560"/>
+            <a:ext cx="10078200" cy="1249200"/>
           </a:xfrm>
           <a:prstGeom prst="rect">
             <a:avLst/>
@@ -4276,7 +6452,7 @@
                 <a:latin typeface="Arial"/>
                 <a:ea typeface="DejaVu Sans"/>
               </a:rPr>
-              <a:t>Maquettes</a:t>
+              <a:t>Design</a:t>
             </a:r>
             <a:endParaRPr b="0" lang="fr-FR" sz="3200" spc="-1" strike="noStrike">
               <a:latin typeface="Arial"/>
@@ -4296,7 +6472,7 @@
                 <a:latin typeface="Arial"/>
                 <a:ea typeface="DejaVu Sans"/>
               </a:rPr>
-              <a:t>- Zoning -</a:t>
+              <a:t>- Diagramme de Séquence -</a:t>
             </a:r>
             <a:endParaRPr b="0" lang="fr-FR" sz="2800" spc="-1" strike="noStrike">
               <a:latin typeface="Arial"/>
@@ -4306,29 +6482,19 @@
       </p:sp>
       <p:sp>
         <p:nvSpPr>
-          <p:cNvPr id="130" name=""/>
+          <p:cNvPr id="163" name="Rectangle 126"/>
           <p:cNvSpPr/>
           <p:nvPr/>
         </p:nvSpPr>
         <p:spPr>
           <a:xfrm>
-            <a:off x="0" y="1250280"/>
-            <a:ext cx="10078560" cy="4418280"/>
-          </a:xfrm>
-          <a:prstGeom prst="rect">
-            <a:avLst/>
-          </a:prstGeom>
-          <a:gradFill rotWithShape="0">
-            <a:gsLst>
-              <a:gs pos="0">
-                <a:srgbClr val="50938a"/>
-              </a:gs>
-              <a:gs pos="100000">
-                <a:srgbClr val="5983b0"/>
-              </a:gs>
-            </a:gsLst>
-            <a:lin ang="3600000"/>
-          </a:gradFill>
+            <a:off x="9296640" y="4971960"/>
+            <a:ext cx="484560" cy="426240"/>
+          </a:xfrm>
+          <a:prstGeom prst="rect">
+            <a:avLst/>
+          </a:prstGeom>
+          <a:noFill/>
           <a:ln w="0">
             <a:noFill/>
           </a:ln>
@@ -4349,119 +6515,8 @@
                 <a:spcPct val="100000"/>
               </a:lnSpc>
             </a:pPr>
-            <a:endParaRPr b="0" lang="fr-FR" sz="1800" spc="-1" strike="noStrike">
-              <a:latin typeface="Arial"/>
-            </a:endParaRPr>
-          </a:p>
-          <a:p>
-            <a:pPr>
-              <a:lnSpc>
-                <a:spcPct val="100000"/>
-              </a:lnSpc>
-            </a:pPr>
-            <a:r>
-              <a:rPr b="0" lang="fr-FR" sz="1800" spc="-1" strike="noStrike">
-                <a:solidFill>
-                  <a:srgbClr val="ffffff"/>
-                </a:solidFill>
-                <a:latin typeface="Arial"/>
-                <a:ea typeface="DejaVu Sans"/>
-              </a:rPr>
-              <a:t>	</a:t>
-            </a:r>
-            <a:r>
-              <a:rPr b="0" lang="fr-FR" sz="1800" spc="-1" strike="noStrike">
-                <a:solidFill>
-                  <a:srgbClr val="ffffff"/>
-                </a:solidFill>
-                <a:latin typeface="Arial"/>
-                <a:ea typeface="DejaVu Sans"/>
-              </a:rPr>
-              <a:t>	</a:t>
-            </a:r>
-            <a:endParaRPr b="0" lang="fr-FR" sz="1800" spc="-1" strike="noStrike">
-              <a:latin typeface="Arial"/>
-            </a:endParaRPr>
-          </a:p>
-          <a:p>
-            <a:pPr>
-              <a:lnSpc>
-                <a:spcPct val="100000"/>
-              </a:lnSpc>
-            </a:pPr>
-            <a:r>
-              <a:rPr b="0" lang="fr-FR" sz="1800" spc="-1" strike="noStrike">
-                <a:solidFill>
-                  <a:srgbClr val="ffffff"/>
-                </a:solidFill>
-                <a:latin typeface="Arial"/>
-                <a:ea typeface="DejaVu Sans"/>
-              </a:rPr>
-              <a:t>	</a:t>
-            </a:r>
-            <a:r>
-              <a:rPr b="0" lang="fr-FR" sz="1800" spc="-1" strike="noStrike">
-                <a:solidFill>
-                  <a:srgbClr val="ffffff"/>
-                </a:solidFill>
-                <a:latin typeface="Arial"/>
-                <a:ea typeface="DejaVu Sans"/>
-              </a:rPr>
-              <a:t>	</a:t>
-            </a:r>
-            <a:r>
-              <a:rPr b="0" lang="fr-FR" sz="1800" spc="-1" strike="noStrike">
-                <a:solidFill>
-                  <a:srgbClr val="ffffff"/>
-                </a:solidFill>
-                <a:latin typeface="Arial"/>
-                <a:ea typeface="DejaVu Sans"/>
-              </a:rPr>
-              <a:t> </a:t>
-            </a:r>
-            <a:endParaRPr b="0" lang="fr-FR" sz="1800" spc="-1" strike="noStrike">
-              <a:latin typeface="Arial"/>
-            </a:endParaRPr>
-          </a:p>
-        </p:txBody>
-      </p:sp>
-      <p:sp>
-        <p:nvSpPr>
-          <p:cNvPr id="131" name=""/>
-          <p:cNvSpPr/>
-          <p:nvPr/>
-        </p:nvSpPr>
-        <p:spPr>
-          <a:xfrm>
-            <a:off x="9331920" y="4971960"/>
-            <a:ext cx="566640" cy="426600"/>
-          </a:xfrm>
-          <a:prstGeom prst="rect">
-            <a:avLst/>
-          </a:prstGeom>
-          <a:noFill/>
-          <a:ln w="0">
-            <a:noFill/>
-          </a:ln>
-        </p:spPr>
-        <p:style>
-          <a:lnRef idx="0"/>
-          <a:fillRef idx="0"/>
-          <a:effectRef idx="0"/>
-          <a:fontRef idx="minor"/>
-        </p:style>
-        <p:txBody>
-          <a:bodyPr lIns="90000" rIns="90000" tIns="45000" bIns="45000">
-            <a:noAutofit/>
-          </a:bodyPr>
-          <a:p>
-            <a:pPr>
-              <a:lnSpc>
-                <a:spcPct val="100000"/>
-              </a:lnSpc>
-            </a:pPr>
-            <a:fld id="{C52FE0D4-D12D-4B20-9A98-4FF245B1109A}" type="slidenum">
-              <a:rPr b="1" lang="fr-FR" sz="1800" spc="-1" strike="noStrike">
+            <a:fld id="{846F3B5C-1ED7-43EA-89A2-F5DD78F70DA4}" type="slidenum">
+              <a:rPr b="1" lang="fr-FR" sz="2400" spc="-1" strike="noStrike">
                 <a:solidFill>
                   <a:srgbClr val="ffffff"/>
                 </a:solidFill>
@@ -4470,67 +6525,26 @@
               </a:rPr>
               <a:t>&lt;numéro&gt;</a:t>
             </a:fld>
-            <a:endParaRPr b="0" lang="fr-FR" sz="1800" spc="-1" strike="noStrike">
-              <a:latin typeface="Arial"/>
-            </a:endParaRPr>
-          </a:p>
-        </p:txBody>
-      </p:sp>
-      <p:graphicFrame>
-        <p:nvGraphicFramePr>
-          <p:cNvPr id="132" name=""/>
-          <p:cNvGraphicFramePr/>
-          <p:nvPr/>
-        </p:nvGraphicFramePr>
-        <p:xfrm>
-          <a:off x="1980360" y="4501440"/>
-          <a:ext cx="6118200" cy="1077120"/>
-        </p:xfrm>
-        <a:graphic>
-          <a:graphicData uri="http://schemas.openxmlformats.org/presentationml/2006/ole">
-            <p:oleObj progId="Word.Document.12" r:id="rId1" spid="">
-              <p:embed/>
-              <p:pic>
-                <p:nvPicPr>
-                  <p:cNvPr id="133" name="" descr=""/>
-                  <p:cNvPicPr/>
-                  <p:nvPr/>
-                </p:nvPicPr>
-                <p:blipFill>
-                  <a:blip r:embed="rId2"/>
-                  <a:stretch/>
-                </p:blipFill>
-                <p:spPr>
-                  <a:xfrm>
-                    <a:off x="1980360" y="4501440"/>
-                    <a:ext cx="6118200" cy="1077120"/>
-                  </a:xfrm>
-                  <a:prstGeom prst="rect">
-                    <a:avLst/>
-                  </a:prstGeom>
-                  <a:ln w="0">
-                    <a:noFill/>
-                  </a:ln>
-                </p:spPr>
-              </p:pic>
-            </p:oleObj>
-          </a:graphicData>
-        </a:graphic>
-      </p:graphicFrame>
+            <a:endParaRPr b="0" lang="fr-FR" sz="2400" spc="-1" strike="noStrike">
+              <a:latin typeface="Arial"/>
+            </a:endParaRPr>
+          </a:p>
+        </p:txBody>
+      </p:sp>
       <p:pic>
         <p:nvPicPr>
-          <p:cNvPr id="134" name="" descr=""/>
+          <p:cNvPr id="164" name="Image 127" descr=""/>
           <p:cNvPicPr/>
           <p:nvPr/>
         </p:nvPicPr>
         <p:blipFill>
-          <a:blip r:embed="rId3"/>
+          <a:blip r:embed="rId1"/>
           <a:stretch/>
         </p:blipFill>
         <p:spPr>
           <a:xfrm>
-            <a:off x="2699640" y="1439640"/>
-            <a:ext cx="4452120" cy="3463920"/>
+            <a:off x="2340000" y="1308960"/>
+            <a:ext cx="5865480" cy="4090680"/>
           </a:xfrm>
           <a:prstGeom prst="rect">
             <a:avLst/>
@@ -4572,14 +6586,14 @@
       </p:grpSpPr>
       <p:sp>
         <p:nvSpPr>
-          <p:cNvPr id="135" name=""/>
+          <p:cNvPr id="165" name="Rectangle 128"/>
           <p:cNvSpPr/>
           <p:nvPr/>
         </p:nvSpPr>
         <p:spPr>
           <a:xfrm>
             <a:off x="0" y="360"/>
-            <a:ext cx="10078560" cy="1249560"/>
+            <a:ext cx="10078200" cy="1249200"/>
           </a:xfrm>
           <a:prstGeom prst="rect">
             <a:avLst/>
@@ -4645,7 +6659,7 @@
                 <a:latin typeface="Arial"/>
                 <a:ea typeface="DejaVu Sans"/>
               </a:rPr>
-              <a:t>- Mock-Up -</a:t>
+              <a:t>- Zoning -</a:t>
             </a:r>
             <a:endParaRPr b="0" lang="fr-FR" sz="2800" spc="-1" strike="noStrike">
               <a:latin typeface="Arial"/>
@@ -4655,14 +6669,14 @@
       </p:sp>
       <p:sp>
         <p:nvSpPr>
-          <p:cNvPr id="136" name=""/>
+          <p:cNvPr id="166" name="Rectangle 129"/>
           <p:cNvSpPr/>
           <p:nvPr/>
         </p:nvSpPr>
         <p:spPr>
           <a:xfrm>
             <a:off x="0" y="1250280"/>
-            <a:ext cx="10078560" cy="4418280"/>
+            <a:ext cx="10078200" cy="4417920"/>
           </a:xfrm>
           <a:prstGeom prst="rect">
             <a:avLst/>
@@ -4776,14 +6790,14 @@
       </p:sp>
       <p:sp>
         <p:nvSpPr>
-          <p:cNvPr id="137" name=""/>
+          <p:cNvPr id="167" name="Rectangle 130"/>
           <p:cNvSpPr/>
           <p:nvPr/>
         </p:nvSpPr>
         <p:spPr>
           <a:xfrm>
             <a:off x="9331920" y="4971960"/>
-            <a:ext cx="566640" cy="426600"/>
+            <a:ext cx="566280" cy="426240"/>
           </a:xfrm>
           <a:prstGeom prst="rect">
             <a:avLst/>
@@ -4809,7 +6823,7 @@
                 <a:spcPct val="100000"/>
               </a:lnSpc>
             </a:pPr>
-            <a:fld id="{8C2367B2-34ED-47C2-A63D-22CE013B8904}" type="slidenum">
+            <a:fld id="{51220E89-2CE3-49D8-887A-8BC4A14E5548}" type="slidenum">
               <a:rPr b="1" lang="fr-FR" sz="1800" spc="-1" strike="noStrike">
                 <a:solidFill>
                   <a:srgbClr val="ffffff"/>
@@ -4827,7 +6841,7 @@
       </p:sp>
       <p:pic>
         <p:nvPicPr>
-          <p:cNvPr id="138" name="" descr=""/>
+          <p:cNvPr id="168" name="Image 133" descr=""/>
           <p:cNvPicPr/>
           <p:nvPr/>
         </p:nvPicPr>
@@ -4837,8 +6851,31 @@
         </p:blipFill>
         <p:spPr>
           <a:xfrm>
-            <a:off x="2028240" y="1439640"/>
-            <a:ext cx="6430320" cy="4138920"/>
+            <a:off x="2699640" y="1439640"/>
+            <a:ext cx="4451760" cy="3463560"/>
+          </a:xfrm>
+          <a:prstGeom prst="rect">
+            <a:avLst/>
+          </a:prstGeom>
+          <a:ln w="0">
+            <a:noFill/>
+          </a:ln>
+        </p:spPr>
+      </p:pic>
+      <p:pic>
+        <p:nvPicPr>
+          <p:cNvPr id="169" name="" descr=""/>
+          <p:cNvPicPr/>
+          <p:nvPr/>
+        </p:nvPicPr>
+        <p:blipFill>
+          <a:blip r:embed="rId2"/>
+          <a:stretch/>
+        </p:blipFill>
+        <p:spPr>
+          <a:xfrm>
+            <a:off x="1968480" y="4495680"/>
+            <a:ext cx="6108840" cy="1066680"/>
           </a:xfrm>
           <a:prstGeom prst="rect">
             <a:avLst/>
@@ -4880,14 +6917,14 @@
       </p:grpSpPr>
       <p:sp>
         <p:nvSpPr>
-          <p:cNvPr id="139" name=""/>
+          <p:cNvPr id="170" name="Rectangle 134"/>
           <p:cNvSpPr/>
           <p:nvPr/>
         </p:nvSpPr>
         <p:spPr>
           <a:xfrm>
             <a:off x="0" y="360"/>
-            <a:ext cx="10078560" cy="1249560"/>
+            <a:ext cx="10078200" cy="1249200"/>
           </a:xfrm>
           <a:prstGeom prst="rect">
             <a:avLst/>
@@ -4953,7 +6990,7 @@
                 <a:latin typeface="Arial"/>
                 <a:ea typeface="DejaVu Sans"/>
               </a:rPr>
-              <a:t>- Prototype -</a:t>
+              <a:t>- Mock-Up -</a:t>
             </a:r>
             <a:endParaRPr b="0" lang="fr-FR" sz="2800" spc="-1" strike="noStrike">
               <a:latin typeface="Arial"/>
@@ -4963,14 +7000,14 @@
       </p:sp>
       <p:sp>
         <p:nvSpPr>
-          <p:cNvPr id="140" name=""/>
+          <p:cNvPr id="171" name="Rectangle 135"/>
           <p:cNvSpPr/>
           <p:nvPr/>
         </p:nvSpPr>
         <p:spPr>
           <a:xfrm>
             <a:off x="0" y="1250280"/>
-            <a:ext cx="10078560" cy="4418280"/>
+            <a:ext cx="10078200" cy="4417920"/>
           </a:xfrm>
           <a:prstGeom prst="rect">
             <a:avLst/>
@@ -5084,14 +7121,14 @@
       </p:sp>
       <p:sp>
         <p:nvSpPr>
-          <p:cNvPr id="141" name=""/>
+          <p:cNvPr id="172" name="Rectangle 136"/>
           <p:cNvSpPr/>
           <p:nvPr/>
         </p:nvSpPr>
         <p:spPr>
           <a:xfrm>
             <a:off x="9331920" y="4971960"/>
-            <a:ext cx="566640" cy="426600"/>
+            <a:ext cx="566280" cy="426240"/>
           </a:xfrm>
           <a:prstGeom prst="rect">
             <a:avLst/>
@@ -5117,7 +7154,7 @@
                 <a:spcPct val="100000"/>
               </a:lnSpc>
             </a:pPr>
-            <a:fld id="{F5909E62-C13B-4482-BCCC-48D888F3A11F}" type="slidenum">
+            <a:fld id="{A758A584-5446-4CB4-B576-2321DB8FDC38}" type="slidenum">
               <a:rPr b="1" lang="fr-FR" sz="1800" spc="-1" strike="noStrike">
                 <a:solidFill>
                   <a:srgbClr val="ffffff"/>
@@ -5135,7 +7172,7 @@
       </p:sp>
       <p:pic>
         <p:nvPicPr>
-          <p:cNvPr id="142" name="" descr=""/>
+          <p:cNvPr id="173" name="Image 137" descr=""/>
           <p:cNvPicPr/>
           <p:nvPr/>
         </p:nvPicPr>
@@ -5145,8 +7182,8 @@
         </p:blipFill>
         <p:spPr>
           <a:xfrm>
-            <a:off x="2339640" y="1409760"/>
-            <a:ext cx="5578920" cy="4168800"/>
+            <a:off x="2028240" y="1439640"/>
+            <a:ext cx="6429960" cy="4138560"/>
           </a:xfrm>
           <a:prstGeom prst="rect">
             <a:avLst/>
@@ -5188,14 +7225,14 @@
       </p:grpSpPr>
       <p:sp>
         <p:nvSpPr>
-          <p:cNvPr id="143" name=""/>
+          <p:cNvPr id="174" name="Rectangle 138"/>
           <p:cNvSpPr/>
           <p:nvPr/>
         </p:nvSpPr>
         <p:spPr>
           <a:xfrm>
             <a:off x="0" y="360"/>
-            <a:ext cx="10078560" cy="1249560"/>
+            <a:ext cx="10078200" cy="1249200"/>
           </a:xfrm>
           <a:prstGeom prst="rect">
             <a:avLst/>
@@ -5261,7 +7298,7 @@
                 <a:latin typeface="Arial"/>
                 <a:ea typeface="DejaVu Sans"/>
               </a:rPr>
-              <a:t>- Prototype – Mobile -</a:t>
+              <a:t>- Prototype -</a:t>
             </a:r>
             <a:endParaRPr b="0" lang="fr-FR" sz="2800" spc="-1" strike="noStrike">
               <a:latin typeface="Arial"/>
@@ -5271,14 +7308,14 @@
       </p:sp>
       <p:sp>
         <p:nvSpPr>
-          <p:cNvPr id="144" name=""/>
+          <p:cNvPr id="175" name="Rectangle 139"/>
           <p:cNvSpPr/>
           <p:nvPr/>
         </p:nvSpPr>
         <p:spPr>
           <a:xfrm>
             <a:off x="0" y="1250280"/>
-            <a:ext cx="10078560" cy="4418280"/>
+            <a:ext cx="10078200" cy="4417920"/>
           </a:xfrm>
           <a:prstGeom prst="rect">
             <a:avLst/>
@@ -5392,14 +7429,14 @@
       </p:sp>
       <p:sp>
         <p:nvSpPr>
-          <p:cNvPr id="145" name=""/>
+          <p:cNvPr id="176" name="Rectangle 140"/>
           <p:cNvSpPr/>
           <p:nvPr/>
         </p:nvSpPr>
         <p:spPr>
           <a:xfrm>
             <a:off x="9331920" y="4971960"/>
-            <a:ext cx="566640" cy="426600"/>
+            <a:ext cx="566280" cy="426240"/>
           </a:xfrm>
           <a:prstGeom prst="rect">
             <a:avLst/>
@@ -5425,7 +7462,7 @@
                 <a:spcPct val="100000"/>
               </a:lnSpc>
             </a:pPr>
-            <a:fld id="{25F3E9B7-B46B-4E92-B6A9-1105DE663EC6}" type="slidenum">
+            <a:fld id="{D906A528-5E2C-42AC-B036-94B6332EE30B}" type="slidenum">
               <a:rPr b="1" lang="fr-FR" sz="1800" spc="-1" strike="noStrike">
                 <a:solidFill>
                   <a:srgbClr val="ffffff"/>
@@ -5443,7 +7480,7 @@
       </p:sp>
       <p:pic>
         <p:nvPicPr>
-          <p:cNvPr id="146" name="" descr=""/>
+          <p:cNvPr id="177" name="Image 141" descr=""/>
           <p:cNvPicPr/>
           <p:nvPr/>
         </p:nvPicPr>
@@ -5453,8 +7490,8 @@
         </p:blipFill>
         <p:spPr>
           <a:xfrm>
-            <a:off x="4139640" y="1365480"/>
-            <a:ext cx="2031840" cy="4213080"/>
+            <a:off x="2339640" y="1409760"/>
+            <a:ext cx="5578560" cy="4168440"/>
           </a:xfrm>
           <a:prstGeom prst="rect">
             <a:avLst/>
@@ -5464,47 +7501,6 @@
           </a:ln>
         </p:spPr>
       </p:pic>
-      <p:graphicFrame>
-        <p:nvGraphicFramePr>
-          <p:cNvPr id="147" name=""/>
-          <p:cNvGraphicFramePr/>
-          <p:nvPr/>
-        </p:nvGraphicFramePr>
-        <p:xfrm>
-          <a:off x="-180000" y="4764960"/>
-          <a:ext cx="4138200" cy="635040"/>
-        </p:xfrm>
-        <a:graphic>
-          <a:graphicData uri="http://schemas.openxmlformats.org/presentationml/2006/ole">
-            <p:oleObj progId="Word.Document.12" r:id="rId2" spid="">
-              <p:embed/>
-              <p:pic>
-                <p:nvPicPr>
-                  <p:cNvPr id="148" name="" descr=""/>
-                  <p:cNvPicPr/>
-                  <p:nvPr/>
-                </p:nvPicPr>
-                <p:blipFill>
-                  <a:blip r:embed="rId3"/>
-                  <a:stretch/>
-                </p:blipFill>
-                <p:spPr>
-                  <a:xfrm>
-                    <a:off x="-180000" y="4764960"/>
-                    <a:ext cx="4138200" cy="635040"/>
-                  </a:xfrm>
-                  <a:prstGeom prst="rect">
-                    <a:avLst/>
-                  </a:prstGeom>
-                  <a:ln w="0">
-                    <a:noFill/>
-                  </a:ln>
-                </p:spPr>
-              </p:pic>
-            </p:oleObj>
-          </a:graphicData>
-        </a:graphic>
-      </p:graphicFrame>
     </p:spTree>
   </p:cSld>
   <mc:AlternateContent>
@@ -5519,6 +7515,337 @@
 </file>
 
 <file path=ppt/slides/slide17.xml><?xml version="1.0" encoding="utf-8"?>
+<p:sld xmlns:a="http://schemas.openxmlformats.org/drawingml/2006/main" xmlns:p="http://schemas.openxmlformats.org/presentationml/2006/main" xmlns:r="http://schemas.openxmlformats.org/officeDocument/2006/relationships" xmlns:p14="http://schemas.microsoft.com/office/powerpoint/2010/main" xmlns:p15="http://schemas.microsoft.com/office/powerpoint/2012/main" xmlns:mc="http://schemas.openxmlformats.org/markup-compatibility/2006">
+  <p:cSld>
+    <p:spTree>
+      <p:nvGrpSpPr>
+        <p:cNvPr id="1" name=""/>
+        <p:cNvGrpSpPr/>
+        <p:nvPr/>
+      </p:nvGrpSpPr>
+      <p:grpSpPr>
+        <a:xfrm>
+          <a:off x="0" y="0"/>
+          <a:ext cx="0" cy="0"/>
+          <a:chOff x="0" y="0"/>
+          <a:chExt cx="0" cy="0"/>
+        </a:xfrm>
+      </p:grpSpPr>
+      <p:sp>
+        <p:nvSpPr>
+          <p:cNvPr id="178" name="Rectangle 142"/>
+          <p:cNvSpPr/>
+          <p:nvPr/>
+        </p:nvSpPr>
+        <p:spPr>
+          <a:xfrm>
+            <a:off x="0" y="360"/>
+            <a:ext cx="10078200" cy="1249200"/>
+          </a:xfrm>
+          <a:prstGeom prst="rect">
+            <a:avLst/>
+          </a:prstGeom>
+          <a:gradFill rotWithShape="0">
+            <a:gsLst>
+              <a:gs pos="0">
+                <a:srgbClr val="8d281e"/>
+              </a:gs>
+              <a:gs pos="100000">
+                <a:srgbClr val="000000"/>
+              </a:gs>
+            </a:gsLst>
+            <a:path path="rect">
+              <a:fillToRect l="50000" t="50000" r="50000" b="50000"/>
+            </a:path>
+          </a:gradFill>
+          <a:ln w="0">
+            <a:noFill/>
+          </a:ln>
+        </p:spPr>
+        <p:style>
+          <a:lnRef idx="0"/>
+          <a:fillRef idx="0"/>
+          <a:effectRef idx="0"/>
+          <a:fontRef idx="minor"/>
+        </p:style>
+        <p:txBody>
+          <a:bodyPr lIns="0" rIns="0" tIns="0" bIns="0" anchor="ctr">
+            <a:noAutofit/>
+          </a:bodyPr>
+          <a:p>
+            <a:pPr algn="ctr">
+              <a:lnSpc>
+                <a:spcPct val="100000"/>
+              </a:lnSpc>
+            </a:pPr>
+            <a:r>
+              <a:rPr b="0" lang="fr-FR" sz="3200" spc="-1" strike="noStrike">
+                <a:solidFill>
+                  <a:srgbClr val="ffffff"/>
+                </a:solidFill>
+                <a:latin typeface="Arial"/>
+                <a:ea typeface="DejaVu Sans"/>
+              </a:rPr>
+              <a:t>Maquettes</a:t>
+            </a:r>
+            <a:endParaRPr b="0" lang="fr-FR" sz="3200" spc="-1" strike="noStrike">
+              <a:latin typeface="Arial"/>
+            </a:endParaRPr>
+          </a:p>
+          <a:p>
+            <a:pPr algn="ctr">
+              <a:lnSpc>
+                <a:spcPct val="100000"/>
+              </a:lnSpc>
+            </a:pPr>
+            <a:r>
+              <a:rPr b="0" lang="fr-FR" sz="2800" spc="-1" strike="noStrike">
+                <a:solidFill>
+                  <a:srgbClr val="ffffff"/>
+                </a:solidFill>
+                <a:latin typeface="Arial"/>
+                <a:ea typeface="DejaVu Sans"/>
+              </a:rPr>
+              <a:t>- Prototype – Mobile -</a:t>
+            </a:r>
+            <a:endParaRPr b="0" lang="fr-FR" sz="2800" spc="-1" strike="noStrike">
+              <a:latin typeface="Arial"/>
+            </a:endParaRPr>
+          </a:p>
+        </p:txBody>
+      </p:sp>
+      <p:sp>
+        <p:nvSpPr>
+          <p:cNvPr id="179" name="Rectangle 143"/>
+          <p:cNvSpPr/>
+          <p:nvPr/>
+        </p:nvSpPr>
+        <p:spPr>
+          <a:xfrm>
+            <a:off x="0" y="1250280"/>
+            <a:ext cx="10078200" cy="4417920"/>
+          </a:xfrm>
+          <a:prstGeom prst="rect">
+            <a:avLst/>
+          </a:prstGeom>
+          <a:gradFill rotWithShape="0">
+            <a:gsLst>
+              <a:gs pos="0">
+                <a:srgbClr val="50938a"/>
+              </a:gs>
+              <a:gs pos="100000">
+                <a:srgbClr val="5983b0"/>
+              </a:gs>
+            </a:gsLst>
+            <a:lin ang="3600000"/>
+          </a:gradFill>
+          <a:ln w="0">
+            <a:noFill/>
+          </a:ln>
+        </p:spPr>
+        <p:style>
+          <a:lnRef idx="0"/>
+          <a:fillRef idx="0"/>
+          <a:effectRef idx="0"/>
+          <a:fontRef idx="minor"/>
+        </p:style>
+        <p:txBody>
+          <a:bodyPr lIns="90000" rIns="90000" tIns="45000" bIns="45000">
+            <a:noAutofit/>
+          </a:bodyPr>
+          <a:p>
+            <a:pPr>
+              <a:lnSpc>
+                <a:spcPct val="100000"/>
+              </a:lnSpc>
+            </a:pPr>
+            <a:endParaRPr b="0" lang="fr-FR" sz="1800" spc="-1" strike="noStrike">
+              <a:latin typeface="Arial"/>
+            </a:endParaRPr>
+          </a:p>
+          <a:p>
+            <a:pPr>
+              <a:lnSpc>
+                <a:spcPct val="100000"/>
+              </a:lnSpc>
+            </a:pPr>
+            <a:r>
+              <a:rPr b="0" lang="fr-FR" sz="1800" spc="-1" strike="noStrike">
+                <a:solidFill>
+                  <a:srgbClr val="ffffff"/>
+                </a:solidFill>
+                <a:latin typeface="Arial"/>
+                <a:ea typeface="DejaVu Sans"/>
+              </a:rPr>
+              <a:t>	</a:t>
+            </a:r>
+            <a:r>
+              <a:rPr b="0" lang="fr-FR" sz="1800" spc="-1" strike="noStrike">
+                <a:solidFill>
+                  <a:srgbClr val="ffffff"/>
+                </a:solidFill>
+                <a:latin typeface="Arial"/>
+                <a:ea typeface="DejaVu Sans"/>
+              </a:rPr>
+              <a:t>	</a:t>
+            </a:r>
+            <a:endParaRPr b="0" lang="fr-FR" sz="1800" spc="-1" strike="noStrike">
+              <a:latin typeface="Arial"/>
+            </a:endParaRPr>
+          </a:p>
+          <a:p>
+            <a:pPr>
+              <a:lnSpc>
+                <a:spcPct val="100000"/>
+              </a:lnSpc>
+            </a:pPr>
+            <a:r>
+              <a:rPr b="0" lang="fr-FR" sz="1800" spc="-1" strike="noStrike">
+                <a:solidFill>
+                  <a:srgbClr val="ffffff"/>
+                </a:solidFill>
+                <a:latin typeface="Arial"/>
+                <a:ea typeface="DejaVu Sans"/>
+              </a:rPr>
+              <a:t>	</a:t>
+            </a:r>
+            <a:r>
+              <a:rPr b="0" lang="fr-FR" sz="1800" spc="-1" strike="noStrike">
+                <a:solidFill>
+                  <a:srgbClr val="ffffff"/>
+                </a:solidFill>
+                <a:latin typeface="Arial"/>
+                <a:ea typeface="DejaVu Sans"/>
+              </a:rPr>
+              <a:t>	</a:t>
+            </a:r>
+            <a:r>
+              <a:rPr b="0" lang="fr-FR" sz="1800" spc="-1" strike="noStrike">
+                <a:solidFill>
+                  <a:srgbClr val="ffffff"/>
+                </a:solidFill>
+                <a:latin typeface="Arial"/>
+                <a:ea typeface="DejaVu Sans"/>
+              </a:rPr>
+              <a:t> </a:t>
+            </a:r>
+            <a:endParaRPr b="0" lang="fr-FR" sz="1800" spc="-1" strike="noStrike">
+              <a:latin typeface="Arial"/>
+            </a:endParaRPr>
+          </a:p>
+        </p:txBody>
+      </p:sp>
+      <p:sp>
+        <p:nvSpPr>
+          <p:cNvPr id="180" name="Rectangle 144"/>
+          <p:cNvSpPr/>
+          <p:nvPr/>
+        </p:nvSpPr>
+        <p:spPr>
+          <a:xfrm>
+            <a:off x="9331920" y="4971960"/>
+            <a:ext cx="566280" cy="426240"/>
+          </a:xfrm>
+          <a:prstGeom prst="rect">
+            <a:avLst/>
+          </a:prstGeom>
+          <a:noFill/>
+          <a:ln w="0">
+            <a:noFill/>
+          </a:ln>
+        </p:spPr>
+        <p:style>
+          <a:lnRef idx="0"/>
+          <a:fillRef idx="0"/>
+          <a:effectRef idx="0"/>
+          <a:fontRef idx="minor"/>
+        </p:style>
+        <p:txBody>
+          <a:bodyPr lIns="90000" rIns="90000" tIns="45000" bIns="45000">
+            <a:noAutofit/>
+          </a:bodyPr>
+          <a:p>
+            <a:pPr>
+              <a:lnSpc>
+                <a:spcPct val="100000"/>
+              </a:lnSpc>
+            </a:pPr>
+            <a:fld id="{9A726CF7-5B94-4821-995D-6D29CFC2BE52}" type="slidenum">
+              <a:rPr b="1" lang="fr-FR" sz="1800" spc="-1" strike="noStrike">
+                <a:solidFill>
+                  <a:srgbClr val="ffffff"/>
+                </a:solidFill>
+                <a:latin typeface="Times New Roman"/>
+                <a:ea typeface="DejaVu Sans"/>
+              </a:rPr>
+              <a:t>&lt;numéro&gt;</a:t>
+            </a:fld>
+            <a:endParaRPr b="0" lang="fr-FR" sz="1800" spc="-1" strike="noStrike">
+              <a:latin typeface="Arial"/>
+            </a:endParaRPr>
+          </a:p>
+        </p:txBody>
+      </p:sp>
+      <p:pic>
+        <p:nvPicPr>
+          <p:cNvPr id="181" name="Image 145" descr=""/>
+          <p:cNvPicPr/>
+          <p:nvPr/>
+        </p:nvPicPr>
+        <p:blipFill>
+          <a:blip r:embed="rId1"/>
+          <a:stretch/>
+        </p:blipFill>
+        <p:spPr>
+          <a:xfrm>
+            <a:off x="4139640" y="1365480"/>
+            <a:ext cx="2031480" cy="4212720"/>
+          </a:xfrm>
+          <a:prstGeom prst="rect">
+            <a:avLst/>
+          </a:prstGeom>
+          <a:ln w="0">
+            <a:noFill/>
+          </a:ln>
+        </p:spPr>
+      </p:pic>
+      <p:pic>
+        <p:nvPicPr>
+          <p:cNvPr id="182" name="" descr=""/>
+          <p:cNvPicPr/>
+          <p:nvPr/>
+        </p:nvPicPr>
+        <p:blipFill>
+          <a:blip r:embed="rId2"/>
+          <a:stretch/>
+        </p:blipFill>
+        <p:spPr>
+          <a:xfrm>
+            <a:off x="-177840" y="4762440"/>
+            <a:ext cx="4127400" cy="635040"/>
+          </a:xfrm>
+          <a:prstGeom prst="rect">
+            <a:avLst/>
+          </a:prstGeom>
+          <a:ln w="0">
+            <a:noFill/>
+          </a:ln>
+        </p:spPr>
+      </p:pic>
+    </p:spTree>
+  </p:cSld>
+  <mc:AlternateContent>
+    <mc:Choice Requires="p14">
+      <p:transition spd="slow" p14:dur="2000"/>
+    </mc:Choice>
+    <mc:Fallback>
+      <p:transition spd="slow"/>
+    </mc:Fallback>
+  </mc:AlternateContent>
+</p:sld>
+</file>
+
+<file path=ppt/slides/slide18.xml><?xml version="1.0" encoding="utf-8"?>
 <p:sld xmlns:a="http://schemas.openxmlformats.org/drawingml/2006/main" xmlns:p="http://schemas.openxmlformats.org/presentationml/2006/main" xmlns:r="http://schemas.openxmlformats.org/officeDocument/2006/relationships" xmlns:p14="http://schemas.microsoft.com/office/powerpoint/2010/main" xmlns:p15="http://schemas.microsoft.com/office/powerpoint/2012/main" xmlns:mc="http://schemas.openxmlformats.org/markup-compatibility/2006">
   <p:cSld>
     <p:bg>
@@ -5552,14 +7879,14 @@
       </p:grpSpPr>
       <p:sp>
         <p:nvSpPr>
-          <p:cNvPr id="149" name=""/>
+          <p:cNvPr id="183" name="Rectangle 148"/>
           <p:cNvSpPr/>
           <p:nvPr/>
         </p:nvSpPr>
         <p:spPr>
           <a:xfrm>
             <a:off x="0" y="2340000"/>
-            <a:ext cx="10078560" cy="1249560"/>
+            <a:ext cx="10078200" cy="1249200"/>
           </a:xfrm>
           <a:prstGeom prst="rect">
             <a:avLst/>
@@ -5653,14 +7980,14 @@
       </p:grpSpPr>
       <p:sp>
         <p:nvSpPr>
-          <p:cNvPr id="81" name="PlaceHolder 1"/>
-          <p:cNvSpPr txBox="1"/>
+          <p:cNvPr id="119" name="PlaceHolder 1"/>
+          <p:cNvSpPr/>
           <p:nvPr/>
         </p:nvSpPr>
         <p:spPr>
           <a:xfrm>
             <a:off x="0" y="0"/>
-            <a:ext cx="10078560" cy="1249560"/>
+            <a:ext cx="10078200" cy="1249200"/>
           </a:xfrm>
           <a:prstGeom prst="rect">
             <a:avLst/>
@@ -5682,6 +8009,12 @@
             <a:noFill/>
           </a:ln>
         </p:spPr>
+        <p:style>
+          <a:lnRef idx="0"/>
+          <a:fillRef idx="0"/>
+          <a:effectRef idx="0"/>
+          <a:fontRef idx="minor"/>
+        </p:style>
         <p:txBody>
           <a:bodyPr lIns="0" rIns="0" tIns="0" bIns="0" anchor="ctr">
             <a:noAutofit/>
@@ -5698,6 +8031,7 @@
                   <a:srgbClr val="ffffff"/>
                 </a:solidFill>
                 <a:latin typeface="Arial"/>
+                <a:ea typeface="DejaVu Sans"/>
               </a:rPr>
               <a:t>Présentation du site web </a:t>
             </a:r>
@@ -5708,17 +8042,9 @@
                   <a:srgbClr val="ffffff"/>
                 </a:solidFill>
                 <a:latin typeface="Arial"/>
-              </a:rPr>
-              <a:t>- </a:t>
-            </a:r>
-            <a:r>
-              <a:rPr b="0" lang="fr-FR" sz="2800" spc="-1" strike="noStrike">
-                <a:solidFill>
-                  <a:srgbClr val="ffffff"/>
-                </a:solidFill>
-                <a:latin typeface="Arial"/>
-              </a:rPr>
-              <a:t>HerOut -</a:t>
+                <a:ea typeface="DejaVu Sans"/>
+              </a:rPr>
+              <a:t>- HerOut -</a:t>
             </a:r>
             <a:endParaRPr b="0" lang="fr-FR" sz="2800" spc="-1" strike="noStrike">
               <a:latin typeface="Arial"/>
@@ -5728,14 +8054,14 @@
       </p:sp>
       <p:sp>
         <p:nvSpPr>
-          <p:cNvPr id="82" name=""/>
+          <p:cNvPr id="120" name="Rectangle 81"/>
           <p:cNvSpPr/>
           <p:nvPr/>
         </p:nvSpPr>
         <p:spPr>
           <a:xfrm>
             <a:off x="0" y="1249920"/>
-            <a:ext cx="5398920" cy="4418280"/>
+            <a:ext cx="5398560" cy="4417920"/>
           </a:xfrm>
           <a:prstGeom prst="rect">
             <a:avLst/>
@@ -6049,7 +8375,7 @@
       </p:sp>
       <p:pic>
         <p:nvPicPr>
-          <p:cNvPr id="83" name="" descr=""/>
+          <p:cNvPr id="121" name="Image 82" descr=""/>
           <p:cNvPicPr/>
           <p:nvPr/>
         </p:nvPicPr>
@@ -6060,7 +8386,7 @@
         <p:spPr>
           <a:xfrm>
             <a:off x="5399280" y="1259640"/>
-            <a:ext cx="4678920" cy="4408560"/>
+            <a:ext cx="4678560" cy="4408200"/>
           </a:xfrm>
           <a:prstGeom prst="rect">
             <a:avLst/>
@@ -6072,14 +8398,14 @@
       </p:pic>
       <p:sp>
         <p:nvSpPr>
-          <p:cNvPr id="84" name=""/>
+          <p:cNvPr id="122" name="Rectangle 83"/>
           <p:cNvSpPr/>
           <p:nvPr/>
         </p:nvSpPr>
         <p:spPr>
           <a:xfrm>
             <a:off x="9223920" y="4971960"/>
-            <a:ext cx="494640" cy="426600"/>
+            <a:ext cx="494280" cy="426240"/>
           </a:xfrm>
           <a:prstGeom prst="rect">
             <a:avLst/>
@@ -6105,7 +8431,7 @@
                 <a:spcPct val="100000"/>
               </a:lnSpc>
             </a:pPr>
-            <a:fld id="{72C51BA3-EA66-4038-82C7-017864AE3688}" type="slidenum">
+            <a:fld id="{125F7A04-2CFE-417D-A93A-9B44DFB34753}" type="slidenum">
               <a:rPr b="1" lang="fr-FR" sz="2400" spc="-1" strike="noStrike">
                 <a:solidFill>
                   <a:srgbClr val="ffffff"/>
@@ -6153,14 +8479,14 @@
       </p:grpSpPr>
       <p:sp>
         <p:nvSpPr>
-          <p:cNvPr id="85" name=""/>
+          <p:cNvPr id="123" name="Rectangle 84"/>
           <p:cNvSpPr/>
           <p:nvPr/>
         </p:nvSpPr>
         <p:spPr>
           <a:xfrm>
             <a:off x="0" y="360"/>
-            <a:ext cx="10078560" cy="1249560"/>
+            <a:ext cx="10078200" cy="1249200"/>
           </a:xfrm>
           <a:prstGeom prst="rect">
             <a:avLst/>
@@ -6210,31 +8536,31 @@
             </a:r>
             <a:br/>
             <a:r>
-              <a:rPr b="0" lang="fr-FR" sz="3200" spc="-1" strike="noStrike">
-                <a:solidFill>
-                  <a:srgbClr val="ffffff"/>
-                </a:solidFill>
-                <a:latin typeface="Arial"/>
-                <a:ea typeface="DejaVu Sans"/>
-              </a:rPr>
-              <a:t>HerOut</a:t>
-            </a:r>
-            <a:endParaRPr b="0" lang="fr-FR" sz="3200" spc="-1" strike="noStrike">
-              <a:latin typeface="Arial"/>
-            </a:endParaRPr>
-          </a:p>
-        </p:txBody>
-      </p:sp>
-      <p:sp>
-        <p:nvSpPr>
-          <p:cNvPr id="86" name=""/>
+              <a:rPr b="0" lang="fr-FR" sz="2800" spc="-1" strike="noStrike">
+                <a:solidFill>
+                  <a:srgbClr val="ffffff"/>
+                </a:solidFill>
+                <a:latin typeface="Arial"/>
+                <a:ea typeface="DejaVu Sans"/>
+              </a:rPr>
+              <a:t>- HerOut -</a:t>
+            </a:r>
+            <a:endParaRPr b="0" lang="fr-FR" sz="2800" spc="-1" strike="noStrike">
+              <a:latin typeface="Arial"/>
+            </a:endParaRPr>
+          </a:p>
+        </p:txBody>
+      </p:sp>
+      <p:sp>
+        <p:nvSpPr>
+          <p:cNvPr id="124" name="Rectangle 85"/>
           <p:cNvSpPr/>
           <p:nvPr/>
         </p:nvSpPr>
         <p:spPr>
           <a:xfrm>
             <a:off x="0" y="1250280"/>
-            <a:ext cx="10078560" cy="4418280"/>
+            <a:ext cx="10078200" cy="4417920"/>
           </a:xfrm>
           <a:prstGeom prst="rect">
             <a:avLst/>
@@ -6338,16 +8664,6 @@
                 <a:latin typeface="Arial"/>
                 <a:ea typeface="DejaVu Sans"/>
               </a:rPr>
-              <a:t>	</a:t>
-            </a:r>
-            <a:r>
-              <a:rPr b="0" lang="fr-FR" sz="1800" spc="-1" strike="noStrike">
-                <a:solidFill>
-                  <a:srgbClr val="ffffff"/>
-                </a:solidFill>
-                <a:latin typeface="Arial"/>
-                <a:ea typeface="DejaVu Sans"/>
-              </a:rPr>
               <a:t>Qui sommes-nous ? </a:t>
             </a:r>
             <a:endParaRPr b="0" lang="fr-FR" sz="1800" spc="-1" strike="noStrike">
@@ -6388,16 +8704,6 @@
                 <a:latin typeface="Arial"/>
                 <a:ea typeface="DejaVu Sans"/>
               </a:rPr>
-              <a:t>	</a:t>
-            </a:r>
-            <a:r>
-              <a:rPr b="0" lang="fr-FR" sz="1800" spc="-1" strike="noStrike">
-                <a:solidFill>
-                  <a:srgbClr val="ffffff"/>
-                </a:solidFill>
-                <a:latin typeface="Arial"/>
-                <a:ea typeface="DejaVu Sans"/>
-              </a:rPr>
               <a:t>Un fournisseur de cartes et de trajets de randonnée. </a:t>
             </a:r>
             <a:endParaRPr b="0" lang="fr-FR" sz="1800" spc="-1" strike="noStrike">
@@ -6448,16 +8754,6 @@
                 <a:latin typeface="Arial"/>
                 <a:ea typeface="DejaVu Sans"/>
               </a:rPr>
-              <a:t>	</a:t>
-            </a:r>
-            <a:r>
-              <a:rPr b="0" lang="fr-FR" sz="1800" spc="-1" strike="noStrike">
-                <a:solidFill>
-                  <a:srgbClr val="ffffff"/>
-                </a:solidFill>
-                <a:latin typeface="Arial"/>
-                <a:ea typeface="DejaVu Sans"/>
-              </a:rPr>
               <a:t>Un site inspiré des sites de randonnée les plus connus : </a:t>
             </a:r>
             <a:endParaRPr b="0" lang="fr-FR" sz="1800" spc="-1" strike="noStrike">
@@ -6508,16 +8804,6 @@
                 <a:latin typeface="Arial"/>
                 <a:ea typeface="DejaVu Sans"/>
               </a:rPr>
-              <a:t>	</a:t>
-            </a:r>
-            <a:r>
-              <a:rPr b="0" lang="fr-FR" sz="1800" spc="-1" strike="noStrike">
-                <a:solidFill>
-                  <a:srgbClr val="ffffff"/>
-                </a:solidFill>
-                <a:latin typeface="Arial"/>
-                <a:ea typeface="DejaVu Sans"/>
-              </a:rPr>
               <a:t>Visorando, Alltrails, Wikiloc. </a:t>
             </a:r>
             <a:endParaRPr b="0" lang="fr-FR" sz="1800" spc="-1" strike="noStrike">
@@ -6568,16 +8854,6 @@
                 <a:latin typeface="Arial"/>
                 <a:ea typeface="DejaVu Sans"/>
               </a:rPr>
-              <a:t>	</a:t>
-            </a:r>
-            <a:r>
-              <a:rPr b="0" lang="fr-FR" sz="1800" spc="-1" strike="noStrike">
-                <a:solidFill>
-                  <a:srgbClr val="ffffff"/>
-                </a:solidFill>
-                <a:latin typeface="Arial"/>
-                <a:ea typeface="DejaVu Sans"/>
-              </a:rPr>
               <a:t>Pour qui ? </a:t>
             </a:r>
             <a:endParaRPr b="0" lang="fr-FR" sz="1800" spc="-1" strike="noStrike">
@@ -6618,16 +8894,6 @@
                 <a:latin typeface="Arial"/>
                 <a:ea typeface="DejaVu Sans"/>
               </a:rPr>
-              <a:t>	</a:t>
-            </a:r>
-            <a:r>
-              <a:rPr b="0" lang="fr-FR" sz="1800" spc="-1" strike="noStrike">
-                <a:solidFill>
-                  <a:srgbClr val="ffffff"/>
-                </a:solidFill>
-                <a:latin typeface="Arial"/>
-                <a:ea typeface="DejaVu Sans"/>
-              </a:rPr>
               <a:t>Résidents désirant découvrir la région, touristes.</a:t>
             </a:r>
             <a:endParaRPr b="0" lang="fr-FR" sz="1800" spc="-1" strike="noStrike">
@@ -6678,16 +8944,6 @@
                 <a:latin typeface="Arial"/>
                 <a:ea typeface="DejaVu Sans"/>
               </a:rPr>
-              <a:t>	</a:t>
-            </a:r>
-            <a:r>
-              <a:rPr b="0" lang="fr-FR" sz="1800" spc="-1" strike="noStrike">
-                <a:solidFill>
-                  <a:srgbClr val="ffffff"/>
-                </a:solidFill>
-                <a:latin typeface="Arial"/>
-                <a:ea typeface="DejaVu Sans"/>
-              </a:rPr>
               <a:t>Avec qui ? </a:t>
             </a:r>
             <a:endParaRPr b="0" lang="fr-FR" sz="1800" spc="-1" strike="noStrike">
@@ -6728,16 +8984,6 @@
                 <a:latin typeface="Arial"/>
                 <a:ea typeface="DejaVu Sans"/>
               </a:rPr>
-              <a:t>	</a:t>
-            </a:r>
-            <a:r>
-              <a:rPr b="0" lang="fr-FR" sz="1800" spc="-1" strike="noStrike">
-                <a:solidFill>
-                  <a:srgbClr val="ffffff"/>
-                </a:solidFill>
-                <a:latin typeface="Arial"/>
-                <a:ea typeface="DejaVu Sans"/>
-              </a:rPr>
               <a:t>Offices de tourisme, collectivités territoriales de l’Hérault. </a:t>
             </a:r>
             <a:endParaRPr b="0" lang="fr-FR" sz="1800" spc="-1" strike="noStrike">
@@ -6748,14 +8994,14 @@
       </p:sp>
       <p:sp>
         <p:nvSpPr>
-          <p:cNvPr id="87" name=""/>
+          <p:cNvPr id="125" name="Rectangle 86"/>
           <p:cNvSpPr/>
           <p:nvPr/>
         </p:nvSpPr>
         <p:spPr>
           <a:xfrm>
             <a:off x="9331920" y="4972320"/>
-            <a:ext cx="566640" cy="426600"/>
+            <a:ext cx="566280" cy="426240"/>
           </a:xfrm>
           <a:prstGeom prst="rect">
             <a:avLst/>
@@ -6781,7 +9027,7 @@
                 <a:spcPct val="100000"/>
               </a:lnSpc>
             </a:pPr>
-            <a:fld id="{CDA0D46D-7E93-4378-B385-664849E130EB}" type="slidenum">
+            <a:fld id="{F5D599C6-6145-4335-960B-A0ABF04B3AA3}" type="slidenum">
               <a:rPr b="1" lang="fr-FR" sz="2400" spc="-1" strike="noStrike">
                 <a:solidFill>
                   <a:srgbClr val="ffffff"/>
@@ -6813,6 +9059,21 @@
 <file path=ppt/slides/slide4.xml><?xml version="1.0" encoding="utf-8"?>
 <p:sld xmlns:a="http://schemas.openxmlformats.org/drawingml/2006/main" xmlns:p="http://schemas.openxmlformats.org/presentationml/2006/main" xmlns:r="http://schemas.openxmlformats.org/officeDocument/2006/relationships" xmlns:p14="http://schemas.microsoft.com/office/powerpoint/2010/main" xmlns:p15="http://schemas.microsoft.com/office/powerpoint/2012/main" xmlns:mc="http://schemas.openxmlformats.org/markup-compatibility/2006">
   <p:cSld>
+    <p:bg>
+      <p:bgPr>
+        <a:gradFill rotWithShape="0">
+          <a:gsLst>
+            <a:gs pos="0">
+              <a:srgbClr val="50938a"/>
+            </a:gs>
+            <a:gs pos="100000">
+              <a:srgbClr val="5983b0"/>
+            </a:gs>
+          </a:gsLst>
+          <a:lin ang="3600000"/>
+        </a:gradFill>
+      </p:bgPr>
+    </p:bg>
     <p:spTree>
       <p:nvGrpSpPr>
         <p:cNvPr id="1" name=""/>
@@ -6829,14 +9090,14 @@
       </p:grpSpPr>
       <p:sp>
         <p:nvSpPr>
-          <p:cNvPr id="88" name=""/>
+          <p:cNvPr id="126" name="PlaceHolder 1_0"/>
           <p:cNvSpPr/>
           <p:nvPr/>
         </p:nvSpPr>
         <p:spPr>
           <a:xfrm>
-            <a:off x="0" y="360"/>
-            <a:ext cx="10078560" cy="1249560"/>
+            <a:off x="0" y="0"/>
+            <a:ext cx="10078200" cy="1249200"/>
           </a:xfrm>
           <a:prstGeom prst="rect">
             <a:avLst/>
@@ -6882,18 +9143,9 @@
                 <a:latin typeface="Arial"/>
                 <a:ea typeface="DejaVu Sans"/>
               </a:rPr>
-              <a:t>Contexte</a:t>
-            </a:r>
-            <a:endParaRPr b="0" lang="fr-FR" sz="3200" spc="-1" strike="noStrike">
-              <a:latin typeface="Arial"/>
-            </a:endParaRPr>
-          </a:p>
-          <a:p>
-            <a:pPr algn="ctr">
-              <a:lnSpc>
-                <a:spcPct val="100000"/>
-              </a:lnSpc>
-            </a:pPr>
+              <a:t>Contexte </a:t>
+            </a:r>
+            <a:br/>
             <a:r>
               <a:rPr b="0" lang="fr-FR" sz="2800" spc="-1" strike="noStrike">
                 <a:solidFill>
@@ -6902,7 +9154,7 @@
                 <a:latin typeface="Arial"/>
                 <a:ea typeface="DejaVu Sans"/>
               </a:rPr>
-              <a:t>- Personae -</a:t>
+              <a:t>- Charte Editoriale  -</a:t>
             </a:r>
             <a:endParaRPr b="0" lang="fr-FR" sz="2800" spc="-1" strike="noStrike">
               <a:latin typeface="Arial"/>
@@ -6912,135 +9164,14 @@
       </p:sp>
       <p:sp>
         <p:nvSpPr>
-          <p:cNvPr id="89" name=""/>
-          <p:cNvSpPr/>
+          <p:cNvPr id="127" name=""/>
+          <p:cNvSpPr txBox="1"/>
           <p:nvPr/>
         </p:nvSpPr>
         <p:spPr>
           <a:xfrm>
-            <a:off x="0" y="1250280"/>
-            <a:ext cx="10078560" cy="4418280"/>
-          </a:xfrm>
-          <a:prstGeom prst="rect">
-            <a:avLst/>
-          </a:prstGeom>
-          <a:gradFill rotWithShape="0">
-            <a:gsLst>
-              <a:gs pos="0">
-                <a:srgbClr val="50938a"/>
-              </a:gs>
-              <a:gs pos="100000">
-                <a:srgbClr val="5983b0"/>
-              </a:gs>
-            </a:gsLst>
-            <a:lin ang="3600000"/>
-          </a:gradFill>
-          <a:ln w="0">
-            <a:noFill/>
-          </a:ln>
-        </p:spPr>
-        <p:style>
-          <a:lnRef idx="0"/>
-          <a:fillRef idx="0"/>
-          <a:effectRef idx="0"/>
-          <a:fontRef idx="minor"/>
-        </p:style>
-        <p:txBody>
-          <a:bodyPr lIns="90000" rIns="90000" tIns="45000" bIns="45000">
-            <a:noAutofit/>
-          </a:bodyPr>
-          <a:p>
-            <a:pPr>
-              <a:lnSpc>
-                <a:spcPct val="100000"/>
-              </a:lnSpc>
-            </a:pPr>
-            <a:endParaRPr b="0" lang="fr-FR" sz="1800" spc="-1" strike="noStrike">
-              <a:latin typeface="Arial"/>
-            </a:endParaRPr>
-          </a:p>
-          <a:p>
-            <a:pPr>
-              <a:lnSpc>
-                <a:spcPct val="100000"/>
-              </a:lnSpc>
-            </a:pPr>
-            <a:r>
-              <a:rPr b="0" lang="fr-FR" sz="1800" spc="-1" strike="noStrike">
-                <a:solidFill>
-                  <a:srgbClr val="ffffff"/>
-                </a:solidFill>
-                <a:latin typeface="Arial"/>
-                <a:ea typeface="DejaVu Sans"/>
-              </a:rPr>
-              <a:t>	</a:t>
-            </a:r>
-            <a:r>
-              <a:rPr b="0" lang="fr-FR" sz="1800" spc="-1" strike="noStrike">
-                <a:solidFill>
-                  <a:srgbClr val="ffffff"/>
-                </a:solidFill>
-                <a:latin typeface="Arial"/>
-                <a:ea typeface="DejaVu Sans"/>
-              </a:rPr>
-              <a:t>	</a:t>
-            </a:r>
-            <a:endParaRPr b="0" lang="fr-FR" sz="1800" spc="-1" strike="noStrike">
-              <a:latin typeface="Arial"/>
-            </a:endParaRPr>
-          </a:p>
-          <a:p>
-            <a:pPr>
-              <a:lnSpc>
-                <a:spcPct val="100000"/>
-              </a:lnSpc>
-            </a:pPr>
-            <a:r>
-              <a:rPr b="0" lang="fr-FR" sz="1800" spc="-1" strike="noStrike">
-                <a:solidFill>
-                  <a:srgbClr val="ffffff"/>
-                </a:solidFill>
-                <a:latin typeface="Arial"/>
-                <a:ea typeface="DejaVu Sans"/>
-              </a:rPr>
-              <a:t>	</a:t>
-            </a:r>
-            <a:r>
-              <a:rPr b="0" lang="fr-FR" sz="1800" spc="-1" strike="noStrike">
-                <a:solidFill>
-                  <a:srgbClr val="ffffff"/>
-                </a:solidFill>
-                <a:latin typeface="Arial"/>
-                <a:ea typeface="DejaVu Sans"/>
-              </a:rPr>
-              <a:t>	</a:t>
-            </a:r>
-            <a:r>
-              <a:rPr b="0" lang="fr-FR" sz="1800" spc="-1" strike="noStrike">
-                <a:solidFill>
-                  <a:srgbClr val="ffffff"/>
-                </a:solidFill>
-                <a:latin typeface="Arial"/>
-                <a:ea typeface="DejaVu Sans"/>
-              </a:rPr>
-              <a:t> </a:t>
-            </a:r>
-            <a:endParaRPr b="0" lang="fr-FR" sz="1800" spc="-1" strike="noStrike">
-              <a:latin typeface="Arial"/>
-            </a:endParaRPr>
-          </a:p>
-        </p:txBody>
-      </p:sp>
-      <p:sp>
-        <p:nvSpPr>
-          <p:cNvPr id="90" name=""/>
-          <p:cNvSpPr/>
-          <p:nvPr/>
-        </p:nvSpPr>
-        <p:spPr>
-          <a:xfrm>
-            <a:off x="9331920" y="4972320"/>
-            <a:ext cx="566640" cy="426600"/>
+            <a:off x="1440000" y="2160000"/>
+            <a:ext cx="6660000" cy="1114200"/>
           </a:xfrm>
           <a:prstGeom prst="rect">
             <a:avLst/>
@@ -7050,61 +9181,47 @@
             <a:noFill/>
           </a:ln>
         </p:spPr>
-        <p:style>
-          <a:lnRef idx="0"/>
-          <a:fillRef idx="0"/>
-          <a:effectRef idx="0"/>
-          <a:fontRef idx="minor"/>
-        </p:style>
         <p:txBody>
           <a:bodyPr lIns="90000" rIns="90000" tIns="45000" bIns="45000">
             <a:noAutofit/>
           </a:bodyPr>
           <a:p>
-            <a:pPr>
-              <a:lnSpc>
-                <a:spcPct val="100000"/>
-              </a:lnSpc>
-            </a:pPr>
-            <a:fld id="{EF71BA59-3C87-437A-951D-11171A964AA8}" type="slidenum">
-              <a:rPr b="1" lang="fr-FR" sz="2400" spc="-1" strike="noStrike">
-                <a:solidFill>
-                  <a:srgbClr val="ffffff"/>
-                </a:solidFill>
-                <a:latin typeface="Times New Roman"/>
-                <a:ea typeface="DejaVu Sans"/>
-              </a:rPr>
-              <a:t>&lt;numéro&gt;</a:t>
-            </a:fld>
-            <a:endParaRPr b="0" lang="fr-FR" sz="2400" spc="-1" strike="noStrike">
-              <a:latin typeface="Arial"/>
-            </a:endParaRPr>
-          </a:p>
-        </p:txBody>
-      </p:sp>
-      <p:pic>
-        <p:nvPicPr>
-          <p:cNvPr id="91" name="" descr=""/>
-          <p:cNvPicPr/>
-          <p:nvPr/>
-        </p:nvPicPr>
-        <p:blipFill>
-          <a:blip r:embed="rId1"/>
-          <a:stretch/>
-        </p:blipFill>
-        <p:spPr>
-          <a:xfrm>
-            <a:off x="2520000" y="1440000"/>
-            <a:ext cx="5585760" cy="4125960"/>
-          </a:xfrm>
-          <a:prstGeom prst="rect">
-            <a:avLst/>
-          </a:prstGeom>
-          <a:ln w="0">
-            <a:noFill/>
-          </a:ln>
-        </p:spPr>
-      </p:pic>
+            <a:r>
+              <a:rPr b="0" lang="fr-FR" sz="1800" spc="-1" strike="noStrike">
+                <a:solidFill>
+                  <a:srgbClr val="ffffff"/>
+                </a:solidFill>
+                <a:latin typeface="Arial"/>
+              </a:rPr>
+              <a:t> </a:t>
+            </a:r>
+            <a:r>
+              <a:rPr b="0" lang="fr-FR" sz="1800" spc="-1" strike="noStrike">
+                <a:solidFill>
+                  <a:srgbClr val="ffffff"/>
+                </a:solidFill>
+                <a:latin typeface="Arial"/>
+              </a:rPr>
+              <a:t>	</a:t>
+            </a:r>
+            <a:r>
+              <a:rPr b="0" lang="fr-FR" sz="1800" spc="-1" strike="noStrike">
+                <a:solidFill>
+                  <a:srgbClr val="ffffff"/>
+                </a:solidFill>
+                <a:latin typeface="Arial"/>
+              </a:rPr>
+              <a:t>Un ton sérieux, informatif, pourquoi pas ponctué d’un peu plus de familiarités ou d’humour pour refléter le caractère bon-enfant des activités visées par le site, et l’aspect communautaire.</a:t>
+            </a:r>
+            <a:endParaRPr b="0" lang="fr-FR" sz="1800" spc="-1" strike="noStrike">
+              <a:solidFill>
+                <a:srgbClr val="ffffff"/>
+              </a:solidFill>
+              <a:latin typeface="Arial"/>
+            </a:endParaRPr>
+          </a:p>
+        </p:txBody>
+      </p:sp>
     </p:spTree>
   </p:cSld>
   <mc:AlternateContent>
@@ -7137,14 +9254,14 @@
       </p:grpSpPr>
       <p:sp>
         <p:nvSpPr>
-          <p:cNvPr id="92" name=""/>
+          <p:cNvPr id="128" name="Rectangle 87"/>
           <p:cNvSpPr/>
           <p:nvPr/>
         </p:nvSpPr>
         <p:spPr>
           <a:xfrm>
             <a:off x="0" y="360"/>
-            <a:ext cx="10078560" cy="1249560"/>
+            <a:ext cx="10078200" cy="1249200"/>
           </a:xfrm>
           <a:prstGeom prst="rect">
             <a:avLst/>
@@ -7220,14 +9337,14 @@
       </p:sp>
       <p:sp>
         <p:nvSpPr>
-          <p:cNvPr id="93" name=""/>
+          <p:cNvPr id="129" name="Rectangle 88"/>
           <p:cNvSpPr/>
           <p:nvPr/>
         </p:nvSpPr>
         <p:spPr>
           <a:xfrm>
             <a:off x="0" y="1250280"/>
-            <a:ext cx="10078560" cy="4418280"/>
+            <a:ext cx="10078200" cy="4417920"/>
           </a:xfrm>
           <a:prstGeom prst="rect">
             <a:avLst/>
@@ -7341,14 +9458,14 @@
       </p:sp>
       <p:sp>
         <p:nvSpPr>
-          <p:cNvPr id="94" name=""/>
+          <p:cNvPr id="130" name="Rectangle 89"/>
           <p:cNvSpPr/>
           <p:nvPr/>
         </p:nvSpPr>
         <p:spPr>
           <a:xfrm>
             <a:off x="9331920" y="4972320"/>
-            <a:ext cx="566640" cy="426600"/>
+            <a:ext cx="566280" cy="426240"/>
           </a:xfrm>
           <a:prstGeom prst="rect">
             <a:avLst/>
@@ -7374,7 +9491,7 @@
                 <a:spcPct val="100000"/>
               </a:lnSpc>
             </a:pPr>
-            <a:fld id="{97B84300-A07E-4A20-9FB6-DD5471CB3E2C}" type="slidenum">
+            <a:fld id="{F3A46833-7C44-412D-A45F-1765AAE3950B}" type="slidenum">
               <a:rPr b="1" lang="fr-FR" sz="2400" spc="-1" strike="noStrike">
                 <a:solidFill>
                   <a:srgbClr val="ffffff"/>
@@ -7392,7 +9509,7 @@
       </p:sp>
       <p:pic>
         <p:nvPicPr>
-          <p:cNvPr id="95" name="" descr=""/>
+          <p:cNvPr id="131" name="Image 90" descr=""/>
           <p:cNvPicPr/>
           <p:nvPr/>
         </p:nvPicPr>
@@ -7403,7 +9520,7 @@
         <p:spPr>
           <a:xfrm>
             <a:off x="2520000" y="1440000"/>
-            <a:ext cx="5400000" cy="4053960"/>
+            <a:ext cx="5585400" cy="4125600"/>
           </a:xfrm>
           <a:prstGeom prst="rect">
             <a:avLst/>
@@ -7445,14 +9562,14 @@
       </p:grpSpPr>
       <p:sp>
         <p:nvSpPr>
-          <p:cNvPr id="96" name=""/>
+          <p:cNvPr id="132" name="Rectangle 91"/>
           <p:cNvSpPr/>
           <p:nvPr/>
         </p:nvSpPr>
         <p:spPr>
           <a:xfrm>
             <a:off x="0" y="360"/>
-            <a:ext cx="10078560" cy="1249560"/>
+            <a:ext cx="10078200" cy="1249200"/>
           </a:xfrm>
           <a:prstGeom prst="rect">
             <a:avLst/>
@@ -7528,14 +9645,14 @@
       </p:sp>
       <p:sp>
         <p:nvSpPr>
-          <p:cNvPr id="97" name=""/>
+          <p:cNvPr id="133" name="Rectangle 92"/>
           <p:cNvSpPr/>
           <p:nvPr/>
         </p:nvSpPr>
         <p:spPr>
           <a:xfrm>
             <a:off x="0" y="1250280"/>
-            <a:ext cx="10078560" cy="4418280"/>
+            <a:ext cx="10078200" cy="4417920"/>
           </a:xfrm>
           <a:prstGeom prst="rect">
             <a:avLst/>
@@ -7647,9 +9764,60 @@
           </a:p>
         </p:txBody>
       </p:sp>
+      <p:sp>
+        <p:nvSpPr>
+          <p:cNvPr id="134" name="Rectangle 93"/>
+          <p:cNvSpPr/>
+          <p:nvPr/>
+        </p:nvSpPr>
+        <p:spPr>
+          <a:xfrm>
+            <a:off x="9331920" y="4972320"/>
+            <a:ext cx="566280" cy="426240"/>
+          </a:xfrm>
+          <a:prstGeom prst="rect">
+            <a:avLst/>
+          </a:prstGeom>
+          <a:noFill/>
+          <a:ln w="0">
+            <a:noFill/>
+          </a:ln>
+        </p:spPr>
+        <p:style>
+          <a:lnRef idx="0"/>
+          <a:fillRef idx="0"/>
+          <a:effectRef idx="0"/>
+          <a:fontRef idx="minor"/>
+        </p:style>
+        <p:txBody>
+          <a:bodyPr lIns="90000" rIns="90000" tIns="45000" bIns="45000">
+            <a:noAutofit/>
+          </a:bodyPr>
+          <a:p>
+            <a:pPr>
+              <a:lnSpc>
+                <a:spcPct val="100000"/>
+              </a:lnSpc>
+            </a:pPr>
+            <a:fld id="{2B805BFF-751B-420E-9AAE-F4C4853A599B}" type="slidenum">
+              <a:rPr b="1" lang="fr-FR" sz="2400" spc="-1" strike="noStrike">
+                <a:solidFill>
+                  <a:srgbClr val="ffffff"/>
+                </a:solidFill>
+                <a:latin typeface="Times New Roman"/>
+                <a:ea typeface="DejaVu Sans"/>
+              </a:rPr>
+              <a:t>&lt;numéro&gt;</a:t>
+            </a:fld>
+            <a:endParaRPr b="0" lang="fr-FR" sz="2400" spc="-1" strike="noStrike">
+              <a:latin typeface="Arial"/>
+            </a:endParaRPr>
+          </a:p>
+        </p:txBody>
+      </p:sp>
       <p:pic>
         <p:nvPicPr>
-          <p:cNvPr id="98" name="" descr=""/>
+          <p:cNvPr id="135" name="Image 1" descr=""/>
           <p:cNvPicPr/>
           <p:nvPr/>
         </p:nvPicPr>
@@ -7659,8 +9827,8 @@
         </p:blipFill>
         <p:spPr>
           <a:xfrm>
-            <a:off x="2159640" y="1385280"/>
-            <a:ext cx="5578920" cy="4188240"/>
+            <a:off x="2200320" y="1328040"/>
+            <a:ext cx="5677560" cy="4262400"/>
           </a:xfrm>
           <a:prstGeom prst="rect">
             <a:avLst/>
@@ -7670,80 +9838,6 @@
           </a:ln>
         </p:spPr>
       </p:pic>
-      <p:pic>
-        <p:nvPicPr>
-          <p:cNvPr id="99" name="" descr=""/>
-          <p:cNvPicPr/>
-          <p:nvPr/>
-        </p:nvPicPr>
-        <p:blipFill>
-          <a:blip r:embed="rId2"/>
-          <a:stretch/>
-        </p:blipFill>
-        <p:spPr>
-          <a:xfrm>
-            <a:off x="2159640" y="1381320"/>
-            <a:ext cx="5578920" cy="4192200"/>
-          </a:xfrm>
-          <a:prstGeom prst="rect">
-            <a:avLst/>
-          </a:prstGeom>
-          <a:ln w="0">
-            <a:noFill/>
-          </a:ln>
-        </p:spPr>
-      </p:pic>
-      <p:sp>
-        <p:nvSpPr>
-          <p:cNvPr id="100" name=""/>
-          <p:cNvSpPr/>
-          <p:nvPr/>
-        </p:nvSpPr>
-        <p:spPr>
-          <a:xfrm>
-            <a:off x="9331920" y="4972320"/>
-            <a:ext cx="566640" cy="426600"/>
-          </a:xfrm>
-          <a:prstGeom prst="rect">
-            <a:avLst/>
-          </a:prstGeom>
-          <a:noFill/>
-          <a:ln w="0">
-            <a:noFill/>
-          </a:ln>
-        </p:spPr>
-        <p:style>
-          <a:lnRef idx="0"/>
-          <a:fillRef idx="0"/>
-          <a:effectRef idx="0"/>
-          <a:fontRef idx="minor"/>
-        </p:style>
-        <p:txBody>
-          <a:bodyPr lIns="90000" rIns="90000" tIns="45000" bIns="45000">
-            <a:noAutofit/>
-          </a:bodyPr>
-          <a:p>
-            <a:pPr>
-              <a:lnSpc>
-                <a:spcPct val="100000"/>
-              </a:lnSpc>
-            </a:pPr>
-            <a:fld id="{B15E2098-236D-4DF1-8974-F73DC0189748}" type="slidenum">
-              <a:rPr b="1" lang="fr-FR" sz="2400" spc="-1" strike="noStrike">
-                <a:solidFill>
-                  <a:srgbClr val="ffffff"/>
-                </a:solidFill>
-                <a:latin typeface="Times New Roman"/>
-                <a:ea typeface="DejaVu Sans"/>
-              </a:rPr>
-              <a:t>&lt;numéro&gt;</a:t>
-            </a:fld>
-            <a:endParaRPr b="0" lang="fr-FR" sz="2400" spc="-1" strike="noStrike">
-              <a:latin typeface="Arial"/>
-            </a:endParaRPr>
-          </a:p>
-        </p:txBody>
-      </p:sp>
     </p:spTree>
   </p:cSld>
   <mc:AlternateContent>
@@ -7776,14 +9870,14 @@
       </p:grpSpPr>
       <p:sp>
         <p:nvSpPr>
-          <p:cNvPr id="101" name=""/>
+          <p:cNvPr id="136" name="Rectangle 95"/>
           <p:cNvSpPr/>
           <p:nvPr/>
         </p:nvSpPr>
         <p:spPr>
           <a:xfrm>
             <a:off x="0" y="360"/>
-            <a:ext cx="10078560" cy="1249560"/>
+            <a:ext cx="10078200" cy="1249200"/>
           </a:xfrm>
           <a:prstGeom prst="rect">
             <a:avLst/>
@@ -7829,24 +9923,44 @@
                 <a:latin typeface="Arial"/>
                 <a:ea typeface="DejaVu Sans"/>
               </a:rPr>
-              <a:t>SWOT</a:t>
+              <a:t>Contexte</a:t>
             </a:r>
             <a:endParaRPr b="0" lang="fr-FR" sz="3200" spc="-1" strike="noStrike">
               <a:latin typeface="Arial"/>
             </a:endParaRPr>
           </a:p>
-        </p:txBody>
-      </p:sp>
-      <p:sp>
-        <p:nvSpPr>
-          <p:cNvPr id="102" name=""/>
+          <a:p>
+            <a:pPr algn="ctr">
+              <a:lnSpc>
+                <a:spcPct val="100000"/>
+              </a:lnSpc>
+            </a:pPr>
+            <a:r>
+              <a:rPr b="0" lang="fr-FR" sz="2800" spc="-1" strike="noStrike">
+                <a:solidFill>
+                  <a:srgbClr val="ffffff"/>
+                </a:solidFill>
+                <a:latin typeface="Arial"/>
+                <a:ea typeface="DejaVu Sans"/>
+              </a:rPr>
+              <a:t>- Personae -</a:t>
+            </a:r>
+            <a:endParaRPr b="0" lang="fr-FR" sz="2800" spc="-1" strike="noStrike">
+              <a:latin typeface="Arial"/>
+            </a:endParaRPr>
+          </a:p>
+        </p:txBody>
+      </p:sp>
+      <p:sp>
+        <p:nvSpPr>
+          <p:cNvPr id="137" name="Rectangle 96"/>
           <p:cNvSpPr/>
           <p:nvPr/>
         </p:nvSpPr>
         <p:spPr>
           <a:xfrm>
             <a:off x="0" y="1250280"/>
-            <a:ext cx="10078560" cy="4418280"/>
+            <a:ext cx="10078200" cy="4417920"/>
           </a:xfrm>
           <a:prstGeom prst="rect">
             <a:avLst/>
@@ -7958,9 +10072,60 @@
           </a:p>
         </p:txBody>
       </p:sp>
+      <p:sp>
+        <p:nvSpPr>
+          <p:cNvPr id="138" name="Rectangle 99"/>
+          <p:cNvSpPr/>
+          <p:nvPr/>
+        </p:nvSpPr>
+        <p:spPr>
+          <a:xfrm>
+            <a:off x="9331920" y="4972320"/>
+            <a:ext cx="566280" cy="426240"/>
+          </a:xfrm>
+          <a:prstGeom prst="rect">
+            <a:avLst/>
+          </a:prstGeom>
+          <a:noFill/>
+          <a:ln w="0">
+            <a:noFill/>
+          </a:ln>
+        </p:spPr>
+        <p:style>
+          <a:lnRef idx="0"/>
+          <a:fillRef idx="0"/>
+          <a:effectRef idx="0"/>
+          <a:fontRef idx="minor"/>
+        </p:style>
+        <p:txBody>
+          <a:bodyPr lIns="90000" rIns="90000" tIns="45000" bIns="45000">
+            <a:noAutofit/>
+          </a:bodyPr>
+          <a:p>
+            <a:pPr>
+              <a:lnSpc>
+                <a:spcPct val="100000"/>
+              </a:lnSpc>
+            </a:pPr>
+            <a:fld id="{B64EC072-3087-4BEB-8702-ECE5B7711054}" type="slidenum">
+              <a:rPr b="1" lang="fr-FR" sz="2400" spc="-1" strike="noStrike">
+                <a:solidFill>
+                  <a:srgbClr val="ffffff"/>
+                </a:solidFill>
+                <a:latin typeface="Times New Roman"/>
+                <a:ea typeface="DejaVu Sans"/>
+              </a:rPr>
+              <a:t>&lt;numéro&gt;</a:t>
+            </a:fld>
+            <a:endParaRPr b="0" lang="fr-FR" sz="2400" spc="-1" strike="noStrike">
+              <a:latin typeface="Arial"/>
+            </a:endParaRPr>
+          </a:p>
+        </p:txBody>
+      </p:sp>
       <p:pic>
         <p:nvPicPr>
-          <p:cNvPr id="103" name="" descr=""/>
+          <p:cNvPr id="139" name="Image 1" descr=""/>
           <p:cNvPicPr/>
           <p:nvPr/>
         </p:nvPicPr>
@@ -7970,8 +10135,8 @@
         </p:blipFill>
         <p:spPr>
           <a:xfrm>
-            <a:off x="2163240" y="1364760"/>
-            <a:ext cx="5755320" cy="4213800"/>
+            <a:off x="2264400" y="1374480"/>
+            <a:ext cx="5452200" cy="4097160"/>
           </a:xfrm>
           <a:prstGeom prst="rect">
             <a:avLst/>
@@ -7981,57 +10146,6 @@
           </a:ln>
         </p:spPr>
       </p:pic>
-      <p:sp>
-        <p:nvSpPr>
-          <p:cNvPr id="104" name=""/>
-          <p:cNvSpPr/>
-          <p:nvPr/>
-        </p:nvSpPr>
-        <p:spPr>
-          <a:xfrm>
-            <a:off x="9331920" y="4972320"/>
-            <a:ext cx="566640" cy="426600"/>
-          </a:xfrm>
-          <a:prstGeom prst="rect">
-            <a:avLst/>
-          </a:prstGeom>
-          <a:noFill/>
-          <a:ln w="0">
-            <a:noFill/>
-          </a:ln>
-        </p:spPr>
-        <p:style>
-          <a:lnRef idx="0"/>
-          <a:fillRef idx="0"/>
-          <a:effectRef idx="0"/>
-          <a:fontRef idx="minor"/>
-        </p:style>
-        <p:txBody>
-          <a:bodyPr lIns="90000" rIns="90000" tIns="45000" bIns="45000">
-            <a:noAutofit/>
-          </a:bodyPr>
-          <a:p>
-            <a:pPr>
-              <a:lnSpc>
-                <a:spcPct val="100000"/>
-              </a:lnSpc>
-            </a:pPr>
-            <a:fld id="{9F9A92B6-9579-4823-8F58-038892B98BF0}" type="slidenum">
-              <a:rPr b="1" lang="fr-FR" sz="2400" spc="-1" strike="noStrike">
-                <a:solidFill>
-                  <a:srgbClr val="ffffff"/>
-                </a:solidFill>
-                <a:latin typeface="Times New Roman"/>
-                <a:ea typeface="DejaVu Sans"/>
-              </a:rPr>
-              <a:t>&lt;numéro&gt;</a:t>
-            </a:fld>
-            <a:endParaRPr b="0" lang="fr-FR" sz="2400" spc="-1" strike="noStrike">
-              <a:latin typeface="Arial"/>
-            </a:endParaRPr>
-          </a:p>
-        </p:txBody>
-      </p:sp>
     </p:spTree>
   </p:cSld>
   <mc:AlternateContent>
@@ -8064,14 +10178,14 @@
       </p:grpSpPr>
       <p:sp>
         <p:nvSpPr>
-          <p:cNvPr id="105" name=""/>
+          <p:cNvPr id="140" name="Rectangle 100"/>
           <p:cNvSpPr/>
           <p:nvPr/>
         </p:nvSpPr>
         <p:spPr>
           <a:xfrm>
             <a:off x="0" y="360"/>
-            <a:ext cx="10078560" cy="1249560"/>
+            <a:ext cx="10078200" cy="1249200"/>
           </a:xfrm>
           <a:prstGeom prst="rect">
             <a:avLst/>
@@ -8117,44 +10231,24 @@
                 <a:latin typeface="Arial"/>
                 <a:ea typeface="DejaVu Sans"/>
               </a:rPr>
-              <a:t>Design</a:t>
+              <a:t>SWOT</a:t>
             </a:r>
             <a:endParaRPr b="0" lang="fr-FR" sz="3200" spc="-1" strike="noStrike">
               <a:latin typeface="Arial"/>
             </a:endParaRPr>
           </a:p>
-          <a:p>
-            <a:pPr algn="ctr">
-              <a:lnSpc>
-                <a:spcPct val="100000"/>
-              </a:lnSpc>
-            </a:pPr>
-            <a:r>
-              <a:rPr b="0" lang="fr-FR" sz="2800" spc="-1" strike="noStrike">
-                <a:solidFill>
-                  <a:srgbClr val="ffffff"/>
-                </a:solidFill>
-                <a:latin typeface="Arial"/>
-                <a:ea typeface="DejaVu Sans"/>
-              </a:rPr>
-              <a:t>- Style Tile -</a:t>
-            </a:r>
-            <a:endParaRPr b="0" lang="fr-FR" sz="2800" spc="-1" strike="noStrike">
-              <a:latin typeface="Arial"/>
-            </a:endParaRPr>
-          </a:p>
-        </p:txBody>
-      </p:sp>
-      <p:sp>
-        <p:nvSpPr>
-          <p:cNvPr id="106" name=""/>
+        </p:txBody>
+      </p:sp>
+      <p:sp>
+        <p:nvSpPr>
+          <p:cNvPr id="141" name="Rectangle 101"/>
           <p:cNvSpPr/>
           <p:nvPr/>
         </p:nvSpPr>
         <p:spPr>
           <a:xfrm>
             <a:off x="0" y="1250280"/>
-            <a:ext cx="10078560" cy="4418280"/>
+            <a:ext cx="10078200" cy="4417920"/>
           </a:xfrm>
           <a:prstGeom prst="rect">
             <a:avLst/>
@@ -8266,9 +10360,60 @@
           </a:p>
         </p:txBody>
       </p:sp>
+      <p:sp>
+        <p:nvSpPr>
+          <p:cNvPr id="142" name="Rectangle 103"/>
+          <p:cNvSpPr/>
+          <p:nvPr/>
+        </p:nvSpPr>
+        <p:spPr>
+          <a:xfrm>
+            <a:off x="9331920" y="4972320"/>
+            <a:ext cx="566280" cy="426240"/>
+          </a:xfrm>
+          <a:prstGeom prst="rect">
+            <a:avLst/>
+          </a:prstGeom>
+          <a:noFill/>
+          <a:ln w="0">
+            <a:noFill/>
+          </a:ln>
+        </p:spPr>
+        <p:style>
+          <a:lnRef idx="0"/>
+          <a:fillRef idx="0"/>
+          <a:effectRef idx="0"/>
+          <a:fontRef idx="minor"/>
+        </p:style>
+        <p:txBody>
+          <a:bodyPr lIns="90000" rIns="90000" tIns="45000" bIns="45000">
+            <a:noAutofit/>
+          </a:bodyPr>
+          <a:p>
+            <a:pPr>
+              <a:lnSpc>
+                <a:spcPct val="100000"/>
+              </a:lnSpc>
+            </a:pPr>
+            <a:fld id="{B052637C-8E77-4B0F-92CB-C1E3B67E1C50}" type="slidenum">
+              <a:rPr b="1" lang="fr-FR" sz="2400" spc="-1" strike="noStrike">
+                <a:solidFill>
+                  <a:srgbClr val="ffffff"/>
+                </a:solidFill>
+                <a:latin typeface="Times New Roman"/>
+                <a:ea typeface="DejaVu Sans"/>
+              </a:rPr>
+              <a:t>&lt;numéro&gt;</a:t>
+            </a:fld>
+            <a:endParaRPr b="0" lang="fr-FR" sz="2400" spc="-1" strike="noStrike">
+              <a:latin typeface="Arial"/>
+            </a:endParaRPr>
+          </a:p>
+        </p:txBody>
+      </p:sp>
       <p:pic>
         <p:nvPicPr>
-          <p:cNvPr id="107" name="" descr=""/>
+          <p:cNvPr id="143" name="Image 2" descr=""/>
           <p:cNvPicPr/>
           <p:nvPr/>
         </p:nvPicPr>
@@ -8278,8 +10423,8 @@
         </p:blipFill>
         <p:spPr>
           <a:xfrm>
-            <a:off x="1619640" y="1275120"/>
-            <a:ext cx="7012800" cy="3943440"/>
+            <a:off x="2130840" y="1330920"/>
+            <a:ext cx="5816880" cy="4256640"/>
           </a:xfrm>
           <a:prstGeom prst="rect">
             <a:avLst/>
@@ -8289,98 +10434,6 @@
           </a:ln>
         </p:spPr>
       </p:pic>
-      <p:sp>
-        <p:nvSpPr>
-          <p:cNvPr id="108" name=""/>
-          <p:cNvSpPr/>
-          <p:nvPr/>
-        </p:nvSpPr>
-        <p:spPr>
-          <a:xfrm>
-            <a:off x="9331920" y="4971960"/>
-            <a:ext cx="566640" cy="426600"/>
-          </a:xfrm>
-          <a:prstGeom prst="rect">
-            <a:avLst/>
-          </a:prstGeom>
-          <a:noFill/>
-          <a:ln w="0">
-            <a:noFill/>
-          </a:ln>
-        </p:spPr>
-        <p:style>
-          <a:lnRef idx="0"/>
-          <a:fillRef idx="0"/>
-          <a:effectRef idx="0"/>
-          <a:fontRef idx="minor"/>
-        </p:style>
-        <p:txBody>
-          <a:bodyPr lIns="90000" rIns="90000" tIns="45000" bIns="45000">
-            <a:noAutofit/>
-          </a:bodyPr>
-          <a:p>
-            <a:pPr>
-              <a:lnSpc>
-                <a:spcPct val="100000"/>
-              </a:lnSpc>
-            </a:pPr>
-            <a:fld id="{26E23521-EDE8-4BD3-B43C-E8B6BDE04E87}" type="slidenum">
-              <a:rPr b="1" lang="fr-FR" sz="2400" spc="-1" strike="noStrike">
-                <a:solidFill>
-                  <a:srgbClr val="ffffff"/>
-                </a:solidFill>
-                <a:latin typeface="Times New Roman"/>
-                <a:ea typeface="DejaVu Sans"/>
-              </a:rPr>
-              <a:t>&lt;numéro&gt;</a:t>
-            </a:fld>
-            <a:endParaRPr b="0" lang="fr-FR" sz="2400" spc="-1" strike="noStrike">
-              <a:latin typeface="Arial"/>
-            </a:endParaRPr>
-          </a:p>
-        </p:txBody>
-      </p:sp>
-      <p:graphicFrame>
-        <p:nvGraphicFramePr>
-          <p:cNvPr id="109" name=""/>
-          <p:cNvGraphicFramePr/>
-          <p:nvPr/>
-        </p:nvGraphicFramePr>
-        <p:xfrm>
-          <a:off x="1080360" y="4501440"/>
-          <a:ext cx="6118200" cy="1077120"/>
-        </p:xfrm>
-        <a:graphic>
-          <a:graphicData uri="http://schemas.openxmlformats.org/presentationml/2006/ole">
-            <p:oleObj progId="Word.Document.12" r:id="rId2" spid="">
-              <p:embed/>
-              <p:pic>
-                <p:nvPicPr>
-                  <p:cNvPr id="110" name="" descr=""/>
-                  <p:cNvPicPr/>
-                  <p:nvPr/>
-                </p:nvPicPr>
-                <p:blipFill>
-                  <a:blip r:embed="rId3"/>
-                  <a:stretch/>
-                </p:blipFill>
-                <p:spPr>
-                  <a:xfrm>
-                    <a:off x="1080360" y="4501440"/>
-                    <a:ext cx="6118200" cy="1077120"/>
-                  </a:xfrm>
-                  <a:prstGeom prst="rect">
-                    <a:avLst/>
-                  </a:prstGeom>
-                  <a:ln w="0">
-                    <a:noFill/>
-                  </a:ln>
-                </p:spPr>
-              </p:pic>
-            </p:oleObj>
-          </a:graphicData>
-        </a:graphic>
-      </p:graphicFrame>
     </p:spTree>
   </p:cSld>
   <mc:AlternateContent>
@@ -8413,14 +10466,14 @@
       </p:grpSpPr>
       <p:sp>
         <p:nvSpPr>
-          <p:cNvPr id="111" name=""/>
+          <p:cNvPr id="144" name="Rectangle 104"/>
           <p:cNvSpPr/>
           <p:nvPr/>
         </p:nvSpPr>
         <p:spPr>
           <a:xfrm>
             <a:off x="0" y="360"/>
-            <a:ext cx="10078560" cy="1249560"/>
+            <a:ext cx="10078200" cy="1249200"/>
           </a:xfrm>
           <a:prstGeom prst="rect">
             <a:avLst/>
@@ -8486,7 +10539,7 @@
                 <a:latin typeface="Arial"/>
                 <a:ea typeface="DejaVu Sans"/>
               </a:rPr>
-              <a:t>- Arborescence -</a:t>
+              <a:t>- Style Tile -</a:t>
             </a:r>
             <a:endParaRPr b="0" lang="fr-FR" sz="2800" spc="-1" strike="noStrike">
               <a:latin typeface="Arial"/>
@@ -8496,14 +10549,14 @@
       </p:sp>
       <p:sp>
         <p:nvSpPr>
-          <p:cNvPr id="112" name=""/>
+          <p:cNvPr id="145" name="Rectangle 105"/>
           <p:cNvSpPr/>
           <p:nvPr/>
         </p:nvSpPr>
         <p:spPr>
           <a:xfrm>
             <a:off x="0" y="1250280"/>
-            <a:ext cx="10078560" cy="4418280"/>
+            <a:ext cx="10078200" cy="4417920"/>
           </a:xfrm>
           <a:prstGeom prst="rect">
             <a:avLst/>
@@ -8615,60 +10668,9 @@
           </a:p>
         </p:txBody>
       </p:sp>
-      <p:sp>
-        <p:nvSpPr>
-          <p:cNvPr id="113" name=""/>
-          <p:cNvSpPr/>
-          <p:nvPr/>
-        </p:nvSpPr>
-        <p:spPr>
-          <a:xfrm>
-            <a:off x="9331920" y="4971960"/>
-            <a:ext cx="566640" cy="426600"/>
-          </a:xfrm>
-          <a:prstGeom prst="rect">
-            <a:avLst/>
-          </a:prstGeom>
-          <a:noFill/>
-          <a:ln w="0">
-            <a:noFill/>
-          </a:ln>
-        </p:spPr>
-        <p:style>
-          <a:lnRef idx="0"/>
-          <a:fillRef idx="0"/>
-          <a:effectRef idx="0"/>
-          <a:fontRef idx="minor"/>
-        </p:style>
-        <p:txBody>
-          <a:bodyPr lIns="90000" rIns="90000" tIns="45000" bIns="45000">
-            <a:noAutofit/>
-          </a:bodyPr>
-          <a:p>
-            <a:pPr>
-              <a:lnSpc>
-                <a:spcPct val="100000"/>
-              </a:lnSpc>
-            </a:pPr>
-            <a:fld id="{1E232875-5093-46D8-895E-9B938429402A}" type="slidenum">
-              <a:rPr b="1" lang="fr-FR" sz="2400" spc="-1" strike="noStrike">
-                <a:solidFill>
-                  <a:srgbClr val="ffffff"/>
-                </a:solidFill>
-                <a:latin typeface="Times New Roman"/>
-                <a:ea typeface="DejaVu Sans"/>
-              </a:rPr>
-              <a:t>&lt;numéro&gt;</a:t>
-            </a:fld>
-            <a:endParaRPr b="0" lang="fr-FR" sz="2400" spc="-1" strike="noStrike">
-              <a:latin typeface="Arial"/>
-            </a:endParaRPr>
-          </a:p>
-        </p:txBody>
-      </p:sp>
       <p:pic>
         <p:nvPicPr>
-          <p:cNvPr id="114" name="" descr=""/>
+          <p:cNvPr id="146" name="Image 106" descr=""/>
           <p:cNvPicPr/>
           <p:nvPr/>
         </p:nvPicPr>
@@ -8678,8 +10680,8 @@
         </p:blipFill>
         <p:spPr>
           <a:xfrm>
-            <a:off x="720000" y="1474200"/>
-            <a:ext cx="8638560" cy="3205800"/>
+            <a:off x="1619640" y="1275120"/>
+            <a:ext cx="7012440" cy="3943080"/>
           </a:xfrm>
           <a:prstGeom prst="rect">
             <a:avLst/>
@@ -8689,47 +10691,80 @@
           </a:ln>
         </p:spPr>
       </p:pic>
-      <p:graphicFrame>
-        <p:nvGraphicFramePr>
-          <p:cNvPr id="115" name=""/>
-          <p:cNvGraphicFramePr/>
+      <p:sp>
+        <p:nvSpPr>
+          <p:cNvPr id="147" name="Rectangle 107"/>
+          <p:cNvSpPr/>
           <p:nvPr/>
-        </p:nvGraphicFramePr>
-        <p:xfrm>
-          <a:off x="180000" y="4500000"/>
-          <a:ext cx="5580000" cy="720000"/>
-        </p:xfrm>
-        <a:graphic>
-          <a:graphicData uri="http://schemas.openxmlformats.org/presentationml/2006/ole">
-            <p:oleObj progId="Word.Document.12" r:id="rId2" spid="">
-              <p:embed/>
-              <p:pic>
-                <p:nvPicPr>
-                  <p:cNvPr id="116" name="" descr=""/>
-                  <p:cNvPicPr/>
-                  <p:nvPr/>
-                </p:nvPicPr>
-                <p:blipFill>
-                  <a:blip r:embed="rId3"/>
-                  <a:stretch/>
-                </p:blipFill>
-                <p:spPr>
-                  <a:xfrm>
-                    <a:off x="180000" y="4500000"/>
-                    <a:ext cx="5580000" cy="720000"/>
-                  </a:xfrm>
-                  <a:prstGeom prst="rect">
-                    <a:avLst/>
-                  </a:prstGeom>
-                  <a:ln w="0">
-                    <a:noFill/>
-                  </a:ln>
-                </p:spPr>
-              </p:pic>
-            </p:oleObj>
-          </a:graphicData>
-        </a:graphic>
-      </p:graphicFrame>
+        </p:nvSpPr>
+        <p:spPr>
+          <a:xfrm>
+            <a:off x="9331920" y="4971960"/>
+            <a:ext cx="566280" cy="426240"/>
+          </a:xfrm>
+          <a:prstGeom prst="rect">
+            <a:avLst/>
+          </a:prstGeom>
+          <a:noFill/>
+          <a:ln w="0">
+            <a:noFill/>
+          </a:ln>
+        </p:spPr>
+        <p:style>
+          <a:lnRef idx="0"/>
+          <a:fillRef idx="0"/>
+          <a:effectRef idx="0"/>
+          <a:fontRef idx="minor"/>
+        </p:style>
+        <p:txBody>
+          <a:bodyPr lIns="90000" rIns="90000" tIns="45000" bIns="45000">
+            <a:noAutofit/>
+          </a:bodyPr>
+          <a:p>
+            <a:pPr>
+              <a:lnSpc>
+                <a:spcPct val="100000"/>
+              </a:lnSpc>
+            </a:pPr>
+            <a:fld id="{7E51F9B8-9F9A-430C-A0EF-5A89EEA59B5E}" type="slidenum">
+              <a:rPr b="1" lang="fr-FR" sz="2400" spc="-1" strike="noStrike">
+                <a:solidFill>
+                  <a:srgbClr val="ffffff"/>
+                </a:solidFill>
+                <a:latin typeface="Times New Roman"/>
+                <a:ea typeface="DejaVu Sans"/>
+              </a:rPr>
+              <a:t>&lt;numéro&gt;</a:t>
+            </a:fld>
+            <a:endParaRPr b="0" lang="fr-FR" sz="2400" spc="-1" strike="noStrike">
+              <a:latin typeface="Arial"/>
+            </a:endParaRPr>
+          </a:p>
+        </p:txBody>
+      </p:sp>
+      <p:pic>
+        <p:nvPicPr>
+          <p:cNvPr id="148" name="" descr=""/>
+          <p:cNvPicPr/>
+          <p:nvPr/>
+        </p:nvPicPr>
+        <p:blipFill>
+          <a:blip r:embed="rId2"/>
+          <a:stretch/>
+        </p:blipFill>
+        <p:spPr>
+          <a:xfrm>
+            <a:off x="1079640" y="4495680"/>
+            <a:ext cx="6108840" cy="1066680"/>
+          </a:xfrm>
+          <a:prstGeom prst="rect">
+            <a:avLst/>
+          </a:prstGeom>
+          <a:ln w="0">
+            <a:noFill/>
+          </a:ln>
+        </p:spPr>
+      </p:pic>
     </p:spTree>
   </p:cSld>
   <mc:AlternateContent>
@@ -9193,4 +11228,230 @@
     </a:fmtScheme>
   </a:themeElements>
 </a:theme>
+</file>
+
+<file path=ppt/theme/theme3.xml><?xml version="1.0" encoding="utf-8"?>
+<a:theme xmlns:a="http://schemas.openxmlformats.org/drawingml/2006/main" name="Office Theme">
+  <a:themeElements>
+    <a:clrScheme name="Office">
+      <a:dk1>
+        <a:sysClr val="windowText" lastClr="000000"/>
+      </a:dk1>
+      <a:lt1>
+        <a:sysClr val="window" lastClr="FFFFFF"/>
+      </a:lt1>
+      <a:dk2>
+        <a:srgbClr val="1f497d"/>
+      </a:dk2>
+      <a:lt2>
+        <a:srgbClr val="eeece1"/>
+      </a:lt2>
+      <a:accent1>
+        <a:srgbClr val="4f81bd"/>
+      </a:accent1>
+      <a:accent2>
+        <a:srgbClr val="c0504d"/>
+      </a:accent2>
+      <a:accent3>
+        <a:srgbClr val="9bbb59"/>
+      </a:accent3>
+      <a:accent4>
+        <a:srgbClr val="8064a2"/>
+      </a:accent4>
+      <a:accent5>
+        <a:srgbClr val="4bacc6"/>
+      </a:accent5>
+      <a:accent6>
+        <a:srgbClr val="f79646"/>
+      </a:accent6>
+      <a:hlink>
+        <a:srgbClr val="0000ff"/>
+      </a:hlink>
+      <a:folHlink>
+        <a:srgbClr val="800080"/>
+      </a:folHlink>
+    </a:clrScheme>
+    <a:fontScheme name="Office">
+      <a:majorFont>
+        <a:latin typeface="Arial"/>
+        <a:ea typeface="DejaVu Sans"/>
+        <a:cs typeface="DejaVu Sans"/>
+      </a:majorFont>
+      <a:minorFont>
+        <a:latin typeface="Arial"/>
+        <a:ea typeface="DejaVu Sans"/>
+        <a:cs typeface="DejaVu Sans"/>
+      </a:minorFont>
+    </a:fontScheme>
+    <a:fmtScheme name="Office">
+      <a:fillStyleLst>
+        <a:solidFill>
+          <a:schemeClr val="phClr"/>
+        </a:solidFill>
+        <a:gradFill rotWithShape="1">
+          <a:gsLst>
+            <a:gs pos="0">
+              <a:schemeClr val="phClr">
+                <a:tint val="50000"/>
+                <a:satMod val="300000"/>
+              </a:schemeClr>
+            </a:gs>
+            <a:gs pos="35000">
+              <a:schemeClr val="phClr">
+                <a:tint val="37000"/>
+                <a:satMod val="300000"/>
+              </a:schemeClr>
+            </a:gs>
+            <a:gs pos="100000">
+              <a:schemeClr val="phClr">
+                <a:tint val="15000"/>
+                <a:satMod val="350000"/>
+              </a:schemeClr>
+            </a:gs>
+          </a:gsLst>
+          <a:lin ang="16200000" scaled="1"/>
+        </a:gradFill>
+        <a:gradFill rotWithShape="1">
+          <a:gsLst>
+            <a:gs pos="0">
+              <a:schemeClr val="phClr">
+                <a:shade val="51000"/>
+                <a:satMod val="130000"/>
+              </a:schemeClr>
+            </a:gs>
+            <a:gs pos="80000">
+              <a:schemeClr val="phClr">
+                <a:shade val="93000"/>
+                <a:satMod val="130000"/>
+              </a:schemeClr>
+            </a:gs>
+            <a:gs pos="100000">
+              <a:schemeClr val="phClr">
+                <a:shade val="94000"/>
+                <a:satMod val="135000"/>
+              </a:schemeClr>
+            </a:gs>
+          </a:gsLst>
+          <a:lin ang="16200000" scaled="0"/>
+        </a:gradFill>
+      </a:fillStyleLst>
+      <a:lnStyleLst>
+        <a:ln w="9525" cap="flat" cmpd="sng" algn="ctr">
+          <a:solidFill>
+            <a:schemeClr val="phClr">
+              <a:shade val="95000"/>
+              <a:satMod val="105000"/>
+            </a:schemeClr>
+          </a:solidFill>
+          <a:prstDash val="solid"/>
+          <a:miter/>
+        </a:ln>
+        <a:ln w="25400" cap="flat" cmpd="sng" algn="ctr">
+          <a:solidFill>
+            <a:schemeClr val="phClr"/>
+          </a:solidFill>
+          <a:prstDash val="solid"/>
+          <a:miter/>
+        </a:ln>
+        <a:ln w="38100" cap="flat" cmpd="sng" algn="ctr">
+          <a:solidFill>
+            <a:schemeClr val="phClr"/>
+          </a:solidFill>
+          <a:prstDash val="solid"/>
+          <a:miter/>
+        </a:ln>
+      </a:lnStyleLst>
+      <a:effectStyleLst>
+        <a:effectStyle>
+          <a:effectLst>
+            <a:outerShdw blurRad="40000" dist="20000" dir="5400000" rotWithShape="0">
+              <a:srgbClr val="000000">
+                <a:alpha val="38000"/>
+              </a:srgbClr>
+            </a:outerShdw>
+          </a:effectLst>
+        </a:effectStyle>
+        <a:effectStyle>
+          <a:effectLst>
+            <a:outerShdw blurRad="40000" dist="23000" dir="5400000" rotWithShape="0">
+              <a:srgbClr val="000000">
+                <a:alpha val="35000"/>
+              </a:srgbClr>
+            </a:outerShdw>
+          </a:effectLst>
+        </a:effectStyle>
+        <a:effectStyle>
+          <a:effectLst>
+            <a:outerShdw blurRad="40000" dist="23000" dir="5400000" rotWithShape="0">
+              <a:srgbClr val="000000">
+                <a:alpha val="35000"/>
+              </a:srgbClr>
+            </a:outerShdw>
+          </a:effectLst>
+          <a:scene3d>
+            <a:camera prst="orthographicFront">
+              <a:rot lat="0" lon="0" rev="0"/>
+            </a:camera>
+            <a:lightRig rig="threePt" dir="t">
+              <a:rot lat="0" lon="0" rev="1200000"/>
+            </a:lightRig>
+          </a:scene3d>
+          <a:sp3d>
+            <a:bevelT w="63500" h="25400"/>
+          </a:sp3d>
+        </a:effectStyle>
+      </a:effectStyleLst>
+      <a:bgFillStyleLst>
+        <a:solidFill>
+          <a:schemeClr val="phClr"/>
+        </a:solidFill>
+        <a:gradFill rotWithShape="1">
+          <a:gsLst>
+            <a:gs pos="0">
+              <a:schemeClr val="phClr">
+                <a:tint val="40000"/>
+                <a:satMod val="350000"/>
+              </a:schemeClr>
+            </a:gs>
+            <a:gs pos="40000">
+              <a:schemeClr val="phClr">
+                <a:tint val="45000"/>
+                <a:shade val="99000"/>
+                <a:satMod val="350000"/>
+              </a:schemeClr>
+            </a:gs>
+            <a:gs pos="100000">
+              <a:schemeClr val="phClr">
+                <a:shade val="20000"/>
+                <a:satMod val="255000"/>
+              </a:schemeClr>
+            </a:gs>
+          </a:gsLst>
+          <a:path path="circle">
+            <a:fillToRect l="50000" t="-80000" r="50000" b="180000"/>
+          </a:path>
+        </a:gradFill>
+        <a:gradFill rotWithShape="1">
+          <a:gsLst>
+            <a:gs pos="0">
+              <a:schemeClr val="phClr">
+                <a:tint val="80000"/>
+                <a:satMod val="300000"/>
+              </a:schemeClr>
+            </a:gs>
+            <a:gs pos="100000">
+              <a:schemeClr val="phClr">
+                <a:shade val="30000"/>
+                <a:satMod val="200000"/>
+              </a:schemeClr>
+            </a:gs>
+          </a:gsLst>
+          <a:path path="circle">
+            <a:fillToRect l="50000" t="50000" r="50000" b="50000"/>
+          </a:path>
+        </a:gradFill>
+      </a:bgFillStyleLst>
+    </a:fmtScheme>
+  </a:themeElements>
+</a:theme>
 </file>
--- a/230726OralProjetUMLMaquette/MeinProjekt_CDC.pptx
+++ b/230726OralProjetUMLMaquette/MeinProjekt_CDC.pptx
@@ -94,10 +94,8 @@
             <a:noAutofit/>
           </a:bodyPr>
           <a:p>
-            <a:endParaRPr b="0" lang="fr-FR" sz="1800" spc="-1" strike="noStrike">
-              <a:solidFill>
-                <a:srgbClr val="000000"/>
-              </a:solidFill>
+            <a:pPr algn="ctr"/>
+            <a:endParaRPr b="0" lang="fr-FR" sz="4400" spc="-1" strike="noStrike">
               <a:latin typeface="Arial"/>
             </a:endParaRPr>
           </a:p>
@@ -127,10 +125,7 @@
             <a:normAutofit/>
           </a:bodyPr>
           <a:p>
-            <a:endParaRPr b="0" lang="fr-FR" sz="2800" spc="-1" strike="noStrike">
-              <a:solidFill>
-                <a:srgbClr val="000000"/>
-              </a:solidFill>
+            <a:endParaRPr b="0" lang="fr-FR" sz="3200" spc="-1" strike="noStrike">
               <a:latin typeface="Arial"/>
             </a:endParaRPr>
           </a:p>
@@ -160,10 +155,7 @@
             <a:normAutofit/>
           </a:bodyPr>
           <a:p>
-            <a:endParaRPr b="0" lang="fr-FR" sz="2800" spc="-1" strike="noStrike">
-              <a:solidFill>
-                <a:srgbClr val="000000"/>
-              </a:solidFill>
+            <a:endParaRPr b="0" lang="fr-FR" sz="3200" spc="-1" strike="noStrike">
               <a:latin typeface="Arial"/>
             </a:endParaRPr>
           </a:p>
@@ -215,10 +207,8 @@
             <a:noAutofit/>
           </a:bodyPr>
           <a:p>
-            <a:endParaRPr b="0" lang="fr-FR" sz="1800" spc="-1" strike="noStrike">
-              <a:solidFill>
-                <a:srgbClr val="000000"/>
-              </a:solidFill>
+            <a:pPr algn="ctr"/>
+            <a:endParaRPr b="0" lang="fr-FR" sz="4400" spc="-1" strike="noStrike">
               <a:latin typeface="Arial"/>
             </a:endParaRPr>
           </a:p>
@@ -248,10 +238,7 @@
             <a:normAutofit/>
           </a:bodyPr>
           <a:p>
-            <a:endParaRPr b="0" lang="fr-FR" sz="2800" spc="-1" strike="noStrike">
-              <a:solidFill>
-                <a:srgbClr val="000000"/>
-              </a:solidFill>
+            <a:endParaRPr b="0" lang="fr-FR" sz="3200" spc="-1" strike="noStrike">
               <a:latin typeface="Arial"/>
             </a:endParaRPr>
           </a:p>
@@ -281,10 +268,7 @@
             <a:normAutofit/>
           </a:bodyPr>
           <a:p>
-            <a:endParaRPr b="0" lang="fr-FR" sz="2800" spc="-1" strike="noStrike">
-              <a:solidFill>
-                <a:srgbClr val="000000"/>
-              </a:solidFill>
+            <a:endParaRPr b="0" lang="fr-FR" sz="3200" spc="-1" strike="noStrike">
               <a:latin typeface="Arial"/>
             </a:endParaRPr>
           </a:p>
@@ -314,10 +298,7 @@
             <a:normAutofit/>
           </a:bodyPr>
           <a:p>
-            <a:endParaRPr b="0" lang="fr-FR" sz="2800" spc="-1" strike="noStrike">
-              <a:solidFill>
-                <a:srgbClr val="000000"/>
-              </a:solidFill>
+            <a:endParaRPr b="0" lang="fr-FR" sz="3200" spc="-1" strike="noStrike">
               <a:latin typeface="Arial"/>
             </a:endParaRPr>
           </a:p>
@@ -347,10 +328,7 @@
             <a:normAutofit/>
           </a:bodyPr>
           <a:p>
-            <a:endParaRPr b="0" lang="fr-FR" sz="2800" spc="-1" strike="noStrike">
-              <a:solidFill>
-                <a:srgbClr val="000000"/>
-              </a:solidFill>
+            <a:endParaRPr b="0" lang="fr-FR" sz="3200" spc="-1" strike="noStrike">
               <a:latin typeface="Arial"/>
             </a:endParaRPr>
           </a:p>
@@ -402,10 +380,8 @@
             <a:noAutofit/>
           </a:bodyPr>
           <a:p>
-            <a:endParaRPr b="0" lang="fr-FR" sz="1800" spc="-1" strike="noStrike">
-              <a:solidFill>
-                <a:srgbClr val="000000"/>
-              </a:solidFill>
+            <a:pPr algn="ctr"/>
+            <a:endParaRPr b="0" lang="fr-FR" sz="4400" spc="-1" strike="noStrike">
               <a:latin typeface="Arial"/>
             </a:endParaRPr>
           </a:p>
@@ -435,10 +411,7 @@
             <a:normAutofit/>
           </a:bodyPr>
           <a:p>
-            <a:endParaRPr b="0" lang="fr-FR" sz="2800" spc="-1" strike="noStrike">
-              <a:solidFill>
-                <a:srgbClr val="000000"/>
-              </a:solidFill>
+            <a:endParaRPr b="0" lang="fr-FR" sz="3200" spc="-1" strike="noStrike">
               <a:latin typeface="Arial"/>
             </a:endParaRPr>
           </a:p>
@@ -468,10 +441,7 @@
             <a:normAutofit/>
           </a:bodyPr>
           <a:p>
-            <a:endParaRPr b="0" lang="fr-FR" sz="2800" spc="-1" strike="noStrike">
-              <a:solidFill>
-                <a:srgbClr val="000000"/>
-              </a:solidFill>
+            <a:endParaRPr b="0" lang="fr-FR" sz="3200" spc="-1" strike="noStrike">
               <a:latin typeface="Arial"/>
             </a:endParaRPr>
           </a:p>
@@ -501,10 +471,7 @@
             <a:normAutofit/>
           </a:bodyPr>
           <a:p>
-            <a:endParaRPr b="0" lang="fr-FR" sz="2800" spc="-1" strike="noStrike">
-              <a:solidFill>
-                <a:srgbClr val="000000"/>
-              </a:solidFill>
+            <a:endParaRPr b="0" lang="fr-FR" sz="3200" spc="-1" strike="noStrike">
               <a:latin typeface="Arial"/>
             </a:endParaRPr>
           </a:p>
@@ -534,10 +501,7 @@
             <a:normAutofit/>
           </a:bodyPr>
           <a:p>
-            <a:endParaRPr b="0" lang="fr-FR" sz="2800" spc="-1" strike="noStrike">
-              <a:solidFill>
-                <a:srgbClr val="000000"/>
-              </a:solidFill>
+            <a:endParaRPr b="0" lang="fr-FR" sz="3200" spc="-1" strike="noStrike">
               <a:latin typeface="Arial"/>
             </a:endParaRPr>
           </a:p>
@@ -567,10 +531,7 @@
             <a:normAutofit/>
           </a:bodyPr>
           <a:p>
-            <a:endParaRPr b="0" lang="fr-FR" sz="2800" spc="-1" strike="noStrike">
-              <a:solidFill>
-                <a:srgbClr val="000000"/>
-              </a:solidFill>
+            <a:endParaRPr b="0" lang="fr-FR" sz="3200" spc="-1" strike="noStrike">
               <a:latin typeface="Arial"/>
             </a:endParaRPr>
           </a:p>
@@ -600,10 +561,7 @@
             <a:normAutofit/>
           </a:bodyPr>
           <a:p>
-            <a:endParaRPr b="0" lang="fr-FR" sz="2800" spc="-1" strike="noStrike">
-              <a:solidFill>
-                <a:srgbClr val="000000"/>
-              </a:solidFill>
+            <a:endParaRPr b="0" lang="fr-FR" sz="3200" spc="-1" strike="noStrike">
               <a:latin typeface="Arial"/>
             </a:endParaRPr>
           </a:p>
@@ -677,10 +635,8 @@
             <a:noAutofit/>
           </a:bodyPr>
           <a:p>
-            <a:endParaRPr b="0" lang="fr-FR" sz="1800" spc="-1" strike="noStrike">
-              <a:solidFill>
-                <a:srgbClr val="000000"/>
-              </a:solidFill>
+            <a:pPr algn="ctr"/>
+            <a:endParaRPr b="0" lang="fr-FR" sz="4400" spc="-1" strike="noStrike">
               <a:latin typeface="Arial"/>
             </a:endParaRPr>
           </a:p>
@@ -763,10 +719,8 @@
             <a:noAutofit/>
           </a:bodyPr>
           <a:p>
-            <a:endParaRPr b="0" lang="fr-FR" sz="1800" spc="-1" strike="noStrike">
-              <a:solidFill>
-                <a:srgbClr val="000000"/>
-              </a:solidFill>
+            <a:pPr algn="ctr"/>
+            <a:endParaRPr b="0" lang="fr-FR" sz="4400" spc="-1" strike="noStrike">
               <a:latin typeface="Arial"/>
             </a:endParaRPr>
           </a:p>
@@ -796,10 +750,7 @@
             <a:normAutofit/>
           </a:bodyPr>
           <a:p>
-            <a:endParaRPr b="0" lang="fr-FR" sz="2800" spc="-1" strike="noStrike">
-              <a:solidFill>
-                <a:srgbClr val="000000"/>
-              </a:solidFill>
+            <a:endParaRPr b="0" lang="fr-FR" sz="3200" spc="-1" strike="noStrike">
               <a:latin typeface="Arial"/>
             </a:endParaRPr>
           </a:p>
@@ -851,10 +802,8 @@
             <a:noAutofit/>
           </a:bodyPr>
           <a:p>
-            <a:endParaRPr b="0" lang="fr-FR" sz="1800" spc="-1" strike="noStrike">
-              <a:solidFill>
-                <a:srgbClr val="000000"/>
-              </a:solidFill>
+            <a:pPr algn="ctr"/>
+            <a:endParaRPr b="0" lang="fr-FR" sz="4400" spc="-1" strike="noStrike">
               <a:latin typeface="Arial"/>
             </a:endParaRPr>
           </a:p>
@@ -884,10 +833,7 @@
             <a:normAutofit/>
           </a:bodyPr>
           <a:p>
-            <a:endParaRPr b="0" lang="fr-FR" sz="2800" spc="-1" strike="noStrike">
-              <a:solidFill>
-                <a:srgbClr val="000000"/>
-              </a:solidFill>
+            <a:endParaRPr b="0" lang="fr-FR" sz="3200" spc="-1" strike="noStrike">
               <a:latin typeface="Arial"/>
             </a:endParaRPr>
           </a:p>
@@ -917,10 +863,7 @@
             <a:normAutofit/>
           </a:bodyPr>
           <a:p>
-            <a:endParaRPr b="0" lang="fr-FR" sz="2800" spc="-1" strike="noStrike">
-              <a:solidFill>
-                <a:srgbClr val="000000"/>
-              </a:solidFill>
+            <a:endParaRPr b="0" lang="fr-FR" sz="3200" spc="-1" strike="noStrike">
               <a:latin typeface="Arial"/>
             </a:endParaRPr>
           </a:p>
@@ -972,10 +915,8 @@
             <a:noAutofit/>
           </a:bodyPr>
           <a:p>
-            <a:endParaRPr b="0" lang="fr-FR" sz="1800" spc="-1" strike="noStrike">
-              <a:solidFill>
-                <a:srgbClr val="000000"/>
-              </a:solidFill>
+            <a:pPr algn="ctr"/>
+            <a:endParaRPr b="0" lang="fr-FR" sz="4400" spc="-1" strike="noStrike">
               <a:latin typeface="Arial"/>
             </a:endParaRPr>
           </a:p>
@@ -1080,10 +1021,8 @@
             <a:noAutofit/>
           </a:bodyPr>
           <a:p>
-            <a:endParaRPr b="0" lang="fr-FR" sz="1800" spc="-1" strike="noStrike">
-              <a:solidFill>
-                <a:srgbClr val="000000"/>
-              </a:solidFill>
+            <a:pPr algn="ctr"/>
+            <a:endParaRPr b="0" lang="fr-FR" sz="4400" spc="-1" strike="noStrike">
               <a:latin typeface="Arial"/>
             </a:endParaRPr>
           </a:p>
@@ -1113,10 +1052,7 @@
             <a:normAutofit/>
           </a:bodyPr>
           <a:p>
-            <a:endParaRPr b="0" lang="fr-FR" sz="2800" spc="-1" strike="noStrike">
-              <a:solidFill>
-                <a:srgbClr val="000000"/>
-              </a:solidFill>
+            <a:endParaRPr b="0" lang="fr-FR" sz="3200" spc="-1" strike="noStrike">
               <a:latin typeface="Arial"/>
             </a:endParaRPr>
           </a:p>
@@ -1146,10 +1082,7 @@
             <a:normAutofit/>
           </a:bodyPr>
           <a:p>
-            <a:endParaRPr b="0" lang="fr-FR" sz="2800" spc="-1" strike="noStrike">
-              <a:solidFill>
-                <a:srgbClr val="000000"/>
-              </a:solidFill>
+            <a:endParaRPr b="0" lang="fr-FR" sz="3200" spc="-1" strike="noStrike">
               <a:latin typeface="Arial"/>
             </a:endParaRPr>
           </a:p>
@@ -1179,10 +1112,7 @@
             <a:normAutofit/>
           </a:bodyPr>
           <a:p>
-            <a:endParaRPr b="0" lang="fr-FR" sz="2800" spc="-1" strike="noStrike">
-              <a:solidFill>
-                <a:srgbClr val="000000"/>
-              </a:solidFill>
+            <a:endParaRPr b="0" lang="fr-FR" sz="3200" spc="-1" strike="noStrike">
               <a:latin typeface="Arial"/>
             </a:endParaRPr>
           </a:p>
@@ -1234,10 +1164,8 @@
             <a:noAutofit/>
           </a:bodyPr>
           <a:p>
-            <a:endParaRPr b="0" lang="fr-FR" sz="1800" spc="-1" strike="noStrike">
-              <a:solidFill>
-                <a:srgbClr val="000000"/>
-              </a:solidFill>
+            <a:pPr algn="ctr"/>
+            <a:endParaRPr b="0" lang="fr-FR" sz="4400" spc="-1" strike="noStrike">
               <a:latin typeface="Arial"/>
             </a:endParaRPr>
           </a:p>
@@ -1320,10 +1248,8 @@
             <a:noAutofit/>
           </a:bodyPr>
           <a:p>
-            <a:endParaRPr b="0" lang="fr-FR" sz="1800" spc="-1" strike="noStrike">
-              <a:solidFill>
-                <a:srgbClr val="000000"/>
-              </a:solidFill>
+            <a:pPr algn="ctr"/>
+            <a:endParaRPr b="0" lang="fr-FR" sz="4400" spc="-1" strike="noStrike">
               <a:latin typeface="Arial"/>
             </a:endParaRPr>
           </a:p>
@@ -1353,10 +1279,7 @@
             <a:normAutofit/>
           </a:bodyPr>
           <a:p>
-            <a:endParaRPr b="0" lang="fr-FR" sz="2800" spc="-1" strike="noStrike">
-              <a:solidFill>
-                <a:srgbClr val="000000"/>
-              </a:solidFill>
+            <a:endParaRPr b="0" lang="fr-FR" sz="3200" spc="-1" strike="noStrike">
               <a:latin typeface="Arial"/>
             </a:endParaRPr>
           </a:p>
@@ -1386,10 +1309,7 @@
             <a:normAutofit/>
           </a:bodyPr>
           <a:p>
-            <a:endParaRPr b="0" lang="fr-FR" sz="2800" spc="-1" strike="noStrike">
-              <a:solidFill>
-                <a:srgbClr val="000000"/>
-              </a:solidFill>
+            <a:endParaRPr b="0" lang="fr-FR" sz="3200" spc="-1" strike="noStrike">
               <a:latin typeface="Arial"/>
             </a:endParaRPr>
           </a:p>
@@ -1419,10 +1339,7 @@
             <a:normAutofit/>
           </a:bodyPr>
           <a:p>
-            <a:endParaRPr b="0" lang="fr-FR" sz="2800" spc="-1" strike="noStrike">
-              <a:solidFill>
-                <a:srgbClr val="000000"/>
-              </a:solidFill>
+            <a:endParaRPr b="0" lang="fr-FR" sz="3200" spc="-1" strike="noStrike">
               <a:latin typeface="Arial"/>
             </a:endParaRPr>
           </a:p>
@@ -1474,10 +1391,8 @@
             <a:noAutofit/>
           </a:bodyPr>
           <a:p>
-            <a:endParaRPr b="0" lang="fr-FR" sz="1800" spc="-1" strike="noStrike">
-              <a:solidFill>
-                <a:srgbClr val="000000"/>
-              </a:solidFill>
+            <a:pPr algn="ctr"/>
+            <a:endParaRPr b="0" lang="fr-FR" sz="4400" spc="-1" strike="noStrike">
               <a:latin typeface="Arial"/>
             </a:endParaRPr>
           </a:p>
@@ -1507,10 +1422,7 @@
             <a:normAutofit/>
           </a:bodyPr>
           <a:p>
-            <a:endParaRPr b="0" lang="fr-FR" sz="2800" spc="-1" strike="noStrike">
-              <a:solidFill>
-                <a:srgbClr val="000000"/>
-              </a:solidFill>
+            <a:endParaRPr b="0" lang="fr-FR" sz="3200" spc="-1" strike="noStrike">
               <a:latin typeface="Arial"/>
             </a:endParaRPr>
           </a:p>
@@ -1540,10 +1452,7 @@
             <a:normAutofit/>
           </a:bodyPr>
           <a:p>
-            <a:endParaRPr b="0" lang="fr-FR" sz="2800" spc="-1" strike="noStrike">
-              <a:solidFill>
-                <a:srgbClr val="000000"/>
-              </a:solidFill>
+            <a:endParaRPr b="0" lang="fr-FR" sz="3200" spc="-1" strike="noStrike">
               <a:latin typeface="Arial"/>
             </a:endParaRPr>
           </a:p>
@@ -1573,10 +1482,7 @@
             <a:normAutofit/>
           </a:bodyPr>
           <a:p>
-            <a:endParaRPr b="0" lang="fr-FR" sz="2800" spc="-1" strike="noStrike">
-              <a:solidFill>
-                <a:srgbClr val="000000"/>
-              </a:solidFill>
+            <a:endParaRPr b="0" lang="fr-FR" sz="3200" spc="-1" strike="noStrike">
               <a:latin typeface="Arial"/>
             </a:endParaRPr>
           </a:p>
@@ -1628,10 +1534,8 @@
             <a:noAutofit/>
           </a:bodyPr>
           <a:p>
-            <a:endParaRPr b="0" lang="fr-FR" sz="1800" spc="-1" strike="noStrike">
-              <a:solidFill>
-                <a:srgbClr val="000000"/>
-              </a:solidFill>
+            <a:pPr algn="ctr"/>
+            <a:endParaRPr b="0" lang="fr-FR" sz="4400" spc="-1" strike="noStrike">
               <a:latin typeface="Arial"/>
             </a:endParaRPr>
           </a:p>
@@ -1661,10 +1565,7 @@
             <a:normAutofit/>
           </a:bodyPr>
           <a:p>
-            <a:endParaRPr b="0" lang="fr-FR" sz="2800" spc="-1" strike="noStrike">
-              <a:solidFill>
-                <a:srgbClr val="000000"/>
-              </a:solidFill>
+            <a:endParaRPr b="0" lang="fr-FR" sz="3200" spc="-1" strike="noStrike">
               <a:latin typeface="Arial"/>
             </a:endParaRPr>
           </a:p>
@@ -1694,10 +1595,7 @@
             <a:normAutofit/>
           </a:bodyPr>
           <a:p>
-            <a:endParaRPr b="0" lang="fr-FR" sz="2800" spc="-1" strike="noStrike">
-              <a:solidFill>
-                <a:srgbClr val="000000"/>
-              </a:solidFill>
+            <a:endParaRPr b="0" lang="fr-FR" sz="3200" spc="-1" strike="noStrike">
               <a:latin typeface="Arial"/>
             </a:endParaRPr>
           </a:p>
@@ -1749,10 +1647,8 @@
             <a:noAutofit/>
           </a:bodyPr>
           <a:p>
-            <a:endParaRPr b="0" lang="fr-FR" sz="1800" spc="-1" strike="noStrike">
-              <a:solidFill>
-                <a:srgbClr val="000000"/>
-              </a:solidFill>
+            <a:pPr algn="ctr"/>
+            <a:endParaRPr b="0" lang="fr-FR" sz="4400" spc="-1" strike="noStrike">
               <a:latin typeface="Arial"/>
             </a:endParaRPr>
           </a:p>
@@ -1782,10 +1678,7 @@
             <a:normAutofit/>
           </a:bodyPr>
           <a:p>
-            <a:endParaRPr b="0" lang="fr-FR" sz="2800" spc="-1" strike="noStrike">
-              <a:solidFill>
-                <a:srgbClr val="000000"/>
-              </a:solidFill>
+            <a:endParaRPr b="0" lang="fr-FR" sz="3200" spc="-1" strike="noStrike">
               <a:latin typeface="Arial"/>
             </a:endParaRPr>
           </a:p>
@@ -1815,10 +1708,7 @@
             <a:normAutofit/>
           </a:bodyPr>
           <a:p>
-            <a:endParaRPr b="0" lang="fr-FR" sz="2800" spc="-1" strike="noStrike">
-              <a:solidFill>
-                <a:srgbClr val="000000"/>
-              </a:solidFill>
+            <a:endParaRPr b="0" lang="fr-FR" sz="3200" spc="-1" strike="noStrike">
               <a:latin typeface="Arial"/>
             </a:endParaRPr>
           </a:p>
@@ -1848,10 +1738,7 @@
             <a:normAutofit/>
           </a:bodyPr>
           <a:p>
-            <a:endParaRPr b="0" lang="fr-FR" sz="2800" spc="-1" strike="noStrike">
-              <a:solidFill>
-                <a:srgbClr val="000000"/>
-              </a:solidFill>
+            <a:endParaRPr b="0" lang="fr-FR" sz="3200" spc="-1" strike="noStrike">
               <a:latin typeface="Arial"/>
             </a:endParaRPr>
           </a:p>
@@ -1881,10 +1768,7 @@
             <a:normAutofit/>
           </a:bodyPr>
           <a:p>
-            <a:endParaRPr b="0" lang="fr-FR" sz="2800" spc="-1" strike="noStrike">
-              <a:solidFill>
-                <a:srgbClr val="000000"/>
-              </a:solidFill>
+            <a:endParaRPr b="0" lang="fr-FR" sz="3200" spc="-1" strike="noStrike">
               <a:latin typeface="Arial"/>
             </a:endParaRPr>
           </a:p>
@@ -1936,10 +1820,8 @@
             <a:noAutofit/>
           </a:bodyPr>
           <a:p>
-            <a:endParaRPr b="0" lang="fr-FR" sz="1800" spc="-1" strike="noStrike">
-              <a:solidFill>
-                <a:srgbClr val="000000"/>
-              </a:solidFill>
+            <a:pPr algn="ctr"/>
+            <a:endParaRPr b="0" lang="fr-FR" sz="4400" spc="-1" strike="noStrike">
               <a:latin typeface="Arial"/>
             </a:endParaRPr>
           </a:p>
@@ -1969,10 +1851,7 @@
             <a:normAutofit/>
           </a:bodyPr>
           <a:p>
-            <a:endParaRPr b="0" lang="fr-FR" sz="2800" spc="-1" strike="noStrike">
-              <a:solidFill>
-                <a:srgbClr val="000000"/>
-              </a:solidFill>
+            <a:endParaRPr b="0" lang="fr-FR" sz="3200" spc="-1" strike="noStrike">
               <a:latin typeface="Arial"/>
             </a:endParaRPr>
           </a:p>
@@ -2002,10 +1881,7 @@
             <a:normAutofit/>
           </a:bodyPr>
           <a:p>
-            <a:endParaRPr b="0" lang="fr-FR" sz="2800" spc="-1" strike="noStrike">
-              <a:solidFill>
-                <a:srgbClr val="000000"/>
-              </a:solidFill>
+            <a:endParaRPr b="0" lang="fr-FR" sz="3200" spc="-1" strike="noStrike">
               <a:latin typeface="Arial"/>
             </a:endParaRPr>
           </a:p>
@@ -2035,10 +1911,7 @@
             <a:normAutofit/>
           </a:bodyPr>
           <a:p>
-            <a:endParaRPr b="0" lang="fr-FR" sz="2800" spc="-1" strike="noStrike">
-              <a:solidFill>
-                <a:srgbClr val="000000"/>
-              </a:solidFill>
+            <a:endParaRPr b="0" lang="fr-FR" sz="3200" spc="-1" strike="noStrike">
               <a:latin typeface="Arial"/>
             </a:endParaRPr>
           </a:p>
@@ -2068,10 +1941,7 @@
             <a:normAutofit/>
           </a:bodyPr>
           <a:p>
-            <a:endParaRPr b="0" lang="fr-FR" sz="2800" spc="-1" strike="noStrike">
-              <a:solidFill>
-                <a:srgbClr val="000000"/>
-              </a:solidFill>
+            <a:endParaRPr b="0" lang="fr-FR" sz="3200" spc="-1" strike="noStrike">
               <a:latin typeface="Arial"/>
             </a:endParaRPr>
           </a:p>
@@ -2101,10 +1971,7 @@
             <a:normAutofit/>
           </a:bodyPr>
           <a:p>
-            <a:endParaRPr b="0" lang="fr-FR" sz="2800" spc="-1" strike="noStrike">
-              <a:solidFill>
-                <a:srgbClr val="000000"/>
-              </a:solidFill>
+            <a:endParaRPr b="0" lang="fr-FR" sz="3200" spc="-1" strike="noStrike">
               <a:latin typeface="Arial"/>
             </a:endParaRPr>
           </a:p>
@@ -2134,10 +2001,7 @@
             <a:normAutofit/>
           </a:bodyPr>
           <a:p>
-            <a:endParaRPr b="0" lang="fr-FR" sz="2800" spc="-1" strike="noStrike">
-              <a:solidFill>
-                <a:srgbClr val="000000"/>
-              </a:solidFill>
+            <a:endParaRPr b="0" lang="fr-FR" sz="3200" spc="-1" strike="noStrike">
               <a:latin typeface="Arial"/>
             </a:endParaRPr>
           </a:p>
@@ -2211,10 +2075,8 @@
             <a:noAutofit/>
           </a:bodyPr>
           <a:p>
-            <a:endParaRPr b="0" lang="fr-FR" sz="1800" spc="-1" strike="noStrike">
-              <a:solidFill>
-                <a:srgbClr val="000000"/>
-              </a:solidFill>
+            <a:pPr algn="ctr"/>
+            <a:endParaRPr b="0" lang="fr-FR" sz="4400" spc="-1" strike="noStrike">
               <a:latin typeface="Arial"/>
             </a:endParaRPr>
           </a:p>
@@ -2297,10 +2159,8 @@
             <a:noAutofit/>
           </a:bodyPr>
           <a:p>
-            <a:endParaRPr b="0" lang="fr-FR" sz="1800" spc="-1" strike="noStrike">
-              <a:solidFill>
-                <a:srgbClr val="000000"/>
-              </a:solidFill>
+            <a:pPr algn="ctr"/>
+            <a:endParaRPr b="0" lang="fr-FR" sz="4400" spc="-1" strike="noStrike">
               <a:latin typeface="Arial"/>
             </a:endParaRPr>
           </a:p>
@@ -2330,10 +2190,7 @@
             <a:normAutofit/>
           </a:bodyPr>
           <a:p>
-            <a:endParaRPr b="0" lang="fr-FR" sz="2800" spc="-1" strike="noStrike">
-              <a:solidFill>
-                <a:srgbClr val="000000"/>
-              </a:solidFill>
+            <a:endParaRPr b="0" lang="fr-FR" sz="3200" spc="-1" strike="noStrike">
               <a:latin typeface="Arial"/>
             </a:endParaRPr>
           </a:p>
@@ -2385,10 +2242,8 @@
             <a:noAutofit/>
           </a:bodyPr>
           <a:p>
-            <a:endParaRPr b="0" lang="fr-FR" sz="1800" spc="-1" strike="noStrike">
-              <a:solidFill>
-                <a:srgbClr val="000000"/>
-              </a:solidFill>
+            <a:pPr algn="ctr"/>
+            <a:endParaRPr b="0" lang="fr-FR" sz="4400" spc="-1" strike="noStrike">
               <a:latin typeface="Arial"/>
             </a:endParaRPr>
           </a:p>
@@ -2418,10 +2273,7 @@
             <a:normAutofit/>
           </a:bodyPr>
           <a:p>
-            <a:endParaRPr b="0" lang="fr-FR" sz="2800" spc="-1" strike="noStrike">
-              <a:solidFill>
-                <a:srgbClr val="000000"/>
-              </a:solidFill>
+            <a:endParaRPr b="0" lang="fr-FR" sz="3200" spc="-1" strike="noStrike">
               <a:latin typeface="Arial"/>
             </a:endParaRPr>
           </a:p>
@@ -2451,10 +2303,7 @@
             <a:normAutofit/>
           </a:bodyPr>
           <a:p>
-            <a:endParaRPr b="0" lang="fr-FR" sz="2800" spc="-1" strike="noStrike">
-              <a:solidFill>
-                <a:srgbClr val="000000"/>
-              </a:solidFill>
+            <a:endParaRPr b="0" lang="fr-FR" sz="3200" spc="-1" strike="noStrike">
               <a:latin typeface="Arial"/>
             </a:endParaRPr>
           </a:p>
@@ -2506,10 +2355,8 @@
             <a:noAutofit/>
           </a:bodyPr>
           <a:p>
-            <a:endParaRPr b="0" lang="fr-FR" sz="1800" spc="-1" strike="noStrike">
-              <a:solidFill>
-                <a:srgbClr val="000000"/>
-              </a:solidFill>
+            <a:pPr algn="ctr"/>
+            <a:endParaRPr b="0" lang="fr-FR" sz="4400" spc="-1" strike="noStrike">
               <a:latin typeface="Arial"/>
             </a:endParaRPr>
           </a:p>
@@ -2561,10 +2408,8 @@
             <a:noAutofit/>
           </a:bodyPr>
           <a:p>
-            <a:endParaRPr b="0" lang="fr-FR" sz="1800" spc="-1" strike="noStrike">
-              <a:solidFill>
-                <a:srgbClr val="000000"/>
-              </a:solidFill>
+            <a:pPr algn="ctr"/>
+            <a:endParaRPr b="0" lang="fr-FR" sz="4400" spc="-1" strike="noStrike">
               <a:latin typeface="Arial"/>
             </a:endParaRPr>
           </a:p>
@@ -2594,10 +2439,7 @@
             <a:normAutofit/>
           </a:bodyPr>
           <a:p>
-            <a:endParaRPr b="0" lang="fr-FR" sz="2800" spc="-1" strike="noStrike">
-              <a:solidFill>
-                <a:srgbClr val="000000"/>
-              </a:solidFill>
+            <a:endParaRPr b="0" lang="fr-FR" sz="3200" spc="-1" strike="noStrike">
               <a:latin typeface="Arial"/>
             </a:endParaRPr>
           </a:p>
@@ -2702,10 +2544,8 @@
             <a:noAutofit/>
           </a:bodyPr>
           <a:p>
-            <a:endParaRPr b="0" lang="fr-FR" sz="1800" spc="-1" strike="noStrike">
-              <a:solidFill>
-                <a:srgbClr val="000000"/>
-              </a:solidFill>
+            <a:pPr algn="ctr"/>
+            <a:endParaRPr b="0" lang="fr-FR" sz="4400" spc="-1" strike="noStrike">
               <a:latin typeface="Arial"/>
             </a:endParaRPr>
           </a:p>
@@ -2735,10 +2575,7 @@
             <a:normAutofit/>
           </a:bodyPr>
           <a:p>
-            <a:endParaRPr b="0" lang="fr-FR" sz="2800" spc="-1" strike="noStrike">
-              <a:solidFill>
-                <a:srgbClr val="000000"/>
-              </a:solidFill>
+            <a:endParaRPr b="0" lang="fr-FR" sz="3200" spc="-1" strike="noStrike">
               <a:latin typeface="Arial"/>
             </a:endParaRPr>
           </a:p>
@@ -2768,10 +2605,7 @@
             <a:normAutofit/>
           </a:bodyPr>
           <a:p>
-            <a:endParaRPr b="0" lang="fr-FR" sz="2800" spc="-1" strike="noStrike">
-              <a:solidFill>
-                <a:srgbClr val="000000"/>
-              </a:solidFill>
+            <a:endParaRPr b="0" lang="fr-FR" sz="3200" spc="-1" strike="noStrike">
               <a:latin typeface="Arial"/>
             </a:endParaRPr>
           </a:p>
@@ -2801,10 +2635,7 @@
             <a:normAutofit/>
           </a:bodyPr>
           <a:p>
-            <a:endParaRPr b="0" lang="fr-FR" sz="2800" spc="-1" strike="noStrike">
-              <a:solidFill>
-                <a:srgbClr val="000000"/>
-              </a:solidFill>
+            <a:endParaRPr b="0" lang="fr-FR" sz="3200" spc="-1" strike="noStrike">
               <a:latin typeface="Arial"/>
             </a:endParaRPr>
           </a:p>
@@ -2856,10 +2687,8 @@
             <a:noAutofit/>
           </a:bodyPr>
           <a:p>
-            <a:endParaRPr b="0" lang="fr-FR" sz="1800" spc="-1" strike="noStrike">
-              <a:solidFill>
-                <a:srgbClr val="000000"/>
-              </a:solidFill>
+            <a:pPr algn="ctr"/>
+            <a:endParaRPr b="0" lang="fr-FR" sz="4400" spc="-1" strike="noStrike">
               <a:latin typeface="Arial"/>
             </a:endParaRPr>
           </a:p>
@@ -2889,10 +2718,7 @@
             <a:normAutofit/>
           </a:bodyPr>
           <a:p>
-            <a:endParaRPr b="0" lang="fr-FR" sz="2800" spc="-1" strike="noStrike">
-              <a:solidFill>
-                <a:srgbClr val="000000"/>
-              </a:solidFill>
+            <a:endParaRPr b="0" lang="fr-FR" sz="3200" spc="-1" strike="noStrike">
               <a:latin typeface="Arial"/>
             </a:endParaRPr>
           </a:p>
@@ -2922,10 +2748,7 @@
             <a:normAutofit/>
           </a:bodyPr>
           <a:p>
-            <a:endParaRPr b="0" lang="fr-FR" sz="2800" spc="-1" strike="noStrike">
-              <a:solidFill>
-                <a:srgbClr val="000000"/>
-              </a:solidFill>
+            <a:endParaRPr b="0" lang="fr-FR" sz="3200" spc="-1" strike="noStrike">
               <a:latin typeface="Arial"/>
             </a:endParaRPr>
           </a:p>
@@ -2955,10 +2778,7 @@
             <a:normAutofit/>
           </a:bodyPr>
           <a:p>
-            <a:endParaRPr b="0" lang="fr-FR" sz="2800" spc="-1" strike="noStrike">
-              <a:solidFill>
-                <a:srgbClr val="000000"/>
-              </a:solidFill>
+            <a:endParaRPr b="0" lang="fr-FR" sz="3200" spc="-1" strike="noStrike">
               <a:latin typeface="Arial"/>
             </a:endParaRPr>
           </a:p>
@@ -3010,10 +2830,8 @@
             <a:noAutofit/>
           </a:bodyPr>
           <a:p>
-            <a:endParaRPr b="0" lang="fr-FR" sz="1800" spc="-1" strike="noStrike">
-              <a:solidFill>
-                <a:srgbClr val="000000"/>
-              </a:solidFill>
+            <a:pPr algn="ctr"/>
+            <a:endParaRPr b="0" lang="fr-FR" sz="4400" spc="-1" strike="noStrike">
               <a:latin typeface="Arial"/>
             </a:endParaRPr>
           </a:p>
@@ -3043,10 +2861,7 @@
             <a:normAutofit/>
           </a:bodyPr>
           <a:p>
-            <a:endParaRPr b="0" lang="fr-FR" sz="2800" spc="-1" strike="noStrike">
-              <a:solidFill>
-                <a:srgbClr val="000000"/>
-              </a:solidFill>
+            <a:endParaRPr b="0" lang="fr-FR" sz="3200" spc="-1" strike="noStrike">
               <a:latin typeface="Arial"/>
             </a:endParaRPr>
           </a:p>
@@ -3076,10 +2891,7 @@
             <a:normAutofit/>
           </a:bodyPr>
           <a:p>
-            <a:endParaRPr b="0" lang="fr-FR" sz="2800" spc="-1" strike="noStrike">
-              <a:solidFill>
-                <a:srgbClr val="000000"/>
-              </a:solidFill>
+            <a:endParaRPr b="0" lang="fr-FR" sz="3200" spc="-1" strike="noStrike">
               <a:latin typeface="Arial"/>
             </a:endParaRPr>
           </a:p>
@@ -3109,10 +2921,7 @@
             <a:normAutofit/>
           </a:bodyPr>
           <a:p>
-            <a:endParaRPr b="0" lang="fr-FR" sz="2800" spc="-1" strike="noStrike">
-              <a:solidFill>
-                <a:srgbClr val="000000"/>
-              </a:solidFill>
+            <a:endParaRPr b="0" lang="fr-FR" sz="3200" spc="-1" strike="noStrike">
               <a:latin typeface="Arial"/>
             </a:endParaRPr>
           </a:p>
@@ -3164,10 +2973,8 @@
             <a:noAutofit/>
           </a:bodyPr>
           <a:p>
-            <a:endParaRPr b="0" lang="fr-FR" sz="1800" spc="-1" strike="noStrike">
-              <a:solidFill>
-                <a:srgbClr val="000000"/>
-              </a:solidFill>
+            <a:pPr algn="ctr"/>
+            <a:endParaRPr b="0" lang="fr-FR" sz="4400" spc="-1" strike="noStrike">
               <a:latin typeface="Arial"/>
             </a:endParaRPr>
           </a:p>
@@ -3197,10 +3004,7 @@
             <a:normAutofit/>
           </a:bodyPr>
           <a:p>
-            <a:endParaRPr b="0" lang="fr-FR" sz="2800" spc="-1" strike="noStrike">
-              <a:solidFill>
-                <a:srgbClr val="000000"/>
-              </a:solidFill>
+            <a:endParaRPr b="0" lang="fr-FR" sz="3200" spc="-1" strike="noStrike">
               <a:latin typeface="Arial"/>
             </a:endParaRPr>
           </a:p>
@@ -3230,10 +3034,7 @@
             <a:normAutofit/>
           </a:bodyPr>
           <a:p>
-            <a:endParaRPr b="0" lang="fr-FR" sz="2800" spc="-1" strike="noStrike">
-              <a:solidFill>
-                <a:srgbClr val="000000"/>
-              </a:solidFill>
+            <a:endParaRPr b="0" lang="fr-FR" sz="3200" spc="-1" strike="noStrike">
               <a:latin typeface="Arial"/>
             </a:endParaRPr>
           </a:p>
@@ -3285,10 +3086,8 @@
             <a:noAutofit/>
           </a:bodyPr>
           <a:p>
-            <a:endParaRPr b="0" lang="fr-FR" sz="1800" spc="-1" strike="noStrike">
-              <a:solidFill>
-                <a:srgbClr val="000000"/>
-              </a:solidFill>
+            <a:pPr algn="ctr"/>
+            <a:endParaRPr b="0" lang="fr-FR" sz="4400" spc="-1" strike="noStrike">
               <a:latin typeface="Arial"/>
             </a:endParaRPr>
           </a:p>
@@ -3318,10 +3117,7 @@
             <a:normAutofit/>
           </a:bodyPr>
           <a:p>
-            <a:endParaRPr b="0" lang="fr-FR" sz="2800" spc="-1" strike="noStrike">
-              <a:solidFill>
-                <a:srgbClr val="000000"/>
-              </a:solidFill>
+            <a:endParaRPr b="0" lang="fr-FR" sz="3200" spc="-1" strike="noStrike">
               <a:latin typeface="Arial"/>
             </a:endParaRPr>
           </a:p>
@@ -3351,10 +3147,7 @@
             <a:normAutofit/>
           </a:bodyPr>
           <a:p>
-            <a:endParaRPr b="0" lang="fr-FR" sz="2800" spc="-1" strike="noStrike">
-              <a:solidFill>
-                <a:srgbClr val="000000"/>
-              </a:solidFill>
+            <a:endParaRPr b="0" lang="fr-FR" sz="3200" spc="-1" strike="noStrike">
               <a:latin typeface="Arial"/>
             </a:endParaRPr>
           </a:p>
@@ -3384,10 +3177,7 @@
             <a:normAutofit/>
           </a:bodyPr>
           <a:p>
-            <a:endParaRPr b="0" lang="fr-FR" sz="2800" spc="-1" strike="noStrike">
-              <a:solidFill>
-                <a:srgbClr val="000000"/>
-              </a:solidFill>
+            <a:endParaRPr b="0" lang="fr-FR" sz="3200" spc="-1" strike="noStrike">
               <a:latin typeface="Arial"/>
             </a:endParaRPr>
           </a:p>
@@ -3417,10 +3207,7 @@
             <a:normAutofit/>
           </a:bodyPr>
           <a:p>
-            <a:endParaRPr b="0" lang="fr-FR" sz="2800" spc="-1" strike="noStrike">
-              <a:solidFill>
-                <a:srgbClr val="000000"/>
-              </a:solidFill>
+            <a:endParaRPr b="0" lang="fr-FR" sz="3200" spc="-1" strike="noStrike">
               <a:latin typeface="Arial"/>
             </a:endParaRPr>
           </a:p>
@@ -3472,10 +3259,8 @@
             <a:noAutofit/>
           </a:bodyPr>
           <a:p>
-            <a:endParaRPr b="0" lang="fr-FR" sz="1800" spc="-1" strike="noStrike">
-              <a:solidFill>
-                <a:srgbClr val="000000"/>
-              </a:solidFill>
+            <a:pPr algn="ctr"/>
+            <a:endParaRPr b="0" lang="fr-FR" sz="4400" spc="-1" strike="noStrike">
               <a:latin typeface="Arial"/>
             </a:endParaRPr>
           </a:p>
@@ -3505,10 +3290,7 @@
             <a:normAutofit/>
           </a:bodyPr>
           <a:p>
-            <a:endParaRPr b="0" lang="fr-FR" sz="2800" spc="-1" strike="noStrike">
-              <a:solidFill>
-                <a:srgbClr val="000000"/>
-              </a:solidFill>
+            <a:endParaRPr b="0" lang="fr-FR" sz="3200" spc="-1" strike="noStrike">
               <a:latin typeface="Arial"/>
             </a:endParaRPr>
           </a:p>
@@ -3538,10 +3320,7 @@
             <a:normAutofit/>
           </a:bodyPr>
           <a:p>
-            <a:endParaRPr b="0" lang="fr-FR" sz="2800" spc="-1" strike="noStrike">
-              <a:solidFill>
-                <a:srgbClr val="000000"/>
-              </a:solidFill>
+            <a:endParaRPr b="0" lang="fr-FR" sz="3200" spc="-1" strike="noStrike">
               <a:latin typeface="Arial"/>
             </a:endParaRPr>
           </a:p>
@@ -3571,10 +3350,7 @@
             <a:normAutofit/>
           </a:bodyPr>
           <a:p>
-            <a:endParaRPr b="0" lang="fr-FR" sz="2800" spc="-1" strike="noStrike">
-              <a:solidFill>
-                <a:srgbClr val="000000"/>
-              </a:solidFill>
+            <a:endParaRPr b="0" lang="fr-FR" sz="3200" spc="-1" strike="noStrike">
               <a:latin typeface="Arial"/>
             </a:endParaRPr>
           </a:p>
@@ -3604,10 +3380,7 @@
             <a:normAutofit/>
           </a:bodyPr>
           <a:p>
-            <a:endParaRPr b="0" lang="fr-FR" sz="2800" spc="-1" strike="noStrike">
-              <a:solidFill>
-                <a:srgbClr val="000000"/>
-              </a:solidFill>
+            <a:endParaRPr b="0" lang="fr-FR" sz="3200" spc="-1" strike="noStrike">
               <a:latin typeface="Arial"/>
             </a:endParaRPr>
           </a:p>
@@ -3637,10 +3410,7 @@
             <a:normAutofit/>
           </a:bodyPr>
           <a:p>
-            <a:endParaRPr b="0" lang="fr-FR" sz="2800" spc="-1" strike="noStrike">
-              <a:solidFill>
-                <a:srgbClr val="000000"/>
-              </a:solidFill>
+            <a:endParaRPr b="0" lang="fr-FR" sz="3200" spc="-1" strike="noStrike">
               <a:latin typeface="Arial"/>
             </a:endParaRPr>
           </a:p>
@@ -3670,10 +3440,7 @@
             <a:normAutofit/>
           </a:bodyPr>
           <a:p>
-            <a:endParaRPr b="0" lang="fr-FR" sz="2800" spc="-1" strike="noStrike">
-              <a:solidFill>
-                <a:srgbClr val="000000"/>
-              </a:solidFill>
+            <a:endParaRPr b="0" lang="fr-FR" sz="3200" spc="-1" strike="noStrike">
               <a:latin typeface="Arial"/>
             </a:endParaRPr>
           </a:p>
@@ -3725,10 +3492,8 @@
             <a:noAutofit/>
           </a:bodyPr>
           <a:p>
-            <a:endParaRPr b="0" lang="fr-FR" sz="1800" spc="-1" strike="noStrike">
-              <a:solidFill>
-                <a:srgbClr val="000000"/>
-              </a:solidFill>
+            <a:pPr algn="ctr"/>
+            <a:endParaRPr b="0" lang="fr-FR" sz="4400" spc="-1" strike="noStrike">
               <a:latin typeface="Arial"/>
             </a:endParaRPr>
           </a:p>
@@ -3758,10 +3523,7 @@
             <a:normAutofit/>
           </a:bodyPr>
           <a:p>
-            <a:endParaRPr b="0" lang="fr-FR" sz="2800" spc="-1" strike="noStrike">
-              <a:solidFill>
-                <a:srgbClr val="000000"/>
-              </a:solidFill>
+            <a:endParaRPr b="0" lang="fr-FR" sz="3200" spc="-1" strike="noStrike">
               <a:latin typeface="Arial"/>
             </a:endParaRPr>
           </a:p>
@@ -3791,10 +3553,7 @@
             <a:normAutofit/>
           </a:bodyPr>
           <a:p>
-            <a:endParaRPr b="0" lang="fr-FR" sz="2800" spc="-1" strike="noStrike">
-              <a:solidFill>
-                <a:srgbClr val="000000"/>
-              </a:solidFill>
+            <a:endParaRPr b="0" lang="fr-FR" sz="3200" spc="-1" strike="noStrike">
               <a:latin typeface="Arial"/>
             </a:endParaRPr>
           </a:p>
@@ -3846,10 +3605,8 @@
             <a:noAutofit/>
           </a:bodyPr>
           <a:p>
-            <a:endParaRPr b="0" lang="fr-FR" sz="1800" spc="-1" strike="noStrike">
-              <a:solidFill>
-                <a:srgbClr val="000000"/>
-              </a:solidFill>
+            <a:pPr algn="ctr"/>
+            <a:endParaRPr b="0" lang="fr-FR" sz="4400" spc="-1" strike="noStrike">
               <a:latin typeface="Arial"/>
             </a:endParaRPr>
           </a:p>
@@ -3954,10 +3711,8 @@
             <a:noAutofit/>
           </a:bodyPr>
           <a:p>
-            <a:endParaRPr b="0" lang="fr-FR" sz="1800" spc="-1" strike="noStrike">
-              <a:solidFill>
-                <a:srgbClr val="000000"/>
-              </a:solidFill>
+            <a:pPr algn="ctr"/>
+            <a:endParaRPr b="0" lang="fr-FR" sz="4400" spc="-1" strike="noStrike">
               <a:latin typeface="Arial"/>
             </a:endParaRPr>
           </a:p>
@@ -3987,10 +3742,7 @@
             <a:normAutofit/>
           </a:bodyPr>
           <a:p>
-            <a:endParaRPr b="0" lang="fr-FR" sz="2800" spc="-1" strike="noStrike">
-              <a:solidFill>
-                <a:srgbClr val="000000"/>
-              </a:solidFill>
+            <a:endParaRPr b="0" lang="fr-FR" sz="3200" spc="-1" strike="noStrike">
               <a:latin typeface="Arial"/>
             </a:endParaRPr>
           </a:p>
@@ -4020,10 +3772,7 @@
             <a:normAutofit/>
           </a:bodyPr>
           <a:p>
-            <a:endParaRPr b="0" lang="fr-FR" sz="2800" spc="-1" strike="noStrike">
-              <a:solidFill>
-                <a:srgbClr val="000000"/>
-              </a:solidFill>
+            <a:endParaRPr b="0" lang="fr-FR" sz="3200" spc="-1" strike="noStrike">
               <a:latin typeface="Arial"/>
             </a:endParaRPr>
           </a:p>
@@ -4053,10 +3802,7 @@
             <a:normAutofit/>
           </a:bodyPr>
           <a:p>
-            <a:endParaRPr b="0" lang="fr-FR" sz="2800" spc="-1" strike="noStrike">
-              <a:solidFill>
-                <a:srgbClr val="000000"/>
-              </a:solidFill>
+            <a:endParaRPr b="0" lang="fr-FR" sz="3200" spc="-1" strike="noStrike">
               <a:latin typeface="Arial"/>
             </a:endParaRPr>
           </a:p>
@@ -4108,10 +3854,8 @@
             <a:noAutofit/>
           </a:bodyPr>
           <a:p>
-            <a:endParaRPr b="0" lang="fr-FR" sz="1800" spc="-1" strike="noStrike">
-              <a:solidFill>
-                <a:srgbClr val="000000"/>
-              </a:solidFill>
+            <a:pPr algn="ctr"/>
+            <a:endParaRPr b="0" lang="fr-FR" sz="4400" spc="-1" strike="noStrike">
               <a:latin typeface="Arial"/>
             </a:endParaRPr>
           </a:p>
@@ -4141,10 +3885,7 @@
             <a:normAutofit/>
           </a:bodyPr>
           <a:p>
-            <a:endParaRPr b="0" lang="fr-FR" sz="2800" spc="-1" strike="noStrike">
-              <a:solidFill>
-                <a:srgbClr val="000000"/>
-              </a:solidFill>
+            <a:endParaRPr b="0" lang="fr-FR" sz="3200" spc="-1" strike="noStrike">
               <a:latin typeface="Arial"/>
             </a:endParaRPr>
           </a:p>
@@ -4174,10 +3915,7 @@
             <a:normAutofit/>
           </a:bodyPr>
           <a:p>
-            <a:endParaRPr b="0" lang="fr-FR" sz="2800" spc="-1" strike="noStrike">
-              <a:solidFill>
-                <a:srgbClr val="000000"/>
-              </a:solidFill>
+            <a:endParaRPr b="0" lang="fr-FR" sz="3200" spc="-1" strike="noStrike">
               <a:latin typeface="Arial"/>
             </a:endParaRPr>
           </a:p>
@@ -4207,10 +3945,7 @@
             <a:normAutofit/>
           </a:bodyPr>
           <a:p>
-            <a:endParaRPr b="0" lang="fr-FR" sz="2800" spc="-1" strike="noStrike">
-              <a:solidFill>
-                <a:srgbClr val="000000"/>
-              </a:solidFill>
+            <a:endParaRPr b="0" lang="fr-FR" sz="3200" spc="-1" strike="noStrike">
               <a:latin typeface="Arial"/>
             </a:endParaRPr>
           </a:p>
@@ -4262,10 +3997,8 @@
             <a:noAutofit/>
           </a:bodyPr>
           <a:p>
-            <a:endParaRPr b="0" lang="fr-FR" sz="1800" spc="-1" strike="noStrike">
-              <a:solidFill>
-                <a:srgbClr val="000000"/>
-              </a:solidFill>
+            <a:pPr algn="ctr"/>
+            <a:endParaRPr b="0" lang="fr-FR" sz="4400" spc="-1" strike="noStrike">
               <a:latin typeface="Arial"/>
             </a:endParaRPr>
           </a:p>
@@ -4295,10 +4028,7 @@
             <a:normAutofit/>
           </a:bodyPr>
           <a:p>
-            <a:endParaRPr b="0" lang="fr-FR" sz="2800" spc="-1" strike="noStrike">
-              <a:solidFill>
-                <a:srgbClr val="000000"/>
-              </a:solidFill>
+            <a:endParaRPr b="0" lang="fr-FR" sz="3200" spc="-1" strike="noStrike">
               <a:latin typeface="Arial"/>
             </a:endParaRPr>
           </a:p>
@@ -4328,10 +4058,7 @@
             <a:normAutofit/>
           </a:bodyPr>
           <a:p>
-            <a:endParaRPr b="0" lang="fr-FR" sz="2800" spc="-1" strike="noStrike">
-              <a:solidFill>
-                <a:srgbClr val="000000"/>
-              </a:solidFill>
+            <a:endParaRPr b="0" lang="fr-FR" sz="3200" spc="-1" strike="noStrike">
               <a:latin typeface="Arial"/>
             </a:endParaRPr>
           </a:p>
@@ -4361,10 +4088,7 @@
             <a:normAutofit/>
           </a:bodyPr>
           <a:p>
-            <a:endParaRPr b="0" lang="fr-FR" sz="2800" spc="-1" strike="noStrike">
-              <a:solidFill>
-                <a:srgbClr val="000000"/>
-              </a:solidFill>
+            <a:endParaRPr b="0" lang="fr-FR" sz="3200" spc="-1" strike="noStrike">
               <a:latin typeface="Arial"/>
             </a:endParaRPr>
           </a:p>
@@ -4423,19 +4147,14 @@
             <a:noAutofit/>
           </a:bodyPr>
           <a:p>
-            <a:r>
-              <a:rPr b="0" lang="fr-FR" sz="1800" spc="-1" strike="noStrike">
-                <a:solidFill>
-                  <a:srgbClr val="000000"/>
-                </a:solidFill>
+            <a:pPr algn="ctr"/>
+            <a:r>
+              <a:rPr b="0" lang="fr-FR" sz="4400" spc="-1" strike="noStrike">
                 <a:latin typeface="Arial"/>
               </a:rPr>
               <a:t>Cliquez pour éditer le format du texte-titre</a:t>
             </a:r>
-            <a:endParaRPr b="0" lang="fr-FR" sz="1800" spc="-1" strike="noStrike">
-              <a:solidFill>
-                <a:srgbClr val="000000"/>
-              </a:solidFill>
+            <a:endParaRPr b="0" lang="fr-FR" sz="4400" spc="-1" strike="noStrike">
               <a:latin typeface="Arial"/>
             </a:endParaRPr>
           </a:p>
@@ -4477,18 +4196,12 @@
               <a:buChar char=""/>
             </a:pPr>
             <a:r>
-              <a:rPr b="0" lang="fr-FR" sz="2800" spc="-1" strike="noStrike">
-                <a:solidFill>
-                  <a:srgbClr val="000000"/>
-                </a:solidFill>
+              <a:rPr b="0" lang="fr-FR" sz="3200" spc="-1" strike="noStrike">
                 <a:latin typeface="Arial"/>
               </a:rPr>
               <a:t>Cliquez pour éditer le format du plan de texte</a:t>
             </a:r>
-            <a:endParaRPr b="0" lang="fr-FR" sz="2800" spc="-1" strike="noStrike">
-              <a:solidFill>
-                <a:srgbClr val="000000"/>
-              </a:solidFill>
+            <a:endParaRPr b="0" lang="fr-FR" sz="3200" spc="-1" strike="noStrike">
               <a:latin typeface="Arial"/>
             </a:endParaRPr>
           </a:p>
@@ -4505,18 +4218,12 @@
               <a:buChar char=""/>
             </a:pPr>
             <a:r>
-              <a:rPr b="0" lang="fr-FR" sz="2000" spc="-1" strike="noStrike">
-                <a:solidFill>
-                  <a:srgbClr val="000000"/>
-                </a:solidFill>
+              <a:rPr b="0" lang="fr-FR" sz="2800" spc="-1" strike="noStrike">
                 <a:latin typeface="Arial"/>
               </a:rPr>
               <a:t>Second niveau de plan</a:t>
             </a:r>
-            <a:endParaRPr b="0" lang="fr-FR" sz="2000" spc="-1" strike="noStrike">
-              <a:solidFill>
-                <a:srgbClr val="000000"/>
-              </a:solidFill>
+            <a:endParaRPr b="0" lang="fr-FR" sz="2800" spc="-1" strike="noStrike">
               <a:latin typeface="Arial"/>
             </a:endParaRPr>
           </a:p>
@@ -4533,18 +4240,12 @@
               <a:buChar char=""/>
             </a:pPr>
             <a:r>
-              <a:rPr b="0" lang="fr-FR" sz="1800" spc="-1" strike="noStrike">
-                <a:solidFill>
-                  <a:srgbClr val="000000"/>
-                </a:solidFill>
+              <a:rPr b="0" lang="fr-FR" sz="2400" spc="-1" strike="noStrike">
                 <a:latin typeface="Arial"/>
               </a:rPr>
               <a:t>Troisième niveau de plan</a:t>
             </a:r>
-            <a:endParaRPr b="0" lang="fr-FR" sz="1800" spc="-1" strike="noStrike">
-              <a:solidFill>
-                <a:srgbClr val="000000"/>
-              </a:solidFill>
+            <a:endParaRPr b="0" lang="fr-FR" sz="2400" spc="-1" strike="noStrike">
               <a:latin typeface="Arial"/>
             </a:endParaRPr>
           </a:p>
@@ -4561,18 +4262,12 @@
               <a:buChar char=""/>
             </a:pPr>
             <a:r>
-              <a:rPr b="0" lang="fr-FR" sz="1800" spc="-1" strike="noStrike">
-                <a:solidFill>
-                  <a:srgbClr val="000000"/>
-                </a:solidFill>
+              <a:rPr b="0" lang="fr-FR" sz="2000" spc="-1" strike="noStrike">
                 <a:latin typeface="Arial"/>
               </a:rPr>
               <a:t>Quatrième niveau de plan</a:t>
             </a:r>
-            <a:endParaRPr b="0" lang="fr-FR" sz="1800" spc="-1" strike="noStrike">
-              <a:solidFill>
-                <a:srgbClr val="000000"/>
-              </a:solidFill>
+            <a:endParaRPr b="0" lang="fr-FR" sz="2000" spc="-1" strike="noStrike">
               <a:latin typeface="Arial"/>
             </a:endParaRPr>
           </a:p>
@@ -4590,17 +4285,11 @@
             </a:pPr>
             <a:r>
               <a:rPr b="0" lang="fr-FR" sz="2000" spc="-1" strike="noStrike">
-                <a:solidFill>
-                  <a:srgbClr val="000000"/>
-                </a:solidFill>
                 <a:latin typeface="Arial"/>
               </a:rPr>
               <a:t>Cinquième niveau de plan</a:t>
             </a:r>
             <a:endParaRPr b="0" lang="fr-FR" sz="2000" spc="-1" strike="noStrike">
-              <a:solidFill>
-                <a:srgbClr val="000000"/>
-              </a:solidFill>
               <a:latin typeface="Arial"/>
             </a:endParaRPr>
           </a:p>
@@ -4618,17 +4307,11 @@
             </a:pPr>
             <a:r>
               <a:rPr b="0" lang="fr-FR" sz="2000" spc="-1" strike="noStrike">
-                <a:solidFill>
-                  <a:srgbClr val="000000"/>
-                </a:solidFill>
                 <a:latin typeface="Arial"/>
               </a:rPr>
               <a:t>Sixième niveau de plan</a:t>
             </a:r>
             <a:endParaRPr b="0" lang="fr-FR" sz="2000" spc="-1" strike="noStrike">
-              <a:solidFill>
-                <a:srgbClr val="000000"/>
-              </a:solidFill>
               <a:latin typeface="Arial"/>
             </a:endParaRPr>
           </a:p>
@@ -4646,17 +4329,11 @@
             </a:pPr>
             <a:r>
               <a:rPr b="0" lang="fr-FR" sz="2000" spc="-1" strike="noStrike">
-                <a:solidFill>
-                  <a:srgbClr val="000000"/>
-                </a:solidFill>
                 <a:latin typeface="Arial"/>
               </a:rPr>
               <a:t>Septième niveau de plan</a:t>
             </a:r>
             <a:endParaRPr b="0" lang="fr-FR" sz="2000" spc="-1" strike="noStrike">
-              <a:solidFill>
-                <a:srgbClr val="000000"/>
-              </a:solidFill>
               <a:latin typeface="Arial"/>
             </a:endParaRPr>
           </a:p>
@@ -4730,19 +4407,14 @@
             <a:noAutofit/>
           </a:bodyPr>
           <a:p>
-            <a:r>
-              <a:rPr b="0" lang="fr-FR" sz="1800" spc="-1" strike="noStrike">
-                <a:solidFill>
-                  <a:srgbClr val="000000"/>
-                </a:solidFill>
+            <a:pPr algn="ctr"/>
+            <a:r>
+              <a:rPr b="0" lang="fr-FR" sz="4400" spc="-1" strike="noStrike">
                 <a:latin typeface="Arial"/>
               </a:rPr>
               <a:t>Cliquez pour éditer le format du texte-titre</a:t>
             </a:r>
-            <a:endParaRPr b="0" lang="fr-FR" sz="1800" spc="-1" strike="noStrike">
-              <a:solidFill>
-                <a:srgbClr val="000000"/>
-              </a:solidFill>
+            <a:endParaRPr b="0" lang="fr-FR" sz="4400" spc="-1" strike="noStrike">
               <a:latin typeface="Arial"/>
             </a:endParaRPr>
           </a:p>
@@ -4784,18 +4456,12 @@
               <a:buChar char=""/>
             </a:pPr>
             <a:r>
-              <a:rPr b="0" lang="fr-FR" sz="2800" spc="-1" strike="noStrike">
-                <a:solidFill>
-                  <a:srgbClr val="000000"/>
-                </a:solidFill>
+              <a:rPr b="0" lang="fr-FR" sz="3200" spc="-1" strike="noStrike">
                 <a:latin typeface="Arial"/>
               </a:rPr>
               <a:t>Cliquez pour éditer le format du plan de texte</a:t>
             </a:r>
-            <a:endParaRPr b="0" lang="fr-FR" sz="2800" spc="-1" strike="noStrike">
-              <a:solidFill>
-                <a:srgbClr val="000000"/>
-              </a:solidFill>
+            <a:endParaRPr b="0" lang="fr-FR" sz="3200" spc="-1" strike="noStrike">
               <a:latin typeface="Arial"/>
             </a:endParaRPr>
           </a:p>
@@ -4812,18 +4478,12 @@
               <a:buChar char=""/>
             </a:pPr>
             <a:r>
-              <a:rPr b="0" lang="fr-FR" sz="2000" spc="-1" strike="noStrike">
-                <a:solidFill>
-                  <a:srgbClr val="000000"/>
-                </a:solidFill>
+              <a:rPr b="0" lang="fr-FR" sz="2800" spc="-1" strike="noStrike">
                 <a:latin typeface="Arial"/>
               </a:rPr>
               <a:t>Second niveau de plan</a:t>
             </a:r>
-            <a:endParaRPr b="0" lang="fr-FR" sz="2000" spc="-1" strike="noStrike">
-              <a:solidFill>
-                <a:srgbClr val="000000"/>
-              </a:solidFill>
+            <a:endParaRPr b="0" lang="fr-FR" sz="2800" spc="-1" strike="noStrike">
               <a:latin typeface="Arial"/>
             </a:endParaRPr>
           </a:p>
@@ -4840,18 +4500,12 @@
               <a:buChar char=""/>
             </a:pPr>
             <a:r>
-              <a:rPr b="0" lang="fr-FR" sz="1800" spc="-1" strike="noStrike">
-                <a:solidFill>
-                  <a:srgbClr val="000000"/>
-                </a:solidFill>
+              <a:rPr b="0" lang="fr-FR" sz="2400" spc="-1" strike="noStrike">
                 <a:latin typeface="Arial"/>
               </a:rPr>
               <a:t>Troisième niveau de plan</a:t>
             </a:r>
-            <a:endParaRPr b="0" lang="fr-FR" sz="1800" spc="-1" strike="noStrike">
-              <a:solidFill>
-                <a:srgbClr val="000000"/>
-              </a:solidFill>
+            <a:endParaRPr b="0" lang="fr-FR" sz="2400" spc="-1" strike="noStrike">
               <a:latin typeface="Arial"/>
             </a:endParaRPr>
           </a:p>
@@ -4868,18 +4522,12 @@
               <a:buChar char=""/>
             </a:pPr>
             <a:r>
-              <a:rPr b="0" lang="fr-FR" sz="1800" spc="-1" strike="noStrike">
-                <a:solidFill>
-                  <a:srgbClr val="000000"/>
-                </a:solidFill>
+              <a:rPr b="0" lang="fr-FR" sz="2000" spc="-1" strike="noStrike">
                 <a:latin typeface="Arial"/>
               </a:rPr>
               <a:t>Quatrième niveau de plan</a:t>
             </a:r>
-            <a:endParaRPr b="0" lang="fr-FR" sz="1800" spc="-1" strike="noStrike">
-              <a:solidFill>
-                <a:srgbClr val="000000"/>
-              </a:solidFill>
+            <a:endParaRPr b="0" lang="fr-FR" sz="2000" spc="-1" strike="noStrike">
               <a:latin typeface="Arial"/>
             </a:endParaRPr>
           </a:p>
@@ -4897,17 +4545,11 @@
             </a:pPr>
             <a:r>
               <a:rPr b="0" lang="fr-FR" sz="2000" spc="-1" strike="noStrike">
-                <a:solidFill>
-                  <a:srgbClr val="000000"/>
-                </a:solidFill>
                 <a:latin typeface="Arial"/>
               </a:rPr>
               <a:t>Cinquième niveau de plan</a:t>
             </a:r>
             <a:endParaRPr b="0" lang="fr-FR" sz="2000" spc="-1" strike="noStrike">
-              <a:solidFill>
-                <a:srgbClr val="000000"/>
-              </a:solidFill>
               <a:latin typeface="Arial"/>
             </a:endParaRPr>
           </a:p>
@@ -4925,17 +4567,11 @@
             </a:pPr>
             <a:r>
               <a:rPr b="0" lang="fr-FR" sz="2000" spc="-1" strike="noStrike">
-                <a:solidFill>
-                  <a:srgbClr val="000000"/>
-                </a:solidFill>
                 <a:latin typeface="Arial"/>
               </a:rPr>
               <a:t>Sixième niveau de plan</a:t>
             </a:r>
             <a:endParaRPr b="0" lang="fr-FR" sz="2000" spc="-1" strike="noStrike">
-              <a:solidFill>
-                <a:srgbClr val="000000"/>
-              </a:solidFill>
               <a:latin typeface="Arial"/>
             </a:endParaRPr>
           </a:p>
@@ -4953,17 +4589,11 @@
             </a:pPr>
             <a:r>
               <a:rPr b="0" lang="fr-FR" sz="2000" spc="-1" strike="noStrike">
-                <a:solidFill>
-                  <a:srgbClr val="000000"/>
-                </a:solidFill>
                 <a:latin typeface="Arial"/>
               </a:rPr>
               <a:t>Septième niveau de plan</a:t>
             </a:r>
             <a:endParaRPr b="0" lang="fr-FR" sz="2000" spc="-1" strike="noStrike">
-              <a:solidFill>
-                <a:srgbClr val="000000"/>
-              </a:solidFill>
               <a:latin typeface="Arial"/>
             </a:endParaRPr>
           </a:p>
@@ -5025,8 +4655,8 @@
         </p:nvSpPr>
         <p:spPr>
           <a:xfrm>
-            <a:off x="503640" y="225720"/>
-            <a:ext cx="9070920" cy="946080"/>
+            <a:off x="504000" y="226080"/>
+            <a:ext cx="9071640" cy="946080"/>
           </a:xfrm>
           <a:prstGeom prst="rect">
             <a:avLst/>
@@ -5038,18 +4668,12 @@
           </a:bodyPr>
           <a:p>
             <a:r>
-              <a:rPr b="0" lang="fr-FR" sz="4400" spc="-1" strike="noStrike">
-                <a:solidFill>
-                  <a:srgbClr val="000000"/>
-                </a:solidFill>
+              <a:rPr b="0" lang="fr-FR" sz="1800" spc="-1" strike="noStrike">
                 <a:latin typeface="Arial"/>
               </a:rPr>
               <a:t>Cliquez pour éditer le format du texte-titre</a:t>
             </a:r>
-            <a:endParaRPr b="0" lang="fr-FR" sz="4400" spc="-1" strike="noStrike">
-              <a:solidFill>
-                <a:srgbClr val="000000"/>
-              </a:solidFill>
+            <a:endParaRPr b="0" lang="fr-FR" sz="1800" spc="-1" strike="noStrike">
               <a:latin typeface="Arial"/>
             </a:endParaRPr>
           </a:p>
@@ -5068,7 +4692,7 @@
         <p:spPr>
           <a:xfrm>
             <a:off x="504000" y="1326600"/>
-            <a:ext cx="9072000" cy="3288600"/>
+            <a:ext cx="9071640" cy="3288240"/>
           </a:xfrm>
           <a:prstGeom prst="rect">
             <a:avLst/>
@@ -5091,18 +4715,12 @@
               <a:buChar char=""/>
             </a:pPr>
             <a:r>
-              <a:rPr b="0" lang="fr-FR" sz="2800" spc="-1" strike="noStrike">
-                <a:solidFill>
-                  <a:srgbClr val="000000"/>
-                </a:solidFill>
+              <a:rPr b="0" lang="fr-FR" sz="1800" spc="-1" strike="noStrike">
                 <a:latin typeface="Arial"/>
               </a:rPr>
               <a:t>Cliquez pour éditer le format du plan de texte</a:t>
             </a:r>
-            <a:endParaRPr b="0" lang="fr-FR" sz="2800" spc="-1" strike="noStrike">
-              <a:solidFill>
-                <a:srgbClr val="000000"/>
-              </a:solidFill>
+            <a:endParaRPr b="0" lang="fr-FR" sz="1800" spc="-1" strike="noStrike">
               <a:latin typeface="Arial"/>
             </a:endParaRPr>
           </a:p>
@@ -5119,18 +4737,12 @@
               <a:buChar char=""/>
             </a:pPr>
             <a:r>
-              <a:rPr b="0" lang="fr-FR" sz="2000" spc="-1" strike="noStrike">
-                <a:solidFill>
-                  <a:srgbClr val="000000"/>
-                </a:solidFill>
+              <a:rPr b="0" lang="fr-FR" sz="1800" spc="-1" strike="noStrike">
                 <a:latin typeface="Arial"/>
               </a:rPr>
               <a:t>Second niveau de plan</a:t>
             </a:r>
-            <a:endParaRPr b="0" lang="fr-FR" sz="2000" spc="-1" strike="noStrike">
-              <a:solidFill>
-                <a:srgbClr val="000000"/>
-              </a:solidFill>
+            <a:endParaRPr b="0" lang="fr-FR" sz="1800" spc="-1" strike="noStrike">
               <a:latin typeface="Arial"/>
             </a:endParaRPr>
           </a:p>
@@ -5148,17 +4760,11 @@
             </a:pPr>
             <a:r>
               <a:rPr b="0" lang="fr-FR" sz="1800" spc="-1" strike="noStrike">
-                <a:solidFill>
-                  <a:srgbClr val="000000"/>
-                </a:solidFill>
                 <a:latin typeface="Arial"/>
               </a:rPr>
               <a:t>Troisième niveau de plan</a:t>
             </a:r>
             <a:endParaRPr b="0" lang="fr-FR" sz="1800" spc="-1" strike="noStrike">
-              <a:solidFill>
-                <a:srgbClr val="000000"/>
-              </a:solidFill>
               <a:latin typeface="Arial"/>
             </a:endParaRPr>
           </a:p>
@@ -5176,17 +4782,11 @@
             </a:pPr>
             <a:r>
               <a:rPr b="0" lang="fr-FR" sz="1800" spc="-1" strike="noStrike">
-                <a:solidFill>
-                  <a:srgbClr val="000000"/>
-                </a:solidFill>
                 <a:latin typeface="Arial"/>
               </a:rPr>
               <a:t>Quatrième niveau de plan</a:t>
             </a:r>
             <a:endParaRPr b="0" lang="fr-FR" sz="1800" spc="-1" strike="noStrike">
-              <a:solidFill>
-                <a:srgbClr val="000000"/>
-              </a:solidFill>
               <a:latin typeface="Arial"/>
             </a:endParaRPr>
           </a:p>
@@ -5203,18 +4803,12 @@
               <a:buChar char=""/>
             </a:pPr>
             <a:r>
-              <a:rPr b="0" lang="fr-FR" sz="2000" spc="-1" strike="noStrike">
-                <a:solidFill>
-                  <a:srgbClr val="000000"/>
-                </a:solidFill>
+              <a:rPr b="0" lang="fr-FR" sz="1800" spc="-1" strike="noStrike">
                 <a:latin typeface="Arial"/>
               </a:rPr>
               <a:t>Cinquième niveau de plan</a:t>
             </a:r>
-            <a:endParaRPr b="0" lang="fr-FR" sz="2000" spc="-1" strike="noStrike">
-              <a:solidFill>
-                <a:srgbClr val="000000"/>
-              </a:solidFill>
+            <a:endParaRPr b="0" lang="fr-FR" sz="1800" spc="-1" strike="noStrike">
               <a:latin typeface="Arial"/>
             </a:endParaRPr>
           </a:p>
@@ -5231,18 +4825,12 @@
               <a:buChar char=""/>
             </a:pPr>
             <a:r>
-              <a:rPr b="0" lang="fr-FR" sz="2000" spc="-1" strike="noStrike">
-                <a:solidFill>
-                  <a:srgbClr val="000000"/>
-                </a:solidFill>
+              <a:rPr b="0" lang="fr-FR" sz="1800" spc="-1" strike="noStrike">
                 <a:latin typeface="Arial"/>
               </a:rPr>
               <a:t>Sixième niveau de plan</a:t>
             </a:r>
-            <a:endParaRPr b="0" lang="fr-FR" sz="2000" spc="-1" strike="noStrike">
-              <a:solidFill>
-                <a:srgbClr val="000000"/>
-              </a:solidFill>
+            <a:endParaRPr b="0" lang="fr-FR" sz="1800" spc="-1" strike="noStrike">
               <a:latin typeface="Arial"/>
             </a:endParaRPr>
           </a:p>
@@ -5259,18 +4847,12 @@
               <a:buChar char=""/>
             </a:pPr>
             <a:r>
-              <a:rPr b="0" lang="fr-FR" sz="2000" spc="-1" strike="noStrike">
-                <a:solidFill>
-                  <a:srgbClr val="000000"/>
-                </a:solidFill>
+              <a:rPr b="0" lang="fr-FR" sz="1800" spc="-1" strike="noStrike">
                 <a:latin typeface="Arial"/>
               </a:rPr>
               <a:t>Septième niveau de plan</a:t>
             </a:r>
-            <a:endParaRPr b="0" lang="fr-FR" sz="2000" spc="-1" strike="noStrike">
-              <a:solidFill>
-                <a:srgbClr val="000000"/>
-              </a:solidFill>
+            <a:endParaRPr b="0" lang="fr-FR" sz="1800" spc="-1" strike="noStrike">
               <a:latin typeface="Arial"/>
             </a:endParaRPr>
           </a:p>
@@ -5326,7 +4908,7 @@
         <p:spPr>
           <a:xfrm>
             <a:off x="2159640" y="582480"/>
-            <a:ext cx="6118560" cy="4780800"/>
+            <a:ext cx="6118200" cy="4780440"/>
           </a:xfrm>
           <a:prstGeom prst="rect">
             <a:avLst/>
@@ -5345,7 +4927,7 @@
         <p:spPr>
           <a:xfrm>
             <a:off x="0" y="-42120"/>
-            <a:ext cx="10078200" cy="624240"/>
+            <a:ext cx="10077840" cy="623880"/>
           </a:xfrm>
           <a:prstGeom prst="rect">
             <a:avLst/>
@@ -5383,7 +4965,7 @@
         <p:spPr>
           <a:xfrm>
             <a:off x="0" y="5129640"/>
-            <a:ext cx="10078200" cy="538560"/>
+            <a:ext cx="10077840" cy="538200"/>
           </a:xfrm>
           <a:prstGeom prst="rect">
             <a:avLst/>
@@ -5421,7 +5003,7 @@
         <p:spPr>
           <a:xfrm>
             <a:off x="719640" y="1619640"/>
-            <a:ext cx="358920" cy="2338560"/>
+            <a:ext cx="358560" cy="2338200"/>
           </a:xfrm>
           <a:prstGeom prst="rect">
             <a:avLst/>
@@ -5459,7 +5041,7 @@
         <p:spPr>
           <a:xfrm>
             <a:off x="9179280" y="1583640"/>
-            <a:ext cx="358920" cy="2338560"/>
+            <a:ext cx="358560" cy="2338200"/>
           </a:xfrm>
           <a:prstGeom prst="rect">
             <a:avLst/>
@@ -5527,7 +5109,7 @@
         <p:spPr>
           <a:xfrm>
             <a:off x="0" y="360"/>
-            <a:ext cx="10078200" cy="1249200"/>
+            <a:ext cx="10077840" cy="1248840"/>
           </a:xfrm>
           <a:prstGeom prst="rect">
             <a:avLst/>
@@ -5610,7 +5192,7 @@
         <p:spPr>
           <a:xfrm>
             <a:off x="0" y="1250280"/>
-            <a:ext cx="10078200" cy="4417920"/>
+            <a:ext cx="10077840" cy="4417560"/>
           </a:xfrm>
           <a:prstGeom prst="rect">
             <a:avLst/>
@@ -5731,7 +5313,7 @@
         <p:spPr>
           <a:xfrm>
             <a:off x="9331920" y="4971960"/>
-            <a:ext cx="566280" cy="426240"/>
+            <a:ext cx="565920" cy="425880"/>
           </a:xfrm>
           <a:prstGeom prst="rect">
             <a:avLst/>
@@ -5757,7 +5339,7 @@
                 <a:spcPct val="100000"/>
               </a:lnSpc>
             </a:pPr>
-            <a:fld id="{AD83C757-78B4-482B-BDFE-91710B419C28}" type="slidenum">
+            <a:fld id="{CEB2FC1C-82B4-4BD5-9D9A-9DD07C2A00ED}" type="slidenum">
               <a:rPr b="1" lang="fr-FR" sz="2400" spc="-1" strike="noStrike">
                 <a:solidFill>
                   <a:srgbClr val="ffffff"/>
@@ -5786,7 +5368,7 @@
         <p:spPr>
           <a:xfrm>
             <a:off x="720000" y="1474200"/>
-            <a:ext cx="8638200" cy="3205440"/>
+            <a:ext cx="8637840" cy="3205080"/>
           </a:xfrm>
           <a:prstGeom prst="rect">
             <a:avLst/>
@@ -5809,7 +5391,7 @@
         <p:spPr>
           <a:xfrm>
             <a:off x="177840" y="4495680"/>
-            <a:ext cx="5575320" cy="711360"/>
+            <a:ext cx="5574960" cy="711000"/>
           </a:xfrm>
           <a:prstGeom prst="rect">
             <a:avLst/>
@@ -5858,7 +5440,7 @@
         <p:spPr>
           <a:xfrm>
             <a:off x="0" y="360"/>
-            <a:ext cx="10078200" cy="1249200"/>
+            <a:ext cx="10077840" cy="1248840"/>
           </a:xfrm>
           <a:prstGeom prst="rect">
             <a:avLst/>
@@ -5941,7 +5523,7 @@
         <p:spPr>
           <a:xfrm>
             <a:off x="0" y="1250280"/>
-            <a:ext cx="10078200" cy="4417920"/>
+            <a:ext cx="10077840" cy="4417560"/>
           </a:xfrm>
           <a:prstGeom prst="rect">
             <a:avLst/>
@@ -6062,7 +5644,7 @@
         <p:spPr>
           <a:xfrm>
             <a:off x="9331920" y="4971960"/>
-            <a:ext cx="566280" cy="426240"/>
+            <a:ext cx="565920" cy="425880"/>
           </a:xfrm>
           <a:prstGeom prst="rect">
             <a:avLst/>
@@ -6088,7 +5670,7 @@
                 <a:spcPct val="100000"/>
               </a:lnSpc>
             </a:pPr>
-            <a:fld id="{B82F33B0-8679-48AB-BF9B-46AFA1F43FF1}" type="slidenum">
+            <a:fld id="{DF8730D3-4325-4C18-A8CA-B4BC052A5F18}" type="slidenum">
               <a:rPr b="1" lang="fr-FR" sz="2400" spc="-1" strike="noStrike">
                 <a:solidFill>
                   <a:srgbClr val="ffffff"/>
@@ -6117,7 +5699,7 @@
         <p:spPr>
           <a:xfrm>
             <a:off x="1857960" y="1270440"/>
-            <a:ext cx="6647040" cy="3849480"/>
+            <a:ext cx="6646680" cy="3849120"/>
           </a:xfrm>
           <a:prstGeom prst="rect">
             <a:avLst/>
@@ -6140,7 +5722,7 @@
         <p:spPr>
           <a:xfrm>
             <a:off x="1257480" y="4521240"/>
-            <a:ext cx="5931000" cy="1041480"/>
+            <a:ext cx="5930640" cy="1041120"/>
           </a:xfrm>
           <a:prstGeom prst="rect">
             <a:avLst/>
@@ -6204,7 +5786,7 @@
         <p:spPr>
           <a:xfrm>
             <a:off x="0" y="360"/>
-            <a:ext cx="10078200" cy="1249200"/>
+            <a:ext cx="10077840" cy="1248840"/>
           </a:xfrm>
           <a:prstGeom prst="rect">
             <a:avLst/>
@@ -6287,7 +5869,7 @@
         <p:spPr>
           <a:xfrm>
             <a:off x="9345600" y="4971960"/>
-            <a:ext cx="552600" cy="426240"/>
+            <a:ext cx="552240" cy="425880"/>
           </a:xfrm>
           <a:prstGeom prst="rect">
             <a:avLst/>
@@ -6313,7 +5895,7 @@
                 <a:spcPct val="100000"/>
               </a:lnSpc>
             </a:pPr>
-            <a:fld id="{729EA648-846C-434F-BFCA-B4533C6480BC}" type="slidenum">
+            <a:fld id="{76F5A91F-E3DA-4F13-B246-56130F263DEF}" type="slidenum">
               <a:rPr b="1" lang="fr-FR" sz="2400" spc="-1" strike="noStrike">
                 <a:solidFill>
                   <a:srgbClr val="ffffff"/>
@@ -6342,7 +5924,7 @@
         <p:spPr>
           <a:xfrm>
             <a:off x="2340000" y="1397520"/>
-            <a:ext cx="5582520" cy="4182120"/>
+            <a:ext cx="5582160" cy="4181760"/>
           </a:xfrm>
           <a:prstGeom prst="rect">
             <a:avLst/>
@@ -6406,7 +5988,7 @@
         <p:spPr>
           <a:xfrm>
             <a:off x="0" y="360"/>
-            <a:ext cx="10078200" cy="1249200"/>
+            <a:ext cx="10077840" cy="1248840"/>
           </a:xfrm>
           <a:prstGeom prst="rect">
             <a:avLst/>
@@ -6489,7 +6071,7 @@
         <p:spPr>
           <a:xfrm>
             <a:off x="9296640" y="4971960"/>
-            <a:ext cx="484560" cy="426240"/>
+            <a:ext cx="484200" cy="425880"/>
           </a:xfrm>
           <a:prstGeom prst="rect">
             <a:avLst/>
@@ -6515,7 +6097,7 @@
                 <a:spcPct val="100000"/>
               </a:lnSpc>
             </a:pPr>
-            <a:fld id="{846F3B5C-1ED7-43EA-89A2-F5DD78F70DA4}" type="slidenum">
+            <a:fld id="{BA6302D6-9339-4EDA-B4BB-FD3CB6AE5599}" type="slidenum">
               <a:rPr b="1" lang="fr-FR" sz="2400" spc="-1" strike="noStrike">
                 <a:solidFill>
                   <a:srgbClr val="ffffff"/>
@@ -6544,7 +6126,7 @@
         <p:spPr>
           <a:xfrm>
             <a:off x="2340000" y="1308960"/>
-            <a:ext cx="5865480" cy="4090680"/>
+            <a:ext cx="5865120" cy="4090320"/>
           </a:xfrm>
           <a:prstGeom prst="rect">
             <a:avLst/>
@@ -6593,7 +6175,7 @@
         <p:spPr>
           <a:xfrm>
             <a:off x="0" y="360"/>
-            <a:ext cx="10078200" cy="1249200"/>
+            <a:ext cx="10077840" cy="1248840"/>
           </a:xfrm>
           <a:prstGeom prst="rect">
             <a:avLst/>
@@ -6676,7 +6258,7 @@
         <p:spPr>
           <a:xfrm>
             <a:off x="0" y="1250280"/>
-            <a:ext cx="10078200" cy="4417920"/>
+            <a:ext cx="10077840" cy="4417560"/>
           </a:xfrm>
           <a:prstGeom prst="rect">
             <a:avLst/>
@@ -6797,7 +6379,7 @@
         <p:spPr>
           <a:xfrm>
             <a:off x="9331920" y="4971960"/>
-            <a:ext cx="566280" cy="426240"/>
+            <a:ext cx="565920" cy="425880"/>
           </a:xfrm>
           <a:prstGeom prst="rect">
             <a:avLst/>
@@ -6823,7 +6405,7 @@
                 <a:spcPct val="100000"/>
               </a:lnSpc>
             </a:pPr>
-            <a:fld id="{51220E89-2CE3-49D8-887A-8BC4A14E5548}" type="slidenum">
+            <a:fld id="{21C53529-85E2-4534-AB51-B6CF89F2C68C}" type="slidenum">
               <a:rPr b="1" lang="fr-FR" sz="1800" spc="-1" strike="noStrike">
                 <a:solidFill>
                   <a:srgbClr val="ffffff"/>
@@ -6852,7 +6434,7 @@
         <p:spPr>
           <a:xfrm>
             <a:off x="2699640" y="1439640"/>
-            <a:ext cx="4451760" cy="3463560"/>
+            <a:ext cx="4451400" cy="3463200"/>
           </a:xfrm>
           <a:prstGeom prst="rect">
             <a:avLst/>
@@ -6875,7 +6457,7 @@
         <p:spPr>
           <a:xfrm>
             <a:off x="1968480" y="4495680"/>
-            <a:ext cx="6108840" cy="1066680"/>
+            <a:ext cx="6108480" cy="1066320"/>
           </a:xfrm>
           <a:prstGeom prst="rect">
             <a:avLst/>
@@ -6924,7 +6506,7 @@
         <p:spPr>
           <a:xfrm>
             <a:off x="0" y="360"/>
-            <a:ext cx="10078200" cy="1249200"/>
+            <a:ext cx="10077840" cy="1248840"/>
           </a:xfrm>
           <a:prstGeom prst="rect">
             <a:avLst/>
@@ -7007,7 +6589,7 @@
         <p:spPr>
           <a:xfrm>
             <a:off x="0" y="1250280"/>
-            <a:ext cx="10078200" cy="4417920"/>
+            <a:ext cx="10077840" cy="4417560"/>
           </a:xfrm>
           <a:prstGeom prst="rect">
             <a:avLst/>
@@ -7128,7 +6710,7 @@
         <p:spPr>
           <a:xfrm>
             <a:off x="9331920" y="4971960"/>
-            <a:ext cx="566280" cy="426240"/>
+            <a:ext cx="565920" cy="425880"/>
           </a:xfrm>
           <a:prstGeom prst="rect">
             <a:avLst/>
@@ -7154,7 +6736,7 @@
                 <a:spcPct val="100000"/>
               </a:lnSpc>
             </a:pPr>
-            <a:fld id="{A758A584-5446-4CB4-B576-2321DB8FDC38}" type="slidenum">
+            <a:fld id="{AF0B9337-B1C6-48E3-AD39-C560A722EC9F}" type="slidenum">
               <a:rPr b="1" lang="fr-FR" sz="1800" spc="-1" strike="noStrike">
                 <a:solidFill>
                   <a:srgbClr val="ffffff"/>
@@ -7183,7 +6765,7 @@
         <p:spPr>
           <a:xfrm>
             <a:off x="2028240" y="1439640"/>
-            <a:ext cx="6429960" cy="4138560"/>
+            <a:ext cx="6429600" cy="4138200"/>
           </a:xfrm>
           <a:prstGeom prst="rect">
             <a:avLst/>
@@ -7232,7 +6814,7 @@
         <p:spPr>
           <a:xfrm>
             <a:off x="0" y="360"/>
-            <a:ext cx="10078200" cy="1249200"/>
+            <a:ext cx="10077840" cy="1248840"/>
           </a:xfrm>
           <a:prstGeom prst="rect">
             <a:avLst/>
@@ -7315,7 +6897,7 @@
         <p:spPr>
           <a:xfrm>
             <a:off x="0" y="1250280"/>
-            <a:ext cx="10078200" cy="4417920"/>
+            <a:ext cx="10077840" cy="4417560"/>
           </a:xfrm>
           <a:prstGeom prst="rect">
             <a:avLst/>
@@ -7436,7 +7018,7 @@
         <p:spPr>
           <a:xfrm>
             <a:off x="9331920" y="4971960"/>
-            <a:ext cx="566280" cy="426240"/>
+            <a:ext cx="565920" cy="425880"/>
           </a:xfrm>
           <a:prstGeom prst="rect">
             <a:avLst/>
@@ -7462,7 +7044,7 @@
                 <a:spcPct val="100000"/>
               </a:lnSpc>
             </a:pPr>
-            <a:fld id="{D906A528-5E2C-42AC-B036-94B6332EE30B}" type="slidenum">
+            <a:fld id="{67944143-D654-458A-A25F-D8FB046ED8E5}" type="slidenum">
               <a:rPr b="1" lang="fr-FR" sz="1800" spc="-1" strike="noStrike">
                 <a:solidFill>
                   <a:srgbClr val="ffffff"/>
@@ -7491,7 +7073,7 @@
         <p:spPr>
           <a:xfrm>
             <a:off x="2339640" y="1409760"/>
-            <a:ext cx="5578560" cy="4168440"/>
+            <a:ext cx="5578200" cy="4168080"/>
           </a:xfrm>
           <a:prstGeom prst="rect">
             <a:avLst/>
@@ -7540,7 +7122,7 @@
         <p:spPr>
           <a:xfrm>
             <a:off x="0" y="360"/>
-            <a:ext cx="10078200" cy="1249200"/>
+            <a:ext cx="10077840" cy="1248840"/>
           </a:xfrm>
           <a:prstGeom prst="rect">
             <a:avLst/>
@@ -7623,7 +7205,7 @@
         <p:spPr>
           <a:xfrm>
             <a:off x="0" y="1250280"/>
-            <a:ext cx="10078200" cy="4417920"/>
+            <a:ext cx="10077840" cy="4417560"/>
           </a:xfrm>
           <a:prstGeom prst="rect">
             <a:avLst/>
@@ -7744,7 +7326,7 @@
         <p:spPr>
           <a:xfrm>
             <a:off x="9331920" y="4971960"/>
-            <a:ext cx="566280" cy="426240"/>
+            <a:ext cx="565920" cy="425880"/>
           </a:xfrm>
           <a:prstGeom prst="rect">
             <a:avLst/>
@@ -7770,7 +7352,7 @@
                 <a:spcPct val="100000"/>
               </a:lnSpc>
             </a:pPr>
-            <a:fld id="{9A726CF7-5B94-4821-995D-6D29CFC2BE52}" type="slidenum">
+            <a:fld id="{FDF58C52-3ACE-4850-98DE-38D7D45839BB}" type="slidenum">
               <a:rPr b="1" lang="fr-FR" sz="1800" spc="-1" strike="noStrike">
                 <a:solidFill>
                   <a:srgbClr val="ffffff"/>
@@ -7799,7 +7381,7 @@
         <p:spPr>
           <a:xfrm>
             <a:off x="4139640" y="1365480"/>
-            <a:ext cx="2031480" cy="4212720"/>
+            <a:ext cx="2031120" cy="4212360"/>
           </a:xfrm>
           <a:prstGeom prst="rect">
             <a:avLst/>
@@ -7822,7 +7404,7 @@
         <p:spPr>
           <a:xfrm>
             <a:off x="-177840" y="4762440"/>
-            <a:ext cx="4127400" cy="635040"/>
+            <a:ext cx="4127040" cy="634680"/>
           </a:xfrm>
           <a:prstGeom prst="rect">
             <a:avLst/>
@@ -7886,7 +7468,7 @@
         <p:spPr>
           <a:xfrm>
             <a:off x="0" y="2340000"/>
-            <a:ext cx="10078200" cy="1249200"/>
+            <a:ext cx="10077840" cy="1248840"/>
           </a:xfrm>
           <a:prstGeom prst="rect">
             <a:avLst/>
@@ -7987,7 +7569,7 @@
         <p:spPr>
           <a:xfrm>
             <a:off x="0" y="0"/>
-            <a:ext cx="10078200" cy="1249200"/>
+            <a:ext cx="10077840" cy="1248840"/>
           </a:xfrm>
           <a:prstGeom prst="rect">
             <a:avLst/>
@@ -8061,7 +7643,7 @@
         <p:spPr>
           <a:xfrm>
             <a:off x="0" y="1249920"/>
-            <a:ext cx="5398560" cy="4417920"/>
+            <a:ext cx="5398200" cy="4417560"/>
           </a:xfrm>
           <a:prstGeom prst="rect">
             <a:avLst/>
@@ -8386,7 +7968,7 @@
         <p:spPr>
           <a:xfrm>
             <a:off x="5399280" y="1259640"/>
-            <a:ext cx="4678560" cy="4408200"/>
+            <a:ext cx="4678200" cy="4407840"/>
           </a:xfrm>
           <a:prstGeom prst="rect">
             <a:avLst/>
@@ -8405,7 +7987,7 @@
         <p:spPr>
           <a:xfrm>
             <a:off x="9223920" y="4971960"/>
-            <a:ext cx="494280" cy="426240"/>
+            <a:ext cx="493920" cy="425880"/>
           </a:xfrm>
           <a:prstGeom prst="rect">
             <a:avLst/>
@@ -8431,7 +8013,7 @@
                 <a:spcPct val="100000"/>
               </a:lnSpc>
             </a:pPr>
-            <a:fld id="{125F7A04-2CFE-417D-A93A-9B44DFB34753}" type="slidenum">
+            <a:fld id="{F954EBAE-5A46-4016-B43F-7A43AEA322B4}" type="slidenum">
               <a:rPr b="1" lang="fr-FR" sz="2400" spc="-1" strike="noStrike">
                 <a:solidFill>
                   <a:srgbClr val="ffffff"/>
@@ -8486,7 +8068,7 @@
         <p:spPr>
           <a:xfrm>
             <a:off x="0" y="360"/>
-            <a:ext cx="10078200" cy="1249200"/>
+            <a:ext cx="10077840" cy="1248840"/>
           </a:xfrm>
           <a:prstGeom prst="rect">
             <a:avLst/>
@@ -8560,7 +8142,7 @@
         <p:spPr>
           <a:xfrm>
             <a:off x="0" y="1250280"/>
-            <a:ext cx="10078200" cy="4417920"/>
+            <a:ext cx="10077840" cy="4417560"/>
           </a:xfrm>
           <a:prstGeom prst="rect">
             <a:avLst/>
@@ -9001,7 +8583,7 @@
         <p:spPr>
           <a:xfrm>
             <a:off x="9331920" y="4972320"/>
-            <a:ext cx="566280" cy="426240"/>
+            <a:ext cx="565920" cy="425880"/>
           </a:xfrm>
           <a:prstGeom prst="rect">
             <a:avLst/>
@@ -9027,7 +8609,7 @@
                 <a:spcPct val="100000"/>
               </a:lnSpc>
             </a:pPr>
-            <a:fld id="{F5D599C6-6145-4335-960B-A0ABF04B3AA3}" type="slidenum">
+            <a:fld id="{D723F267-C8F1-45AC-A415-47FF981B6443}" type="slidenum">
               <a:rPr b="1" lang="fr-FR" sz="2400" spc="-1" strike="noStrike">
                 <a:solidFill>
                   <a:srgbClr val="ffffff"/>
@@ -9057,6 +8639,1549 @@
 </file>
 
 <file path=ppt/slides/slide4.xml><?xml version="1.0" encoding="utf-8"?>
+<p:sld xmlns:a="http://schemas.openxmlformats.org/drawingml/2006/main" xmlns:p="http://schemas.openxmlformats.org/presentationml/2006/main" xmlns:r="http://schemas.openxmlformats.org/officeDocument/2006/relationships" xmlns:p14="http://schemas.microsoft.com/office/powerpoint/2010/main" xmlns:p15="http://schemas.microsoft.com/office/powerpoint/2012/main" xmlns:mc="http://schemas.openxmlformats.org/markup-compatibility/2006">
+  <p:cSld>
+    <p:spTree>
+      <p:nvGrpSpPr>
+        <p:cNvPr id="1" name=""/>
+        <p:cNvGrpSpPr/>
+        <p:nvPr/>
+      </p:nvGrpSpPr>
+      <p:grpSpPr>
+        <a:xfrm>
+          <a:off x="0" y="0"/>
+          <a:ext cx="0" cy="0"/>
+          <a:chOff x="0" y="0"/>
+          <a:chExt cx="0" cy="0"/>
+        </a:xfrm>
+      </p:grpSpPr>
+      <p:sp>
+        <p:nvSpPr>
+          <p:cNvPr id="126" name="Rectangle 87"/>
+          <p:cNvSpPr/>
+          <p:nvPr/>
+        </p:nvSpPr>
+        <p:spPr>
+          <a:xfrm>
+            <a:off x="0" y="360"/>
+            <a:ext cx="10077840" cy="1248840"/>
+          </a:xfrm>
+          <a:prstGeom prst="rect">
+            <a:avLst/>
+          </a:prstGeom>
+          <a:gradFill rotWithShape="0">
+            <a:gsLst>
+              <a:gs pos="0">
+                <a:srgbClr val="8d281e"/>
+              </a:gs>
+              <a:gs pos="100000">
+                <a:srgbClr val="000000"/>
+              </a:gs>
+            </a:gsLst>
+            <a:path path="rect">
+              <a:fillToRect l="50000" t="50000" r="50000" b="50000"/>
+            </a:path>
+          </a:gradFill>
+          <a:ln w="0">
+            <a:noFill/>
+          </a:ln>
+        </p:spPr>
+        <p:style>
+          <a:lnRef idx="0"/>
+          <a:fillRef idx="0"/>
+          <a:effectRef idx="0"/>
+          <a:fontRef idx="minor"/>
+        </p:style>
+        <p:txBody>
+          <a:bodyPr lIns="0" rIns="0" tIns="0" bIns="0" anchor="ctr">
+            <a:noAutofit/>
+          </a:bodyPr>
+          <a:p>
+            <a:pPr algn="ctr">
+              <a:lnSpc>
+                <a:spcPct val="100000"/>
+              </a:lnSpc>
+            </a:pPr>
+            <a:r>
+              <a:rPr b="0" lang="fr-FR" sz="3200" spc="-1" strike="noStrike">
+                <a:solidFill>
+                  <a:srgbClr val="ffffff"/>
+                </a:solidFill>
+                <a:latin typeface="Arial"/>
+                <a:ea typeface="DejaVu Sans"/>
+              </a:rPr>
+              <a:t>Contexte</a:t>
+            </a:r>
+            <a:endParaRPr b="0" lang="fr-FR" sz="3200" spc="-1" strike="noStrike">
+              <a:latin typeface="Arial"/>
+            </a:endParaRPr>
+          </a:p>
+          <a:p>
+            <a:pPr algn="ctr">
+              <a:lnSpc>
+                <a:spcPct val="100000"/>
+              </a:lnSpc>
+            </a:pPr>
+            <a:r>
+              <a:rPr b="0" lang="fr-FR" sz="2800" spc="-1" strike="noStrike">
+                <a:solidFill>
+                  <a:srgbClr val="ffffff"/>
+                </a:solidFill>
+                <a:latin typeface="Arial"/>
+                <a:ea typeface="DejaVu Sans"/>
+              </a:rPr>
+              <a:t>- Personae -</a:t>
+            </a:r>
+            <a:endParaRPr b="0" lang="fr-FR" sz="2800" spc="-1" strike="noStrike">
+              <a:latin typeface="Arial"/>
+            </a:endParaRPr>
+          </a:p>
+        </p:txBody>
+      </p:sp>
+      <p:sp>
+        <p:nvSpPr>
+          <p:cNvPr id="127" name="Rectangle 88"/>
+          <p:cNvSpPr/>
+          <p:nvPr/>
+        </p:nvSpPr>
+        <p:spPr>
+          <a:xfrm>
+            <a:off x="0" y="1250280"/>
+            <a:ext cx="10077840" cy="4417560"/>
+          </a:xfrm>
+          <a:prstGeom prst="rect">
+            <a:avLst/>
+          </a:prstGeom>
+          <a:gradFill rotWithShape="0">
+            <a:gsLst>
+              <a:gs pos="0">
+                <a:srgbClr val="50938a"/>
+              </a:gs>
+              <a:gs pos="100000">
+                <a:srgbClr val="5983b0"/>
+              </a:gs>
+            </a:gsLst>
+            <a:lin ang="3600000"/>
+          </a:gradFill>
+          <a:ln w="0">
+            <a:noFill/>
+          </a:ln>
+        </p:spPr>
+        <p:style>
+          <a:lnRef idx="0"/>
+          <a:fillRef idx="0"/>
+          <a:effectRef idx="0"/>
+          <a:fontRef idx="minor"/>
+        </p:style>
+        <p:txBody>
+          <a:bodyPr lIns="90000" rIns="90000" tIns="45000" bIns="45000">
+            <a:noAutofit/>
+          </a:bodyPr>
+          <a:p>
+            <a:pPr>
+              <a:lnSpc>
+                <a:spcPct val="100000"/>
+              </a:lnSpc>
+            </a:pPr>
+            <a:endParaRPr b="0" lang="fr-FR" sz="1800" spc="-1" strike="noStrike">
+              <a:latin typeface="Arial"/>
+            </a:endParaRPr>
+          </a:p>
+          <a:p>
+            <a:pPr>
+              <a:lnSpc>
+                <a:spcPct val="100000"/>
+              </a:lnSpc>
+            </a:pPr>
+            <a:r>
+              <a:rPr b="0" lang="fr-FR" sz="1800" spc="-1" strike="noStrike">
+                <a:solidFill>
+                  <a:srgbClr val="ffffff"/>
+                </a:solidFill>
+                <a:latin typeface="Arial"/>
+                <a:ea typeface="DejaVu Sans"/>
+              </a:rPr>
+              <a:t>	</a:t>
+            </a:r>
+            <a:r>
+              <a:rPr b="0" lang="fr-FR" sz="1800" spc="-1" strike="noStrike">
+                <a:solidFill>
+                  <a:srgbClr val="ffffff"/>
+                </a:solidFill>
+                <a:latin typeface="Arial"/>
+                <a:ea typeface="DejaVu Sans"/>
+              </a:rPr>
+              <a:t>	</a:t>
+            </a:r>
+            <a:endParaRPr b="0" lang="fr-FR" sz="1800" spc="-1" strike="noStrike">
+              <a:latin typeface="Arial"/>
+            </a:endParaRPr>
+          </a:p>
+          <a:p>
+            <a:pPr>
+              <a:lnSpc>
+                <a:spcPct val="100000"/>
+              </a:lnSpc>
+            </a:pPr>
+            <a:r>
+              <a:rPr b="0" lang="fr-FR" sz="1800" spc="-1" strike="noStrike">
+                <a:solidFill>
+                  <a:srgbClr val="ffffff"/>
+                </a:solidFill>
+                <a:latin typeface="Arial"/>
+                <a:ea typeface="DejaVu Sans"/>
+              </a:rPr>
+              <a:t>	</a:t>
+            </a:r>
+            <a:r>
+              <a:rPr b="0" lang="fr-FR" sz="1800" spc="-1" strike="noStrike">
+                <a:solidFill>
+                  <a:srgbClr val="ffffff"/>
+                </a:solidFill>
+                <a:latin typeface="Arial"/>
+                <a:ea typeface="DejaVu Sans"/>
+              </a:rPr>
+              <a:t>	</a:t>
+            </a:r>
+            <a:r>
+              <a:rPr b="0" lang="fr-FR" sz="1800" spc="-1" strike="noStrike">
+                <a:solidFill>
+                  <a:srgbClr val="ffffff"/>
+                </a:solidFill>
+                <a:latin typeface="Arial"/>
+                <a:ea typeface="DejaVu Sans"/>
+              </a:rPr>
+              <a:t> </a:t>
+            </a:r>
+            <a:endParaRPr b="0" lang="fr-FR" sz="1800" spc="-1" strike="noStrike">
+              <a:latin typeface="Arial"/>
+            </a:endParaRPr>
+          </a:p>
+        </p:txBody>
+      </p:sp>
+      <p:sp>
+        <p:nvSpPr>
+          <p:cNvPr id="128" name="Rectangle 89"/>
+          <p:cNvSpPr/>
+          <p:nvPr/>
+        </p:nvSpPr>
+        <p:spPr>
+          <a:xfrm>
+            <a:off x="9331920" y="4972320"/>
+            <a:ext cx="565920" cy="425880"/>
+          </a:xfrm>
+          <a:prstGeom prst="rect">
+            <a:avLst/>
+          </a:prstGeom>
+          <a:noFill/>
+          <a:ln w="0">
+            <a:noFill/>
+          </a:ln>
+        </p:spPr>
+        <p:style>
+          <a:lnRef idx="0"/>
+          <a:fillRef idx="0"/>
+          <a:effectRef idx="0"/>
+          <a:fontRef idx="minor"/>
+        </p:style>
+        <p:txBody>
+          <a:bodyPr lIns="90000" rIns="90000" tIns="45000" bIns="45000">
+            <a:noAutofit/>
+          </a:bodyPr>
+          <a:p>
+            <a:pPr>
+              <a:lnSpc>
+                <a:spcPct val="100000"/>
+              </a:lnSpc>
+            </a:pPr>
+            <a:fld id="{43D44CC9-7A33-4291-B1C8-434F57370C84}" type="slidenum">
+              <a:rPr b="1" lang="fr-FR" sz="2400" spc="-1" strike="noStrike">
+                <a:solidFill>
+                  <a:srgbClr val="ffffff"/>
+                </a:solidFill>
+                <a:latin typeface="Times New Roman"/>
+                <a:ea typeface="DejaVu Sans"/>
+              </a:rPr>
+              <a:t>&lt;numéro&gt;</a:t>
+            </a:fld>
+            <a:endParaRPr b="0" lang="fr-FR" sz="2400" spc="-1" strike="noStrike">
+              <a:latin typeface="Arial"/>
+            </a:endParaRPr>
+          </a:p>
+        </p:txBody>
+      </p:sp>
+      <p:pic>
+        <p:nvPicPr>
+          <p:cNvPr id="129" name="Image 90" descr=""/>
+          <p:cNvPicPr/>
+          <p:nvPr/>
+        </p:nvPicPr>
+        <p:blipFill>
+          <a:blip r:embed="rId1"/>
+          <a:stretch/>
+        </p:blipFill>
+        <p:spPr>
+          <a:xfrm>
+            <a:off x="2520000" y="1440000"/>
+            <a:ext cx="5585040" cy="4125240"/>
+          </a:xfrm>
+          <a:prstGeom prst="rect">
+            <a:avLst/>
+          </a:prstGeom>
+          <a:ln w="0">
+            <a:noFill/>
+          </a:ln>
+        </p:spPr>
+      </p:pic>
+    </p:spTree>
+  </p:cSld>
+  <mc:AlternateContent>
+    <mc:Choice Requires="p14">
+      <p:transition spd="slow" p14:dur="2000"/>
+    </mc:Choice>
+    <mc:Fallback>
+      <p:transition spd="slow"/>
+    </mc:Fallback>
+  </mc:AlternateContent>
+</p:sld>
+</file>
+
+<file path=ppt/slides/slide5.xml><?xml version="1.0" encoding="utf-8"?>
+<p:sld xmlns:a="http://schemas.openxmlformats.org/drawingml/2006/main" xmlns:p="http://schemas.openxmlformats.org/presentationml/2006/main" xmlns:r="http://schemas.openxmlformats.org/officeDocument/2006/relationships" xmlns:p14="http://schemas.microsoft.com/office/powerpoint/2010/main" xmlns:p15="http://schemas.microsoft.com/office/powerpoint/2012/main" xmlns:mc="http://schemas.openxmlformats.org/markup-compatibility/2006">
+  <p:cSld>
+    <p:spTree>
+      <p:nvGrpSpPr>
+        <p:cNvPr id="1" name=""/>
+        <p:cNvGrpSpPr/>
+        <p:nvPr/>
+      </p:nvGrpSpPr>
+      <p:grpSpPr>
+        <a:xfrm>
+          <a:off x="0" y="0"/>
+          <a:ext cx="0" cy="0"/>
+          <a:chOff x="0" y="0"/>
+          <a:chExt cx="0" cy="0"/>
+        </a:xfrm>
+      </p:grpSpPr>
+      <p:sp>
+        <p:nvSpPr>
+          <p:cNvPr id="130" name="Rectangle 91"/>
+          <p:cNvSpPr/>
+          <p:nvPr/>
+        </p:nvSpPr>
+        <p:spPr>
+          <a:xfrm>
+            <a:off x="0" y="360"/>
+            <a:ext cx="10077840" cy="1248840"/>
+          </a:xfrm>
+          <a:prstGeom prst="rect">
+            <a:avLst/>
+          </a:prstGeom>
+          <a:gradFill rotWithShape="0">
+            <a:gsLst>
+              <a:gs pos="0">
+                <a:srgbClr val="8d281e"/>
+              </a:gs>
+              <a:gs pos="100000">
+                <a:srgbClr val="000000"/>
+              </a:gs>
+            </a:gsLst>
+            <a:path path="rect">
+              <a:fillToRect l="50000" t="50000" r="50000" b="50000"/>
+            </a:path>
+          </a:gradFill>
+          <a:ln w="0">
+            <a:noFill/>
+          </a:ln>
+        </p:spPr>
+        <p:style>
+          <a:lnRef idx="0"/>
+          <a:fillRef idx="0"/>
+          <a:effectRef idx="0"/>
+          <a:fontRef idx="minor"/>
+        </p:style>
+        <p:txBody>
+          <a:bodyPr lIns="0" rIns="0" tIns="0" bIns="0" anchor="ctr">
+            <a:noAutofit/>
+          </a:bodyPr>
+          <a:p>
+            <a:pPr algn="ctr">
+              <a:lnSpc>
+                <a:spcPct val="100000"/>
+              </a:lnSpc>
+            </a:pPr>
+            <a:r>
+              <a:rPr b="0" lang="fr-FR" sz="3200" spc="-1" strike="noStrike">
+                <a:solidFill>
+                  <a:srgbClr val="ffffff"/>
+                </a:solidFill>
+                <a:latin typeface="Arial"/>
+                <a:ea typeface="DejaVu Sans"/>
+              </a:rPr>
+              <a:t>Contexte</a:t>
+            </a:r>
+            <a:endParaRPr b="0" lang="fr-FR" sz="3200" spc="-1" strike="noStrike">
+              <a:latin typeface="Arial"/>
+            </a:endParaRPr>
+          </a:p>
+          <a:p>
+            <a:pPr algn="ctr">
+              <a:lnSpc>
+                <a:spcPct val="100000"/>
+              </a:lnSpc>
+            </a:pPr>
+            <a:r>
+              <a:rPr b="0" lang="fr-FR" sz="2800" spc="-1" strike="noStrike">
+                <a:solidFill>
+                  <a:srgbClr val="ffffff"/>
+                </a:solidFill>
+                <a:latin typeface="Arial"/>
+                <a:ea typeface="DejaVu Sans"/>
+              </a:rPr>
+              <a:t>- Personae -</a:t>
+            </a:r>
+            <a:endParaRPr b="0" lang="fr-FR" sz="2800" spc="-1" strike="noStrike">
+              <a:latin typeface="Arial"/>
+            </a:endParaRPr>
+          </a:p>
+        </p:txBody>
+      </p:sp>
+      <p:sp>
+        <p:nvSpPr>
+          <p:cNvPr id="131" name="Rectangle 92"/>
+          <p:cNvSpPr/>
+          <p:nvPr/>
+        </p:nvSpPr>
+        <p:spPr>
+          <a:xfrm>
+            <a:off x="0" y="1250280"/>
+            <a:ext cx="10077840" cy="4417560"/>
+          </a:xfrm>
+          <a:prstGeom prst="rect">
+            <a:avLst/>
+          </a:prstGeom>
+          <a:gradFill rotWithShape="0">
+            <a:gsLst>
+              <a:gs pos="0">
+                <a:srgbClr val="50938a"/>
+              </a:gs>
+              <a:gs pos="100000">
+                <a:srgbClr val="5983b0"/>
+              </a:gs>
+            </a:gsLst>
+            <a:lin ang="3600000"/>
+          </a:gradFill>
+          <a:ln w="0">
+            <a:noFill/>
+          </a:ln>
+        </p:spPr>
+        <p:style>
+          <a:lnRef idx="0"/>
+          <a:fillRef idx="0"/>
+          <a:effectRef idx="0"/>
+          <a:fontRef idx="minor"/>
+        </p:style>
+        <p:txBody>
+          <a:bodyPr lIns="90000" rIns="90000" tIns="45000" bIns="45000">
+            <a:noAutofit/>
+          </a:bodyPr>
+          <a:p>
+            <a:pPr>
+              <a:lnSpc>
+                <a:spcPct val="100000"/>
+              </a:lnSpc>
+            </a:pPr>
+            <a:endParaRPr b="0" lang="fr-FR" sz="1800" spc="-1" strike="noStrike">
+              <a:latin typeface="Arial"/>
+            </a:endParaRPr>
+          </a:p>
+          <a:p>
+            <a:pPr>
+              <a:lnSpc>
+                <a:spcPct val="100000"/>
+              </a:lnSpc>
+            </a:pPr>
+            <a:r>
+              <a:rPr b="0" lang="fr-FR" sz="1800" spc="-1" strike="noStrike">
+                <a:solidFill>
+                  <a:srgbClr val="ffffff"/>
+                </a:solidFill>
+                <a:latin typeface="Arial"/>
+                <a:ea typeface="DejaVu Sans"/>
+              </a:rPr>
+              <a:t>	</a:t>
+            </a:r>
+            <a:r>
+              <a:rPr b="0" lang="fr-FR" sz="1800" spc="-1" strike="noStrike">
+                <a:solidFill>
+                  <a:srgbClr val="ffffff"/>
+                </a:solidFill>
+                <a:latin typeface="Arial"/>
+                <a:ea typeface="DejaVu Sans"/>
+              </a:rPr>
+              <a:t>	</a:t>
+            </a:r>
+            <a:endParaRPr b="0" lang="fr-FR" sz="1800" spc="-1" strike="noStrike">
+              <a:latin typeface="Arial"/>
+            </a:endParaRPr>
+          </a:p>
+          <a:p>
+            <a:pPr>
+              <a:lnSpc>
+                <a:spcPct val="100000"/>
+              </a:lnSpc>
+            </a:pPr>
+            <a:r>
+              <a:rPr b="0" lang="fr-FR" sz="1800" spc="-1" strike="noStrike">
+                <a:solidFill>
+                  <a:srgbClr val="ffffff"/>
+                </a:solidFill>
+                <a:latin typeface="Arial"/>
+                <a:ea typeface="DejaVu Sans"/>
+              </a:rPr>
+              <a:t>	</a:t>
+            </a:r>
+            <a:r>
+              <a:rPr b="0" lang="fr-FR" sz="1800" spc="-1" strike="noStrike">
+                <a:solidFill>
+                  <a:srgbClr val="ffffff"/>
+                </a:solidFill>
+                <a:latin typeface="Arial"/>
+                <a:ea typeface="DejaVu Sans"/>
+              </a:rPr>
+              <a:t>	</a:t>
+            </a:r>
+            <a:r>
+              <a:rPr b="0" lang="fr-FR" sz="1800" spc="-1" strike="noStrike">
+                <a:solidFill>
+                  <a:srgbClr val="ffffff"/>
+                </a:solidFill>
+                <a:latin typeface="Arial"/>
+                <a:ea typeface="DejaVu Sans"/>
+              </a:rPr>
+              <a:t> </a:t>
+            </a:r>
+            <a:endParaRPr b="0" lang="fr-FR" sz="1800" spc="-1" strike="noStrike">
+              <a:latin typeface="Arial"/>
+            </a:endParaRPr>
+          </a:p>
+        </p:txBody>
+      </p:sp>
+      <p:sp>
+        <p:nvSpPr>
+          <p:cNvPr id="132" name="Rectangle 93"/>
+          <p:cNvSpPr/>
+          <p:nvPr/>
+        </p:nvSpPr>
+        <p:spPr>
+          <a:xfrm>
+            <a:off x="9331920" y="4972320"/>
+            <a:ext cx="565920" cy="425880"/>
+          </a:xfrm>
+          <a:prstGeom prst="rect">
+            <a:avLst/>
+          </a:prstGeom>
+          <a:noFill/>
+          <a:ln w="0">
+            <a:noFill/>
+          </a:ln>
+        </p:spPr>
+        <p:style>
+          <a:lnRef idx="0"/>
+          <a:fillRef idx="0"/>
+          <a:effectRef idx="0"/>
+          <a:fontRef idx="minor"/>
+        </p:style>
+        <p:txBody>
+          <a:bodyPr lIns="90000" rIns="90000" tIns="45000" bIns="45000">
+            <a:noAutofit/>
+          </a:bodyPr>
+          <a:p>
+            <a:pPr>
+              <a:lnSpc>
+                <a:spcPct val="100000"/>
+              </a:lnSpc>
+            </a:pPr>
+            <a:fld id="{8B2B8DCD-0C47-4A2F-BA1F-FEE23214435F}" type="slidenum">
+              <a:rPr b="1" lang="fr-FR" sz="2400" spc="-1" strike="noStrike">
+                <a:solidFill>
+                  <a:srgbClr val="ffffff"/>
+                </a:solidFill>
+                <a:latin typeface="Times New Roman"/>
+                <a:ea typeface="DejaVu Sans"/>
+              </a:rPr>
+              <a:t>&lt;numéro&gt;</a:t>
+            </a:fld>
+            <a:endParaRPr b="0" lang="fr-FR" sz="2400" spc="-1" strike="noStrike">
+              <a:latin typeface="Arial"/>
+            </a:endParaRPr>
+          </a:p>
+        </p:txBody>
+      </p:sp>
+      <p:pic>
+        <p:nvPicPr>
+          <p:cNvPr id="133" name="Image 1" descr=""/>
+          <p:cNvPicPr/>
+          <p:nvPr/>
+        </p:nvPicPr>
+        <p:blipFill>
+          <a:blip r:embed="rId1"/>
+          <a:stretch/>
+        </p:blipFill>
+        <p:spPr>
+          <a:xfrm>
+            <a:off x="2200320" y="1328040"/>
+            <a:ext cx="5677200" cy="4262040"/>
+          </a:xfrm>
+          <a:prstGeom prst="rect">
+            <a:avLst/>
+          </a:prstGeom>
+          <a:ln w="0">
+            <a:noFill/>
+          </a:ln>
+        </p:spPr>
+      </p:pic>
+    </p:spTree>
+  </p:cSld>
+  <mc:AlternateContent>
+    <mc:Choice Requires="p14">
+      <p:transition spd="slow" p14:dur="2000"/>
+    </mc:Choice>
+    <mc:Fallback>
+      <p:transition spd="slow"/>
+    </mc:Fallback>
+  </mc:AlternateContent>
+</p:sld>
+</file>
+
+<file path=ppt/slides/slide6.xml><?xml version="1.0" encoding="utf-8"?>
+<p:sld xmlns:a="http://schemas.openxmlformats.org/drawingml/2006/main" xmlns:p="http://schemas.openxmlformats.org/presentationml/2006/main" xmlns:r="http://schemas.openxmlformats.org/officeDocument/2006/relationships" xmlns:p14="http://schemas.microsoft.com/office/powerpoint/2010/main" xmlns:p15="http://schemas.microsoft.com/office/powerpoint/2012/main" xmlns:mc="http://schemas.openxmlformats.org/markup-compatibility/2006">
+  <p:cSld>
+    <p:spTree>
+      <p:nvGrpSpPr>
+        <p:cNvPr id="1" name=""/>
+        <p:cNvGrpSpPr/>
+        <p:nvPr/>
+      </p:nvGrpSpPr>
+      <p:grpSpPr>
+        <a:xfrm>
+          <a:off x="0" y="0"/>
+          <a:ext cx="0" cy="0"/>
+          <a:chOff x="0" y="0"/>
+          <a:chExt cx="0" cy="0"/>
+        </a:xfrm>
+      </p:grpSpPr>
+      <p:sp>
+        <p:nvSpPr>
+          <p:cNvPr id="134" name="Rectangle 95"/>
+          <p:cNvSpPr/>
+          <p:nvPr/>
+        </p:nvSpPr>
+        <p:spPr>
+          <a:xfrm>
+            <a:off x="0" y="360"/>
+            <a:ext cx="10077840" cy="1248840"/>
+          </a:xfrm>
+          <a:prstGeom prst="rect">
+            <a:avLst/>
+          </a:prstGeom>
+          <a:gradFill rotWithShape="0">
+            <a:gsLst>
+              <a:gs pos="0">
+                <a:srgbClr val="8d281e"/>
+              </a:gs>
+              <a:gs pos="100000">
+                <a:srgbClr val="000000"/>
+              </a:gs>
+            </a:gsLst>
+            <a:path path="rect">
+              <a:fillToRect l="50000" t="50000" r="50000" b="50000"/>
+            </a:path>
+          </a:gradFill>
+          <a:ln w="0">
+            <a:noFill/>
+          </a:ln>
+        </p:spPr>
+        <p:style>
+          <a:lnRef idx="0"/>
+          <a:fillRef idx="0"/>
+          <a:effectRef idx="0"/>
+          <a:fontRef idx="minor"/>
+        </p:style>
+        <p:txBody>
+          <a:bodyPr lIns="0" rIns="0" tIns="0" bIns="0" anchor="ctr">
+            <a:noAutofit/>
+          </a:bodyPr>
+          <a:p>
+            <a:pPr algn="ctr">
+              <a:lnSpc>
+                <a:spcPct val="100000"/>
+              </a:lnSpc>
+            </a:pPr>
+            <a:r>
+              <a:rPr b="0" lang="fr-FR" sz="3200" spc="-1" strike="noStrike">
+                <a:solidFill>
+                  <a:srgbClr val="ffffff"/>
+                </a:solidFill>
+                <a:latin typeface="Arial"/>
+                <a:ea typeface="DejaVu Sans"/>
+              </a:rPr>
+              <a:t>Contexte</a:t>
+            </a:r>
+            <a:endParaRPr b="0" lang="fr-FR" sz="3200" spc="-1" strike="noStrike">
+              <a:latin typeface="Arial"/>
+            </a:endParaRPr>
+          </a:p>
+          <a:p>
+            <a:pPr algn="ctr">
+              <a:lnSpc>
+                <a:spcPct val="100000"/>
+              </a:lnSpc>
+            </a:pPr>
+            <a:r>
+              <a:rPr b="0" lang="fr-FR" sz="2800" spc="-1" strike="noStrike">
+                <a:solidFill>
+                  <a:srgbClr val="ffffff"/>
+                </a:solidFill>
+                <a:latin typeface="Arial"/>
+                <a:ea typeface="DejaVu Sans"/>
+              </a:rPr>
+              <a:t>- Personae -</a:t>
+            </a:r>
+            <a:endParaRPr b="0" lang="fr-FR" sz="2800" spc="-1" strike="noStrike">
+              <a:latin typeface="Arial"/>
+            </a:endParaRPr>
+          </a:p>
+        </p:txBody>
+      </p:sp>
+      <p:sp>
+        <p:nvSpPr>
+          <p:cNvPr id="135" name="Rectangle 96"/>
+          <p:cNvSpPr/>
+          <p:nvPr/>
+        </p:nvSpPr>
+        <p:spPr>
+          <a:xfrm>
+            <a:off x="0" y="1250280"/>
+            <a:ext cx="10077840" cy="4417560"/>
+          </a:xfrm>
+          <a:prstGeom prst="rect">
+            <a:avLst/>
+          </a:prstGeom>
+          <a:gradFill rotWithShape="0">
+            <a:gsLst>
+              <a:gs pos="0">
+                <a:srgbClr val="50938a"/>
+              </a:gs>
+              <a:gs pos="100000">
+                <a:srgbClr val="5983b0"/>
+              </a:gs>
+            </a:gsLst>
+            <a:lin ang="3600000"/>
+          </a:gradFill>
+          <a:ln w="0">
+            <a:noFill/>
+          </a:ln>
+        </p:spPr>
+        <p:style>
+          <a:lnRef idx="0"/>
+          <a:fillRef idx="0"/>
+          <a:effectRef idx="0"/>
+          <a:fontRef idx="minor"/>
+        </p:style>
+        <p:txBody>
+          <a:bodyPr lIns="90000" rIns="90000" tIns="45000" bIns="45000">
+            <a:noAutofit/>
+          </a:bodyPr>
+          <a:p>
+            <a:pPr>
+              <a:lnSpc>
+                <a:spcPct val="100000"/>
+              </a:lnSpc>
+            </a:pPr>
+            <a:endParaRPr b="0" lang="fr-FR" sz="1800" spc="-1" strike="noStrike">
+              <a:latin typeface="Arial"/>
+            </a:endParaRPr>
+          </a:p>
+          <a:p>
+            <a:pPr>
+              <a:lnSpc>
+                <a:spcPct val="100000"/>
+              </a:lnSpc>
+            </a:pPr>
+            <a:r>
+              <a:rPr b="0" lang="fr-FR" sz="1800" spc="-1" strike="noStrike">
+                <a:solidFill>
+                  <a:srgbClr val="ffffff"/>
+                </a:solidFill>
+                <a:latin typeface="Arial"/>
+                <a:ea typeface="DejaVu Sans"/>
+              </a:rPr>
+              <a:t>	</a:t>
+            </a:r>
+            <a:r>
+              <a:rPr b="0" lang="fr-FR" sz="1800" spc="-1" strike="noStrike">
+                <a:solidFill>
+                  <a:srgbClr val="ffffff"/>
+                </a:solidFill>
+                <a:latin typeface="Arial"/>
+                <a:ea typeface="DejaVu Sans"/>
+              </a:rPr>
+              <a:t>	</a:t>
+            </a:r>
+            <a:endParaRPr b="0" lang="fr-FR" sz="1800" spc="-1" strike="noStrike">
+              <a:latin typeface="Arial"/>
+            </a:endParaRPr>
+          </a:p>
+          <a:p>
+            <a:pPr>
+              <a:lnSpc>
+                <a:spcPct val="100000"/>
+              </a:lnSpc>
+            </a:pPr>
+            <a:r>
+              <a:rPr b="0" lang="fr-FR" sz="1800" spc="-1" strike="noStrike">
+                <a:solidFill>
+                  <a:srgbClr val="ffffff"/>
+                </a:solidFill>
+                <a:latin typeface="Arial"/>
+                <a:ea typeface="DejaVu Sans"/>
+              </a:rPr>
+              <a:t>	</a:t>
+            </a:r>
+            <a:r>
+              <a:rPr b="0" lang="fr-FR" sz="1800" spc="-1" strike="noStrike">
+                <a:solidFill>
+                  <a:srgbClr val="ffffff"/>
+                </a:solidFill>
+                <a:latin typeface="Arial"/>
+                <a:ea typeface="DejaVu Sans"/>
+              </a:rPr>
+              <a:t>	</a:t>
+            </a:r>
+            <a:r>
+              <a:rPr b="0" lang="fr-FR" sz="1800" spc="-1" strike="noStrike">
+                <a:solidFill>
+                  <a:srgbClr val="ffffff"/>
+                </a:solidFill>
+                <a:latin typeface="Arial"/>
+                <a:ea typeface="DejaVu Sans"/>
+              </a:rPr>
+              <a:t> </a:t>
+            </a:r>
+            <a:endParaRPr b="0" lang="fr-FR" sz="1800" spc="-1" strike="noStrike">
+              <a:latin typeface="Arial"/>
+            </a:endParaRPr>
+          </a:p>
+        </p:txBody>
+      </p:sp>
+      <p:sp>
+        <p:nvSpPr>
+          <p:cNvPr id="136" name="Rectangle 99"/>
+          <p:cNvSpPr/>
+          <p:nvPr/>
+        </p:nvSpPr>
+        <p:spPr>
+          <a:xfrm>
+            <a:off x="9331920" y="4972320"/>
+            <a:ext cx="565920" cy="425880"/>
+          </a:xfrm>
+          <a:prstGeom prst="rect">
+            <a:avLst/>
+          </a:prstGeom>
+          <a:noFill/>
+          <a:ln w="0">
+            <a:noFill/>
+          </a:ln>
+        </p:spPr>
+        <p:style>
+          <a:lnRef idx="0"/>
+          <a:fillRef idx="0"/>
+          <a:effectRef idx="0"/>
+          <a:fontRef idx="minor"/>
+        </p:style>
+        <p:txBody>
+          <a:bodyPr lIns="90000" rIns="90000" tIns="45000" bIns="45000">
+            <a:noAutofit/>
+          </a:bodyPr>
+          <a:p>
+            <a:pPr>
+              <a:lnSpc>
+                <a:spcPct val="100000"/>
+              </a:lnSpc>
+            </a:pPr>
+            <a:fld id="{4059831E-5A28-48D8-818D-5C968596A88A}" type="slidenum">
+              <a:rPr b="1" lang="fr-FR" sz="2400" spc="-1" strike="noStrike">
+                <a:solidFill>
+                  <a:srgbClr val="ffffff"/>
+                </a:solidFill>
+                <a:latin typeface="Times New Roman"/>
+                <a:ea typeface="DejaVu Sans"/>
+              </a:rPr>
+              <a:t>&lt;numéro&gt;</a:t>
+            </a:fld>
+            <a:endParaRPr b="0" lang="fr-FR" sz="2400" spc="-1" strike="noStrike">
+              <a:latin typeface="Arial"/>
+            </a:endParaRPr>
+          </a:p>
+        </p:txBody>
+      </p:sp>
+      <p:pic>
+        <p:nvPicPr>
+          <p:cNvPr id="137" name="Image 1" descr=""/>
+          <p:cNvPicPr/>
+          <p:nvPr/>
+        </p:nvPicPr>
+        <p:blipFill>
+          <a:blip r:embed="rId1"/>
+          <a:stretch/>
+        </p:blipFill>
+        <p:spPr>
+          <a:xfrm>
+            <a:off x="2264400" y="1374480"/>
+            <a:ext cx="5451840" cy="4096800"/>
+          </a:xfrm>
+          <a:prstGeom prst="rect">
+            <a:avLst/>
+          </a:prstGeom>
+          <a:ln w="0">
+            <a:noFill/>
+          </a:ln>
+        </p:spPr>
+      </p:pic>
+    </p:spTree>
+  </p:cSld>
+  <mc:AlternateContent>
+    <mc:Choice Requires="p14">
+      <p:transition spd="slow" p14:dur="2000"/>
+    </mc:Choice>
+    <mc:Fallback>
+      <p:transition spd="slow"/>
+    </mc:Fallback>
+  </mc:AlternateContent>
+</p:sld>
+</file>
+
+<file path=ppt/slides/slide7.xml><?xml version="1.0" encoding="utf-8"?>
+<p:sld xmlns:a="http://schemas.openxmlformats.org/drawingml/2006/main" xmlns:p="http://schemas.openxmlformats.org/presentationml/2006/main" xmlns:r="http://schemas.openxmlformats.org/officeDocument/2006/relationships" xmlns:p14="http://schemas.microsoft.com/office/powerpoint/2010/main" xmlns:p15="http://schemas.microsoft.com/office/powerpoint/2012/main" xmlns:mc="http://schemas.openxmlformats.org/markup-compatibility/2006">
+  <p:cSld>
+    <p:spTree>
+      <p:nvGrpSpPr>
+        <p:cNvPr id="1" name=""/>
+        <p:cNvGrpSpPr/>
+        <p:nvPr/>
+      </p:nvGrpSpPr>
+      <p:grpSpPr>
+        <a:xfrm>
+          <a:off x="0" y="0"/>
+          <a:ext cx="0" cy="0"/>
+          <a:chOff x="0" y="0"/>
+          <a:chExt cx="0" cy="0"/>
+        </a:xfrm>
+      </p:grpSpPr>
+      <p:sp>
+        <p:nvSpPr>
+          <p:cNvPr id="138" name="Rectangle 100"/>
+          <p:cNvSpPr/>
+          <p:nvPr/>
+        </p:nvSpPr>
+        <p:spPr>
+          <a:xfrm>
+            <a:off x="0" y="360"/>
+            <a:ext cx="10077840" cy="1248840"/>
+          </a:xfrm>
+          <a:prstGeom prst="rect">
+            <a:avLst/>
+          </a:prstGeom>
+          <a:gradFill rotWithShape="0">
+            <a:gsLst>
+              <a:gs pos="0">
+                <a:srgbClr val="8d281e"/>
+              </a:gs>
+              <a:gs pos="100000">
+                <a:srgbClr val="000000"/>
+              </a:gs>
+            </a:gsLst>
+            <a:path path="rect">
+              <a:fillToRect l="50000" t="50000" r="50000" b="50000"/>
+            </a:path>
+          </a:gradFill>
+          <a:ln w="0">
+            <a:noFill/>
+          </a:ln>
+        </p:spPr>
+        <p:style>
+          <a:lnRef idx="0"/>
+          <a:fillRef idx="0"/>
+          <a:effectRef idx="0"/>
+          <a:fontRef idx="minor"/>
+        </p:style>
+        <p:txBody>
+          <a:bodyPr lIns="0" rIns="0" tIns="0" bIns="0" anchor="ctr">
+            <a:noAutofit/>
+          </a:bodyPr>
+          <a:p>
+            <a:pPr algn="ctr">
+              <a:lnSpc>
+                <a:spcPct val="100000"/>
+              </a:lnSpc>
+            </a:pPr>
+            <a:r>
+              <a:rPr b="0" lang="fr-FR" sz="3200" spc="-1" strike="noStrike">
+                <a:solidFill>
+                  <a:srgbClr val="ffffff"/>
+                </a:solidFill>
+                <a:latin typeface="Arial"/>
+                <a:ea typeface="DejaVu Sans"/>
+              </a:rPr>
+              <a:t>SWOT</a:t>
+            </a:r>
+            <a:endParaRPr b="0" lang="fr-FR" sz="3200" spc="-1" strike="noStrike">
+              <a:latin typeface="Arial"/>
+            </a:endParaRPr>
+          </a:p>
+        </p:txBody>
+      </p:sp>
+      <p:sp>
+        <p:nvSpPr>
+          <p:cNvPr id="139" name="Rectangle 101"/>
+          <p:cNvSpPr/>
+          <p:nvPr/>
+        </p:nvSpPr>
+        <p:spPr>
+          <a:xfrm>
+            <a:off x="0" y="1250280"/>
+            <a:ext cx="10077840" cy="4417560"/>
+          </a:xfrm>
+          <a:prstGeom prst="rect">
+            <a:avLst/>
+          </a:prstGeom>
+          <a:gradFill rotWithShape="0">
+            <a:gsLst>
+              <a:gs pos="0">
+                <a:srgbClr val="50938a"/>
+              </a:gs>
+              <a:gs pos="100000">
+                <a:srgbClr val="5983b0"/>
+              </a:gs>
+            </a:gsLst>
+            <a:lin ang="3600000"/>
+          </a:gradFill>
+          <a:ln w="0">
+            <a:noFill/>
+          </a:ln>
+        </p:spPr>
+        <p:style>
+          <a:lnRef idx="0"/>
+          <a:fillRef idx="0"/>
+          <a:effectRef idx="0"/>
+          <a:fontRef idx="minor"/>
+        </p:style>
+        <p:txBody>
+          <a:bodyPr lIns="90000" rIns="90000" tIns="45000" bIns="45000">
+            <a:noAutofit/>
+          </a:bodyPr>
+          <a:p>
+            <a:pPr>
+              <a:lnSpc>
+                <a:spcPct val="100000"/>
+              </a:lnSpc>
+            </a:pPr>
+            <a:endParaRPr b="0" lang="fr-FR" sz="1800" spc="-1" strike="noStrike">
+              <a:latin typeface="Arial"/>
+            </a:endParaRPr>
+          </a:p>
+          <a:p>
+            <a:pPr>
+              <a:lnSpc>
+                <a:spcPct val="100000"/>
+              </a:lnSpc>
+            </a:pPr>
+            <a:r>
+              <a:rPr b="0" lang="fr-FR" sz="1800" spc="-1" strike="noStrike">
+                <a:solidFill>
+                  <a:srgbClr val="ffffff"/>
+                </a:solidFill>
+                <a:latin typeface="Arial"/>
+                <a:ea typeface="DejaVu Sans"/>
+              </a:rPr>
+              <a:t>	</a:t>
+            </a:r>
+            <a:r>
+              <a:rPr b="0" lang="fr-FR" sz="1800" spc="-1" strike="noStrike">
+                <a:solidFill>
+                  <a:srgbClr val="ffffff"/>
+                </a:solidFill>
+                <a:latin typeface="Arial"/>
+                <a:ea typeface="DejaVu Sans"/>
+              </a:rPr>
+              <a:t>	</a:t>
+            </a:r>
+            <a:endParaRPr b="0" lang="fr-FR" sz="1800" spc="-1" strike="noStrike">
+              <a:latin typeface="Arial"/>
+            </a:endParaRPr>
+          </a:p>
+          <a:p>
+            <a:pPr>
+              <a:lnSpc>
+                <a:spcPct val="100000"/>
+              </a:lnSpc>
+            </a:pPr>
+            <a:r>
+              <a:rPr b="0" lang="fr-FR" sz="1800" spc="-1" strike="noStrike">
+                <a:solidFill>
+                  <a:srgbClr val="ffffff"/>
+                </a:solidFill>
+                <a:latin typeface="Arial"/>
+                <a:ea typeface="DejaVu Sans"/>
+              </a:rPr>
+              <a:t>	</a:t>
+            </a:r>
+            <a:r>
+              <a:rPr b="0" lang="fr-FR" sz="1800" spc="-1" strike="noStrike">
+                <a:solidFill>
+                  <a:srgbClr val="ffffff"/>
+                </a:solidFill>
+                <a:latin typeface="Arial"/>
+                <a:ea typeface="DejaVu Sans"/>
+              </a:rPr>
+              <a:t>	</a:t>
+            </a:r>
+            <a:r>
+              <a:rPr b="0" lang="fr-FR" sz="1800" spc="-1" strike="noStrike">
+                <a:solidFill>
+                  <a:srgbClr val="ffffff"/>
+                </a:solidFill>
+                <a:latin typeface="Arial"/>
+                <a:ea typeface="DejaVu Sans"/>
+              </a:rPr>
+              <a:t> </a:t>
+            </a:r>
+            <a:endParaRPr b="0" lang="fr-FR" sz="1800" spc="-1" strike="noStrike">
+              <a:latin typeface="Arial"/>
+            </a:endParaRPr>
+          </a:p>
+        </p:txBody>
+      </p:sp>
+      <p:sp>
+        <p:nvSpPr>
+          <p:cNvPr id="140" name="Rectangle 103"/>
+          <p:cNvSpPr/>
+          <p:nvPr/>
+        </p:nvSpPr>
+        <p:spPr>
+          <a:xfrm>
+            <a:off x="9331920" y="4972320"/>
+            <a:ext cx="565920" cy="425880"/>
+          </a:xfrm>
+          <a:prstGeom prst="rect">
+            <a:avLst/>
+          </a:prstGeom>
+          <a:noFill/>
+          <a:ln w="0">
+            <a:noFill/>
+          </a:ln>
+        </p:spPr>
+        <p:style>
+          <a:lnRef idx="0"/>
+          <a:fillRef idx="0"/>
+          <a:effectRef idx="0"/>
+          <a:fontRef idx="minor"/>
+        </p:style>
+        <p:txBody>
+          <a:bodyPr lIns="90000" rIns="90000" tIns="45000" bIns="45000">
+            <a:noAutofit/>
+          </a:bodyPr>
+          <a:p>
+            <a:pPr>
+              <a:lnSpc>
+                <a:spcPct val="100000"/>
+              </a:lnSpc>
+            </a:pPr>
+            <a:fld id="{7B813F22-9405-4DC0-8067-48BB59128F5A}" type="slidenum">
+              <a:rPr b="1" lang="fr-FR" sz="2400" spc="-1" strike="noStrike">
+                <a:solidFill>
+                  <a:srgbClr val="ffffff"/>
+                </a:solidFill>
+                <a:latin typeface="Times New Roman"/>
+                <a:ea typeface="DejaVu Sans"/>
+              </a:rPr>
+              <a:t>&lt;numéro&gt;</a:t>
+            </a:fld>
+            <a:endParaRPr b="0" lang="fr-FR" sz="2400" spc="-1" strike="noStrike">
+              <a:latin typeface="Arial"/>
+            </a:endParaRPr>
+          </a:p>
+        </p:txBody>
+      </p:sp>
+      <p:pic>
+        <p:nvPicPr>
+          <p:cNvPr id="141" name="Image 2" descr=""/>
+          <p:cNvPicPr/>
+          <p:nvPr/>
+        </p:nvPicPr>
+        <p:blipFill>
+          <a:blip r:embed="rId1"/>
+          <a:stretch/>
+        </p:blipFill>
+        <p:spPr>
+          <a:xfrm>
+            <a:off x="2130840" y="1330920"/>
+            <a:ext cx="5816520" cy="4256280"/>
+          </a:xfrm>
+          <a:prstGeom prst="rect">
+            <a:avLst/>
+          </a:prstGeom>
+          <a:ln w="0">
+            <a:noFill/>
+          </a:ln>
+        </p:spPr>
+      </p:pic>
+    </p:spTree>
+  </p:cSld>
+  <mc:AlternateContent>
+    <mc:Choice Requires="p14">
+      <p:transition spd="slow" p14:dur="2000"/>
+    </mc:Choice>
+    <mc:Fallback>
+      <p:transition spd="slow"/>
+    </mc:Fallback>
+  </mc:AlternateContent>
+</p:sld>
+</file>
+
+<file path=ppt/slides/slide8.xml><?xml version="1.0" encoding="utf-8"?>
+<p:sld xmlns:a="http://schemas.openxmlformats.org/drawingml/2006/main" xmlns:p="http://schemas.openxmlformats.org/presentationml/2006/main" xmlns:r="http://schemas.openxmlformats.org/officeDocument/2006/relationships" xmlns:p14="http://schemas.microsoft.com/office/powerpoint/2010/main" xmlns:p15="http://schemas.microsoft.com/office/powerpoint/2012/main" xmlns:mc="http://schemas.openxmlformats.org/markup-compatibility/2006">
+  <p:cSld>
+    <p:spTree>
+      <p:nvGrpSpPr>
+        <p:cNvPr id="1" name=""/>
+        <p:cNvGrpSpPr/>
+        <p:nvPr/>
+      </p:nvGrpSpPr>
+      <p:grpSpPr>
+        <a:xfrm>
+          <a:off x="0" y="0"/>
+          <a:ext cx="0" cy="0"/>
+          <a:chOff x="0" y="0"/>
+          <a:chExt cx="0" cy="0"/>
+        </a:xfrm>
+      </p:grpSpPr>
+      <p:sp>
+        <p:nvSpPr>
+          <p:cNvPr id="142" name="Rectangle 104"/>
+          <p:cNvSpPr/>
+          <p:nvPr/>
+        </p:nvSpPr>
+        <p:spPr>
+          <a:xfrm>
+            <a:off x="0" y="360"/>
+            <a:ext cx="10077840" cy="1248840"/>
+          </a:xfrm>
+          <a:prstGeom prst="rect">
+            <a:avLst/>
+          </a:prstGeom>
+          <a:gradFill rotWithShape="0">
+            <a:gsLst>
+              <a:gs pos="0">
+                <a:srgbClr val="8d281e"/>
+              </a:gs>
+              <a:gs pos="100000">
+                <a:srgbClr val="000000"/>
+              </a:gs>
+            </a:gsLst>
+            <a:path path="rect">
+              <a:fillToRect l="50000" t="50000" r="50000" b="50000"/>
+            </a:path>
+          </a:gradFill>
+          <a:ln w="0">
+            <a:noFill/>
+          </a:ln>
+        </p:spPr>
+        <p:style>
+          <a:lnRef idx="0"/>
+          <a:fillRef idx="0"/>
+          <a:effectRef idx="0"/>
+          <a:fontRef idx="minor"/>
+        </p:style>
+        <p:txBody>
+          <a:bodyPr lIns="0" rIns="0" tIns="0" bIns="0" anchor="ctr">
+            <a:noAutofit/>
+          </a:bodyPr>
+          <a:p>
+            <a:pPr algn="ctr">
+              <a:lnSpc>
+                <a:spcPct val="100000"/>
+              </a:lnSpc>
+            </a:pPr>
+            <a:r>
+              <a:rPr b="0" lang="fr-FR" sz="3200" spc="-1" strike="noStrike">
+                <a:solidFill>
+                  <a:srgbClr val="ffffff"/>
+                </a:solidFill>
+                <a:latin typeface="Arial"/>
+                <a:ea typeface="DejaVu Sans"/>
+              </a:rPr>
+              <a:t>Design</a:t>
+            </a:r>
+            <a:endParaRPr b="0" lang="fr-FR" sz="3200" spc="-1" strike="noStrike">
+              <a:latin typeface="Arial"/>
+            </a:endParaRPr>
+          </a:p>
+          <a:p>
+            <a:pPr algn="ctr">
+              <a:lnSpc>
+                <a:spcPct val="100000"/>
+              </a:lnSpc>
+            </a:pPr>
+            <a:r>
+              <a:rPr b="0" lang="fr-FR" sz="2800" spc="-1" strike="noStrike">
+                <a:solidFill>
+                  <a:srgbClr val="ffffff"/>
+                </a:solidFill>
+                <a:latin typeface="Arial"/>
+                <a:ea typeface="DejaVu Sans"/>
+              </a:rPr>
+              <a:t>- Style Tile -</a:t>
+            </a:r>
+            <a:endParaRPr b="0" lang="fr-FR" sz="2800" spc="-1" strike="noStrike">
+              <a:latin typeface="Arial"/>
+            </a:endParaRPr>
+          </a:p>
+        </p:txBody>
+      </p:sp>
+      <p:sp>
+        <p:nvSpPr>
+          <p:cNvPr id="143" name="Rectangle 105"/>
+          <p:cNvSpPr/>
+          <p:nvPr/>
+        </p:nvSpPr>
+        <p:spPr>
+          <a:xfrm>
+            <a:off x="0" y="1250280"/>
+            <a:ext cx="10077840" cy="4417560"/>
+          </a:xfrm>
+          <a:prstGeom prst="rect">
+            <a:avLst/>
+          </a:prstGeom>
+          <a:gradFill rotWithShape="0">
+            <a:gsLst>
+              <a:gs pos="0">
+                <a:srgbClr val="50938a"/>
+              </a:gs>
+              <a:gs pos="100000">
+                <a:srgbClr val="5983b0"/>
+              </a:gs>
+            </a:gsLst>
+            <a:lin ang="3600000"/>
+          </a:gradFill>
+          <a:ln w="0">
+            <a:noFill/>
+          </a:ln>
+        </p:spPr>
+        <p:style>
+          <a:lnRef idx="0"/>
+          <a:fillRef idx="0"/>
+          <a:effectRef idx="0"/>
+          <a:fontRef idx="minor"/>
+        </p:style>
+        <p:txBody>
+          <a:bodyPr lIns="90000" rIns="90000" tIns="45000" bIns="45000">
+            <a:noAutofit/>
+          </a:bodyPr>
+          <a:p>
+            <a:pPr>
+              <a:lnSpc>
+                <a:spcPct val="100000"/>
+              </a:lnSpc>
+            </a:pPr>
+            <a:endParaRPr b="0" lang="fr-FR" sz="1800" spc="-1" strike="noStrike">
+              <a:latin typeface="Arial"/>
+            </a:endParaRPr>
+          </a:p>
+          <a:p>
+            <a:pPr>
+              <a:lnSpc>
+                <a:spcPct val="100000"/>
+              </a:lnSpc>
+            </a:pPr>
+            <a:r>
+              <a:rPr b="0" lang="fr-FR" sz="1800" spc="-1" strike="noStrike">
+                <a:solidFill>
+                  <a:srgbClr val="ffffff"/>
+                </a:solidFill>
+                <a:latin typeface="Arial"/>
+                <a:ea typeface="DejaVu Sans"/>
+              </a:rPr>
+              <a:t>	</a:t>
+            </a:r>
+            <a:r>
+              <a:rPr b="0" lang="fr-FR" sz="1800" spc="-1" strike="noStrike">
+                <a:solidFill>
+                  <a:srgbClr val="ffffff"/>
+                </a:solidFill>
+                <a:latin typeface="Arial"/>
+                <a:ea typeface="DejaVu Sans"/>
+              </a:rPr>
+              <a:t>	</a:t>
+            </a:r>
+            <a:endParaRPr b="0" lang="fr-FR" sz="1800" spc="-1" strike="noStrike">
+              <a:latin typeface="Arial"/>
+            </a:endParaRPr>
+          </a:p>
+          <a:p>
+            <a:pPr>
+              <a:lnSpc>
+                <a:spcPct val="100000"/>
+              </a:lnSpc>
+            </a:pPr>
+            <a:r>
+              <a:rPr b="0" lang="fr-FR" sz="1800" spc="-1" strike="noStrike">
+                <a:solidFill>
+                  <a:srgbClr val="ffffff"/>
+                </a:solidFill>
+                <a:latin typeface="Arial"/>
+                <a:ea typeface="DejaVu Sans"/>
+              </a:rPr>
+              <a:t>	</a:t>
+            </a:r>
+            <a:r>
+              <a:rPr b="0" lang="fr-FR" sz="1800" spc="-1" strike="noStrike">
+                <a:solidFill>
+                  <a:srgbClr val="ffffff"/>
+                </a:solidFill>
+                <a:latin typeface="Arial"/>
+                <a:ea typeface="DejaVu Sans"/>
+              </a:rPr>
+              <a:t>	</a:t>
+            </a:r>
+            <a:r>
+              <a:rPr b="0" lang="fr-FR" sz="1800" spc="-1" strike="noStrike">
+                <a:solidFill>
+                  <a:srgbClr val="ffffff"/>
+                </a:solidFill>
+                <a:latin typeface="Arial"/>
+                <a:ea typeface="DejaVu Sans"/>
+              </a:rPr>
+              <a:t> </a:t>
+            </a:r>
+            <a:endParaRPr b="0" lang="fr-FR" sz="1800" spc="-1" strike="noStrike">
+              <a:latin typeface="Arial"/>
+            </a:endParaRPr>
+          </a:p>
+        </p:txBody>
+      </p:sp>
+      <p:pic>
+        <p:nvPicPr>
+          <p:cNvPr id="144" name="Image 106" descr=""/>
+          <p:cNvPicPr/>
+          <p:nvPr/>
+        </p:nvPicPr>
+        <p:blipFill>
+          <a:blip r:embed="rId1"/>
+          <a:stretch/>
+        </p:blipFill>
+        <p:spPr>
+          <a:xfrm>
+            <a:off x="1619640" y="1275120"/>
+            <a:ext cx="7012080" cy="3942720"/>
+          </a:xfrm>
+          <a:prstGeom prst="rect">
+            <a:avLst/>
+          </a:prstGeom>
+          <a:ln w="0">
+            <a:noFill/>
+          </a:ln>
+        </p:spPr>
+      </p:pic>
+      <p:sp>
+        <p:nvSpPr>
+          <p:cNvPr id="145" name="Rectangle 107"/>
+          <p:cNvSpPr/>
+          <p:nvPr/>
+        </p:nvSpPr>
+        <p:spPr>
+          <a:xfrm>
+            <a:off x="9331920" y="4971960"/>
+            <a:ext cx="565920" cy="425880"/>
+          </a:xfrm>
+          <a:prstGeom prst="rect">
+            <a:avLst/>
+          </a:prstGeom>
+          <a:noFill/>
+          <a:ln w="0">
+            <a:noFill/>
+          </a:ln>
+        </p:spPr>
+        <p:style>
+          <a:lnRef idx="0"/>
+          <a:fillRef idx="0"/>
+          <a:effectRef idx="0"/>
+          <a:fontRef idx="minor"/>
+        </p:style>
+        <p:txBody>
+          <a:bodyPr lIns="90000" rIns="90000" tIns="45000" bIns="45000">
+            <a:noAutofit/>
+          </a:bodyPr>
+          <a:p>
+            <a:pPr>
+              <a:lnSpc>
+                <a:spcPct val="100000"/>
+              </a:lnSpc>
+            </a:pPr>
+            <a:fld id="{DF5848CF-881E-4738-B0E2-B52034A10F01}" type="slidenum">
+              <a:rPr b="1" lang="fr-FR" sz="2400" spc="-1" strike="noStrike">
+                <a:solidFill>
+                  <a:srgbClr val="ffffff"/>
+                </a:solidFill>
+                <a:latin typeface="Times New Roman"/>
+                <a:ea typeface="DejaVu Sans"/>
+              </a:rPr>
+              <a:t>&lt;numéro&gt;</a:t>
+            </a:fld>
+            <a:endParaRPr b="0" lang="fr-FR" sz="2400" spc="-1" strike="noStrike">
+              <a:latin typeface="Arial"/>
+            </a:endParaRPr>
+          </a:p>
+        </p:txBody>
+      </p:sp>
+      <p:pic>
+        <p:nvPicPr>
+          <p:cNvPr id="146" name="" descr=""/>
+          <p:cNvPicPr/>
+          <p:nvPr/>
+        </p:nvPicPr>
+        <p:blipFill>
+          <a:blip r:embed="rId2"/>
+          <a:stretch/>
+        </p:blipFill>
+        <p:spPr>
+          <a:xfrm>
+            <a:off x="1079640" y="4495680"/>
+            <a:ext cx="6108480" cy="1066320"/>
+          </a:xfrm>
+          <a:prstGeom prst="rect">
+            <a:avLst/>
+          </a:prstGeom>
+          <a:ln w="0">
+            <a:noFill/>
+          </a:ln>
+        </p:spPr>
+      </p:pic>
+    </p:spTree>
+  </p:cSld>
+  <mc:AlternateContent>
+    <mc:Choice Requires="p14">
+      <p:transition spd="slow" p14:dur="2000"/>
+    </mc:Choice>
+    <mc:Fallback>
+      <p:transition spd="slow"/>
+    </mc:Fallback>
+  </mc:AlternateContent>
+</p:sld>
+</file>
+
+<file path=ppt/slides/slide9.xml><?xml version="1.0" encoding="utf-8"?>
 <p:sld xmlns:a="http://schemas.openxmlformats.org/drawingml/2006/main" xmlns:p="http://schemas.openxmlformats.org/presentationml/2006/main" xmlns:r="http://schemas.openxmlformats.org/officeDocument/2006/relationships" xmlns:p14="http://schemas.microsoft.com/office/powerpoint/2010/main" xmlns:p15="http://schemas.microsoft.com/office/powerpoint/2012/main" xmlns:mc="http://schemas.openxmlformats.org/markup-compatibility/2006">
   <p:cSld>
     <p:bg>
@@ -9090,14 +10215,14 @@
       </p:grpSpPr>
       <p:sp>
         <p:nvSpPr>
-          <p:cNvPr id="126" name="PlaceHolder 1_0"/>
+          <p:cNvPr id="147" name="PlaceHolder 1_0"/>
           <p:cNvSpPr/>
           <p:nvPr/>
         </p:nvSpPr>
         <p:spPr>
           <a:xfrm>
             <a:off x="0" y="0"/>
-            <a:ext cx="10078200" cy="1249200"/>
+            <a:ext cx="10077840" cy="1248840"/>
           </a:xfrm>
           <a:prstGeom prst="rect">
             <a:avLst/>
@@ -9143,7 +10268,7 @@
                 <a:latin typeface="Arial"/>
                 <a:ea typeface="DejaVu Sans"/>
               </a:rPr>
-              <a:t>Contexte </a:t>
+              <a:t>Design </a:t>
             </a:r>
             <a:br/>
             <a:r>
@@ -9164,121 +10289,19 @@
       </p:sp>
       <p:sp>
         <p:nvSpPr>
-          <p:cNvPr id="127" name=""/>
-          <p:cNvSpPr txBox="1"/>
-          <p:nvPr/>
-        </p:nvSpPr>
-        <p:spPr>
-          <a:xfrm>
-            <a:off x="1440000" y="2160000"/>
-            <a:ext cx="6660000" cy="1114200"/>
-          </a:xfrm>
-          <a:prstGeom prst="rect">
-            <a:avLst/>
-          </a:prstGeom>
-          <a:noFill/>
-          <a:ln w="0">
-            <a:noFill/>
-          </a:ln>
-        </p:spPr>
-        <p:txBody>
-          <a:bodyPr lIns="90000" rIns="90000" tIns="45000" bIns="45000">
-            <a:noAutofit/>
-          </a:bodyPr>
-          <a:p>
-            <a:r>
-              <a:rPr b="0" lang="fr-FR" sz="1800" spc="-1" strike="noStrike">
-                <a:solidFill>
-                  <a:srgbClr val="ffffff"/>
-                </a:solidFill>
-                <a:latin typeface="Arial"/>
-              </a:rPr>
-              <a:t> </a:t>
-            </a:r>
-            <a:r>
-              <a:rPr b="0" lang="fr-FR" sz="1800" spc="-1" strike="noStrike">
-                <a:solidFill>
-                  <a:srgbClr val="ffffff"/>
-                </a:solidFill>
-                <a:latin typeface="Arial"/>
-              </a:rPr>
-              <a:t>	</a:t>
-            </a:r>
-            <a:r>
-              <a:rPr b="0" lang="fr-FR" sz="1800" spc="-1" strike="noStrike">
-                <a:solidFill>
-                  <a:srgbClr val="ffffff"/>
-                </a:solidFill>
-                <a:latin typeface="Arial"/>
-              </a:rPr>
-              <a:t>Un ton sérieux, informatif, pourquoi pas ponctué d’un peu plus de familiarités ou d’humour pour refléter le caractère bon-enfant des activités visées par le site, et l’aspect communautaire.</a:t>
-            </a:r>
-            <a:endParaRPr b="0" lang="fr-FR" sz="1800" spc="-1" strike="noStrike">
-              <a:solidFill>
-                <a:srgbClr val="ffffff"/>
-              </a:solidFill>
-              <a:latin typeface="Arial"/>
-            </a:endParaRPr>
-          </a:p>
-        </p:txBody>
-      </p:sp>
-    </p:spTree>
-  </p:cSld>
-  <mc:AlternateContent>
-    <mc:Choice Requires="p14">
-      <p:transition spd="slow" p14:dur="2000"/>
-    </mc:Choice>
-    <mc:Fallback>
-      <p:transition spd="slow"/>
-    </mc:Fallback>
-  </mc:AlternateContent>
-</p:sld>
-</file>
-
-<file path=ppt/slides/slide5.xml><?xml version="1.0" encoding="utf-8"?>
-<p:sld xmlns:a="http://schemas.openxmlformats.org/drawingml/2006/main" xmlns:p="http://schemas.openxmlformats.org/presentationml/2006/main" xmlns:r="http://schemas.openxmlformats.org/officeDocument/2006/relationships" xmlns:p14="http://schemas.microsoft.com/office/powerpoint/2010/main" xmlns:p15="http://schemas.microsoft.com/office/powerpoint/2012/main" xmlns:mc="http://schemas.openxmlformats.org/markup-compatibility/2006">
-  <p:cSld>
-    <p:spTree>
-      <p:nvGrpSpPr>
-        <p:cNvPr id="1" name=""/>
-        <p:cNvGrpSpPr/>
-        <p:nvPr/>
-      </p:nvGrpSpPr>
-      <p:grpSpPr>
-        <a:xfrm>
-          <a:off x="0" y="0"/>
-          <a:ext cx="0" cy="0"/>
-          <a:chOff x="0" y="0"/>
-          <a:chExt cx="0" cy="0"/>
-        </a:xfrm>
-      </p:grpSpPr>
-      <p:sp>
-        <p:nvSpPr>
-          <p:cNvPr id="128" name="Rectangle 87"/>
+          <p:cNvPr id="148" name=""/>
           <p:cNvSpPr/>
           <p:nvPr/>
         </p:nvSpPr>
         <p:spPr>
           <a:xfrm>
-            <a:off x="0" y="360"/>
-            <a:ext cx="10078200" cy="1249200"/>
-          </a:xfrm>
-          <a:prstGeom prst="rect">
-            <a:avLst/>
-          </a:prstGeom>
-          <a:gradFill rotWithShape="0">
-            <a:gsLst>
-              <a:gs pos="0">
-                <a:srgbClr val="8d281e"/>
-              </a:gs>
-              <a:gs pos="100000">
-                <a:srgbClr val="000000"/>
-              </a:gs>
-            </a:gsLst>
-            <a:path path="rect">
-              <a:fillToRect l="50000" t="50000" r="50000" b="50000"/>
-            </a:path>
-          </a:gradFill>
+            <a:off x="1440000" y="2160000"/>
+            <a:ext cx="6659640" cy="1113840"/>
+          </a:xfrm>
+          <a:prstGeom prst="rect">
+            <a:avLst/>
+          </a:prstGeom>
+          <a:noFill/>
           <a:ln w="0">
             <a:noFill/>
           </a:ln>
@@ -9290,87 +10313,6 @@
           <a:fontRef idx="minor"/>
         </p:style>
         <p:txBody>
-          <a:bodyPr lIns="0" rIns="0" tIns="0" bIns="0" anchor="ctr">
-            <a:noAutofit/>
-          </a:bodyPr>
-          <a:p>
-            <a:pPr algn="ctr">
-              <a:lnSpc>
-                <a:spcPct val="100000"/>
-              </a:lnSpc>
-            </a:pPr>
-            <a:r>
-              <a:rPr b="0" lang="fr-FR" sz="3200" spc="-1" strike="noStrike">
-                <a:solidFill>
-                  <a:srgbClr val="ffffff"/>
-                </a:solidFill>
-                <a:latin typeface="Arial"/>
-                <a:ea typeface="DejaVu Sans"/>
-              </a:rPr>
-              <a:t>Contexte</a:t>
-            </a:r>
-            <a:endParaRPr b="0" lang="fr-FR" sz="3200" spc="-1" strike="noStrike">
-              <a:latin typeface="Arial"/>
-            </a:endParaRPr>
-          </a:p>
-          <a:p>
-            <a:pPr algn="ctr">
-              <a:lnSpc>
-                <a:spcPct val="100000"/>
-              </a:lnSpc>
-            </a:pPr>
-            <a:r>
-              <a:rPr b="0" lang="fr-FR" sz="2800" spc="-1" strike="noStrike">
-                <a:solidFill>
-                  <a:srgbClr val="ffffff"/>
-                </a:solidFill>
-                <a:latin typeface="Arial"/>
-                <a:ea typeface="DejaVu Sans"/>
-              </a:rPr>
-              <a:t>- Personae -</a:t>
-            </a:r>
-            <a:endParaRPr b="0" lang="fr-FR" sz="2800" spc="-1" strike="noStrike">
-              <a:latin typeface="Arial"/>
-            </a:endParaRPr>
-          </a:p>
-        </p:txBody>
-      </p:sp>
-      <p:sp>
-        <p:nvSpPr>
-          <p:cNvPr id="129" name="Rectangle 88"/>
-          <p:cNvSpPr/>
-          <p:nvPr/>
-        </p:nvSpPr>
-        <p:spPr>
-          <a:xfrm>
-            <a:off x="0" y="1250280"/>
-            <a:ext cx="10078200" cy="4417920"/>
-          </a:xfrm>
-          <a:prstGeom prst="rect">
-            <a:avLst/>
-          </a:prstGeom>
-          <a:gradFill rotWithShape="0">
-            <a:gsLst>
-              <a:gs pos="0">
-                <a:srgbClr val="50938a"/>
-              </a:gs>
-              <a:gs pos="100000">
-                <a:srgbClr val="5983b0"/>
-              </a:gs>
-            </a:gsLst>
-            <a:lin ang="3600000"/>
-          </a:gradFill>
-          <a:ln w="0">
-            <a:noFill/>
-          </a:ln>
-        </p:spPr>
-        <p:style>
-          <a:lnRef idx="0"/>
-          <a:fillRef idx="0"/>
-          <a:effectRef idx="0"/>
-          <a:fontRef idx="minor"/>
-        </p:style>
-        <p:txBody>
           <a:bodyPr lIns="90000" rIns="90000" tIns="45000" bIns="45000">
             <a:noAutofit/>
           </a:bodyPr>
@@ -9380,1391 +10322,39 @@
                 <a:spcPct val="100000"/>
               </a:lnSpc>
             </a:pPr>
+            <a:r>
+              <a:rPr b="0" lang="fr-FR" sz="1800" spc="-1" strike="noStrike">
+                <a:solidFill>
+                  <a:srgbClr val="ffffff"/>
+                </a:solidFill>
+                <a:latin typeface="Arial"/>
+              </a:rPr>
+              <a:t> </a:t>
+            </a:r>
+            <a:r>
+              <a:rPr b="0" lang="fr-FR" sz="1800" spc="-1" strike="noStrike">
+                <a:solidFill>
+                  <a:srgbClr val="ffffff"/>
+                </a:solidFill>
+                <a:latin typeface="Arial"/>
+              </a:rPr>
+              <a:t>	</a:t>
+            </a:r>
+            <a:r>
+              <a:rPr b="0" lang="fr-FR" sz="1800" spc="-1" strike="noStrike">
+                <a:solidFill>
+                  <a:srgbClr val="ffffff"/>
+                </a:solidFill>
+                <a:latin typeface="Arial"/>
+              </a:rPr>
+              <a:t>Un ton sérieux, informatif, pourquoi pas ponctué d’un peu plus de familiarités ou d’humour pour refléter le caractère bon-enfant des activités visées par le site, et l’aspect communautaire.</a:t>
+            </a:r>
             <a:endParaRPr b="0" lang="fr-FR" sz="1800" spc="-1" strike="noStrike">
               <a:latin typeface="Arial"/>
             </a:endParaRPr>
           </a:p>
-          <a:p>
-            <a:pPr>
-              <a:lnSpc>
-                <a:spcPct val="100000"/>
-              </a:lnSpc>
-            </a:pPr>
-            <a:r>
-              <a:rPr b="0" lang="fr-FR" sz="1800" spc="-1" strike="noStrike">
-                <a:solidFill>
-                  <a:srgbClr val="ffffff"/>
-                </a:solidFill>
-                <a:latin typeface="Arial"/>
-                <a:ea typeface="DejaVu Sans"/>
-              </a:rPr>
-              <a:t>	</a:t>
-            </a:r>
-            <a:r>
-              <a:rPr b="0" lang="fr-FR" sz="1800" spc="-1" strike="noStrike">
-                <a:solidFill>
-                  <a:srgbClr val="ffffff"/>
-                </a:solidFill>
-                <a:latin typeface="Arial"/>
-                <a:ea typeface="DejaVu Sans"/>
-              </a:rPr>
-              <a:t>	</a:t>
-            </a:r>
-            <a:endParaRPr b="0" lang="fr-FR" sz="1800" spc="-1" strike="noStrike">
-              <a:latin typeface="Arial"/>
-            </a:endParaRPr>
-          </a:p>
-          <a:p>
-            <a:pPr>
-              <a:lnSpc>
-                <a:spcPct val="100000"/>
-              </a:lnSpc>
-            </a:pPr>
-            <a:r>
-              <a:rPr b="0" lang="fr-FR" sz="1800" spc="-1" strike="noStrike">
-                <a:solidFill>
-                  <a:srgbClr val="ffffff"/>
-                </a:solidFill>
-                <a:latin typeface="Arial"/>
-                <a:ea typeface="DejaVu Sans"/>
-              </a:rPr>
-              <a:t>	</a:t>
-            </a:r>
-            <a:r>
-              <a:rPr b="0" lang="fr-FR" sz="1800" spc="-1" strike="noStrike">
-                <a:solidFill>
-                  <a:srgbClr val="ffffff"/>
-                </a:solidFill>
-                <a:latin typeface="Arial"/>
-                <a:ea typeface="DejaVu Sans"/>
-              </a:rPr>
-              <a:t>	</a:t>
-            </a:r>
-            <a:r>
-              <a:rPr b="0" lang="fr-FR" sz="1800" spc="-1" strike="noStrike">
-                <a:solidFill>
-                  <a:srgbClr val="ffffff"/>
-                </a:solidFill>
-                <a:latin typeface="Arial"/>
-                <a:ea typeface="DejaVu Sans"/>
-              </a:rPr>
-              <a:t> </a:t>
-            </a:r>
-            <a:endParaRPr b="0" lang="fr-FR" sz="1800" spc="-1" strike="noStrike">
-              <a:latin typeface="Arial"/>
-            </a:endParaRPr>
-          </a:p>
-        </p:txBody>
-      </p:sp>
-      <p:sp>
-        <p:nvSpPr>
-          <p:cNvPr id="130" name="Rectangle 89"/>
-          <p:cNvSpPr/>
-          <p:nvPr/>
-        </p:nvSpPr>
-        <p:spPr>
-          <a:xfrm>
-            <a:off x="9331920" y="4972320"/>
-            <a:ext cx="566280" cy="426240"/>
-          </a:xfrm>
-          <a:prstGeom prst="rect">
-            <a:avLst/>
-          </a:prstGeom>
-          <a:noFill/>
-          <a:ln w="0">
-            <a:noFill/>
-          </a:ln>
-        </p:spPr>
-        <p:style>
-          <a:lnRef idx="0"/>
-          <a:fillRef idx="0"/>
-          <a:effectRef idx="0"/>
-          <a:fontRef idx="minor"/>
-        </p:style>
-        <p:txBody>
-          <a:bodyPr lIns="90000" rIns="90000" tIns="45000" bIns="45000">
-            <a:noAutofit/>
-          </a:bodyPr>
-          <a:p>
-            <a:pPr>
-              <a:lnSpc>
-                <a:spcPct val="100000"/>
-              </a:lnSpc>
-            </a:pPr>
-            <a:fld id="{F3A46833-7C44-412D-A45F-1765AAE3950B}" type="slidenum">
-              <a:rPr b="1" lang="fr-FR" sz="2400" spc="-1" strike="noStrike">
-                <a:solidFill>
-                  <a:srgbClr val="ffffff"/>
-                </a:solidFill>
-                <a:latin typeface="Times New Roman"/>
-                <a:ea typeface="DejaVu Sans"/>
-              </a:rPr>
-              <a:t>&lt;numéro&gt;</a:t>
-            </a:fld>
-            <a:endParaRPr b="0" lang="fr-FR" sz="2400" spc="-1" strike="noStrike">
-              <a:latin typeface="Arial"/>
-            </a:endParaRPr>
-          </a:p>
-        </p:txBody>
-      </p:sp>
-      <p:pic>
-        <p:nvPicPr>
-          <p:cNvPr id="131" name="Image 90" descr=""/>
-          <p:cNvPicPr/>
-          <p:nvPr/>
-        </p:nvPicPr>
-        <p:blipFill>
-          <a:blip r:embed="rId1"/>
-          <a:stretch/>
-        </p:blipFill>
-        <p:spPr>
-          <a:xfrm>
-            <a:off x="2520000" y="1440000"/>
-            <a:ext cx="5585400" cy="4125600"/>
-          </a:xfrm>
-          <a:prstGeom prst="rect">
-            <a:avLst/>
-          </a:prstGeom>
-          <a:ln w="0">
-            <a:noFill/>
-          </a:ln>
-        </p:spPr>
-      </p:pic>
-    </p:spTree>
-  </p:cSld>
-  <mc:AlternateContent>
-    <mc:Choice Requires="p14">
-      <p:transition spd="slow" p14:dur="2000"/>
-    </mc:Choice>
-    <mc:Fallback>
-      <p:transition spd="slow"/>
-    </mc:Fallback>
-  </mc:AlternateContent>
-</p:sld>
-</file>
-
-<file path=ppt/slides/slide6.xml><?xml version="1.0" encoding="utf-8"?>
-<p:sld xmlns:a="http://schemas.openxmlformats.org/drawingml/2006/main" xmlns:p="http://schemas.openxmlformats.org/presentationml/2006/main" xmlns:r="http://schemas.openxmlformats.org/officeDocument/2006/relationships" xmlns:p14="http://schemas.microsoft.com/office/powerpoint/2010/main" xmlns:p15="http://schemas.microsoft.com/office/powerpoint/2012/main" xmlns:mc="http://schemas.openxmlformats.org/markup-compatibility/2006">
-  <p:cSld>
-    <p:spTree>
-      <p:nvGrpSpPr>
-        <p:cNvPr id="1" name=""/>
-        <p:cNvGrpSpPr/>
-        <p:nvPr/>
-      </p:nvGrpSpPr>
-      <p:grpSpPr>
-        <a:xfrm>
-          <a:off x="0" y="0"/>
-          <a:ext cx="0" cy="0"/>
-          <a:chOff x="0" y="0"/>
-          <a:chExt cx="0" cy="0"/>
-        </a:xfrm>
-      </p:grpSpPr>
-      <p:sp>
-        <p:nvSpPr>
-          <p:cNvPr id="132" name="Rectangle 91"/>
-          <p:cNvSpPr/>
-          <p:nvPr/>
-        </p:nvSpPr>
-        <p:spPr>
-          <a:xfrm>
-            <a:off x="0" y="360"/>
-            <a:ext cx="10078200" cy="1249200"/>
-          </a:xfrm>
-          <a:prstGeom prst="rect">
-            <a:avLst/>
-          </a:prstGeom>
-          <a:gradFill rotWithShape="0">
-            <a:gsLst>
-              <a:gs pos="0">
-                <a:srgbClr val="8d281e"/>
-              </a:gs>
-              <a:gs pos="100000">
-                <a:srgbClr val="000000"/>
-              </a:gs>
-            </a:gsLst>
-            <a:path path="rect">
-              <a:fillToRect l="50000" t="50000" r="50000" b="50000"/>
-            </a:path>
-          </a:gradFill>
-          <a:ln w="0">
-            <a:noFill/>
-          </a:ln>
-        </p:spPr>
-        <p:style>
-          <a:lnRef idx="0"/>
-          <a:fillRef idx="0"/>
-          <a:effectRef idx="0"/>
-          <a:fontRef idx="minor"/>
-        </p:style>
-        <p:txBody>
-          <a:bodyPr lIns="0" rIns="0" tIns="0" bIns="0" anchor="ctr">
-            <a:noAutofit/>
-          </a:bodyPr>
-          <a:p>
-            <a:pPr algn="ctr">
-              <a:lnSpc>
-                <a:spcPct val="100000"/>
-              </a:lnSpc>
-            </a:pPr>
-            <a:r>
-              <a:rPr b="0" lang="fr-FR" sz="3200" spc="-1" strike="noStrike">
-                <a:solidFill>
-                  <a:srgbClr val="ffffff"/>
-                </a:solidFill>
-                <a:latin typeface="Arial"/>
-                <a:ea typeface="DejaVu Sans"/>
-              </a:rPr>
-              <a:t>Contexte</a:t>
-            </a:r>
-            <a:endParaRPr b="0" lang="fr-FR" sz="3200" spc="-1" strike="noStrike">
-              <a:latin typeface="Arial"/>
-            </a:endParaRPr>
-          </a:p>
-          <a:p>
-            <a:pPr algn="ctr">
-              <a:lnSpc>
-                <a:spcPct val="100000"/>
-              </a:lnSpc>
-            </a:pPr>
-            <a:r>
-              <a:rPr b="0" lang="fr-FR" sz="2800" spc="-1" strike="noStrike">
-                <a:solidFill>
-                  <a:srgbClr val="ffffff"/>
-                </a:solidFill>
-                <a:latin typeface="Arial"/>
-                <a:ea typeface="DejaVu Sans"/>
-              </a:rPr>
-              <a:t>- Personae -</a:t>
-            </a:r>
-            <a:endParaRPr b="0" lang="fr-FR" sz="2800" spc="-1" strike="noStrike">
-              <a:latin typeface="Arial"/>
-            </a:endParaRPr>
-          </a:p>
-        </p:txBody>
-      </p:sp>
-      <p:sp>
-        <p:nvSpPr>
-          <p:cNvPr id="133" name="Rectangle 92"/>
-          <p:cNvSpPr/>
-          <p:nvPr/>
-        </p:nvSpPr>
-        <p:spPr>
-          <a:xfrm>
-            <a:off x="0" y="1250280"/>
-            <a:ext cx="10078200" cy="4417920"/>
-          </a:xfrm>
-          <a:prstGeom prst="rect">
-            <a:avLst/>
-          </a:prstGeom>
-          <a:gradFill rotWithShape="0">
-            <a:gsLst>
-              <a:gs pos="0">
-                <a:srgbClr val="50938a"/>
-              </a:gs>
-              <a:gs pos="100000">
-                <a:srgbClr val="5983b0"/>
-              </a:gs>
-            </a:gsLst>
-            <a:lin ang="3600000"/>
-          </a:gradFill>
-          <a:ln w="0">
-            <a:noFill/>
-          </a:ln>
-        </p:spPr>
-        <p:style>
-          <a:lnRef idx="0"/>
-          <a:fillRef idx="0"/>
-          <a:effectRef idx="0"/>
-          <a:fontRef idx="minor"/>
-        </p:style>
-        <p:txBody>
-          <a:bodyPr lIns="90000" rIns="90000" tIns="45000" bIns="45000">
-            <a:noAutofit/>
-          </a:bodyPr>
-          <a:p>
-            <a:pPr>
-              <a:lnSpc>
-                <a:spcPct val="100000"/>
-              </a:lnSpc>
-            </a:pPr>
-            <a:endParaRPr b="0" lang="fr-FR" sz="1800" spc="-1" strike="noStrike">
-              <a:latin typeface="Arial"/>
-            </a:endParaRPr>
-          </a:p>
-          <a:p>
-            <a:pPr>
-              <a:lnSpc>
-                <a:spcPct val="100000"/>
-              </a:lnSpc>
-            </a:pPr>
-            <a:r>
-              <a:rPr b="0" lang="fr-FR" sz="1800" spc="-1" strike="noStrike">
-                <a:solidFill>
-                  <a:srgbClr val="ffffff"/>
-                </a:solidFill>
-                <a:latin typeface="Arial"/>
-                <a:ea typeface="DejaVu Sans"/>
-              </a:rPr>
-              <a:t>	</a:t>
-            </a:r>
-            <a:r>
-              <a:rPr b="0" lang="fr-FR" sz="1800" spc="-1" strike="noStrike">
-                <a:solidFill>
-                  <a:srgbClr val="ffffff"/>
-                </a:solidFill>
-                <a:latin typeface="Arial"/>
-                <a:ea typeface="DejaVu Sans"/>
-              </a:rPr>
-              <a:t>	</a:t>
-            </a:r>
-            <a:endParaRPr b="0" lang="fr-FR" sz="1800" spc="-1" strike="noStrike">
-              <a:latin typeface="Arial"/>
-            </a:endParaRPr>
-          </a:p>
-          <a:p>
-            <a:pPr>
-              <a:lnSpc>
-                <a:spcPct val="100000"/>
-              </a:lnSpc>
-            </a:pPr>
-            <a:r>
-              <a:rPr b="0" lang="fr-FR" sz="1800" spc="-1" strike="noStrike">
-                <a:solidFill>
-                  <a:srgbClr val="ffffff"/>
-                </a:solidFill>
-                <a:latin typeface="Arial"/>
-                <a:ea typeface="DejaVu Sans"/>
-              </a:rPr>
-              <a:t>	</a:t>
-            </a:r>
-            <a:r>
-              <a:rPr b="0" lang="fr-FR" sz="1800" spc="-1" strike="noStrike">
-                <a:solidFill>
-                  <a:srgbClr val="ffffff"/>
-                </a:solidFill>
-                <a:latin typeface="Arial"/>
-                <a:ea typeface="DejaVu Sans"/>
-              </a:rPr>
-              <a:t>	</a:t>
-            </a:r>
-            <a:r>
-              <a:rPr b="0" lang="fr-FR" sz="1800" spc="-1" strike="noStrike">
-                <a:solidFill>
-                  <a:srgbClr val="ffffff"/>
-                </a:solidFill>
-                <a:latin typeface="Arial"/>
-                <a:ea typeface="DejaVu Sans"/>
-              </a:rPr>
-              <a:t> </a:t>
-            </a:r>
-            <a:endParaRPr b="0" lang="fr-FR" sz="1800" spc="-1" strike="noStrike">
-              <a:latin typeface="Arial"/>
-            </a:endParaRPr>
-          </a:p>
-        </p:txBody>
-      </p:sp>
-      <p:sp>
-        <p:nvSpPr>
-          <p:cNvPr id="134" name="Rectangle 93"/>
-          <p:cNvSpPr/>
-          <p:nvPr/>
-        </p:nvSpPr>
-        <p:spPr>
-          <a:xfrm>
-            <a:off x="9331920" y="4972320"/>
-            <a:ext cx="566280" cy="426240"/>
-          </a:xfrm>
-          <a:prstGeom prst="rect">
-            <a:avLst/>
-          </a:prstGeom>
-          <a:noFill/>
-          <a:ln w="0">
-            <a:noFill/>
-          </a:ln>
-        </p:spPr>
-        <p:style>
-          <a:lnRef idx="0"/>
-          <a:fillRef idx="0"/>
-          <a:effectRef idx="0"/>
-          <a:fontRef idx="minor"/>
-        </p:style>
-        <p:txBody>
-          <a:bodyPr lIns="90000" rIns="90000" tIns="45000" bIns="45000">
-            <a:noAutofit/>
-          </a:bodyPr>
-          <a:p>
-            <a:pPr>
-              <a:lnSpc>
-                <a:spcPct val="100000"/>
-              </a:lnSpc>
-            </a:pPr>
-            <a:fld id="{2B805BFF-751B-420E-9AAE-F4C4853A599B}" type="slidenum">
-              <a:rPr b="1" lang="fr-FR" sz="2400" spc="-1" strike="noStrike">
-                <a:solidFill>
-                  <a:srgbClr val="ffffff"/>
-                </a:solidFill>
-                <a:latin typeface="Times New Roman"/>
-                <a:ea typeface="DejaVu Sans"/>
-              </a:rPr>
-              <a:t>&lt;numéro&gt;</a:t>
-            </a:fld>
-            <a:endParaRPr b="0" lang="fr-FR" sz="2400" spc="-1" strike="noStrike">
-              <a:latin typeface="Arial"/>
-            </a:endParaRPr>
-          </a:p>
-        </p:txBody>
-      </p:sp>
-      <p:pic>
-        <p:nvPicPr>
-          <p:cNvPr id="135" name="Image 1" descr=""/>
-          <p:cNvPicPr/>
-          <p:nvPr/>
-        </p:nvPicPr>
-        <p:blipFill>
-          <a:blip r:embed="rId1"/>
-          <a:stretch/>
-        </p:blipFill>
-        <p:spPr>
-          <a:xfrm>
-            <a:off x="2200320" y="1328040"/>
-            <a:ext cx="5677560" cy="4262400"/>
-          </a:xfrm>
-          <a:prstGeom prst="rect">
-            <a:avLst/>
-          </a:prstGeom>
-          <a:ln w="0">
-            <a:noFill/>
-          </a:ln>
-        </p:spPr>
-      </p:pic>
-    </p:spTree>
-  </p:cSld>
-  <mc:AlternateContent>
-    <mc:Choice Requires="p14">
-      <p:transition spd="slow" p14:dur="2000"/>
-    </mc:Choice>
-    <mc:Fallback>
-      <p:transition spd="slow"/>
-    </mc:Fallback>
-  </mc:AlternateContent>
-</p:sld>
-</file>
-
-<file path=ppt/slides/slide7.xml><?xml version="1.0" encoding="utf-8"?>
-<p:sld xmlns:a="http://schemas.openxmlformats.org/drawingml/2006/main" xmlns:p="http://schemas.openxmlformats.org/presentationml/2006/main" xmlns:r="http://schemas.openxmlformats.org/officeDocument/2006/relationships" xmlns:p14="http://schemas.microsoft.com/office/powerpoint/2010/main" xmlns:p15="http://schemas.microsoft.com/office/powerpoint/2012/main" xmlns:mc="http://schemas.openxmlformats.org/markup-compatibility/2006">
-  <p:cSld>
-    <p:spTree>
-      <p:nvGrpSpPr>
-        <p:cNvPr id="1" name=""/>
-        <p:cNvGrpSpPr/>
-        <p:nvPr/>
-      </p:nvGrpSpPr>
-      <p:grpSpPr>
-        <a:xfrm>
-          <a:off x="0" y="0"/>
-          <a:ext cx="0" cy="0"/>
-          <a:chOff x="0" y="0"/>
-          <a:chExt cx="0" cy="0"/>
-        </a:xfrm>
-      </p:grpSpPr>
-      <p:sp>
-        <p:nvSpPr>
-          <p:cNvPr id="136" name="Rectangle 95"/>
-          <p:cNvSpPr/>
-          <p:nvPr/>
-        </p:nvSpPr>
-        <p:spPr>
-          <a:xfrm>
-            <a:off x="0" y="360"/>
-            <a:ext cx="10078200" cy="1249200"/>
-          </a:xfrm>
-          <a:prstGeom prst="rect">
-            <a:avLst/>
-          </a:prstGeom>
-          <a:gradFill rotWithShape="0">
-            <a:gsLst>
-              <a:gs pos="0">
-                <a:srgbClr val="8d281e"/>
-              </a:gs>
-              <a:gs pos="100000">
-                <a:srgbClr val="000000"/>
-              </a:gs>
-            </a:gsLst>
-            <a:path path="rect">
-              <a:fillToRect l="50000" t="50000" r="50000" b="50000"/>
-            </a:path>
-          </a:gradFill>
-          <a:ln w="0">
-            <a:noFill/>
-          </a:ln>
-        </p:spPr>
-        <p:style>
-          <a:lnRef idx="0"/>
-          <a:fillRef idx="0"/>
-          <a:effectRef idx="0"/>
-          <a:fontRef idx="minor"/>
-        </p:style>
-        <p:txBody>
-          <a:bodyPr lIns="0" rIns="0" tIns="0" bIns="0" anchor="ctr">
-            <a:noAutofit/>
-          </a:bodyPr>
-          <a:p>
-            <a:pPr algn="ctr">
-              <a:lnSpc>
-                <a:spcPct val="100000"/>
-              </a:lnSpc>
-            </a:pPr>
-            <a:r>
-              <a:rPr b="0" lang="fr-FR" sz="3200" spc="-1" strike="noStrike">
-                <a:solidFill>
-                  <a:srgbClr val="ffffff"/>
-                </a:solidFill>
-                <a:latin typeface="Arial"/>
-                <a:ea typeface="DejaVu Sans"/>
-              </a:rPr>
-              <a:t>Contexte</a:t>
-            </a:r>
-            <a:endParaRPr b="0" lang="fr-FR" sz="3200" spc="-1" strike="noStrike">
-              <a:latin typeface="Arial"/>
-            </a:endParaRPr>
-          </a:p>
-          <a:p>
-            <a:pPr algn="ctr">
-              <a:lnSpc>
-                <a:spcPct val="100000"/>
-              </a:lnSpc>
-            </a:pPr>
-            <a:r>
-              <a:rPr b="0" lang="fr-FR" sz="2800" spc="-1" strike="noStrike">
-                <a:solidFill>
-                  <a:srgbClr val="ffffff"/>
-                </a:solidFill>
-                <a:latin typeface="Arial"/>
-                <a:ea typeface="DejaVu Sans"/>
-              </a:rPr>
-              <a:t>- Personae -</a:t>
-            </a:r>
-            <a:endParaRPr b="0" lang="fr-FR" sz="2800" spc="-1" strike="noStrike">
-              <a:latin typeface="Arial"/>
-            </a:endParaRPr>
-          </a:p>
-        </p:txBody>
-      </p:sp>
-      <p:sp>
-        <p:nvSpPr>
-          <p:cNvPr id="137" name="Rectangle 96"/>
-          <p:cNvSpPr/>
-          <p:nvPr/>
-        </p:nvSpPr>
-        <p:spPr>
-          <a:xfrm>
-            <a:off x="0" y="1250280"/>
-            <a:ext cx="10078200" cy="4417920"/>
-          </a:xfrm>
-          <a:prstGeom prst="rect">
-            <a:avLst/>
-          </a:prstGeom>
-          <a:gradFill rotWithShape="0">
-            <a:gsLst>
-              <a:gs pos="0">
-                <a:srgbClr val="50938a"/>
-              </a:gs>
-              <a:gs pos="100000">
-                <a:srgbClr val="5983b0"/>
-              </a:gs>
-            </a:gsLst>
-            <a:lin ang="3600000"/>
-          </a:gradFill>
-          <a:ln w="0">
-            <a:noFill/>
-          </a:ln>
-        </p:spPr>
-        <p:style>
-          <a:lnRef idx="0"/>
-          <a:fillRef idx="0"/>
-          <a:effectRef idx="0"/>
-          <a:fontRef idx="minor"/>
-        </p:style>
-        <p:txBody>
-          <a:bodyPr lIns="90000" rIns="90000" tIns="45000" bIns="45000">
-            <a:noAutofit/>
-          </a:bodyPr>
-          <a:p>
-            <a:pPr>
-              <a:lnSpc>
-                <a:spcPct val="100000"/>
-              </a:lnSpc>
-            </a:pPr>
-            <a:endParaRPr b="0" lang="fr-FR" sz="1800" spc="-1" strike="noStrike">
-              <a:latin typeface="Arial"/>
-            </a:endParaRPr>
-          </a:p>
-          <a:p>
-            <a:pPr>
-              <a:lnSpc>
-                <a:spcPct val="100000"/>
-              </a:lnSpc>
-            </a:pPr>
-            <a:r>
-              <a:rPr b="0" lang="fr-FR" sz="1800" spc="-1" strike="noStrike">
-                <a:solidFill>
-                  <a:srgbClr val="ffffff"/>
-                </a:solidFill>
-                <a:latin typeface="Arial"/>
-                <a:ea typeface="DejaVu Sans"/>
-              </a:rPr>
-              <a:t>	</a:t>
-            </a:r>
-            <a:r>
-              <a:rPr b="0" lang="fr-FR" sz="1800" spc="-1" strike="noStrike">
-                <a:solidFill>
-                  <a:srgbClr val="ffffff"/>
-                </a:solidFill>
-                <a:latin typeface="Arial"/>
-                <a:ea typeface="DejaVu Sans"/>
-              </a:rPr>
-              <a:t>	</a:t>
-            </a:r>
-            <a:endParaRPr b="0" lang="fr-FR" sz="1800" spc="-1" strike="noStrike">
-              <a:latin typeface="Arial"/>
-            </a:endParaRPr>
-          </a:p>
-          <a:p>
-            <a:pPr>
-              <a:lnSpc>
-                <a:spcPct val="100000"/>
-              </a:lnSpc>
-            </a:pPr>
-            <a:r>
-              <a:rPr b="0" lang="fr-FR" sz="1800" spc="-1" strike="noStrike">
-                <a:solidFill>
-                  <a:srgbClr val="ffffff"/>
-                </a:solidFill>
-                <a:latin typeface="Arial"/>
-                <a:ea typeface="DejaVu Sans"/>
-              </a:rPr>
-              <a:t>	</a:t>
-            </a:r>
-            <a:r>
-              <a:rPr b="0" lang="fr-FR" sz="1800" spc="-1" strike="noStrike">
-                <a:solidFill>
-                  <a:srgbClr val="ffffff"/>
-                </a:solidFill>
-                <a:latin typeface="Arial"/>
-                <a:ea typeface="DejaVu Sans"/>
-              </a:rPr>
-              <a:t>	</a:t>
-            </a:r>
-            <a:r>
-              <a:rPr b="0" lang="fr-FR" sz="1800" spc="-1" strike="noStrike">
-                <a:solidFill>
-                  <a:srgbClr val="ffffff"/>
-                </a:solidFill>
-                <a:latin typeface="Arial"/>
-                <a:ea typeface="DejaVu Sans"/>
-              </a:rPr>
-              <a:t> </a:t>
-            </a:r>
-            <a:endParaRPr b="0" lang="fr-FR" sz="1800" spc="-1" strike="noStrike">
-              <a:latin typeface="Arial"/>
-            </a:endParaRPr>
-          </a:p>
-        </p:txBody>
-      </p:sp>
-      <p:sp>
-        <p:nvSpPr>
-          <p:cNvPr id="138" name="Rectangle 99"/>
-          <p:cNvSpPr/>
-          <p:nvPr/>
-        </p:nvSpPr>
-        <p:spPr>
-          <a:xfrm>
-            <a:off x="9331920" y="4972320"/>
-            <a:ext cx="566280" cy="426240"/>
-          </a:xfrm>
-          <a:prstGeom prst="rect">
-            <a:avLst/>
-          </a:prstGeom>
-          <a:noFill/>
-          <a:ln w="0">
-            <a:noFill/>
-          </a:ln>
-        </p:spPr>
-        <p:style>
-          <a:lnRef idx="0"/>
-          <a:fillRef idx="0"/>
-          <a:effectRef idx="0"/>
-          <a:fontRef idx="minor"/>
-        </p:style>
-        <p:txBody>
-          <a:bodyPr lIns="90000" rIns="90000" tIns="45000" bIns="45000">
-            <a:noAutofit/>
-          </a:bodyPr>
-          <a:p>
-            <a:pPr>
-              <a:lnSpc>
-                <a:spcPct val="100000"/>
-              </a:lnSpc>
-            </a:pPr>
-            <a:fld id="{B64EC072-3087-4BEB-8702-ECE5B7711054}" type="slidenum">
-              <a:rPr b="1" lang="fr-FR" sz="2400" spc="-1" strike="noStrike">
-                <a:solidFill>
-                  <a:srgbClr val="ffffff"/>
-                </a:solidFill>
-                <a:latin typeface="Times New Roman"/>
-                <a:ea typeface="DejaVu Sans"/>
-              </a:rPr>
-              <a:t>&lt;numéro&gt;</a:t>
-            </a:fld>
-            <a:endParaRPr b="0" lang="fr-FR" sz="2400" spc="-1" strike="noStrike">
-              <a:latin typeface="Arial"/>
-            </a:endParaRPr>
-          </a:p>
-        </p:txBody>
-      </p:sp>
-      <p:pic>
-        <p:nvPicPr>
-          <p:cNvPr id="139" name="Image 1" descr=""/>
-          <p:cNvPicPr/>
-          <p:nvPr/>
-        </p:nvPicPr>
-        <p:blipFill>
-          <a:blip r:embed="rId1"/>
-          <a:stretch/>
-        </p:blipFill>
-        <p:spPr>
-          <a:xfrm>
-            <a:off x="2264400" y="1374480"/>
-            <a:ext cx="5452200" cy="4097160"/>
-          </a:xfrm>
-          <a:prstGeom prst="rect">
-            <a:avLst/>
-          </a:prstGeom>
-          <a:ln w="0">
-            <a:noFill/>
-          </a:ln>
-        </p:spPr>
-      </p:pic>
-    </p:spTree>
-  </p:cSld>
-  <mc:AlternateContent>
-    <mc:Choice Requires="p14">
-      <p:transition spd="slow" p14:dur="2000"/>
-    </mc:Choice>
-    <mc:Fallback>
-      <p:transition spd="slow"/>
-    </mc:Fallback>
-  </mc:AlternateContent>
-</p:sld>
-</file>
-
-<file path=ppt/slides/slide8.xml><?xml version="1.0" encoding="utf-8"?>
-<p:sld xmlns:a="http://schemas.openxmlformats.org/drawingml/2006/main" xmlns:p="http://schemas.openxmlformats.org/presentationml/2006/main" xmlns:r="http://schemas.openxmlformats.org/officeDocument/2006/relationships" xmlns:p14="http://schemas.microsoft.com/office/powerpoint/2010/main" xmlns:p15="http://schemas.microsoft.com/office/powerpoint/2012/main" xmlns:mc="http://schemas.openxmlformats.org/markup-compatibility/2006">
-  <p:cSld>
-    <p:spTree>
-      <p:nvGrpSpPr>
-        <p:cNvPr id="1" name=""/>
-        <p:cNvGrpSpPr/>
-        <p:nvPr/>
-      </p:nvGrpSpPr>
-      <p:grpSpPr>
-        <a:xfrm>
-          <a:off x="0" y="0"/>
-          <a:ext cx="0" cy="0"/>
-          <a:chOff x="0" y="0"/>
-          <a:chExt cx="0" cy="0"/>
-        </a:xfrm>
-      </p:grpSpPr>
-      <p:sp>
-        <p:nvSpPr>
-          <p:cNvPr id="140" name="Rectangle 100"/>
-          <p:cNvSpPr/>
-          <p:nvPr/>
-        </p:nvSpPr>
-        <p:spPr>
-          <a:xfrm>
-            <a:off x="0" y="360"/>
-            <a:ext cx="10078200" cy="1249200"/>
-          </a:xfrm>
-          <a:prstGeom prst="rect">
-            <a:avLst/>
-          </a:prstGeom>
-          <a:gradFill rotWithShape="0">
-            <a:gsLst>
-              <a:gs pos="0">
-                <a:srgbClr val="8d281e"/>
-              </a:gs>
-              <a:gs pos="100000">
-                <a:srgbClr val="000000"/>
-              </a:gs>
-            </a:gsLst>
-            <a:path path="rect">
-              <a:fillToRect l="50000" t="50000" r="50000" b="50000"/>
-            </a:path>
-          </a:gradFill>
-          <a:ln w="0">
-            <a:noFill/>
-          </a:ln>
-        </p:spPr>
-        <p:style>
-          <a:lnRef idx="0"/>
-          <a:fillRef idx="0"/>
-          <a:effectRef idx="0"/>
-          <a:fontRef idx="minor"/>
-        </p:style>
-        <p:txBody>
-          <a:bodyPr lIns="0" rIns="0" tIns="0" bIns="0" anchor="ctr">
-            <a:noAutofit/>
-          </a:bodyPr>
-          <a:p>
-            <a:pPr algn="ctr">
-              <a:lnSpc>
-                <a:spcPct val="100000"/>
-              </a:lnSpc>
-            </a:pPr>
-            <a:r>
-              <a:rPr b="0" lang="fr-FR" sz="3200" spc="-1" strike="noStrike">
-                <a:solidFill>
-                  <a:srgbClr val="ffffff"/>
-                </a:solidFill>
-                <a:latin typeface="Arial"/>
-                <a:ea typeface="DejaVu Sans"/>
-              </a:rPr>
-              <a:t>SWOT</a:t>
-            </a:r>
-            <a:endParaRPr b="0" lang="fr-FR" sz="3200" spc="-1" strike="noStrike">
-              <a:latin typeface="Arial"/>
-            </a:endParaRPr>
-          </a:p>
-        </p:txBody>
-      </p:sp>
-      <p:sp>
-        <p:nvSpPr>
-          <p:cNvPr id="141" name="Rectangle 101"/>
-          <p:cNvSpPr/>
-          <p:nvPr/>
-        </p:nvSpPr>
-        <p:spPr>
-          <a:xfrm>
-            <a:off x="0" y="1250280"/>
-            <a:ext cx="10078200" cy="4417920"/>
-          </a:xfrm>
-          <a:prstGeom prst="rect">
-            <a:avLst/>
-          </a:prstGeom>
-          <a:gradFill rotWithShape="0">
-            <a:gsLst>
-              <a:gs pos="0">
-                <a:srgbClr val="50938a"/>
-              </a:gs>
-              <a:gs pos="100000">
-                <a:srgbClr val="5983b0"/>
-              </a:gs>
-            </a:gsLst>
-            <a:lin ang="3600000"/>
-          </a:gradFill>
-          <a:ln w="0">
-            <a:noFill/>
-          </a:ln>
-        </p:spPr>
-        <p:style>
-          <a:lnRef idx="0"/>
-          <a:fillRef idx="0"/>
-          <a:effectRef idx="0"/>
-          <a:fontRef idx="minor"/>
-        </p:style>
-        <p:txBody>
-          <a:bodyPr lIns="90000" rIns="90000" tIns="45000" bIns="45000">
-            <a:noAutofit/>
-          </a:bodyPr>
-          <a:p>
-            <a:pPr>
-              <a:lnSpc>
-                <a:spcPct val="100000"/>
-              </a:lnSpc>
-            </a:pPr>
-            <a:endParaRPr b="0" lang="fr-FR" sz="1800" spc="-1" strike="noStrike">
-              <a:latin typeface="Arial"/>
-            </a:endParaRPr>
-          </a:p>
-          <a:p>
-            <a:pPr>
-              <a:lnSpc>
-                <a:spcPct val="100000"/>
-              </a:lnSpc>
-            </a:pPr>
-            <a:r>
-              <a:rPr b="0" lang="fr-FR" sz="1800" spc="-1" strike="noStrike">
-                <a:solidFill>
-                  <a:srgbClr val="ffffff"/>
-                </a:solidFill>
-                <a:latin typeface="Arial"/>
-                <a:ea typeface="DejaVu Sans"/>
-              </a:rPr>
-              <a:t>	</a:t>
-            </a:r>
-            <a:r>
-              <a:rPr b="0" lang="fr-FR" sz="1800" spc="-1" strike="noStrike">
-                <a:solidFill>
-                  <a:srgbClr val="ffffff"/>
-                </a:solidFill>
-                <a:latin typeface="Arial"/>
-                <a:ea typeface="DejaVu Sans"/>
-              </a:rPr>
-              <a:t>	</a:t>
-            </a:r>
-            <a:endParaRPr b="0" lang="fr-FR" sz="1800" spc="-1" strike="noStrike">
-              <a:latin typeface="Arial"/>
-            </a:endParaRPr>
-          </a:p>
-          <a:p>
-            <a:pPr>
-              <a:lnSpc>
-                <a:spcPct val="100000"/>
-              </a:lnSpc>
-            </a:pPr>
-            <a:r>
-              <a:rPr b="0" lang="fr-FR" sz="1800" spc="-1" strike="noStrike">
-                <a:solidFill>
-                  <a:srgbClr val="ffffff"/>
-                </a:solidFill>
-                <a:latin typeface="Arial"/>
-                <a:ea typeface="DejaVu Sans"/>
-              </a:rPr>
-              <a:t>	</a:t>
-            </a:r>
-            <a:r>
-              <a:rPr b="0" lang="fr-FR" sz="1800" spc="-1" strike="noStrike">
-                <a:solidFill>
-                  <a:srgbClr val="ffffff"/>
-                </a:solidFill>
-                <a:latin typeface="Arial"/>
-                <a:ea typeface="DejaVu Sans"/>
-              </a:rPr>
-              <a:t>	</a:t>
-            </a:r>
-            <a:r>
-              <a:rPr b="0" lang="fr-FR" sz="1800" spc="-1" strike="noStrike">
-                <a:solidFill>
-                  <a:srgbClr val="ffffff"/>
-                </a:solidFill>
-                <a:latin typeface="Arial"/>
-                <a:ea typeface="DejaVu Sans"/>
-              </a:rPr>
-              <a:t> </a:t>
-            </a:r>
-            <a:endParaRPr b="0" lang="fr-FR" sz="1800" spc="-1" strike="noStrike">
-              <a:latin typeface="Arial"/>
-            </a:endParaRPr>
-          </a:p>
-        </p:txBody>
-      </p:sp>
-      <p:sp>
-        <p:nvSpPr>
-          <p:cNvPr id="142" name="Rectangle 103"/>
-          <p:cNvSpPr/>
-          <p:nvPr/>
-        </p:nvSpPr>
-        <p:spPr>
-          <a:xfrm>
-            <a:off x="9331920" y="4972320"/>
-            <a:ext cx="566280" cy="426240"/>
-          </a:xfrm>
-          <a:prstGeom prst="rect">
-            <a:avLst/>
-          </a:prstGeom>
-          <a:noFill/>
-          <a:ln w="0">
-            <a:noFill/>
-          </a:ln>
-        </p:spPr>
-        <p:style>
-          <a:lnRef idx="0"/>
-          <a:fillRef idx="0"/>
-          <a:effectRef idx="0"/>
-          <a:fontRef idx="minor"/>
-        </p:style>
-        <p:txBody>
-          <a:bodyPr lIns="90000" rIns="90000" tIns="45000" bIns="45000">
-            <a:noAutofit/>
-          </a:bodyPr>
-          <a:p>
-            <a:pPr>
-              <a:lnSpc>
-                <a:spcPct val="100000"/>
-              </a:lnSpc>
-            </a:pPr>
-            <a:fld id="{B052637C-8E77-4B0F-92CB-C1E3B67E1C50}" type="slidenum">
-              <a:rPr b="1" lang="fr-FR" sz="2400" spc="-1" strike="noStrike">
-                <a:solidFill>
-                  <a:srgbClr val="ffffff"/>
-                </a:solidFill>
-                <a:latin typeface="Times New Roman"/>
-                <a:ea typeface="DejaVu Sans"/>
-              </a:rPr>
-              <a:t>&lt;numéro&gt;</a:t>
-            </a:fld>
-            <a:endParaRPr b="0" lang="fr-FR" sz="2400" spc="-1" strike="noStrike">
-              <a:latin typeface="Arial"/>
-            </a:endParaRPr>
-          </a:p>
-        </p:txBody>
-      </p:sp>
-      <p:pic>
-        <p:nvPicPr>
-          <p:cNvPr id="143" name="Image 2" descr=""/>
-          <p:cNvPicPr/>
-          <p:nvPr/>
-        </p:nvPicPr>
-        <p:blipFill>
-          <a:blip r:embed="rId1"/>
-          <a:stretch/>
-        </p:blipFill>
-        <p:spPr>
-          <a:xfrm>
-            <a:off x="2130840" y="1330920"/>
-            <a:ext cx="5816880" cy="4256640"/>
-          </a:xfrm>
-          <a:prstGeom prst="rect">
-            <a:avLst/>
-          </a:prstGeom>
-          <a:ln w="0">
-            <a:noFill/>
-          </a:ln>
-        </p:spPr>
-      </p:pic>
-    </p:spTree>
-  </p:cSld>
-  <mc:AlternateContent>
-    <mc:Choice Requires="p14">
-      <p:transition spd="slow" p14:dur="2000"/>
-    </mc:Choice>
-    <mc:Fallback>
-      <p:transition spd="slow"/>
-    </mc:Fallback>
-  </mc:AlternateContent>
-</p:sld>
-</file>
-
-<file path=ppt/slides/slide9.xml><?xml version="1.0" encoding="utf-8"?>
-<p:sld xmlns:a="http://schemas.openxmlformats.org/drawingml/2006/main" xmlns:p="http://schemas.openxmlformats.org/presentationml/2006/main" xmlns:r="http://schemas.openxmlformats.org/officeDocument/2006/relationships" xmlns:p14="http://schemas.microsoft.com/office/powerpoint/2010/main" xmlns:p15="http://schemas.microsoft.com/office/powerpoint/2012/main" xmlns:mc="http://schemas.openxmlformats.org/markup-compatibility/2006">
-  <p:cSld>
-    <p:spTree>
-      <p:nvGrpSpPr>
-        <p:cNvPr id="1" name=""/>
-        <p:cNvGrpSpPr/>
-        <p:nvPr/>
-      </p:nvGrpSpPr>
-      <p:grpSpPr>
-        <a:xfrm>
-          <a:off x="0" y="0"/>
-          <a:ext cx="0" cy="0"/>
-          <a:chOff x="0" y="0"/>
-          <a:chExt cx="0" cy="0"/>
-        </a:xfrm>
-      </p:grpSpPr>
-      <p:sp>
-        <p:nvSpPr>
-          <p:cNvPr id="144" name="Rectangle 104"/>
-          <p:cNvSpPr/>
-          <p:nvPr/>
-        </p:nvSpPr>
-        <p:spPr>
-          <a:xfrm>
-            <a:off x="0" y="360"/>
-            <a:ext cx="10078200" cy="1249200"/>
-          </a:xfrm>
-          <a:prstGeom prst="rect">
-            <a:avLst/>
-          </a:prstGeom>
-          <a:gradFill rotWithShape="0">
-            <a:gsLst>
-              <a:gs pos="0">
-                <a:srgbClr val="8d281e"/>
-              </a:gs>
-              <a:gs pos="100000">
-                <a:srgbClr val="000000"/>
-              </a:gs>
-            </a:gsLst>
-            <a:path path="rect">
-              <a:fillToRect l="50000" t="50000" r="50000" b="50000"/>
-            </a:path>
-          </a:gradFill>
-          <a:ln w="0">
-            <a:noFill/>
-          </a:ln>
-        </p:spPr>
-        <p:style>
-          <a:lnRef idx="0"/>
-          <a:fillRef idx="0"/>
-          <a:effectRef idx="0"/>
-          <a:fontRef idx="minor"/>
-        </p:style>
-        <p:txBody>
-          <a:bodyPr lIns="0" rIns="0" tIns="0" bIns="0" anchor="ctr">
-            <a:noAutofit/>
-          </a:bodyPr>
-          <a:p>
-            <a:pPr algn="ctr">
-              <a:lnSpc>
-                <a:spcPct val="100000"/>
-              </a:lnSpc>
-            </a:pPr>
-            <a:r>
-              <a:rPr b="0" lang="fr-FR" sz="3200" spc="-1" strike="noStrike">
-                <a:solidFill>
-                  <a:srgbClr val="ffffff"/>
-                </a:solidFill>
-                <a:latin typeface="Arial"/>
-                <a:ea typeface="DejaVu Sans"/>
-              </a:rPr>
-              <a:t>Design</a:t>
-            </a:r>
-            <a:endParaRPr b="0" lang="fr-FR" sz="3200" spc="-1" strike="noStrike">
-              <a:latin typeface="Arial"/>
-            </a:endParaRPr>
-          </a:p>
-          <a:p>
-            <a:pPr algn="ctr">
-              <a:lnSpc>
-                <a:spcPct val="100000"/>
-              </a:lnSpc>
-            </a:pPr>
-            <a:r>
-              <a:rPr b="0" lang="fr-FR" sz="2800" spc="-1" strike="noStrike">
-                <a:solidFill>
-                  <a:srgbClr val="ffffff"/>
-                </a:solidFill>
-                <a:latin typeface="Arial"/>
-                <a:ea typeface="DejaVu Sans"/>
-              </a:rPr>
-              <a:t>- Style Tile -</a:t>
-            </a:r>
-            <a:endParaRPr b="0" lang="fr-FR" sz="2800" spc="-1" strike="noStrike">
-              <a:latin typeface="Arial"/>
-            </a:endParaRPr>
-          </a:p>
-        </p:txBody>
-      </p:sp>
-      <p:sp>
-        <p:nvSpPr>
-          <p:cNvPr id="145" name="Rectangle 105"/>
-          <p:cNvSpPr/>
-          <p:nvPr/>
-        </p:nvSpPr>
-        <p:spPr>
-          <a:xfrm>
-            <a:off x="0" y="1250280"/>
-            <a:ext cx="10078200" cy="4417920"/>
-          </a:xfrm>
-          <a:prstGeom prst="rect">
-            <a:avLst/>
-          </a:prstGeom>
-          <a:gradFill rotWithShape="0">
-            <a:gsLst>
-              <a:gs pos="0">
-                <a:srgbClr val="50938a"/>
-              </a:gs>
-              <a:gs pos="100000">
-                <a:srgbClr val="5983b0"/>
-              </a:gs>
-            </a:gsLst>
-            <a:lin ang="3600000"/>
-          </a:gradFill>
-          <a:ln w="0">
-            <a:noFill/>
-          </a:ln>
-        </p:spPr>
-        <p:style>
-          <a:lnRef idx="0"/>
-          <a:fillRef idx="0"/>
-          <a:effectRef idx="0"/>
-          <a:fontRef idx="minor"/>
-        </p:style>
-        <p:txBody>
-          <a:bodyPr lIns="90000" rIns="90000" tIns="45000" bIns="45000">
-            <a:noAutofit/>
-          </a:bodyPr>
-          <a:p>
-            <a:pPr>
-              <a:lnSpc>
-                <a:spcPct val="100000"/>
-              </a:lnSpc>
-            </a:pPr>
-            <a:endParaRPr b="0" lang="fr-FR" sz="1800" spc="-1" strike="noStrike">
-              <a:latin typeface="Arial"/>
-            </a:endParaRPr>
-          </a:p>
-          <a:p>
-            <a:pPr>
-              <a:lnSpc>
-                <a:spcPct val="100000"/>
-              </a:lnSpc>
-            </a:pPr>
-            <a:r>
-              <a:rPr b="0" lang="fr-FR" sz="1800" spc="-1" strike="noStrike">
-                <a:solidFill>
-                  <a:srgbClr val="ffffff"/>
-                </a:solidFill>
-                <a:latin typeface="Arial"/>
-                <a:ea typeface="DejaVu Sans"/>
-              </a:rPr>
-              <a:t>	</a:t>
-            </a:r>
-            <a:r>
-              <a:rPr b="0" lang="fr-FR" sz="1800" spc="-1" strike="noStrike">
-                <a:solidFill>
-                  <a:srgbClr val="ffffff"/>
-                </a:solidFill>
-                <a:latin typeface="Arial"/>
-                <a:ea typeface="DejaVu Sans"/>
-              </a:rPr>
-              <a:t>	</a:t>
-            </a:r>
-            <a:endParaRPr b="0" lang="fr-FR" sz="1800" spc="-1" strike="noStrike">
-              <a:latin typeface="Arial"/>
-            </a:endParaRPr>
-          </a:p>
-          <a:p>
-            <a:pPr>
-              <a:lnSpc>
-                <a:spcPct val="100000"/>
-              </a:lnSpc>
-            </a:pPr>
-            <a:r>
-              <a:rPr b="0" lang="fr-FR" sz="1800" spc="-1" strike="noStrike">
-                <a:solidFill>
-                  <a:srgbClr val="ffffff"/>
-                </a:solidFill>
-                <a:latin typeface="Arial"/>
-                <a:ea typeface="DejaVu Sans"/>
-              </a:rPr>
-              <a:t>	</a:t>
-            </a:r>
-            <a:r>
-              <a:rPr b="0" lang="fr-FR" sz="1800" spc="-1" strike="noStrike">
-                <a:solidFill>
-                  <a:srgbClr val="ffffff"/>
-                </a:solidFill>
-                <a:latin typeface="Arial"/>
-                <a:ea typeface="DejaVu Sans"/>
-              </a:rPr>
-              <a:t>	</a:t>
-            </a:r>
-            <a:r>
-              <a:rPr b="0" lang="fr-FR" sz="1800" spc="-1" strike="noStrike">
-                <a:solidFill>
-                  <a:srgbClr val="ffffff"/>
-                </a:solidFill>
-                <a:latin typeface="Arial"/>
-                <a:ea typeface="DejaVu Sans"/>
-              </a:rPr>
-              <a:t> </a:t>
-            </a:r>
-            <a:endParaRPr b="0" lang="fr-FR" sz="1800" spc="-1" strike="noStrike">
-              <a:latin typeface="Arial"/>
-            </a:endParaRPr>
-          </a:p>
-        </p:txBody>
-      </p:sp>
-      <p:pic>
-        <p:nvPicPr>
-          <p:cNvPr id="146" name="Image 106" descr=""/>
-          <p:cNvPicPr/>
-          <p:nvPr/>
-        </p:nvPicPr>
-        <p:blipFill>
-          <a:blip r:embed="rId1"/>
-          <a:stretch/>
-        </p:blipFill>
-        <p:spPr>
-          <a:xfrm>
-            <a:off x="1619640" y="1275120"/>
-            <a:ext cx="7012440" cy="3943080"/>
-          </a:xfrm>
-          <a:prstGeom prst="rect">
-            <a:avLst/>
-          </a:prstGeom>
-          <a:ln w="0">
-            <a:noFill/>
-          </a:ln>
-        </p:spPr>
-      </p:pic>
-      <p:sp>
-        <p:nvSpPr>
-          <p:cNvPr id="147" name="Rectangle 107"/>
-          <p:cNvSpPr/>
-          <p:nvPr/>
-        </p:nvSpPr>
-        <p:spPr>
-          <a:xfrm>
-            <a:off x="9331920" y="4971960"/>
-            <a:ext cx="566280" cy="426240"/>
-          </a:xfrm>
-          <a:prstGeom prst="rect">
-            <a:avLst/>
-          </a:prstGeom>
-          <a:noFill/>
-          <a:ln w="0">
-            <a:noFill/>
-          </a:ln>
-        </p:spPr>
-        <p:style>
-          <a:lnRef idx="0"/>
-          <a:fillRef idx="0"/>
-          <a:effectRef idx="0"/>
-          <a:fontRef idx="minor"/>
-        </p:style>
-        <p:txBody>
-          <a:bodyPr lIns="90000" rIns="90000" tIns="45000" bIns="45000">
-            <a:noAutofit/>
-          </a:bodyPr>
-          <a:p>
-            <a:pPr>
-              <a:lnSpc>
-                <a:spcPct val="100000"/>
-              </a:lnSpc>
-            </a:pPr>
-            <a:fld id="{7E51F9B8-9F9A-430C-A0EF-5A89EEA59B5E}" type="slidenum">
-              <a:rPr b="1" lang="fr-FR" sz="2400" spc="-1" strike="noStrike">
-                <a:solidFill>
-                  <a:srgbClr val="ffffff"/>
-                </a:solidFill>
-                <a:latin typeface="Times New Roman"/>
-                <a:ea typeface="DejaVu Sans"/>
-              </a:rPr>
-              <a:t>&lt;numéro&gt;</a:t>
-            </a:fld>
-            <a:endParaRPr b="0" lang="fr-FR" sz="2400" spc="-1" strike="noStrike">
-              <a:latin typeface="Arial"/>
-            </a:endParaRPr>
-          </a:p>
-        </p:txBody>
-      </p:sp>
-      <p:pic>
-        <p:nvPicPr>
-          <p:cNvPr id="148" name="" descr=""/>
-          <p:cNvPicPr/>
-          <p:nvPr/>
-        </p:nvPicPr>
-        <p:blipFill>
-          <a:blip r:embed="rId2"/>
-          <a:stretch/>
-        </p:blipFill>
-        <p:spPr>
-          <a:xfrm>
-            <a:off x="1079640" y="4495680"/>
-            <a:ext cx="6108840" cy="1066680"/>
-          </a:xfrm>
-          <a:prstGeom prst="rect">
-            <a:avLst/>
-          </a:prstGeom>
-          <a:ln w="0">
-            <a:noFill/>
-          </a:ln>
-        </p:spPr>
-      </p:pic>
+        </p:txBody>
+      </p:sp>
     </p:spTree>
   </p:cSld>
   <mc:AlternateContent>
